--- a/figures/Figures.pptx
+++ b/figures/Figures.pptx
@@ -209,7 +209,7 @@
           <a:p>
             <a:fld id="{7C71E9F6-FCF5-CF48-B9B6-F48F0405B4DE}" type="datetimeFigureOut">
               <a:rPr lang="en-AU" smtClean="0"/>
-              <a:t>23/8/2024</a:t>
+              <a:t>26/8/2024</a:t>
             </a:fld>
             <a:endParaRPr lang="en-AU"/>
           </a:p>
@@ -521,6 +521,90 @@
           <a:bodyPr/>
           <a:lstStyle/>
           <a:p>
+            <a:endParaRPr lang="en-AU" dirty="0"/>
+          </a:p>
+        </p:txBody>
+      </p:sp>
+      <p:sp>
+        <p:nvSpPr>
+          <p:cNvPr id="4" name="Slide Number Placeholder 3"/>
+          <p:cNvSpPr>
+            <a:spLocks noGrp="1"/>
+          </p:cNvSpPr>
+          <p:nvPr>
+            <p:ph type="sldNum" sz="quarter" idx="5"/>
+          </p:nvPr>
+        </p:nvSpPr>
+        <p:spPr/>
+        <p:txBody>
+          <a:bodyPr/>
+          <a:lstStyle/>
+          <a:p>
+            <a:fld id="{641213EC-B9D3-5045-8AF8-62DDD0C5C0DC}" type="slidenum">
+              <a:rPr lang="en-AU" smtClean="0"/>
+              <a:t>1</a:t>
+            </a:fld>
+            <a:endParaRPr lang="en-AU"/>
+          </a:p>
+        </p:txBody>
+      </p:sp>
+    </p:spTree>
+    <p:extLst>
+      <p:ext uri="{BB962C8B-B14F-4D97-AF65-F5344CB8AC3E}">
+        <p14:creationId xmlns:p14="http://schemas.microsoft.com/office/powerpoint/2010/main" val="3549839801"/>
+      </p:ext>
+    </p:extLst>
+  </p:cSld>
+  <p:clrMapOvr>
+    <a:masterClrMapping/>
+  </p:clrMapOvr>
+</p:notes>
+</file>
+
+<file path=ppt/notesSlides/notesSlide2.xml><?xml version="1.0" encoding="utf-8"?>
+<p:notes xmlns:a="http://schemas.openxmlformats.org/drawingml/2006/main" xmlns:r="http://schemas.openxmlformats.org/officeDocument/2006/relationships" xmlns:p="http://schemas.openxmlformats.org/presentationml/2006/main">
+  <p:cSld>
+    <p:spTree>
+      <p:nvGrpSpPr>
+        <p:cNvPr id="1" name=""/>
+        <p:cNvGrpSpPr/>
+        <p:nvPr/>
+      </p:nvGrpSpPr>
+      <p:grpSpPr>
+        <a:xfrm>
+          <a:off x="0" y="0"/>
+          <a:ext cx="0" cy="0"/>
+          <a:chOff x="0" y="0"/>
+          <a:chExt cx="0" cy="0"/>
+        </a:xfrm>
+      </p:grpSpPr>
+      <p:sp>
+        <p:nvSpPr>
+          <p:cNvPr id="2" name="Slide Image Placeholder 1"/>
+          <p:cNvSpPr>
+            <a:spLocks noGrp="1" noRot="1" noChangeAspect="1"/>
+          </p:cNvSpPr>
+          <p:nvPr>
+            <p:ph type="sldImg"/>
+          </p:nvPr>
+        </p:nvSpPr>
+        <p:spPr/>
+      </p:sp>
+      <p:sp>
+        <p:nvSpPr>
+          <p:cNvPr id="3" name="Notes Placeholder 2"/>
+          <p:cNvSpPr>
+            <a:spLocks noGrp="1"/>
+          </p:cNvSpPr>
+          <p:nvPr>
+            <p:ph type="body" idx="1"/>
+          </p:nvPr>
+        </p:nvSpPr>
+        <p:spPr/>
+        <p:txBody>
+          <a:bodyPr/>
+          <a:lstStyle/>
+          <a:p>
             <a:r>
               <a:rPr lang="en-US" sz="1800" dirty="0">
                 <a:effectLst/>
@@ -601,99 +685,6 @@
 </p:notes>
 </file>
 
-<file path=ppt/notesSlides/notesSlide2.xml><?xml version="1.0" encoding="utf-8"?>
-<p:notes xmlns:a="http://schemas.openxmlformats.org/drawingml/2006/main" xmlns:r="http://schemas.openxmlformats.org/officeDocument/2006/relationships" xmlns:p="http://schemas.openxmlformats.org/presentationml/2006/main">
-  <p:cSld>
-    <p:spTree>
-      <p:nvGrpSpPr>
-        <p:cNvPr id="1" name=""/>
-        <p:cNvGrpSpPr/>
-        <p:nvPr/>
-      </p:nvGrpSpPr>
-      <p:grpSpPr>
-        <a:xfrm>
-          <a:off x="0" y="0"/>
-          <a:ext cx="0" cy="0"/>
-          <a:chOff x="0" y="0"/>
-          <a:chExt cx="0" cy="0"/>
-        </a:xfrm>
-      </p:grpSpPr>
-      <p:sp>
-        <p:nvSpPr>
-          <p:cNvPr id="2" name="Slide Image Placeholder 1"/>
-          <p:cNvSpPr>
-            <a:spLocks noGrp="1" noRot="1" noChangeAspect="1"/>
-          </p:cNvSpPr>
-          <p:nvPr>
-            <p:ph type="sldImg"/>
-          </p:nvPr>
-        </p:nvSpPr>
-        <p:spPr/>
-      </p:sp>
-      <p:sp>
-        <p:nvSpPr>
-          <p:cNvPr id="3" name="Notes Placeholder 2"/>
-          <p:cNvSpPr>
-            <a:spLocks noGrp="1"/>
-          </p:cNvSpPr>
-          <p:nvPr>
-            <p:ph type="body" idx="1"/>
-          </p:nvPr>
-        </p:nvSpPr>
-        <p:spPr/>
-        <p:txBody>
-          <a:bodyPr/>
-          <a:lstStyle/>
-          <a:p>
-            <a:endParaRPr lang="en-AU" dirty="0"/>
-          </a:p>
-          <a:p>
-            <a:endParaRPr lang="en-AU" dirty="0"/>
-          </a:p>
-          <a:p>
-            <a:r>
-              <a:rPr lang="en-AU" dirty="0"/>
-              <a:t>1000*800</a:t>
-            </a:r>
-          </a:p>
-        </p:txBody>
-      </p:sp>
-      <p:sp>
-        <p:nvSpPr>
-          <p:cNvPr id="4" name="Slide Number Placeholder 3"/>
-          <p:cNvSpPr>
-            <a:spLocks noGrp="1"/>
-          </p:cNvSpPr>
-          <p:nvPr>
-            <p:ph type="sldNum" sz="quarter" idx="5"/>
-          </p:nvPr>
-        </p:nvSpPr>
-        <p:spPr/>
-        <p:txBody>
-          <a:bodyPr/>
-          <a:lstStyle/>
-          <a:p>
-            <a:fld id="{641213EC-B9D3-5045-8AF8-62DDD0C5C0DC}" type="slidenum">
-              <a:rPr lang="en-AU" smtClean="0"/>
-              <a:t>3</a:t>
-            </a:fld>
-            <a:endParaRPr lang="en-AU"/>
-          </a:p>
-        </p:txBody>
-      </p:sp>
-    </p:spTree>
-    <p:extLst>
-      <p:ext uri="{BB962C8B-B14F-4D97-AF65-F5344CB8AC3E}">
-        <p14:creationId xmlns:p14="http://schemas.microsoft.com/office/powerpoint/2010/main" val="3381701662"/>
-      </p:ext>
-    </p:extLst>
-  </p:cSld>
-  <p:clrMapOvr>
-    <a:masterClrMapping/>
-  </p:clrMapOvr>
-</p:notes>
-</file>
-
 <file path=ppt/notesSlides/notesSlide3.xml><?xml version="1.0" encoding="utf-8"?>
 <p:notes xmlns:a="http://schemas.openxmlformats.org/drawingml/2006/main" xmlns:r="http://schemas.openxmlformats.org/officeDocument/2006/relationships" xmlns:p="http://schemas.openxmlformats.org/presentationml/2006/main">
   <p:cSld>
@@ -768,7 +759,7 @@
           <a:p>
             <a:fld id="{641213EC-B9D3-5045-8AF8-62DDD0C5C0DC}" type="slidenum">
               <a:rPr lang="en-AU" smtClean="0"/>
-              <a:t>4</a:t>
+              <a:t>3</a:t>
             </a:fld>
             <a:endParaRPr lang="en-AU"/>
           </a:p>
@@ -777,7 +768,7 @@
     </p:spTree>
     <p:extLst>
       <p:ext uri="{BB962C8B-B14F-4D97-AF65-F5344CB8AC3E}">
-        <p14:creationId xmlns:p14="http://schemas.microsoft.com/office/powerpoint/2010/main" val="602659828"/>
+        <p14:creationId xmlns:p14="http://schemas.microsoft.com/office/powerpoint/2010/main" val="3381701662"/>
       </p:ext>
     </p:extLst>
   </p:cSld>
@@ -833,6 +824,15 @@
           <a:p>
             <a:endParaRPr lang="en-AU" dirty="0"/>
           </a:p>
+          <a:p>
+            <a:endParaRPr lang="en-AU" dirty="0"/>
+          </a:p>
+          <a:p>
+            <a:r>
+              <a:rPr lang="en-AU" dirty="0"/>
+              <a:t>1000*800</a:t>
+            </a:r>
+          </a:p>
         </p:txBody>
       </p:sp>
       <p:sp>
@@ -852,7 +852,7 @@
           <a:p>
             <a:fld id="{641213EC-B9D3-5045-8AF8-62DDD0C5C0DC}" type="slidenum">
               <a:rPr lang="en-AU" smtClean="0"/>
-              <a:t>5</a:t>
+              <a:t>4</a:t>
             </a:fld>
             <a:endParaRPr lang="en-AU"/>
           </a:p>
@@ -861,7 +861,7 @@
     </p:spTree>
     <p:extLst>
       <p:ext uri="{BB962C8B-B14F-4D97-AF65-F5344CB8AC3E}">
-        <p14:creationId xmlns:p14="http://schemas.microsoft.com/office/powerpoint/2010/main" val="675424920"/>
+        <p14:creationId xmlns:p14="http://schemas.microsoft.com/office/powerpoint/2010/main" val="602659828"/>
       </p:ext>
     </p:extLst>
   </p:cSld>
@@ -936,6 +936,90 @@
           <a:p>
             <a:fld id="{641213EC-B9D3-5045-8AF8-62DDD0C5C0DC}" type="slidenum">
               <a:rPr lang="en-AU" smtClean="0"/>
+              <a:t>5</a:t>
+            </a:fld>
+            <a:endParaRPr lang="en-AU"/>
+          </a:p>
+        </p:txBody>
+      </p:sp>
+    </p:spTree>
+    <p:extLst>
+      <p:ext uri="{BB962C8B-B14F-4D97-AF65-F5344CB8AC3E}">
+        <p14:creationId xmlns:p14="http://schemas.microsoft.com/office/powerpoint/2010/main" val="675424920"/>
+      </p:ext>
+    </p:extLst>
+  </p:cSld>
+  <p:clrMapOvr>
+    <a:masterClrMapping/>
+  </p:clrMapOvr>
+</p:notes>
+</file>
+
+<file path=ppt/notesSlides/notesSlide6.xml><?xml version="1.0" encoding="utf-8"?>
+<p:notes xmlns:a="http://schemas.openxmlformats.org/drawingml/2006/main" xmlns:r="http://schemas.openxmlformats.org/officeDocument/2006/relationships" xmlns:p="http://schemas.openxmlformats.org/presentationml/2006/main">
+  <p:cSld>
+    <p:spTree>
+      <p:nvGrpSpPr>
+        <p:cNvPr id="1" name=""/>
+        <p:cNvGrpSpPr/>
+        <p:nvPr/>
+      </p:nvGrpSpPr>
+      <p:grpSpPr>
+        <a:xfrm>
+          <a:off x="0" y="0"/>
+          <a:ext cx="0" cy="0"/>
+          <a:chOff x="0" y="0"/>
+          <a:chExt cx="0" cy="0"/>
+        </a:xfrm>
+      </p:grpSpPr>
+      <p:sp>
+        <p:nvSpPr>
+          <p:cNvPr id="2" name="Slide Image Placeholder 1"/>
+          <p:cNvSpPr>
+            <a:spLocks noGrp="1" noRot="1" noChangeAspect="1"/>
+          </p:cNvSpPr>
+          <p:nvPr>
+            <p:ph type="sldImg"/>
+          </p:nvPr>
+        </p:nvSpPr>
+        <p:spPr/>
+      </p:sp>
+      <p:sp>
+        <p:nvSpPr>
+          <p:cNvPr id="3" name="Notes Placeholder 2"/>
+          <p:cNvSpPr>
+            <a:spLocks noGrp="1"/>
+          </p:cNvSpPr>
+          <p:nvPr>
+            <p:ph type="body" idx="1"/>
+          </p:nvPr>
+        </p:nvSpPr>
+        <p:spPr/>
+        <p:txBody>
+          <a:bodyPr/>
+          <a:lstStyle/>
+          <a:p>
+            <a:endParaRPr lang="en-AU" dirty="0"/>
+          </a:p>
+        </p:txBody>
+      </p:sp>
+      <p:sp>
+        <p:nvSpPr>
+          <p:cNvPr id="4" name="Slide Number Placeholder 3"/>
+          <p:cNvSpPr>
+            <a:spLocks noGrp="1"/>
+          </p:cNvSpPr>
+          <p:nvPr>
+            <p:ph type="sldNum" sz="quarter" idx="5"/>
+          </p:nvPr>
+        </p:nvSpPr>
+        <p:spPr/>
+        <p:txBody>
+          <a:bodyPr/>
+          <a:lstStyle/>
+          <a:p>
+            <a:fld id="{641213EC-B9D3-5045-8AF8-62DDD0C5C0DC}" type="slidenum">
+              <a:rPr lang="en-AU" smtClean="0"/>
               <a:t>6</a:t>
             </a:fld>
             <a:endParaRPr lang="en-AU"/>
@@ -955,7 +1039,7 @@
 </p:notes>
 </file>
 
-<file path=ppt/notesSlides/notesSlide6.xml><?xml version="1.0" encoding="utf-8"?>
+<file path=ppt/notesSlides/notesSlide7.xml><?xml version="1.0" encoding="utf-8"?>
 <p:notes xmlns:a="http://schemas.openxmlformats.org/drawingml/2006/main" xmlns:r="http://schemas.openxmlformats.org/officeDocument/2006/relationships" xmlns:p="http://schemas.openxmlformats.org/presentationml/2006/main">
   <p:cSld>
     <p:spTree>
@@ -1188,7 +1272,7 @@
           <a:p>
             <a:fld id="{799B2C33-7340-E345-8D27-DAF2A30017B3}" type="datetimeFigureOut">
               <a:rPr lang="en-AU" smtClean="0"/>
-              <a:t>23/8/2024</a:t>
+              <a:t>26/8/2024</a:t>
             </a:fld>
             <a:endParaRPr lang="en-AU"/>
           </a:p>
@@ -1388,7 +1472,7 @@
           <a:p>
             <a:fld id="{799B2C33-7340-E345-8D27-DAF2A30017B3}" type="datetimeFigureOut">
               <a:rPr lang="en-AU" smtClean="0"/>
-              <a:t>23/8/2024</a:t>
+              <a:t>26/8/2024</a:t>
             </a:fld>
             <a:endParaRPr lang="en-AU"/>
           </a:p>
@@ -1598,7 +1682,7 @@
           <a:p>
             <a:fld id="{799B2C33-7340-E345-8D27-DAF2A30017B3}" type="datetimeFigureOut">
               <a:rPr lang="en-AU" smtClean="0"/>
-              <a:t>23/8/2024</a:t>
+              <a:t>26/8/2024</a:t>
             </a:fld>
             <a:endParaRPr lang="en-AU"/>
           </a:p>
@@ -1798,7 +1882,7 @@
           <a:p>
             <a:fld id="{799B2C33-7340-E345-8D27-DAF2A30017B3}" type="datetimeFigureOut">
               <a:rPr lang="en-AU" smtClean="0"/>
-              <a:t>23/8/2024</a:t>
+              <a:t>26/8/2024</a:t>
             </a:fld>
             <a:endParaRPr lang="en-AU"/>
           </a:p>
@@ -2074,7 +2158,7 @@
           <a:p>
             <a:fld id="{799B2C33-7340-E345-8D27-DAF2A30017B3}" type="datetimeFigureOut">
               <a:rPr lang="en-AU" smtClean="0"/>
-              <a:t>23/8/2024</a:t>
+              <a:t>26/8/2024</a:t>
             </a:fld>
             <a:endParaRPr lang="en-AU"/>
           </a:p>
@@ -2342,7 +2426,7 @@
           <a:p>
             <a:fld id="{799B2C33-7340-E345-8D27-DAF2A30017B3}" type="datetimeFigureOut">
               <a:rPr lang="en-AU" smtClean="0"/>
-              <a:t>23/8/2024</a:t>
+              <a:t>26/8/2024</a:t>
             </a:fld>
             <a:endParaRPr lang="en-AU"/>
           </a:p>
@@ -2757,7 +2841,7 @@
           <a:p>
             <a:fld id="{799B2C33-7340-E345-8D27-DAF2A30017B3}" type="datetimeFigureOut">
               <a:rPr lang="en-AU" smtClean="0"/>
-              <a:t>23/8/2024</a:t>
+              <a:t>26/8/2024</a:t>
             </a:fld>
             <a:endParaRPr lang="en-AU"/>
           </a:p>
@@ -2899,7 +2983,7 @@
           <a:p>
             <a:fld id="{799B2C33-7340-E345-8D27-DAF2A30017B3}" type="datetimeFigureOut">
               <a:rPr lang="en-AU" smtClean="0"/>
-              <a:t>23/8/2024</a:t>
+              <a:t>26/8/2024</a:t>
             </a:fld>
             <a:endParaRPr lang="en-AU"/>
           </a:p>
@@ -3012,7 +3096,7 @@
           <a:p>
             <a:fld id="{799B2C33-7340-E345-8D27-DAF2A30017B3}" type="datetimeFigureOut">
               <a:rPr lang="en-AU" smtClean="0"/>
-              <a:t>23/8/2024</a:t>
+              <a:t>26/8/2024</a:t>
             </a:fld>
             <a:endParaRPr lang="en-AU"/>
           </a:p>
@@ -3325,7 +3409,7 @@
           <a:p>
             <a:fld id="{799B2C33-7340-E345-8D27-DAF2A30017B3}" type="datetimeFigureOut">
               <a:rPr lang="en-AU" smtClean="0"/>
-              <a:t>23/8/2024</a:t>
+              <a:t>26/8/2024</a:t>
             </a:fld>
             <a:endParaRPr lang="en-AU"/>
           </a:p>
@@ -3614,7 +3698,7 @@
           <a:p>
             <a:fld id="{799B2C33-7340-E345-8D27-DAF2A30017B3}" type="datetimeFigureOut">
               <a:rPr lang="en-AU" smtClean="0"/>
-              <a:t>23/8/2024</a:t>
+              <a:t>26/8/2024</a:t>
             </a:fld>
             <a:endParaRPr lang="en-AU"/>
           </a:p>
@@ -3857,7 +3941,7 @@
           <a:p>
             <a:fld id="{799B2C33-7340-E345-8D27-DAF2A30017B3}" type="datetimeFigureOut">
               <a:rPr lang="en-AU" smtClean="0"/>
-              <a:t>23/8/2024</a:t>
+              <a:t>26/8/2024</a:t>
             </a:fld>
             <a:endParaRPr lang="en-AU"/>
           </a:p>
@@ -4276,10 +4360,10 @@
       </p:grpSpPr>
       <p:grpSp>
         <p:nvGrpSpPr>
-          <p:cNvPr id="69" name="Group 68">
+          <p:cNvPr id="46" name="Group 45">
             <a:extLst>
               <a:ext uri="{FF2B5EF4-FFF2-40B4-BE49-F238E27FC236}">
-                <a16:creationId xmlns:a16="http://schemas.microsoft.com/office/drawing/2014/main" id="{8ED9763F-0561-D12B-F995-38E9327DA220}"/>
+                <a16:creationId xmlns:a16="http://schemas.microsoft.com/office/drawing/2014/main" id="{ED7C9BA2-F126-9D84-BD4E-91139285B4D4}"/>
               </a:ext>
             </a:extLst>
           </p:cNvPr>
@@ -4288,18 +4372,93 @@
         </p:nvGrpSpPr>
         <p:grpSpPr>
           <a:xfrm>
-            <a:off x="692725" y="1693542"/>
-            <a:ext cx="10816827" cy="2853013"/>
-            <a:chOff x="-101601" y="1693542"/>
-            <a:chExt cx="10816827" cy="2853013"/>
+            <a:off x="692725" y="1487354"/>
+            <a:ext cx="10816827" cy="2809731"/>
+            <a:chOff x="692725" y="1487354"/>
+            <a:chExt cx="10816827" cy="2809731"/>
           </a:xfrm>
         </p:grpSpPr>
+        <p:cxnSp>
+          <p:nvCxnSpPr>
+            <p:cNvPr id="8" name="Straight Connector 7">
+              <a:extLst>
+                <a:ext uri="{FF2B5EF4-FFF2-40B4-BE49-F238E27FC236}">
+                  <a16:creationId xmlns:a16="http://schemas.microsoft.com/office/drawing/2014/main" id="{5DFD344B-026D-CB55-49F2-7DBAD2BF9E76}"/>
+                </a:ext>
+              </a:extLst>
+            </p:cNvPr>
+            <p:cNvCxnSpPr>
+              <a:cxnSpLocks/>
+            </p:cNvCxnSpPr>
+            <p:nvPr/>
+          </p:nvCxnSpPr>
+          <p:spPr>
+            <a:xfrm>
+              <a:off x="1777611" y="2952598"/>
+              <a:ext cx="8946850" cy="0"/>
+            </a:xfrm>
+            <a:prstGeom prst="line">
+              <a:avLst/>
+            </a:prstGeom>
+            <a:ln w="57150"/>
+          </p:spPr>
+          <p:style>
+            <a:lnRef idx="2">
+              <a:schemeClr val="dk1"/>
+            </a:lnRef>
+            <a:fillRef idx="0">
+              <a:schemeClr val="dk1"/>
+            </a:fillRef>
+            <a:effectRef idx="1">
+              <a:schemeClr val="dk1"/>
+            </a:effectRef>
+            <a:fontRef idx="minor">
+              <a:schemeClr val="tx1"/>
+            </a:fontRef>
+          </p:style>
+        </p:cxnSp>
+        <p:pic>
+          <p:nvPicPr>
+            <p:cNvPr id="10" name="Graphic 9" descr="Mitochondria outline">
+              <a:extLst>
+                <a:ext uri="{FF2B5EF4-FFF2-40B4-BE49-F238E27FC236}">
+                  <a16:creationId xmlns:a16="http://schemas.microsoft.com/office/drawing/2014/main" id="{F8981BE3-A687-4B12-300F-BECA1E1DBE0E}"/>
+                </a:ext>
+              </a:extLst>
+            </p:cNvPr>
+            <p:cNvPicPr>
+              <a:picLocks noChangeAspect="1"/>
+            </p:cNvPicPr>
+            <p:nvPr/>
+          </p:nvPicPr>
+          <p:blipFill>
+            <a:blip r:embed="rId3">
+              <a:extLst>
+                <a:ext uri="{96DAC541-7B7A-43D3-8B79-37D633B846F1}">
+                  <asvg:svgBlip xmlns:asvg="http://schemas.microsoft.com/office/drawing/2016/SVG/main" r:embed="rId4"/>
+                </a:ext>
+              </a:extLst>
+            </a:blip>
+            <a:stretch>
+              <a:fillRect/>
+            </a:stretch>
+          </p:blipFill>
+          <p:spPr>
+            <a:xfrm>
+              <a:off x="10380960" y="3166105"/>
+              <a:ext cx="687003" cy="687003"/>
+            </a:xfrm>
+            <a:prstGeom prst="rect">
+              <a:avLst/>
+            </a:prstGeom>
+          </p:spPr>
+        </p:pic>
         <p:grpSp>
           <p:nvGrpSpPr>
-            <p:cNvPr id="66" name="Group 65">
+            <p:cNvPr id="9" name="Group 8">
               <a:extLst>
                 <a:ext uri="{FF2B5EF4-FFF2-40B4-BE49-F238E27FC236}">
-                  <a16:creationId xmlns:a16="http://schemas.microsoft.com/office/drawing/2014/main" id="{6B7D181B-6405-003E-D852-B6483EC24A93}"/>
+                  <a16:creationId xmlns:a16="http://schemas.microsoft.com/office/drawing/2014/main" id="{8FFBD640-11E1-7C5F-9E70-DE447F727588}"/>
                 </a:ext>
               </a:extLst>
             </p:cNvPr>
@@ -4308,57 +4467,18 @@
           </p:nvGrpSpPr>
           <p:grpSpPr>
             <a:xfrm>
-              <a:off x="-101601" y="1693542"/>
-              <a:ext cx="10816827" cy="2853013"/>
-              <a:chOff x="-101601" y="1693542"/>
-              <a:chExt cx="10816827" cy="2853013"/>
+              <a:off x="708116" y="2679254"/>
+              <a:ext cx="581692" cy="638157"/>
+              <a:chOff x="749826" y="2603572"/>
+              <a:chExt cx="581692" cy="638157"/>
             </a:xfrm>
           </p:grpSpPr>
-          <p:cxnSp>
-            <p:nvCxnSpPr>
-              <p:cNvPr id="8" name="Straight Connector 7">
+          <p:pic>
+            <p:nvPicPr>
+              <p:cNvPr id="6" name="Graphic 5" descr="Egg with solid fill">
                 <a:extLst>
                   <a:ext uri="{FF2B5EF4-FFF2-40B4-BE49-F238E27FC236}">
-                    <a16:creationId xmlns:a16="http://schemas.microsoft.com/office/drawing/2014/main" id="{5DFD344B-026D-CB55-49F2-7DBAD2BF9E76}"/>
-                  </a:ext>
-                </a:extLst>
-              </p:cNvPr>
-              <p:cNvCxnSpPr>
-                <a:cxnSpLocks/>
-              </p:cNvCxnSpPr>
-              <p:nvPr/>
-            </p:nvCxnSpPr>
-            <p:spPr>
-              <a:xfrm>
-                <a:off x="983285" y="2952598"/>
-                <a:ext cx="8946850" cy="0"/>
-              </a:xfrm>
-              <a:prstGeom prst="line">
-                <a:avLst/>
-              </a:prstGeom>
-              <a:ln w="57150"/>
-            </p:spPr>
-            <p:style>
-              <a:lnRef idx="2">
-                <a:schemeClr val="dk1"/>
-              </a:lnRef>
-              <a:fillRef idx="0">
-                <a:schemeClr val="dk1"/>
-              </a:fillRef>
-              <a:effectRef idx="1">
-                <a:schemeClr val="dk1"/>
-              </a:effectRef>
-              <a:fontRef idx="minor">
-                <a:schemeClr val="tx1"/>
-              </a:fontRef>
-            </p:style>
-          </p:cxnSp>
-          <p:pic>
-            <p:nvPicPr>
-              <p:cNvPr id="10" name="Graphic 9" descr="Mitochondria outline">
-                <a:extLst>
-                  <a:ext uri="{FF2B5EF4-FFF2-40B4-BE49-F238E27FC236}">
-                    <a16:creationId xmlns:a16="http://schemas.microsoft.com/office/drawing/2014/main" id="{F8981BE3-A687-4B12-300F-BECA1E1DBE0E}"/>
+                    <a16:creationId xmlns:a16="http://schemas.microsoft.com/office/drawing/2014/main" id="{C0B04D06-B923-3982-054C-669CE7675EDD}"/>
                   </a:ext>
                 </a:extLst>
               </p:cNvPr>
@@ -4368,10 +4488,10 @@
               <p:nvPr/>
             </p:nvPicPr>
             <p:blipFill>
-              <a:blip r:embed="rId2">
+              <a:blip r:embed="rId5">
                 <a:extLst>
                   <a:ext uri="{96DAC541-7B7A-43D3-8B79-37D633B846F1}">
-                    <asvg:svgBlip xmlns:asvg="http://schemas.microsoft.com/office/drawing/2016/SVG/main" r:embed="rId3"/>
+                    <asvg:svgBlip xmlns:asvg="http://schemas.microsoft.com/office/drawing/2016/SVG/main" r:embed="rId6"/>
                   </a:ext>
                 </a:extLst>
               </a:blip>
@@ -4381,417 +4501,20 @@
             </p:blipFill>
             <p:spPr>
               <a:xfrm>
-                <a:off x="9586634" y="3085420"/>
-                <a:ext cx="687003" cy="687003"/>
+                <a:off x="932448" y="2603572"/>
+                <a:ext cx="387795" cy="387795"/>
               </a:xfrm>
               <a:prstGeom prst="rect">
                 <a:avLst/>
               </a:prstGeom>
             </p:spPr>
           </p:pic>
-          <p:grpSp>
-            <p:nvGrpSpPr>
-              <p:cNvPr id="42" name="Group 41">
+          <p:pic>
+            <p:nvPicPr>
+              <p:cNvPr id="11" name="Graphic 10" descr="Egg with solid fill">
                 <a:extLst>
                   <a:ext uri="{FF2B5EF4-FFF2-40B4-BE49-F238E27FC236}">
-                    <a16:creationId xmlns:a16="http://schemas.microsoft.com/office/drawing/2014/main" id="{E93F07F6-5AE8-AE7F-330B-79C76AD849EF}"/>
-                  </a:ext>
-                </a:extLst>
-              </p:cNvPr>
-              <p:cNvGrpSpPr/>
-              <p:nvPr/>
-            </p:nvGrpSpPr>
-            <p:grpSpPr>
-              <a:xfrm>
-                <a:off x="387758" y="3095573"/>
-                <a:ext cx="1224064" cy="1450982"/>
-                <a:chOff x="276029" y="2984741"/>
-                <a:chExt cx="1224064" cy="1450982"/>
-              </a:xfrm>
-            </p:grpSpPr>
-            <p:pic>
-              <p:nvPicPr>
-                <p:cNvPr id="6" name="Graphic 5" descr="Egg with solid fill">
-                  <a:extLst>
-                    <a:ext uri="{FF2B5EF4-FFF2-40B4-BE49-F238E27FC236}">
-                      <a16:creationId xmlns:a16="http://schemas.microsoft.com/office/drawing/2014/main" id="{C0B04D06-B923-3982-054C-669CE7675EDD}"/>
-                    </a:ext>
-                  </a:extLst>
-                </p:cNvPr>
-                <p:cNvPicPr>
-                  <a:picLocks noChangeAspect="1"/>
-                </p:cNvPicPr>
-                <p:nvPr/>
-              </p:nvPicPr>
-              <p:blipFill>
-                <a:blip r:embed="rId4">
-                  <a:extLst>
-                    <a:ext uri="{96DAC541-7B7A-43D3-8B79-37D633B846F1}">
-                      <asvg:svgBlip xmlns:asvg="http://schemas.microsoft.com/office/drawing/2016/SVG/main" r:embed="rId5"/>
-                    </a:ext>
-                  </a:extLst>
-                </a:blip>
-                <a:stretch>
-                  <a:fillRect/>
-                </a:stretch>
-              </p:blipFill>
-              <p:spPr>
-                <a:xfrm>
-                  <a:off x="782986" y="2984741"/>
-                  <a:ext cx="387795" cy="387795"/>
-                </a:xfrm>
-                <a:prstGeom prst="rect">
-                  <a:avLst/>
-                </a:prstGeom>
-              </p:spPr>
-            </p:pic>
-            <p:pic>
-              <p:nvPicPr>
-                <p:cNvPr id="11" name="Graphic 10" descr="Egg with solid fill">
-                  <a:extLst>
-                    <a:ext uri="{FF2B5EF4-FFF2-40B4-BE49-F238E27FC236}">
-                      <a16:creationId xmlns:a16="http://schemas.microsoft.com/office/drawing/2014/main" id="{7041A6CC-81B7-790C-AFA7-FEB372FCBB08}"/>
-                    </a:ext>
-                  </a:extLst>
-                </p:cNvPr>
-                <p:cNvPicPr>
-                  <a:picLocks noChangeAspect="1"/>
-                </p:cNvPicPr>
-                <p:nvPr/>
-              </p:nvPicPr>
-              <p:blipFill>
-                <a:blip r:embed="rId6">
-                  <a:extLst>
-                    <a:ext uri="{96DAC541-7B7A-43D3-8B79-37D633B846F1}">
-                      <asvg:svgBlip xmlns:asvg="http://schemas.microsoft.com/office/drawing/2016/SVG/main" r:embed="rId7"/>
-                    </a:ext>
-                  </a:extLst>
-                </a:blip>
-                <a:stretch>
-                  <a:fillRect/>
-                </a:stretch>
-              </p:blipFill>
-              <p:spPr>
-                <a:xfrm>
-                  <a:off x="600364" y="3125573"/>
-                  <a:ext cx="387795" cy="387795"/>
-                </a:xfrm>
-                <a:prstGeom prst="rect">
-                  <a:avLst/>
-                </a:prstGeom>
-              </p:spPr>
-            </p:pic>
-            <p:pic>
-              <p:nvPicPr>
-                <p:cNvPr id="12" name="Graphic 11" descr="Egg with solid fill">
-                  <a:extLst>
-                    <a:ext uri="{FF2B5EF4-FFF2-40B4-BE49-F238E27FC236}">
-                      <a16:creationId xmlns:a16="http://schemas.microsoft.com/office/drawing/2014/main" id="{DF46F5B0-350E-0F4C-EB21-A2D3AEEB1FDB}"/>
-                    </a:ext>
-                  </a:extLst>
-                </p:cNvPr>
-                <p:cNvPicPr>
-                  <a:picLocks noChangeAspect="1"/>
-                </p:cNvPicPr>
-                <p:nvPr/>
-              </p:nvPicPr>
-              <p:blipFill>
-                <a:blip r:embed="rId8">
-                  <a:extLst>
-                    <a:ext uri="{96DAC541-7B7A-43D3-8B79-37D633B846F1}">
-                      <asvg:svgBlip xmlns:asvg="http://schemas.microsoft.com/office/drawing/2016/SVG/main" r:embed="rId9"/>
-                    </a:ext>
-                  </a:extLst>
-                </a:blip>
-                <a:stretch>
-                  <a:fillRect/>
-                </a:stretch>
-              </p:blipFill>
-              <p:spPr>
-                <a:xfrm>
-                  <a:off x="794261" y="3235103"/>
-                  <a:ext cx="387795" cy="387795"/>
-                </a:xfrm>
-                <a:prstGeom prst="rect">
-                  <a:avLst/>
-                </a:prstGeom>
-              </p:spPr>
-            </p:pic>
-            <p:pic>
-              <p:nvPicPr>
-                <p:cNvPr id="25" name="Graphic 24" descr="Thermometer with solid fill">
-                  <a:extLst>
-                    <a:ext uri="{FF2B5EF4-FFF2-40B4-BE49-F238E27FC236}">
-                      <a16:creationId xmlns:a16="http://schemas.microsoft.com/office/drawing/2014/main" id="{A5A79E6C-3D0C-4FD6-B0C3-3B55E7DF08CE}"/>
-                    </a:ext>
-                  </a:extLst>
-                </p:cNvPr>
-                <p:cNvPicPr>
-                  <a:picLocks noChangeAspect="1"/>
-                </p:cNvPicPr>
-                <p:nvPr/>
-              </p:nvPicPr>
-              <p:blipFill>
-                <a:blip r:embed="rId10">
-                  <a:extLst>
-                    <a:ext uri="{96DAC541-7B7A-43D3-8B79-37D633B846F1}">
-                      <asvg:svgBlip xmlns:asvg="http://schemas.microsoft.com/office/drawing/2016/SVG/main" r:embed="rId11"/>
-                    </a:ext>
-                  </a:extLst>
-                </a:blip>
-                <a:stretch>
-                  <a:fillRect/>
-                </a:stretch>
-              </p:blipFill>
-              <p:spPr>
-                <a:xfrm>
-                  <a:off x="402324" y="3705086"/>
-                  <a:ext cx="469232" cy="469232"/>
-                </a:xfrm>
-                <a:prstGeom prst="rect">
-                  <a:avLst/>
-                </a:prstGeom>
-              </p:spPr>
-            </p:pic>
-            <p:pic>
-              <p:nvPicPr>
-                <p:cNvPr id="26" name="Graphic 25" descr="Thermometer with solid fill">
-                  <a:extLst>
-                    <a:ext uri="{FF2B5EF4-FFF2-40B4-BE49-F238E27FC236}">
-                      <a16:creationId xmlns:a16="http://schemas.microsoft.com/office/drawing/2014/main" id="{369971BA-B515-D6CB-710B-7417FF4CD749}"/>
-                    </a:ext>
-                  </a:extLst>
-                </p:cNvPr>
-                <p:cNvPicPr>
-                  <a:picLocks noChangeAspect="1"/>
-                </p:cNvPicPr>
-                <p:nvPr/>
-              </p:nvPicPr>
-              <p:blipFill>
-                <a:blip r:embed="rId12">
-                  <a:extLst>
-                    <a:ext uri="{96DAC541-7B7A-43D3-8B79-37D633B846F1}">
-                      <asvg:svgBlip xmlns:asvg="http://schemas.microsoft.com/office/drawing/2016/SVG/main" r:embed="rId13"/>
-                    </a:ext>
-                  </a:extLst>
-                </a:blip>
-                <a:stretch>
-                  <a:fillRect/>
-                </a:stretch>
-              </p:blipFill>
-              <p:spPr>
-                <a:xfrm>
-                  <a:off x="888766" y="3705086"/>
-                  <a:ext cx="469232" cy="469232"/>
-                </a:xfrm>
-                <a:prstGeom prst="rect">
-                  <a:avLst/>
-                </a:prstGeom>
-              </p:spPr>
-            </p:pic>
-            <p:sp>
-              <p:nvSpPr>
-                <p:cNvPr id="27" name="TextBox 26">
-                  <a:extLst>
-                    <a:ext uri="{FF2B5EF4-FFF2-40B4-BE49-F238E27FC236}">
-                      <a16:creationId xmlns:a16="http://schemas.microsoft.com/office/drawing/2014/main" id="{80BD75BE-C635-E850-0046-D3AB313970B1}"/>
-                    </a:ext>
-                  </a:extLst>
-                </p:cNvPr>
-                <p:cNvSpPr txBox="1"/>
-                <p:nvPr/>
-              </p:nvSpPr>
-              <p:spPr>
-                <a:xfrm>
-                  <a:off x="351445" y="4127946"/>
-                  <a:ext cx="570990" cy="307777"/>
-                </a:xfrm>
-                <a:prstGeom prst="rect">
-                  <a:avLst/>
-                </a:prstGeom>
-                <a:noFill/>
-              </p:spPr>
-              <p:txBody>
-                <a:bodyPr wrap="none" rtlCol="0">
-                  <a:spAutoFit/>
-                </a:bodyPr>
-                <a:lstStyle/>
-                <a:p>
-                  <a:r>
-                    <a:rPr lang="en-AU" sz="1400" b="1" dirty="0">
-                      <a:solidFill>
-                        <a:srgbClr val="0070C1"/>
-                      </a:solidFill>
-                    </a:rPr>
-                    <a:t>23°C</a:t>
-                  </a:r>
-                </a:p>
-              </p:txBody>
-            </p:sp>
-            <p:sp>
-              <p:nvSpPr>
-                <p:cNvPr id="28" name="TextBox 27">
-                  <a:extLst>
-                    <a:ext uri="{FF2B5EF4-FFF2-40B4-BE49-F238E27FC236}">
-                      <a16:creationId xmlns:a16="http://schemas.microsoft.com/office/drawing/2014/main" id="{FD1D6935-6CBB-CF27-FA52-DDD0E77C1868}"/>
-                    </a:ext>
-                  </a:extLst>
-                </p:cNvPr>
-                <p:cNvSpPr txBox="1"/>
-                <p:nvPr/>
-              </p:nvSpPr>
-              <p:spPr>
-                <a:xfrm>
-                  <a:off x="837887" y="4127946"/>
-                  <a:ext cx="570990" cy="307777"/>
-                </a:xfrm>
-                <a:prstGeom prst="rect">
-                  <a:avLst/>
-                </a:prstGeom>
-                <a:noFill/>
-              </p:spPr>
-              <p:txBody>
-                <a:bodyPr wrap="none" rtlCol="0">
-                  <a:spAutoFit/>
-                </a:bodyPr>
-                <a:lstStyle/>
-                <a:p>
-                  <a:r>
-                    <a:rPr lang="en-AU" sz="1400" b="1" dirty="0">
-                      <a:solidFill>
-                        <a:srgbClr val="FF0E00"/>
-                      </a:solidFill>
-                    </a:rPr>
-                    <a:t>28°C</a:t>
-                  </a:r>
-                </a:p>
-              </p:txBody>
-            </p:sp>
-            <p:sp>
-              <p:nvSpPr>
-                <p:cNvPr id="35" name="U-turn Arrow 34">
-                  <a:extLst>
-                    <a:ext uri="{FF2B5EF4-FFF2-40B4-BE49-F238E27FC236}">
-                      <a16:creationId xmlns:a16="http://schemas.microsoft.com/office/drawing/2014/main" id="{05AD1A68-212C-1F9F-511E-D1E338304DE2}"/>
-                    </a:ext>
-                  </a:extLst>
-                </p:cNvPr>
-                <p:cNvSpPr/>
-                <p:nvPr/>
-              </p:nvSpPr>
-              <p:spPr>
-                <a:xfrm rot="5400000">
-                  <a:off x="1028783" y="3470096"/>
-                  <a:ext cx="554825" cy="387794"/>
-                </a:xfrm>
-                <a:prstGeom prst="uturnArrow">
-                  <a:avLst>
-                    <a:gd name="adj1" fmla="val 7731"/>
-                    <a:gd name="adj2" fmla="val 25000"/>
-                    <a:gd name="adj3" fmla="val 25000"/>
-                    <a:gd name="adj4" fmla="val 47063"/>
-                    <a:gd name="adj5" fmla="val 75000"/>
-                  </a:avLst>
-                </a:prstGeom>
-                <a:solidFill>
-                  <a:schemeClr val="tx1"/>
-                </a:solidFill>
-              </p:spPr>
-              <p:style>
-                <a:lnRef idx="2">
-                  <a:schemeClr val="accent1">
-                    <a:shade val="15000"/>
-                  </a:schemeClr>
-                </a:lnRef>
-                <a:fillRef idx="1">
-                  <a:schemeClr val="accent1"/>
-                </a:fillRef>
-                <a:effectRef idx="0">
-                  <a:schemeClr val="accent1"/>
-                </a:effectRef>
-                <a:fontRef idx="minor">
-                  <a:schemeClr val="lt1"/>
-                </a:fontRef>
-              </p:style>
-              <p:txBody>
-                <a:bodyPr rtlCol="0" anchor="ctr"/>
-                <a:lstStyle/>
-                <a:p>
-                  <a:pPr algn="ctr"/>
-                  <a:endParaRPr lang="en-AU" dirty="0">
-                    <a:solidFill>
-                      <a:schemeClr val="tx1"/>
-                    </a:solidFill>
-                  </a:endParaRPr>
-                </a:p>
-              </p:txBody>
-            </p:sp>
-            <p:sp>
-              <p:nvSpPr>
-                <p:cNvPr id="36" name="U-turn Arrow 35">
-                  <a:extLst>
-                    <a:ext uri="{FF2B5EF4-FFF2-40B4-BE49-F238E27FC236}">
-                      <a16:creationId xmlns:a16="http://schemas.microsoft.com/office/drawing/2014/main" id="{8187135D-73B8-1069-6534-931BC1DAF81A}"/>
-                    </a:ext>
-                  </a:extLst>
-                </p:cNvPr>
-                <p:cNvSpPr/>
-                <p:nvPr/>
-              </p:nvSpPr>
-              <p:spPr>
-                <a:xfrm rot="16200000" flipH="1">
-                  <a:off x="192513" y="3472338"/>
-                  <a:ext cx="554825" cy="387794"/>
-                </a:xfrm>
-                <a:prstGeom prst="uturnArrow">
-                  <a:avLst>
-                    <a:gd name="adj1" fmla="val 7731"/>
-                    <a:gd name="adj2" fmla="val 25000"/>
-                    <a:gd name="adj3" fmla="val 25000"/>
-                    <a:gd name="adj4" fmla="val 47063"/>
-                    <a:gd name="adj5" fmla="val 75000"/>
-                  </a:avLst>
-                </a:prstGeom>
-                <a:solidFill>
-                  <a:schemeClr val="tx1"/>
-                </a:solidFill>
-              </p:spPr>
-              <p:style>
-                <a:lnRef idx="2">
-                  <a:schemeClr val="accent1">
-                    <a:shade val="15000"/>
-                  </a:schemeClr>
-                </a:lnRef>
-                <a:fillRef idx="1">
-                  <a:schemeClr val="accent1"/>
-                </a:fillRef>
-                <a:effectRef idx="0">
-                  <a:schemeClr val="accent1"/>
-                </a:effectRef>
-                <a:fontRef idx="minor">
-                  <a:schemeClr val="lt1"/>
-                </a:fontRef>
-              </p:style>
-              <p:txBody>
-                <a:bodyPr rtlCol="0" anchor="ctr"/>
-                <a:lstStyle/>
-                <a:p>
-                  <a:pPr algn="ctr"/>
-                  <a:endParaRPr lang="en-AU" dirty="0">
-                    <a:solidFill>
-                      <a:schemeClr val="tx1"/>
-                    </a:solidFill>
-                  </a:endParaRPr>
-                </a:p>
-              </p:txBody>
-            </p:sp>
-          </p:grpSp>
-          <p:pic>
-            <p:nvPicPr>
-              <p:cNvPr id="40" name="Picture 39" descr="A black background with a black square&#10;&#10;Description automatically generated with medium confidence">
-                <a:extLst>
-                  <a:ext uri="{FF2B5EF4-FFF2-40B4-BE49-F238E27FC236}">
-                    <a16:creationId xmlns:a16="http://schemas.microsoft.com/office/drawing/2014/main" id="{05E200AC-C632-5867-1D75-1660B4060036}"/>
+                    <a16:creationId xmlns:a16="http://schemas.microsoft.com/office/drawing/2014/main" id="{7041A6CC-81B7-790C-AFA7-FEB372FCBB08}"/>
                   </a:ext>
                 </a:extLst>
               </p:cNvPr>
@@ -4801,15 +4524,21 @@
               <p:nvPr/>
             </p:nvPicPr>
             <p:blipFill>
-              <a:blip r:embed="rId14"/>
+              <a:blip r:embed="rId7">
+                <a:extLst>
+                  <a:ext uri="{96DAC541-7B7A-43D3-8B79-37D633B846F1}">
+                    <asvg:svgBlip xmlns:asvg="http://schemas.microsoft.com/office/drawing/2016/SVG/main" r:embed="rId8"/>
+                  </a:ext>
+                </a:extLst>
+              </a:blip>
               <a:stretch>
                 <a:fillRect/>
               </a:stretch>
             </p:blipFill>
             <p:spPr>
-              <a:xfrm flipH="1">
-                <a:off x="5552980" y="3224751"/>
-                <a:ext cx="794608" cy="408340"/>
+              <a:xfrm>
+                <a:off x="749826" y="2744404"/>
+                <a:ext cx="387795" cy="387795"/>
               </a:xfrm>
               <a:prstGeom prst="rect">
                 <a:avLst/>
@@ -4818,10 +4547,10 @@
           </p:pic>
           <p:pic>
             <p:nvPicPr>
-              <p:cNvPr id="41" name="Picture 40" descr="A black background with a black square&#10;&#10;Description automatically generated with medium confidence">
+              <p:cNvPr id="12" name="Graphic 11" descr="Egg with solid fill">
                 <a:extLst>
                   <a:ext uri="{FF2B5EF4-FFF2-40B4-BE49-F238E27FC236}">
-                    <a16:creationId xmlns:a16="http://schemas.microsoft.com/office/drawing/2014/main" id="{05C13A99-F7D1-C1EF-91E5-9C76946902FA}"/>
+                    <a16:creationId xmlns:a16="http://schemas.microsoft.com/office/drawing/2014/main" id="{DF46F5B0-350E-0F4C-EB21-A2D3AEEB1FDB}"/>
                   </a:ext>
                 </a:extLst>
               </p:cNvPr>
@@ -4831,751 +4560,760 @@
               <p:nvPr/>
             </p:nvPicPr>
             <p:blipFill>
-              <a:blip r:embed="rId14"/>
+              <a:blip r:embed="rId9">
+                <a:extLst>
+                  <a:ext uri="{96DAC541-7B7A-43D3-8B79-37D633B846F1}">
+                    <asvg:svgBlip xmlns:asvg="http://schemas.microsoft.com/office/drawing/2016/SVG/main" r:embed="rId10"/>
+                  </a:ext>
+                </a:extLst>
+              </a:blip>
+              <a:stretch>
+                <a:fillRect/>
+              </a:stretch>
+            </p:blipFill>
+            <p:spPr>
+              <a:xfrm>
+                <a:off x="943723" y="2853934"/>
+                <a:ext cx="387795" cy="387795"/>
+              </a:xfrm>
+              <a:prstGeom prst="rect">
+                <a:avLst/>
+              </a:prstGeom>
+            </p:spPr>
+          </p:pic>
+        </p:grpSp>
+        <p:pic>
+          <p:nvPicPr>
+            <p:cNvPr id="25" name="Graphic 24" descr="Thermometer with solid fill">
+              <a:extLst>
+                <a:ext uri="{FF2B5EF4-FFF2-40B4-BE49-F238E27FC236}">
+                  <a16:creationId xmlns:a16="http://schemas.microsoft.com/office/drawing/2014/main" id="{A5A79E6C-3D0C-4FD6-B0C3-3B55E7DF08CE}"/>
+                </a:ext>
+              </a:extLst>
+            </p:cNvPr>
+            <p:cNvPicPr>
+              <a:picLocks noChangeAspect="1"/>
+            </p:cNvPicPr>
+            <p:nvPr/>
+          </p:nvPicPr>
+          <p:blipFill>
+            <a:blip r:embed="rId11">
+              <a:extLst>
+                <a:ext uri="{96DAC541-7B7A-43D3-8B79-37D633B846F1}">
+                  <asvg:svgBlip xmlns:asvg="http://schemas.microsoft.com/office/drawing/2016/SVG/main" r:embed="rId12"/>
+                </a:ext>
+              </a:extLst>
+            </a:blip>
+            <a:stretch>
+              <a:fillRect/>
+            </a:stretch>
+          </p:blipFill>
+          <p:spPr>
+            <a:xfrm>
+              <a:off x="1556786" y="2049006"/>
+              <a:ext cx="469232" cy="469232"/>
+            </a:xfrm>
+            <a:prstGeom prst="rect">
+              <a:avLst/>
+            </a:prstGeom>
+          </p:spPr>
+        </p:pic>
+        <p:pic>
+          <p:nvPicPr>
+            <p:cNvPr id="26" name="Graphic 25" descr="Thermometer with solid fill">
+              <a:extLst>
+                <a:ext uri="{FF2B5EF4-FFF2-40B4-BE49-F238E27FC236}">
+                  <a16:creationId xmlns:a16="http://schemas.microsoft.com/office/drawing/2014/main" id="{369971BA-B515-D6CB-710B-7417FF4CD749}"/>
+                </a:ext>
+              </a:extLst>
+            </p:cNvPr>
+            <p:cNvPicPr>
+              <a:picLocks noChangeAspect="1"/>
+            </p:cNvPicPr>
+            <p:nvPr/>
+          </p:nvPicPr>
+          <p:blipFill>
+            <a:blip r:embed="rId13">
+              <a:extLst>
+                <a:ext uri="{96DAC541-7B7A-43D3-8B79-37D633B846F1}">
+                  <asvg:svgBlip xmlns:asvg="http://schemas.microsoft.com/office/drawing/2016/SVG/main" r:embed="rId14"/>
+                </a:ext>
+              </a:extLst>
+            </a:blip>
+            <a:stretch>
+              <a:fillRect/>
+            </a:stretch>
+          </p:blipFill>
+          <p:spPr>
+            <a:xfrm>
+              <a:off x="1557553" y="3224751"/>
+              <a:ext cx="469232" cy="469232"/>
+            </a:xfrm>
+            <a:prstGeom prst="rect">
+              <a:avLst/>
+            </a:prstGeom>
+          </p:spPr>
+        </p:pic>
+        <p:sp>
+          <p:nvSpPr>
+            <p:cNvPr id="27" name="TextBox 26">
+              <a:extLst>
+                <a:ext uri="{FF2B5EF4-FFF2-40B4-BE49-F238E27FC236}">
+                  <a16:creationId xmlns:a16="http://schemas.microsoft.com/office/drawing/2014/main" id="{80BD75BE-C635-E850-0046-D3AB313970B1}"/>
+                </a:ext>
+              </a:extLst>
+            </p:cNvPr>
+            <p:cNvSpPr txBox="1"/>
+            <p:nvPr/>
+          </p:nvSpPr>
+          <p:spPr>
+            <a:xfrm>
+              <a:off x="1505907" y="2471866"/>
+              <a:ext cx="570990" cy="307777"/>
+            </a:xfrm>
+            <a:prstGeom prst="rect">
+              <a:avLst/>
+            </a:prstGeom>
+            <a:noFill/>
+          </p:spPr>
+          <p:txBody>
+            <a:bodyPr wrap="none" rtlCol="0">
+              <a:spAutoFit/>
+            </a:bodyPr>
+            <a:lstStyle/>
+            <a:p>
+              <a:r>
+                <a:rPr lang="en-AU" sz="1400" b="1" dirty="0">
+                  <a:solidFill>
+                    <a:srgbClr val="0070C1"/>
+                  </a:solidFill>
+                </a:rPr>
+                <a:t>23°C</a:t>
+              </a:r>
+            </a:p>
+          </p:txBody>
+        </p:sp>
+        <p:sp>
+          <p:nvSpPr>
+            <p:cNvPr id="28" name="TextBox 27">
+              <a:extLst>
+                <a:ext uri="{FF2B5EF4-FFF2-40B4-BE49-F238E27FC236}">
+                  <a16:creationId xmlns:a16="http://schemas.microsoft.com/office/drawing/2014/main" id="{FD1D6935-6CBB-CF27-FA52-DDD0E77C1868}"/>
+                </a:ext>
+              </a:extLst>
+            </p:cNvPr>
+            <p:cNvSpPr txBox="1"/>
+            <p:nvPr/>
+          </p:nvSpPr>
+          <p:spPr>
+            <a:xfrm>
+              <a:off x="1506674" y="3647611"/>
+              <a:ext cx="570990" cy="307777"/>
+            </a:xfrm>
+            <a:prstGeom prst="rect">
+              <a:avLst/>
+            </a:prstGeom>
+            <a:noFill/>
+          </p:spPr>
+          <p:txBody>
+            <a:bodyPr wrap="none" rtlCol="0">
+              <a:spAutoFit/>
+            </a:bodyPr>
+            <a:lstStyle/>
+            <a:p>
+              <a:r>
+                <a:rPr lang="en-AU" sz="1400" b="1" dirty="0">
+                  <a:solidFill>
+                    <a:srgbClr val="FF0E00"/>
+                  </a:solidFill>
+                </a:rPr>
+                <a:t>28°C</a:t>
+              </a:r>
+            </a:p>
+          </p:txBody>
+        </p:sp>
+        <p:pic>
+          <p:nvPicPr>
+            <p:cNvPr id="40" name="Picture 39" descr="A black background with a black square&#10;&#10;Description automatically generated with medium confidence">
+              <a:extLst>
+                <a:ext uri="{FF2B5EF4-FFF2-40B4-BE49-F238E27FC236}">
+                  <a16:creationId xmlns:a16="http://schemas.microsoft.com/office/drawing/2014/main" id="{05E200AC-C632-5867-1D75-1660B4060036}"/>
+                </a:ext>
+              </a:extLst>
+            </p:cNvPr>
+            <p:cNvPicPr>
+              <a:picLocks noChangeAspect="1"/>
+            </p:cNvPicPr>
+            <p:nvPr/>
+          </p:nvPicPr>
+          <p:blipFill>
+            <a:blip r:embed="rId15"/>
+            <a:stretch>
+              <a:fillRect/>
+            </a:stretch>
+          </p:blipFill>
+          <p:spPr>
+            <a:xfrm flipH="1">
+              <a:off x="6347306" y="3305436"/>
+              <a:ext cx="794608" cy="408340"/>
+            </a:xfrm>
+            <a:prstGeom prst="rect">
+              <a:avLst/>
+            </a:prstGeom>
+          </p:spPr>
+        </p:pic>
+        <p:pic>
+          <p:nvPicPr>
+            <p:cNvPr id="41" name="Picture 40" descr="A black background with a black square&#10;&#10;Description automatically generated with medium confidence">
+              <a:extLst>
+                <a:ext uri="{FF2B5EF4-FFF2-40B4-BE49-F238E27FC236}">
+                  <a16:creationId xmlns:a16="http://schemas.microsoft.com/office/drawing/2014/main" id="{05C13A99-F7D1-C1EF-91E5-9C76946902FA}"/>
+                </a:ext>
+              </a:extLst>
+            </p:cNvPr>
+            <p:cNvPicPr>
+              <a:picLocks noChangeAspect="1"/>
+            </p:cNvPicPr>
+            <p:nvPr/>
+          </p:nvPicPr>
+          <p:blipFill>
+            <a:blip r:embed="rId15"/>
+            <a:stretch>
+              <a:fillRect/>
+            </a:stretch>
+          </p:blipFill>
+          <p:spPr>
+            <a:xfrm flipH="1">
+              <a:off x="9739995" y="3699235"/>
+              <a:ext cx="1163386" cy="597850"/>
+            </a:xfrm>
+            <a:prstGeom prst="rect">
+              <a:avLst/>
+            </a:prstGeom>
+          </p:spPr>
+        </p:pic>
+        <p:sp>
+          <p:nvSpPr>
+            <p:cNvPr id="44" name="TextBox 43">
+              <a:extLst>
+                <a:ext uri="{FF2B5EF4-FFF2-40B4-BE49-F238E27FC236}">
+                  <a16:creationId xmlns:a16="http://schemas.microsoft.com/office/drawing/2014/main" id="{305CEF68-1DC1-0340-D3EC-99922AFB4969}"/>
+                </a:ext>
+              </a:extLst>
+            </p:cNvPr>
+            <p:cNvSpPr txBox="1"/>
+            <p:nvPr/>
+          </p:nvSpPr>
+          <p:spPr>
+            <a:xfrm>
+              <a:off x="692725" y="1487354"/>
+              <a:ext cx="2202783" cy="646331"/>
+            </a:xfrm>
+            <a:prstGeom prst="rect">
+              <a:avLst/>
+            </a:prstGeom>
+            <a:noFill/>
+          </p:spPr>
+          <p:txBody>
+            <a:bodyPr wrap="none" rtlCol="0">
+              <a:spAutoFit/>
+            </a:bodyPr>
+            <a:lstStyle/>
+            <a:p>
+              <a:pPr algn="ctr"/>
+              <a:r>
+                <a:rPr lang="en-AU" b="1" dirty="0"/>
+                <a:t>CORT  &amp; Incubation</a:t>
+              </a:r>
+            </a:p>
+            <a:p>
+              <a:pPr algn="ctr"/>
+              <a:r>
+                <a:rPr lang="en-AU" b="1" dirty="0"/>
+                <a:t>Treatments</a:t>
+              </a:r>
+            </a:p>
+          </p:txBody>
+        </p:sp>
+        <p:grpSp>
+          <p:nvGrpSpPr>
+            <p:cNvPr id="43" name="Group 42">
+              <a:extLst>
+                <a:ext uri="{FF2B5EF4-FFF2-40B4-BE49-F238E27FC236}">
+                  <a16:creationId xmlns:a16="http://schemas.microsoft.com/office/drawing/2014/main" id="{50278968-ACD5-4A4E-F2F5-5331397C525D}"/>
+                </a:ext>
+              </a:extLst>
+            </p:cNvPr>
+            <p:cNvGrpSpPr/>
+            <p:nvPr/>
+          </p:nvGrpSpPr>
+          <p:grpSpPr>
+            <a:xfrm>
+              <a:off x="3778893" y="3190302"/>
+              <a:ext cx="941008" cy="638157"/>
+              <a:chOff x="2762897" y="2998785"/>
+              <a:chExt cx="941008" cy="638157"/>
+            </a:xfrm>
+          </p:grpSpPr>
+          <p:pic>
+            <p:nvPicPr>
+              <p:cNvPr id="4" name="Picture 3" descr="A black background with a black square&#10;&#10;Description automatically generated with medium confidence">
+                <a:extLst>
+                  <a:ext uri="{FF2B5EF4-FFF2-40B4-BE49-F238E27FC236}">
+                    <a16:creationId xmlns:a16="http://schemas.microsoft.com/office/drawing/2014/main" id="{B69131AD-233F-75D2-15C3-3911A3A11F7E}"/>
+                  </a:ext>
+                </a:extLst>
+              </p:cNvPr>
+              <p:cNvPicPr>
+                <a:picLocks noChangeAspect="1"/>
+              </p:cNvPicPr>
+              <p:nvPr/>
+            </p:nvPicPr>
+            <p:blipFill>
+              <a:blip r:embed="rId15"/>
               <a:stretch>
                 <a:fillRect/>
               </a:stretch>
             </p:blipFill>
             <p:spPr>
               <a:xfrm flipH="1">
-                <a:off x="8945669" y="3618550"/>
-                <a:ext cx="1163386" cy="597850"/>
+                <a:off x="3161178" y="3211414"/>
+                <a:ext cx="542727" cy="278902"/>
               </a:xfrm>
               <a:prstGeom prst="rect">
                 <a:avLst/>
               </a:prstGeom>
             </p:spPr>
           </p:pic>
-          <p:sp>
-            <p:nvSpPr>
-              <p:cNvPr id="44" name="TextBox 43">
+          <p:pic>
+            <p:nvPicPr>
+              <p:cNvPr id="37" name="Graphic 36" descr="Egg with solid fill">
                 <a:extLst>
                   <a:ext uri="{FF2B5EF4-FFF2-40B4-BE49-F238E27FC236}">
-                    <a16:creationId xmlns:a16="http://schemas.microsoft.com/office/drawing/2014/main" id="{305CEF68-1DC1-0340-D3EC-99922AFB4969}"/>
+                    <a16:creationId xmlns:a16="http://schemas.microsoft.com/office/drawing/2014/main" id="{5EA6C72B-A378-54C0-CB92-CC9EEF0623FE}"/>
                   </a:ext>
                 </a:extLst>
               </p:cNvPr>
-              <p:cNvSpPr txBox="1"/>
+              <p:cNvPicPr>
+                <a:picLocks noChangeAspect="1"/>
+              </p:cNvPicPr>
               <p:nvPr/>
-            </p:nvSpPr>
+            </p:nvPicPr>
+            <p:blipFill>
+              <a:blip r:embed="rId16">
+                <a:extLst>
+                  <a:ext uri="{96DAC541-7B7A-43D3-8B79-37D633B846F1}">
+                    <asvg:svgBlip xmlns:asvg="http://schemas.microsoft.com/office/drawing/2016/SVG/main" r:embed="rId17"/>
+                  </a:ext>
+                </a:extLst>
+              </a:blip>
+              <a:stretch>
+                <a:fillRect/>
+              </a:stretch>
+            </p:blipFill>
             <p:spPr>
               <a:xfrm>
-                <a:off x="-101601" y="1693542"/>
-                <a:ext cx="2202783" cy="646331"/>
+                <a:off x="2945519" y="2998785"/>
+                <a:ext cx="387795" cy="387795"/>
               </a:xfrm>
               <a:prstGeom prst="rect">
                 <a:avLst/>
               </a:prstGeom>
-              <a:noFill/>
             </p:spPr>
-            <p:txBody>
-              <a:bodyPr wrap="none" rtlCol="0">
-                <a:spAutoFit/>
-              </a:bodyPr>
-              <a:lstStyle/>
-              <a:p>
-                <a:pPr algn="ctr"/>
-                <a:r>
-                  <a:rPr lang="en-AU" b="1" dirty="0"/>
-                  <a:t>CORT  &amp; Incubation</a:t>
-                </a:r>
-              </a:p>
-              <a:p>
-                <a:pPr algn="ctr"/>
-                <a:r>
-                  <a:rPr lang="en-AU" b="1" dirty="0"/>
-                  <a:t>Treatments</a:t>
-                </a:r>
-              </a:p>
-            </p:txBody>
-          </p:sp>
-          <p:cxnSp>
-            <p:nvCxnSpPr>
-              <p:cNvPr id="45" name="Straight Connector 44">
+          </p:pic>
+          <p:pic>
+            <p:nvPicPr>
+              <p:cNvPr id="38" name="Graphic 37" descr="Egg with solid fill">
                 <a:extLst>
                   <a:ext uri="{FF2B5EF4-FFF2-40B4-BE49-F238E27FC236}">
-                    <a16:creationId xmlns:a16="http://schemas.microsoft.com/office/drawing/2014/main" id="{729A991B-6A0D-1BDE-0C8B-514AE7D6E3EC}"/>
+                    <a16:creationId xmlns:a16="http://schemas.microsoft.com/office/drawing/2014/main" id="{A9055CF4-2C24-672B-C6A4-CCA04EB8A9D0}"/>
                   </a:ext>
                 </a:extLst>
               </p:cNvPr>
-              <p:cNvCxnSpPr>
-                <a:cxnSpLocks/>
-              </p:cNvCxnSpPr>
+              <p:cNvPicPr>
+                <a:picLocks noChangeAspect="1"/>
+              </p:cNvPicPr>
               <p:nvPr/>
-            </p:nvCxnSpPr>
-            <p:spPr>
-              <a:xfrm rot="5400000">
-                <a:off x="824760" y="2934588"/>
-                <a:ext cx="350059" cy="0"/>
-              </a:xfrm>
-              <a:prstGeom prst="line">
-                <a:avLst/>
-              </a:prstGeom>
-              <a:ln w="57150"/>
-            </p:spPr>
-            <p:style>
-              <a:lnRef idx="2">
-                <a:schemeClr val="dk1"/>
-              </a:lnRef>
-              <a:fillRef idx="0">
-                <a:schemeClr val="dk1"/>
-              </a:fillRef>
-              <a:effectRef idx="1">
-                <a:schemeClr val="dk1"/>
-              </a:effectRef>
-              <a:fontRef idx="minor">
-                <a:schemeClr val="tx1"/>
-              </a:fontRef>
-            </p:style>
-          </p:cxnSp>
-          <p:cxnSp>
-            <p:nvCxnSpPr>
-              <p:cNvPr id="48" name="Straight Connector 47">
+            </p:nvPicPr>
+            <p:blipFill>
+              <a:blip r:embed="rId16">
                 <a:extLst>
-                  <a:ext uri="{FF2B5EF4-FFF2-40B4-BE49-F238E27FC236}">
-                    <a16:creationId xmlns:a16="http://schemas.microsoft.com/office/drawing/2014/main" id="{605B8D57-0B5B-A7DE-F3DD-8B65F4CB5C19}"/>
+                  <a:ext uri="{96DAC541-7B7A-43D3-8B79-37D633B846F1}">
+                    <asvg:svgBlip xmlns:asvg="http://schemas.microsoft.com/office/drawing/2016/SVG/main" r:embed="rId18"/>
                   </a:ext>
                 </a:extLst>
-              </p:cNvPr>
-              <p:cNvCxnSpPr>
-                <a:cxnSpLocks/>
-              </p:cNvCxnSpPr>
-              <p:nvPr/>
-            </p:nvCxnSpPr>
-            <p:spPr>
-              <a:xfrm rot="5400000">
-                <a:off x="5751142" y="2934588"/>
-                <a:ext cx="350059" cy="0"/>
-              </a:xfrm>
-              <a:prstGeom prst="line">
-                <a:avLst/>
-              </a:prstGeom>
-              <a:ln w="57150"/>
-            </p:spPr>
-            <p:style>
-              <a:lnRef idx="2">
-                <a:schemeClr val="dk1"/>
-              </a:lnRef>
-              <a:fillRef idx="0">
-                <a:schemeClr val="dk1"/>
-              </a:fillRef>
-              <a:effectRef idx="1">
-                <a:schemeClr val="dk1"/>
-              </a:effectRef>
-              <a:fontRef idx="minor">
-                <a:schemeClr val="tx1"/>
-              </a:fontRef>
-            </p:style>
-          </p:cxnSp>
-          <p:cxnSp>
-            <p:nvCxnSpPr>
-              <p:cNvPr id="49" name="Straight Connector 48">
-                <a:extLst>
-                  <a:ext uri="{FF2B5EF4-FFF2-40B4-BE49-F238E27FC236}">
-                    <a16:creationId xmlns:a16="http://schemas.microsoft.com/office/drawing/2014/main" id="{26BF3A46-5151-80AD-E237-668427AE6A28}"/>
-                  </a:ext>
-                </a:extLst>
-              </p:cNvPr>
-              <p:cNvCxnSpPr>
-                <a:cxnSpLocks/>
-              </p:cNvCxnSpPr>
-              <p:nvPr/>
-            </p:nvCxnSpPr>
-            <p:spPr>
-              <a:xfrm rot="5400000">
-                <a:off x="9755107" y="2934588"/>
-                <a:ext cx="350059" cy="0"/>
-              </a:xfrm>
-              <a:prstGeom prst="line">
-                <a:avLst/>
-              </a:prstGeom>
-              <a:ln w="57150"/>
-            </p:spPr>
-            <p:style>
-              <a:lnRef idx="2">
-                <a:schemeClr val="dk1"/>
-              </a:lnRef>
-              <a:fillRef idx="0">
-                <a:schemeClr val="dk1"/>
-              </a:fillRef>
-              <a:effectRef idx="1">
-                <a:schemeClr val="dk1"/>
-              </a:effectRef>
-              <a:fontRef idx="minor">
-                <a:schemeClr val="tx1"/>
-              </a:fontRef>
-            </p:style>
-          </p:cxnSp>
-          <p:grpSp>
-            <p:nvGrpSpPr>
-              <p:cNvPr id="62" name="Group 61">
-                <a:extLst>
-                  <a:ext uri="{FF2B5EF4-FFF2-40B4-BE49-F238E27FC236}">
-                    <a16:creationId xmlns:a16="http://schemas.microsoft.com/office/drawing/2014/main" id="{4AE718BD-E343-C4E5-618D-54C379E3384A}"/>
-                  </a:ext>
-                </a:extLst>
-              </p:cNvPr>
-              <p:cNvGrpSpPr/>
-              <p:nvPr/>
-            </p:nvGrpSpPr>
-            <p:grpSpPr>
-              <a:xfrm>
-                <a:off x="2454081" y="1693542"/>
-                <a:ext cx="1775166" cy="2054232"/>
-                <a:chOff x="2232411" y="1693542"/>
-                <a:chExt cx="1775166" cy="2054232"/>
-              </a:xfrm>
-            </p:grpSpPr>
-            <p:grpSp>
-              <p:nvGrpSpPr>
-                <p:cNvPr id="43" name="Group 42">
-                  <a:extLst>
-                    <a:ext uri="{FF2B5EF4-FFF2-40B4-BE49-F238E27FC236}">
-                      <a16:creationId xmlns:a16="http://schemas.microsoft.com/office/drawing/2014/main" id="{50278968-ACD5-4A4E-F2F5-5331397C525D}"/>
-                    </a:ext>
-                  </a:extLst>
-                </p:cNvPr>
-                <p:cNvGrpSpPr/>
-                <p:nvPr/>
-              </p:nvGrpSpPr>
-              <p:grpSpPr>
-                <a:xfrm>
-                  <a:off x="2762897" y="3109617"/>
-                  <a:ext cx="941008" cy="638157"/>
-                  <a:chOff x="2762897" y="2998785"/>
-                  <a:chExt cx="941008" cy="638157"/>
-                </a:xfrm>
-              </p:grpSpPr>
-              <p:pic>
-                <p:nvPicPr>
-                  <p:cNvPr id="4" name="Picture 3" descr="A black background with a black square&#10;&#10;Description automatically generated with medium confidence">
-                    <a:extLst>
-                      <a:ext uri="{FF2B5EF4-FFF2-40B4-BE49-F238E27FC236}">
-                        <a16:creationId xmlns:a16="http://schemas.microsoft.com/office/drawing/2014/main" id="{B69131AD-233F-75D2-15C3-3911A3A11F7E}"/>
-                      </a:ext>
-                    </a:extLst>
-                  </p:cNvPr>
-                  <p:cNvPicPr>
-                    <a:picLocks noChangeAspect="1"/>
-                  </p:cNvPicPr>
-                  <p:nvPr/>
-                </p:nvPicPr>
-                <p:blipFill>
-                  <a:blip r:embed="rId14"/>
-                  <a:stretch>
-                    <a:fillRect/>
-                  </a:stretch>
-                </p:blipFill>
-                <p:spPr>
-                  <a:xfrm flipH="1">
-                    <a:off x="3161178" y="3211414"/>
-                    <a:ext cx="542727" cy="278902"/>
-                  </a:xfrm>
-                  <a:prstGeom prst="rect">
-                    <a:avLst/>
-                  </a:prstGeom>
-                </p:spPr>
-              </p:pic>
-              <p:pic>
-                <p:nvPicPr>
-                  <p:cNvPr id="37" name="Graphic 36" descr="Egg with solid fill">
-                    <a:extLst>
-                      <a:ext uri="{FF2B5EF4-FFF2-40B4-BE49-F238E27FC236}">
-                        <a16:creationId xmlns:a16="http://schemas.microsoft.com/office/drawing/2014/main" id="{5EA6C72B-A378-54C0-CB92-CC9EEF0623FE}"/>
-                      </a:ext>
-                    </a:extLst>
-                  </p:cNvPr>
-                  <p:cNvPicPr>
-                    <a:picLocks noChangeAspect="1"/>
-                  </p:cNvPicPr>
-                  <p:nvPr/>
-                </p:nvPicPr>
-                <p:blipFill>
-                  <a:blip r:embed="rId4">
-                    <a:extLst>
-                      <a:ext uri="{96DAC541-7B7A-43D3-8B79-37D633B846F1}">
-                        <asvg:svgBlip xmlns:asvg="http://schemas.microsoft.com/office/drawing/2016/SVG/main" r:embed="rId5"/>
-                      </a:ext>
-                    </a:extLst>
-                  </a:blip>
-                  <a:stretch>
-                    <a:fillRect/>
-                  </a:stretch>
-                </p:blipFill>
-                <p:spPr>
-                  <a:xfrm>
-                    <a:off x="2945519" y="2998785"/>
-                    <a:ext cx="387795" cy="387795"/>
-                  </a:xfrm>
-                  <a:prstGeom prst="rect">
-                    <a:avLst/>
-                  </a:prstGeom>
-                </p:spPr>
-              </p:pic>
-              <p:pic>
-                <p:nvPicPr>
-                  <p:cNvPr id="38" name="Graphic 37" descr="Egg with solid fill">
-                    <a:extLst>
-                      <a:ext uri="{FF2B5EF4-FFF2-40B4-BE49-F238E27FC236}">
-                        <a16:creationId xmlns:a16="http://schemas.microsoft.com/office/drawing/2014/main" id="{A9055CF4-2C24-672B-C6A4-CCA04EB8A9D0}"/>
-                      </a:ext>
-                    </a:extLst>
-                  </p:cNvPr>
-                  <p:cNvPicPr>
-                    <a:picLocks noChangeAspect="1"/>
-                  </p:cNvPicPr>
-                  <p:nvPr/>
-                </p:nvPicPr>
-                <p:blipFill>
-                  <a:blip r:embed="rId6">
-                    <a:extLst>
-                      <a:ext uri="{96DAC541-7B7A-43D3-8B79-37D633B846F1}">
-                        <asvg:svgBlip xmlns:asvg="http://schemas.microsoft.com/office/drawing/2016/SVG/main" r:embed="rId7"/>
-                      </a:ext>
-                    </a:extLst>
-                  </a:blip>
-                  <a:stretch>
-                    <a:fillRect/>
-                  </a:stretch>
-                </p:blipFill>
-                <p:spPr>
-                  <a:xfrm>
-                    <a:off x="2762897" y="3139617"/>
-                    <a:ext cx="387795" cy="387795"/>
-                  </a:xfrm>
-                  <a:prstGeom prst="rect">
-                    <a:avLst/>
-                  </a:prstGeom>
-                </p:spPr>
-              </p:pic>
-              <p:pic>
-                <p:nvPicPr>
-                  <p:cNvPr id="39" name="Graphic 38" descr="Egg with solid fill">
-                    <a:extLst>
-                      <a:ext uri="{FF2B5EF4-FFF2-40B4-BE49-F238E27FC236}">
-                        <a16:creationId xmlns:a16="http://schemas.microsoft.com/office/drawing/2014/main" id="{275A3A7C-BC04-703B-457C-D264382C1C7F}"/>
-                      </a:ext>
-                    </a:extLst>
-                  </p:cNvPr>
-                  <p:cNvPicPr>
-                    <a:picLocks noChangeAspect="1"/>
-                  </p:cNvPicPr>
-                  <p:nvPr/>
-                </p:nvPicPr>
-                <p:blipFill>
-                  <a:blip r:embed="rId8">
-                    <a:extLst>
-                      <a:ext uri="{96DAC541-7B7A-43D3-8B79-37D633B846F1}">
-                        <asvg:svgBlip xmlns:asvg="http://schemas.microsoft.com/office/drawing/2016/SVG/main" r:embed="rId9"/>
-                      </a:ext>
-                    </a:extLst>
-                  </a:blip>
-                  <a:stretch>
-                    <a:fillRect/>
-                  </a:stretch>
-                </p:blipFill>
-                <p:spPr>
-                  <a:xfrm>
-                    <a:off x="2956794" y="3249147"/>
-                    <a:ext cx="387795" cy="387795"/>
-                  </a:xfrm>
-                  <a:prstGeom prst="rect">
-                    <a:avLst/>
-                  </a:prstGeom>
-                </p:spPr>
-              </p:pic>
-            </p:grpSp>
-            <p:cxnSp>
-              <p:nvCxnSpPr>
-                <p:cNvPr id="47" name="Straight Connector 46">
-                  <a:extLst>
-                    <a:ext uri="{FF2B5EF4-FFF2-40B4-BE49-F238E27FC236}">
-                      <a16:creationId xmlns:a16="http://schemas.microsoft.com/office/drawing/2014/main" id="{C37BF54C-D32E-287C-6F39-F1593A3B6BB7}"/>
-                    </a:ext>
-                  </a:extLst>
-                </p:cNvPr>
-                <p:cNvCxnSpPr>
-                  <a:cxnSpLocks/>
-                </p:cNvCxnSpPr>
-                <p:nvPr/>
-              </p:nvCxnSpPr>
-              <p:spPr>
-                <a:xfrm rot="5400000">
-                  <a:off x="2944965" y="2934588"/>
-                  <a:ext cx="350059" cy="0"/>
-                </a:xfrm>
-                <a:prstGeom prst="line">
-                  <a:avLst/>
-                </a:prstGeom>
-                <a:ln w="57150"/>
-              </p:spPr>
-              <p:style>
-                <a:lnRef idx="2">
-                  <a:schemeClr val="dk1"/>
-                </a:lnRef>
-                <a:fillRef idx="0">
-                  <a:schemeClr val="dk1"/>
-                </a:fillRef>
-                <a:effectRef idx="1">
-                  <a:schemeClr val="dk1"/>
-                </a:effectRef>
-                <a:fontRef idx="minor">
-                  <a:schemeClr val="tx1"/>
-                </a:fontRef>
-              </p:style>
-            </p:cxnSp>
-            <p:sp>
-              <p:nvSpPr>
-                <p:cNvPr id="52" name="TextBox 51">
-                  <a:extLst>
-                    <a:ext uri="{FF2B5EF4-FFF2-40B4-BE49-F238E27FC236}">
-                      <a16:creationId xmlns:a16="http://schemas.microsoft.com/office/drawing/2014/main" id="{558304CA-D110-0938-910D-C164CD27448A}"/>
-                    </a:ext>
-                  </a:extLst>
-                </p:cNvPr>
-                <p:cNvSpPr txBox="1"/>
-                <p:nvPr/>
-              </p:nvSpPr>
-              <p:spPr>
-                <a:xfrm>
-                  <a:off x="2232411" y="1693542"/>
-                  <a:ext cx="1775166" cy="646331"/>
-                </a:xfrm>
-                <a:prstGeom prst="rect">
-                  <a:avLst/>
-                </a:prstGeom>
-                <a:noFill/>
-              </p:spPr>
-              <p:txBody>
-                <a:bodyPr wrap="none" rtlCol="0">
-                  <a:spAutoFit/>
-                </a:bodyPr>
-                <a:lstStyle/>
-                <a:p>
-                  <a:pPr algn="ctr"/>
-                  <a:r>
-                    <a:rPr lang="en-AU" b="1" dirty="0"/>
-                    <a:t>Hatchling </a:t>
-                  </a:r>
-                </a:p>
-                <a:p>
-                  <a:pPr algn="ctr"/>
-                  <a:r>
-                    <a:rPr lang="en-AU" b="1" dirty="0"/>
-                    <a:t>Measurements</a:t>
-                  </a:r>
-                </a:p>
-              </p:txBody>
-            </p:sp>
-            <p:sp>
-              <p:nvSpPr>
-                <p:cNvPr id="53" name="TextBox 52">
-                  <a:extLst>
-                    <a:ext uri="{FF2B5EF4-FFF2-40B4-BE49-F238E27FC236}">
-                      <a16:creationId xmlns:a16="http://schemas.microsoft.com/office/drawing/2014/main" id="{37D70EA9-A6C9-F07E-3952-ACD473D25D6C}"/>
-                    </a:ext>
-                  </a:extLst>
-                </p:cNvPr>
-                <p:cNvSpPr txBox="1"/>
-                <p:nvPr/>
-              </p:nvSpPr>
-              <p:spPr>
-                <a:xfrm>
-                  <a:off x="2346036" y="2383272"/>
-                  <a:ext cx="1570181" cy="307777"/>
-                </a:xfrm>
-                <a:prstGeom prst="rect">
-                  <a:avLst/>
-                </a:prstGeom>
-                <a:noFill/>
-              </p:spPr>
-              <p:txBody>
-                <a:bodyPr wrap="square" rtlCol="0">
-                  <a:spAutoFit/>
-                </a:bodyPr>
-                <a:lstStyle/>
-                <a:p>
-                  <a:pPr algn="ctr"/>
-                  <a:r>
-                    <a:rPr lang="en-AU" sz="1400" dirty="0"/>
-                    <a:t>0d </a:t>
-                  </a:r>
-                </a:p>
-              </p:txBody>
-            </p:sp>
-          </p:grpSp>
-          <p:sp>
-            <p:nvSpPr>
-              <p:cNvPr id="55" name="TextBox 54">
-                <a:extLst>
-                  <a:ext uri="{FF2B5EF4-FFF2-40B4-BE49-F238E27FC236}">
-                    <a16:creationId xmlns:a16="http://schemas.microsoft.com/office/drawing/2014/main" id="{FC53FC2E-E110-70E7-7ABA-F6306931DA38}"/>
-                  </a:ext>
-                </a:extLst>
-              </p:cNvPr>
-              <p:cNvSpPr txBox="1"/>
-              <p:nvPr/>
-            </p:nvSpPr>
+              </a:blip>
+              <a:stretch>
+                <a:fillRect/>
+              </a:stretch>
+            </p:blipFill>
             <p:spPr>
               <a:xfrm>
-                <a:off x="5062701" y="1693542"/>
-                <a:ext cx="1775166" cy="646331"/>
+                <a:off x="2762897" y="3139617"/>
+                <a:ext cx="387795" cy="387795"/>
               </a:xfrm>
               <a:prstGeom prst="rect">
                 <a:avLst/>
               </a:prstGeom>
-              <a:noFill/>
             </p:spPr>
-            <p:txBody>
-              <a:bodyPr wrap="none" rtlCol="0">
-                <a:spAutoFit/>
-              </a:bodyPr>
-              <a:lstStyle/>
-              <a:p>
-                <a:pPr algn="ctr"/>
-                <a:r>
-                  <a:rPr lang="en-AU" b="1" dirty="0"/>
-                  <a:t>Juvenile </a:t>
-                </a:r>
-              </a:p>
-              <a:p>
-                <a:pPr algn="ctr"/>
-                <a:r>
-                  <a:rPr lang="en-AU" b="1" dirty="0"/>
-                  <a:t>Measurements</a:t>
-                </a:r>
-              </a:p>
-            </p:txBody>
-          </p:sp>
-          <p:sp>
-            <p:nvSpPr>
-              <p:cNvPr id="56" name="TextBox 55">
+          </p:pic>
+          <p:pic>
+            <p:nvPicPr>
+              <p:cNvPr id="39" name="Graphic 38" descr="Egg with solid fill">
                 <a:extLst>
                   <a:ext uri="{FF2B5EF4-FFF2-40B4-BE49-F238E27FC236}">
-                    <a16:creationId xmlns:a16="http://schemas.microsoft.com/office/drawing/2014/main" id="{026D6D61-29A0-1E8C-4A1D-3CBDB8A4F6E5}"/>
+                    <a16:creationId xmlns:a16="http://schemas.microsoft.com/office/drawing/2014/main" id="{275A3A7C-BC04-703B-457C-D264382C1C7F}"/>
                   </a:ext>
                 </a:extLst>
               </p:cNvPr>
-              <p:cNvSpPr txBox="1"/>
+              <p:cNvPicPr>
+                <a:picLocks noChangeAspect="1"/>
+              </p:cNvPicPr>
               <p:nvPr/>
-            </p:nvSpPr>
+            </p:nvPicPr>
+            <p:blipFill>
+              <a:blip r:embed="rId16">
+                <a:extLst>
+                  <a:ext uri="{96DAC541-7B7A-43D3-8B79-37D633B846F1}">
+                    <asvg:svgBlip xmlns:asvg="http://schemas.microsoft.com/office/drawing/2016/SVG/main" r:embed="rId18"/>
+                  </a:ext>
+                </a:extLst>
+              </a:blip>
+              <a:stretch>
+                <a:fillRect/>
+              </a:stretch>
+            </p:blipFill>
             <p:spPr>
               <a:xfrm>
-                <a:off x="214698" y="2275550"/>
-                <a:ext cx="1570181" cy="523220"/>
+                <a:off x="2956794" y="3249147"/>
+                <a:ext cx="387795" cy="387795"/>
               </a:xfrm>
               <a:prstGeom prst="rect">
                 <a:avLst/>
               </a:prstGeom>
-              <a:noFill/>
             </p:spPr>
-            <p:txBody>
-              <a:bodyPr wrap="square" rtlCol="0">
-                <a:spAutoFit/>
-              </a:bodyPr>
-              <a:lstStyle/>
-              <a:p>
-                <a:pPr algn="ctr"/>
-                <a:r>
-                  <a:rPr lang="en-AU" sz="1400" dirty="0">
-                    <a:solidFill>
-                      <a:srgbClr val="0070C1"/>
-                    </a:solidFill>
-                  </a:rPr>
-                  <a:t>48.3</a:t>
-                </a:r>
-                <a:r>
-                  <a:rPr lang="en-US" sz="1400" dirty="0">
-                    <a:solidFill>
-                      <a:srgbClr val="0070C1"/>
-                    </a:solidFill>
-                    <a:effectLst/>
-                    <a:latin typeface="Times New Roman" panose="02020603050405020304" pitchFamily="18" charset="0"/>
-                    <a:ea typeface="Calibri" panose="020F0502020204030204" pitchFamily="34" charset="0"/>
-                  </a:rPr>
-                  <a:t> ± 8.4</a:t>
-                </a:r>
-                <a:r>
-                  <a:rPr lang="en-AU" sz="1400" dirty="0">
-                    <a:solidFill>
-                      <a:srgbClr val="0070C1"/>
-                    </a:solidFill>
-                  </a:rPr>
-                  <a:t>d</a:t>
-                </a:r>
-              </a:p>
-              <a:p>
-                <a:pPr algn="ctr"/>
-                <a:r>
-                  <a:rPr lang="en-AU" sz="1400" dirty="0">
-                    <a:solidFill>
-                      <a:srgbClr val="FF0E00"/>
-                    </a:solidFill>
-                  </a:rPr>
-                  <a:t>30.9</a:t>
-                </a:r>
-                <a:r>
-                  <a:rPr lang="en-US" sz="1400" dirty="0">
-                    <a:solidFill>
-                      <a:srgbClr val="FF0E00"/>
-                    </a:solidFill>
-                    <a:effectLst/>
-                    <a:latin typeface="Times New Roman" panose="02020603050405020304" pitchFamily="18" charset="0"/>
-                    <a:ea typeface="Calibri" panose="020F0502020204030204" pitchFamily="34" charset="0"/>
-                  </a:rPr>
-                  <a:t> ± 4.8</a:t>
-                </a:r>
-                <a:r>
-                  <a:rPr lang="en-AU" sz="1400" dirty="0">
-                    <a:solidFill>
-                      <a:srgbClr val="FF0E00"/>
-                    </a:solidFill>
-                  </a:rPr>
-                  <a:t>d</a:t>
-                </a:r>
-              </a:p>
-            </p:txBody>
-          </p:sp>
-          <p:sp>
-            <p:nvSpPr>
-              <p:cNvPr id="59" name="TextBox 58">
-                <a:extLst>
-                  <a:ext uri="{FF2B5EF4-FFF2-40B4-BE49-F238E27FC236}">
-                    <a16:creationId xmlns:a16="http://schemas.microsoft.com/office/drawing/2014/main" id="{FADACEBD-AE57-3996-E4A7-204FD0E5F708}"/>
-                  </a:ext>
-                </a:extLst>
-              </p:cNvPr>
-              <p:cNvSpPr txBox="1"/>
-              <p:nvPr/>
-            </p:nvSpPr>
-            <p:spPr>
-              <a:xfrm>
-                <a:off x="5141080" y="2383272"/>
-                <a:ext cx="1570181" cy="307777"/>
-              </a:xfrm>
-              <a:prstGeom prst="rect">
-                <a:avLst/>
-              </a:prstGeom>
-              <a:noFill/>
-            </p:spPr>
-            <p:txBody>
-              <a:bodyPr wrap="square" rtlCol="0">
-                <a:spAutoFit/>
-              </a:bodyPr>
-              <a:lstStyle/>
-              <a:p>
-                <a:pPr algn="ctr"/>
-                <a:r>
-                  <a:rPr lang="en-AU" sz="1400" dirty="0"/>
-                  <a:t>105.7</a:t>
-                </a:r>
-                <a:r>
-                  <a:rPr lang="en-US" sz="1400" dirty="0">
-                    <a:effectLst/>
-                    <a:latin typeface="Times New Roman" panose="02020603050405020304" pitchFamily="18" charset="0"/>
-                    <a:ea typeface="Calibri" panose="020F0502020204030204" pitchFamily="34" charset="0"/>
-                  </a:rPr>
-                  <a:t> ± 10.8</a:t>
-                </a:r>
-                <a:r>
-                  <a:rPr lang="en-AU" sz="1400" dirty="0"/>
-                  <a:t>d</a:t>
-                </a:r>
-              </a:p>
-            </p:txBody>
-          </p:sp>
-          <p:sp>
-            <p:nvSpPr>
-              <p:cNvPr id="60" name="TextBox 59">
-                <a:extLst>
-                  <a:ext uri="{FF2B5EF4-FFF2-40B4-BE49-F238E27FC236}">
-                    <a16:creationId xmlns:a16="http://schemas.microsoft.com/office/drawing/2014/main" id="{8D006689-5671-E339-3B25-9FC6E07A3FF7}"/>
-                  </a:ext>
-                </a:extLst>
-              </p:cNvPr>
-              <p:cNvSpPr txBox="1"/>
-              <p:nvPr/>
-            </p:nvSpPr>
-            <p:spPr>
-              <a:xfrm>
-                <a:off x="9145045" y="2383272"/>
-                <a:ext cx="1570181" cy="307777"/>
-              </a:xfrm>
-              <a:prstGeom prst="rect">
-                <a:avLst/>
-              </a:prstGeom>
-              <a:noFill/>
-            </p:spPr>
-            <p:txBody>
-              <a:bodyPr wrap="square" rtlCol="0">
-                <a:spAutoFit/>
-              </a:bodyPr>
-              <a:lstStyle/>
-              <a:p>
-                <a:pPr algn="ctr"/>
-                <a:r>
-                  <a:rPr lang="en-AU" sz="1400" dirty="0"/>
-                  <a:t>466.1</a:t>
-                </a:r>
-                <a:r>
-                  <a:rPr lang="en-US" sz="1400" dirty="0">
-                    <a:effectLst/>
-                    <a:latin typeface="Times New Roman" panose="02020603050405020304" pitchFamily="18" charset="0"/>
-                    <a:ea typeface="Calibri" panose="020F0502020204030204" pitchFamily="34" charset="0"/>
-                  </a:rPr>
-                  <a:t> ± 12.4</a:t>
-                </a:r>
-                <a:r>
-                  <a:rPr lang="en-AU" sz="1400" dirty="0"/>
-                  <a:t>d</a:t>
-                </a:r>
-              </a:p>
-            </p:txBody>
-          </p:sp>
-          <p:sp>
-            <p:nvSpPr>
-              <p:cNvPr id="61" name="TextBox 60">
-                <a:extLst>
-                  <a:ext uri="{FF2B5EF4-FFF2-40B4-BE49-F238E27FC236}">
-                    <a16:creationId xmlns:a16="http://schemas.microsoft.com/office/drawing/2014/main" id="{6E661CD2-D546-7A6B-D919-5DE89CB91A7D}"/>
-                  </a:ext>
-                </a:extLst>
-              </p:cNvPr>
-              <p:cNvSpPr txBox="1"/>
-              <p:nvPr/>
-            </p:nvSpPr>
-            <p:spPr>
-              <a:xfrm>
-                <a:off x="8911803" y="1693542"/>
-                <a:ext cx="1775166" cy="646331"/>
-              </a:xfrm>
-              <a:prstGeom prst="rect">
-                <a:avLst/>
-              </a:prstGeom>
-              <a:noFill/>
-            </p:spPr>
-            <p:txBody>
-              <a:bodyPr wrap="none" rtlCol="0">
-                <a:spAutoFit/>
-              </a:bodyPr>
-              <a:lstStyle/>
-              <a:p>
-                <a:pPr algn="ctr"/>
-                <a:r>
-                  <a:rPr lang="en-AU" b="1" dirty="0"/>
-                  <a:t>Adult </a:t>
-                </a:r>
-              </a:p>
-              <a:p>
-                <a:pPr algn="ctr"/>
-                <a:r>
-                  <a:rPr lang="en-AU" b="1" dirty="0"/>
-                  <a:t>Measurements</a:t>
-                </a:r>
-              </a:p>
-            </p:txBody>
-          </p:sp>
+          </p:pic>
         </p:grpSp>
+        <p:sp>
+          <p:nvSpPr>
+            <p:cNvPr id="52" name="TextBox 51">
+              <a:extLst>
+                <a:ext uri="{FF2B5EF4-FFF2-40B4-BE49-F238E27FC236}">
+                  <a16:creationId xmlns:a16="http://schemas.microsoft.com/office/drawing/2014/main" id="{558304CA-D110-0938-910D-C164CD27448A}"/>
+                </a:ext>
+              </a:extLst>
+            </p:cNvPr>
+            <p:cNvSpPr txBox="1"/>
+            <p:nvPr/>
+          </p:nvSpPr>
+          <p:spPr>
+            <a:xfrm>
+              <a:off x="3248407" y="1487354"/>
+              <a:ext cx="1775166" cy="646331"/>
+            </a:xfrm>
+            <a:prstGeom prst="rect">
+              <a:avLst/>
+            </a:prstGeom>
+            <a:noFill/>
+          </p:spPr>
+          <p:txBody>
+            <a:bodyPr wrap="none" rtlCol="0">
+              <a:spAutoFit/>
+            </a:bodyPr>
+            <a:lstStyle/>
+            <a:p>
+              <a:pPr algn="ctr"/>
+              <a:r>
+                <a:rPr lang="en-AU" b="1" dirty="0"/>
+                <a:t>Hatchling </a:t>
+              </a:r>
+            </a:p>
+            <a:p>
+              <a:pPr algn="ctr"/>
+              <a:r>
+                <a:rPr lang="en-AU" b="1" dirty="0"/>
+                <a:t>Measurements</a:t>
+              </a:r>
+            </a:p>
+          </p:txBody>
+        </p:sp>
+        <p:sp>
+          <p:nvSpPr>
+            <p:cNvPr id="53" name="TextBox 52">
+              <a:extLst>
+                <a:ext uri="{FF2B5EF4-FFF2-40B4-BE49-F238E27FC236}">
+                  <a16:creationId xmlns:a16="http://schemas.microsoft.com/office/drawing/2014/main" id="{37D70EA9-A6C9-F07E-3952-ACD473D25D6C}"/>
+                </a:ext>
+              </a:extLst>
+            </p:cNvPr>
+            <p:cNvSpPr txBox="1"/>
+            <p:nvPr/>
+          </p:nvSpPr>
+          <p:spPr>
+            <a:xfrm>
+              <a:off x="3362032" y="2347413"/>
+              <a:ext cx="1570181" cy="307777"/>
+            </a:xfrm>
+            <a:prstGeom prst="rect">
+              <a:avLst/>
+            </a:prstGeom>
+            <a:noFill/>
+          </p:spPr>
+          <p:txBody>
+            <a:bodyPr wrap="square" rtlCol="0">
+              <a:spAutoFit/>
+            </a:bodyPr>
+            <a:lstStyle/>
+            <a:p>
+              <a:pPr algn="ctr"/>
+              <a:r>
+                <a:rPr lang="en-AU" sz="1400" dirty="0"/>
+                <a:t>0d </a:t>
+              </a:r>
+            </a:p>
+          </p:txBody>
+        </p:sp>
+        <p:sp>
+          <p:nvSpPr>
+            <p:cNvPr id="55" name="TextBox 54">
+              <a:extLst>
+                <a:ext uri="{FF2B5EF4-FFF2-40B4-BE49-F238E27FC236}">
+                  <a16:creationId xmlns:a16="http://schemas.microsoft.com/office/drawing/2014/main" id="{FC53FC2E-E110-70E7-7ABA-F6306931DA38}"/>
+                </a:ext>
+              </a:extLst>
+            </p:cNvPr>
+            <p:cNvSpPr txBox="1"/>
+            <p:nvPr/>
+          </p:nvSpPr>
+          <p:spPr>
+            <a:xfrm>
+              <a:off x="5857027" y="1487354"/>
+              <a:ext cx="1775166" cy="646331"/>
+            </a:xfrm>
+            <a:prstGeom prst="rect">
+              <a:avLst/>
+            </a:prstGeom>
+            <a:noFill/>
+          </p:spPr>
+          <p:txBody>
+            <a:bodyPr wrap="none" rtlCol="0">
+              <a:spAutoFit/>
+            </a:bodyPr>
+            <a:lstStyle/>
+            <a:p>
+              <a:pPr algn="ctr"/>
+              <a:r>
+                <a:rPr lang="en-AU" b="1" dirty="0"/>
+                <a:t>Juvenile </a:t>
+              </a:r>
+            </a:p>
+            <a:p>
+              <a:pPr algn="ctr"/>
+              <a:r>
+                <a:rPr lang="en-AU" b="1" dirty="0"/>
+                <a:t>Measurements</a:t>
+              </a:r>
+            </a:p>
+          </p:txBody>
+        </p:sp>
+        <p:sp>
+          <p:nvSpPr>
+            <p:cNvPr id="56" name="TextBox 55">
+              <a:extLst>
+                <a:ext uri="{FF2B5EF4-FFF2-40B4-BE49-F238E27FC236}">
+                  <a16:creationId xmlns:a16="http://schemas.microsoft.com/office/drawing/2014/main" id="{026D6D61-29A0-1E8C-4A1D-3CBDB8A4F6E5}"/>
+                </a:ext>
+              </a:extLst>
+            </p:cNvPr>
+            <p:cNvSpPr txBox="1"/>
+            <p:nvPr/>
+          </p:nvSpPr>
+          <p:spPr>
+            <a:xfrm>
+              <a:off x="1807630" y="2354593"/>
+              <a:ext cx="2344588" cy="307777"/>
+            </a:xfrm>
+            <a:prstGeom prst="rect">
+              <a:avLst/>
+            </a:prstGeom>
+            <a:noFill/>
+          </p:spPr>
+          <p:txBody>
+            <a:bodyPr wrap="square" rtlCol="0">
+              <a:spAutoFit/>
+            </a:bodyPr>
+            <a:lstStyle/>
+            <a:p>
+              <a:pPr algn="ctr"/>
+              <a:r>
+                <a:rPr lang="en-AU" sz="1400" dirty="0">
+                  <a:solidFill>
+                    <a:srgbClr val="0070C1"/>
+                  </a:solidFill>
+                </a:rPr>
+                <a:t>48.3</a:t>
+              </a:r>
+              <a:r>
+                <a:rPr lang="en-US" sz="1400" dirty="0">
+                  <a:solidFill>
+                    <a:srgbClr val="0070C1"/>
+                  </a:solidFill>
+                  <a:effectLst/>
+                  <a:latin typeface="Times New Roman" panose="02020603050405020304" pitchFamily="18" charset="0"/>
+                  <a:ea typeface="Calibri" panose="020F0502020204030204" pitchFamily="34" charset="0"/>
+                </a:rPr>
+                <a:t> ± 8.4</a:t>
+              </a:r>
+              <a:r>
+                <a:rPr lang="en-AU" sz="1400" dirty="0">
+                  <a:solidFill>
+                    <a:srgbClr val="0070C1"/>
+                  </a:solidFill>
+                </a:rPr>
+                <a:t>d</a:t>
+              </a:r>
+            </a:p>
+          </p:txBody>
+        </p:sp>
+        <p:sp>
+          <p:nvSpPr>
+            <p:cNvPr id="59" name="TextBox 58">
+              <a:extLst>
+                <a:ext uri="{FF2B5EF4-FFF2-40B4-BE49-F238E27FC236}">
+                  <a16:creationId xmlns:a16="http://schemas.microsoft.com/office/drawing/2014/main" id="{FADACEBD-AE57-3996-E4A7-204FD0E5F708}"/>
+                </a:ext>
+              </a:extLst>
+            </p:cNvPr>
+            <p:cNvSpPr txBox="1"/>
+            <p:nvPr/>
+          </p:nvSpPr>
+          <p:spPr>
+            <a:xfrm>
+              <a:off x="5935406" y="2347413"/>
+              <a:ext cx="1570181" cy="307777"/>
+            </a:xfrm>
+            <a:prstGeom prst="rect">
+              <a:avLst/>
+            </a:prstGeom>
+            <a:noFill/>
+          </p:spPr>
+          <p:txBody>
+            <a:bodyPr wrap="square" rtlCol="0">
+              <a:spAutoFit/>
+            </a:bodyPr>
+            <a:lstStyle/>
+            <a:p>
+              <a:pPr algn="ctr"/>
+              <a:r>
+                <a:rPr lang="en-AU" sz="1400" dirty="0"/>
+                <a:t>105.7</a:t>
+              </a:r>
+              <a:r>
+                <a:rPr lang="en-US" sz="1400" dirty="0">
+                  <a:effectLst/>
+                  <a:latin typeface="Times New Roman" panose="02020603050405020304" pitchFamily="18" charset="0"/>
+                  <a:ea typeface="Calibri" panose="020F0502020204030204" pitchFamily="34" charset="0"/>
+                </a:rPr>
+                <a:t> ± 10.8</a:t>
+              </a:r>
+              <a:r>
+                <a:rPr lang="en-AU" sz="1400" dirty="0"/>
+                <a:t>d</a:t>
+              </a:r>
+            </a:p>
+          </p:txBody>
+        </p:sp>
+        <p:sp>
+          <p:nvSpPr>
+            <p:cNvPr id="60" name="TextBox 59">
+              <a:extLst>
+                <a:ext uri="{FF2B5EF4-FFF2-40B4-BE49-F238E27FC236}">
+                  <a16:creationId xmlns:a16="http://schemas.microsoft.com/office/drawing/2014/main" id="{8D006689-5671-E339-3B25-9FC6E07A3FF7}"/>
+                </a:ext>
+              </a:extLst>
+            </p:cNvPr>
+            <p:cNvSpPr txBox="1"/>
+            <p:nvPr/>
+          </p:nvSpPr>
+          <p:spPr>
+            <a:xfrm>
+              <a:off x="9939371" y="2347413"/>
+              <a:ext cx="1570181" cy="307777"/>
+            </a:xfrm>
+            <a:prstGeom prst="rect">
+              <a:avLst/>
+            </a:prstGeom>
+            <a:noFill/>
+          </p:spPr>
+          <p:txBody>
+            <a:bodyPr wrap="square" rtlCol="0">
+              <a:spAutoFit/>
+            </a:bodyPr>
+            <a:lstStyle/>
+            <a:p>
+              <a:pPr algn="ctr"/>
+              <a:r>
+                <a:rPr lang="en-AU" sz="1400" dirty="0"/>
+                <a:t>466.1</a:t>
+              </a:r>
+              <a:r>
+                <a:rPr lang="en-US" sz="1400" dirty="0">
+                  <a:effectLst/>
+                  <a:latin typeface="Times New Roman" panose="02020603050405020304" pitchFamily="18" charset="0"/>
+                  <a:ea typeface="Calibri" panose="020F0502020204030204" pitchFamily="34" charset="0"/>
+                </a:rPr>
+                <a:t> ± 12.4</a:t>
+              </a:r>
+              <a:r>
+                <a:rPr lang="en-AU" sz="1400" dirty="0"/>
+                <a:t>d</a:t>
+              </a:r>
+            </a:p>
+          </p:txBody>
+        </p:sp>
+        <p:sp>
+          <p:nvSpPr>
+            <p:cNvPr id="61" name="TextBox 60">
+              <a:extLst>
+                <a:ext uri="{FF2B5EF4-FFF2-40B4-BE49-F238E27FC236}">
+                  <a16:creationId xmlns:a16="http://schemas.microsoft.com/office/drawing/2014/main" id="{6E661CD2-D546-7A6B-D919-5DE89CB91A7D}"/>
+                </a:ext>
+              </a:extLst>
+            </p:cNvPr>
+            <p:cNvSpPr txBox="1"/>
+            <p:nvPr/>
+          </p:nvSpPr>
+          <p:spPr>
+            <a:xfrm>
+              <a:off x="9706129" y="1487354"/>
+              <a:ext cx="1775166" cy="646331"/>
+            </a:xfrm>
+            <a:prstGeom prst="rect">
+              <a:avLst/>
+            </a:prstGeom>
+            <a:noFill/>
+          </p:spPr>
+          <p:txBody>
+            <a:bodyPr wrap="none" rtlCol="0">
+              <a:spAutoFit/>
+            </a:bodyPr>
+            <a:lstStyle/>
+            <a:p>
+              <a:pPr algn="ctr"/>
+              <a:r>
+                <a:rPr lang="en-AU" b="1" dirty="0"/>
+                <a:t>Adult </a:t>
+              </a:r>
+            </a:p>
+            <a:p>
+              <a:pPr algn="ctr"/>
+              <a:r>
+                <a:rPr lang="en-AU" b="1" dirty="0"/>
+                <a:t>Measurements</a:t>
+              </a:r>
+            </a:p>
+          </p:txBody>
+        </p:sp>
         <p:pic>
           <p:nvPicPr>
             <p:cNvPr id="68" name="Graphic 67" descr="Water with solid fill">
@@ -5591,10 +5329,10 @@
             <p:nvPr/>
           </p:nvPicPr>
           <p:blipFill>
-            <a:blip r:embed="rId15">
+            <a:blip r:embed="rId19">
               <a:extLst>
                 <a:ext uri="{96DAC541-7B7A-43D3-8B79-37D633B846F1}">
-                  <asvg:svgBlip xmlns:asvg="http://schemas.microsoft.com/office/drawing/2016/SVG/main" r:embed="rId16"/>
+                  <asvg:svgBlip xmlns:asvg="http://schemas.microsoft.com/office/drawing/2016/SVG/main" r:embed="rId20"/>
                 </a:ext>
               </a:extLst>
             </a:blip>
@@ -5604,7 +5342,7 @@
           </p:blipFill>
           <p:spPr>
             <a:xfrm>
-              <a:off x="9904607" y="3572823"/>
+              <a:off x="10698933" y="3653508"/>
               <a:ext cx="567771" cy="567771"/>
             </a:xfrm>
             <a:prstGeom prst="rect">
@@ -5612,6 +5350,391 @@
             </a:prstGeom>
           </p:spPr>
         </p:pic>
+        <p:cxnSp>
+          <p:nvCxnSpPr>
+            <p:cNvPr id="5" name="Straight Connector 4">
+              <a:extLst>
+                <a:ext uri="{FF2B5EF4-FFF2-40B4-BE49-F238E27FC236}">
+                  <a16:creationId xmlns:a16="http://schemas.microsoft.com/office/drawing/2014/main" id="{64208C62-5CB9-6ADA-7104-E66BD638EA2F}"/>
+                </a:ext>
+              </a:extLst>
+            </p:cNvPr>
+            <p:cNvCxnSpPr>
+              <a:cxnSpLocks/>
+            </p:cNvCxnSpPr>
+            <p:nvPr/>
+          </p:nvCxnSpPr>
+          <p:spPr>
+            <a:xfrm>
+              <a:off x="1791402" y="3102211"/>
+              <a:ext cx="2344588" cy="0"/>
+            </a:xfrm>
+            <a:prstGeom prst="line">
+              <a:avLst/>
+            </a:prstGeom>
+            <a:ln w="34925">
+              <a:solidFill>
+                <a:srgbClr val="FF0E00"/>
+              </a:solidFill>
+              <a:prstDash val="dash"/>
+            </a:ln>
+          </p:spPr>
+          <p:style>
+            <a:lnRef idx="2">
+              <a:schemeClr val="accent1"/>
+            </a:lnRef>
+            <a:fillRef idx="0">
+              <a:schemeClr val="accent1"/>
+            </a:fillRef>
+            <a:effectRef idx="1">
+              <a:schemeClr val="accent1"/>
+            </a:effectRef>
+            <a:fontRef idx="minor">
+              <a:schemeClr val="tx1"/>
+            </a:fontRef>
+          </p:style>
+        </p:cxnSp>
+        <p:sp>
+          <p:nvSpPr>
+            <p:cNvPr id="7" name="TextBox 6">
+              <a:extLst>
+                <a:ext uri="{FF2B5EF4-FFF2-40B4-BE49-F238E27FC236}">
+                  <a16:creationId xmlns:a16="http://schemas.microsoft.com/office/drawing/2014/main" id="{342D3E37-A2B5-5975-8F71-AE0342F8C67E}"/>
+                </a:ext>
+              </a:extLst>
+            </p:cNvPr>
+            <p:cNvSpPr txBox="1"/>
+            <p:nvPr/>
+          </p:nvSpPr>
+          <p:spPr>
+            <a:xfrm>
+              <a:off x="1792171" y="3250207"/>
+              <a:ext cx="2374517" cy="307777"/>
+            </a:xfrm>
+            <a:prstGeom prst="rect">
+              <a:avLst/>
+            </a:prstGeom>
+            <a:noFill/>
+          </p:spPr>
+          <p:txBody>
+            <a:bodyPr wrap="square" rtlCol="0">
+              <a:spAutoFit/>
+            </a:bodyPr>
+            <a:lstStyle/>
+            <a:p>
+              <a:pPr algn="ctr"/>
+              <a:r>
+                <a:rPr lang="en-AU" sz="1400" dirty="0">
+                  <a:solidFill>
+                    <a:srgbClr val="FF0E00"/>
+                  </a:solidFill>
+                </a:rPr>
+                <a:t>30.9</a:t>
+              </a:r>
+              <a:r>
+                <a:rPr lang="en-US" sz="1400" dirty="0">
+                  <a:solidFill>
+                    <a:srgbClr val="FF0E00"/>
+                  </a:solidFill>
+                  <a:effectLst/>
+                  <a:latin typeface="Times New Roman" panose="02020603050405020304" pitchFamily="18" charset="0"/>
+                  <a:ea typeface="Calibri" panose="020F0502020204030204" pitchFamily="34" charset="0"/>
+                </a:rPr>
+                <a:t> ± 4.8</a:t>
+              </a:r>
+              <a:r>
+                <a:rPr lang="en-AU" sz="1400" dirty="0">
+                  <a:solidFill>
+                    <a:srgbClr val="FF0E00"/>
+                  </a:solidFill>
+                </a:rPr>
+                <a:t>d</a:t>
+              </a:r>
+            </a:p>
+          </p:txBody>
+        </p:sp>
+        <p:cxnSp>
+          <p:nvCxnSpPr>
+            <p:cNvPr id="13" name="Straight Connector 12">
+              <a:extLst>
+                <a:ext uri="{FF2B5EF4-FFF2-40B4-BE49-F238E27FC236}">
+                  <a16:creationId xmlns:a16="http://schemas.microsoft.com/office/drawing/2014/main" id="{B7737FF1-E3AE-C77D-45B6-4B71A55D4D4F}"/>
+                </a:ext>
+              </a:extLst>
+            </p:cNvPr>
+            <p:cNvCxnSpPr>
+              <a:cxnSpLocks/>
+            </p:cNvCxnSpPr>
+            <p:nvPr/>
+          </p:nvCxnSpPr>
+          <p:spPr>
+            <a:xfrm>
+              <a:off x="1791402" y="2796148"/>
+              <a:ext cx="2344588" cy="11121"/>
+            </a:xfrm>
+            <a:prstGeom prst="line">
+              <a:avLst/>
+            </a:prstGeom>
+            <a:ln w="34925">
+              <a:solidFill>
+                <a:srgbClr val="0070C1"/>
+              </a:solidFill>
+              <a:prstDash val="dash"/>
+            </a:ln>
+          </p:spPr>
+          <p:style>
+            <a:lnRef idx="2">
+              <a:schemeClr val="accent1"/>
+            </a:lnRef>
+            <a:fillRef idx="0">
+              <a:schemeClr val="accent1"/>
+            </a:fillRef>
+            <a:effectRef idx="1">
+              <a:schemeClr val="accent1"/>
+            </a:effectRef>
+            <a:fontRef idx="minor">
+              <a:schemeClr val="tx1"/>
+            </a:fontRef>
+          </p:style>
+        </p:cxnSp>
+        <p:cxnSp>
+          <p:nvCxnSpPr>
+            <p:cNvPr id="18" name="Straight Connector 17">
+              <a:extLst>
+                <a:ext uri="{FF2B5EF4-FFF2-40B4-BE49-F238E27FC236}">
+                  <a16:creationId xmlns:a16="http://schemas.microsoft.com/office/drawing/2014/main" id="{05C50230-CE3C-D105-984B-27796D004166}"/>
+                </a:ext>
+              </a:extLst>
+            </p:cNvPr>
+            <p:cNvCxnSpPr>
+              <a:cxnSpLocks/>
+            </p:cNvCxnSpPr>
+            <p:nvPr/>
+          </p:nvCxnSpPr>
+          <p:spPr>
+            <a:xfrm rot="5400000">
+              <a:off x="1561151" y="2958838"/>
+              <a:ext cx="465929" cy="0"/>
+            </a:xfrm>
+            <a:prstGeom prst="line">
+              <a:avLst/>
+            </a:prstGeom>
+            <a:ln w="57150"/>
+          </p:spPr>
+          <p:style>
+            <a:lnRef idx="2">
+              <a:schemeClr val="dk1"/>
+            </a:lnRef>
+            <a:fillRef idx="0">
+              <a:schemeClr val="dk1"/>
+            </a:fillRef>
+            <a:effectRef idx="1">
+              <a:schemeClr val="dk1"/>
+            </a:effectRef>
+            <a:fontRef idx="minor">
+              <a:schemeClr val="tx1"/>
+            </a:fontRef>
+          </p:style>
+        </p:cxnSp>
+        <p:cxnSp>
+          <p:nvCxnSpPr>
+            <p:cNvPr id="21" name="Straight Connector 20">
+              <a:extLst>
+                <a:ext uri="{FF2B5EF4-FFF2-40B4-BE49-F238E27FC236}">
+                  <a16:creationId xmlns:a16="http://schemas.microsoft.com/office/drawing/2014/main" id="{B9F18E19-D646-1349-21C2-56A6DBEE42E1}"/>
+                </a:ext>
+              </a:extLst>
+            </p:cNvPr>
+            <p:cNvCxnSpPr>
+              <a:cxnSpLocks/>
+            </p:cNvCxnSpPr>
+            <p:nvPr/>
+          </p:nvCxnSpPr>
+          <p:spPr>
+            <a:xfrm rot="5400000">
+              <a:off x="3919253" y="2958838"/>
+              <a:ext cx="465929" cy="0"/>
+            </a:xfrm>
+            <a:prstGeom prst="line">
+              <a:avLst/>
+            </a:prstGeom>
+            <a:ln w="57150"/>
+          </p:spPr>
+          <p:style>
+            <a:lnRef idx="2">
+              <a:schemeClr val="dk1"/>
+            </a:lnRef>
+            <a:fillRef idx="0">
+              <a:schemeClr val="dk1"/>
+            </a:fillRef>
+            <a:effectRef idx="1">
+              <a:schemeClr val="dk1"/>
+            </a:effectRef>
+            <a:fontRef idx="minor">
+              <a:schemeClr val="tx1"/>
+            </a:fontRef>
+          </p:style>
+        </p:cxnSp>
+        <p:cxnSp>
+          <p:nvCxnSpPr>
+            <p:cNvPr id="22" name="Straight Connector 21">
+              <a:extLst>
+                <a:ext uri="{FF2B5EF4-FFF2-40B4-BE49-F238E27FC236}">
+                  <a16:creationId xmlns:a16="http://schemas.microsoft.com/office/drawing/2014/main" id="{4E429301-0203-73CE-3FD9-0FFEE0A15331}"/>
+                </a:ext>
+              </a:extLst>
+            </p:cNvPr>
+            <p:cNvCxnSpPr>
+              <a:cxnSpLocks/>
+            </p:cNvCxnSpPr>
+            <p:nvPr/>
+          </p:nvCxnSpPr>
+          <p:spPr>
+            <a:xfrm rot="5400000">
+              <a:off x="6510504" y="2958838"/>
+              <a:ext cx="465929" cy="0"/>
+            </a:xfrm>
+            <a:prstGeom prst="line">
+              <a:avLst/>
+            </a:prstGeom>
+            <a:ln w="57150"/>
+          </p:spPr>
+          <p:style>
+            <a:lnRef idx="2">
+              <a:schemeClr val="dk1"/>
+            </a:lnRef>
+            <a:fillRef idx="0">
+              <a:schemeClr val="dk1"/>
+            </a:fillRef>
+            <a:effectRef idx="1">
+              <a:schemeClr val="dk1"/>
+            </a:effectRef>
+            <a:fontRef idx="minor">
+              <a:schemeClr val="tx1"/>
+            </a:fontRef>
+          </p:style>
+        </p:cxnSp>
+        <p:cxnSp>
+          <p:nvCxnSpPr>
+            <p:cNvPr id="23" name="Straight Connector 22">
+              <a:extLst>
+                <a:ext uri="{FF2B5EF4-FFF2-40B4-BE49-F238E27FC236}">
+                  <a16:creationId xmlns:a16="http://schemas.microsoft.com/office/drawing/2014/main" id="{EB30DDCC-E273-993A-8007-C24AAF5E9DFB}"/>
+                </a:ext>
+              </a:extLst>
+            </p:cNvPr>
+            <p:cNvCxnSpPr>
+              <a:cxnSpLocks/>
+            </p:cNvCxnSpPr>
+            <p:nvPr/>
+          </p:nvCxnSpPr>
+          <p:spPr>
+            <a:xfrm rot="5400000">
+              <a:off x="10503078" y="2958838"/>
+              <a:ext cx="465929" cy="0"/>
+            </a:xfrm>
+            <a:prstGeom prst="line">
+              <a:avLst/>
+            </a:prstGeom>
+            <a:ln w="57150"/>
+          </p:spPr>
+          <p:style>
+            <a:lnRef idx="2">
+              <a:schemeClr val="dk1"/>
+            </a:lnRef>
+            <a:fillRef idx="0">
+              <a:schemeClr val="dk1"/>
+            </a:fillRef>
+            <a:effectRef idx="1">
+              <a:schemeClr val="dk1"/>
+            </a:effectRef>
+            <a:fontRef idx="minor">
+              <a:schemeClr val="tx1"/>
+            </a:fontRef>
+          </p:style>
+        </p:cxnSp>
+        <p:cxnSp>
+          <p:nvCxnSpPr>
+            <p:cNvPr id="33" name="Straight Arrow Connector 32">
+              <a:extLst>
+                <a:ext uri="{FF2B5EF4-FFF2-40B4-BE49-F238E27FC236}">
+                  <a16:creationId xmlns:a16="http://schemas.microsoft.com/office/drawing/2014/main" id="{ED10AD08-BFC5-5DA3-EA5A-9540EDFCC289}"/>
+                </a:ext>
+              </a:extLst>
+            </p:cNvPr>
+            <p:cNvCxnSpPr>
+              <a:cxnSpLocks/>
+            </p:cNvCxnSpPr>
+            <p:nvPr/>
+          </p:nvCxnSpPr>
+          <p:spPr>
+            <a:xfrm flipV="1">
+              <a:off x="1232199" y="2593700"/>
+              <a:ext cx="278253" cy="217392"/>
+            </a:xfrm>
+            <a:prstGeom prst="straightConnector1">
+              <a:avLst/>
+            </a:prstGeom>
+            <a:ln w="47625">
+              <a:tailEnd type="triangle"/>
+            </a:ln>
+          </p:spPr>
+          <p:style>
+            <a:lnRef idx="2">
+              <a:schemeClr val="dk1"/>
+            </a:lnRef>
+            <a:fillRef idx="0">
+              <a:schemeClr val="dk1"/>
+            </a:fillRef>
+            <a:effectRef idx="1">
+              <a:schemeClr val="dk1"/>
+            </a:effectRef>
+            <a:fontRef idx="minor">
+              <a:schemeClr val="tx1"/>
+            </a:fontRef>
+          </p:style>
+        </p:cxnSp>
+        <p:cxnSp>
+          <p:nvCxnSpPr>
+            <p:cNvPr id="34" name="Straight Arrow Connector 33">
+              <a:extLst>
+                <a:ext uri="{FF2B5EF4-FFF2-40B4-BE49-F238E27FC236}">
+                  <a16:creationId xmlns:a16="http://schemas.microsoft.com/office/drawing/2014/main" id="{C2CB36B4-CD61-9F08-E89D-912082EB5860}"/>
+                </a:ext>
+              </a:extLst>
+            </p:cNvPr>
+            <p:cNvCxnSpPr>
+              <a:cxnSpLocks/>
+            </p:cNvCxnSpPr>
+            <p:nvPr/>
+          </p:nvCxnSpPr>
+          <p:spPr>
+            <a:xfrm>
+              <a:off x="1232199" y="3190544"/>
+              <a:ext cx="278253" cy="217392"/>
+            </a:xfrm>
+            <a:prstGeom prst="straightConnector1">
+              <a:avLst/>
+            </a:prstGeom>
+            <a:ln w="47625">
+              <a:tailEnd type="triangle"/>
+            </a:ln>
+          </p:spPr>
+          <p:style>
+            <a:lnRef idx="2">
+              <a:schemeClr val="dk1"/>
+            </a:lnRef>
+            <a:fillRef idx="0">
+              <a:schemeClr val="dk1"/>
+            </a:fillRef>
+            <a:effectRef idx="1">
+              <a:schemeClr val="dk1"/>
+            </a:effectRef>
+            <a:fontRef idx="minor">
+              <a:schemeClr val="tx1"/>
+            </a:fontRef>
+          </p:style>
+        </p:cxnSp>
       </p:grpSp>
     </p:spTree>
     <p:extLst>

--- a/figures/Figures.pptx
+++ b/figures/Figures.pptx
@@ -5,16 +5,21 @@
     <p:sldMasterId id="2147483648" r:id="rId1"/>
   </p:sldMasterIdLst>
   <p:notesMasterIdLst>
-    <p:notesMasterId r:id="rId9"/>
+    <p:notesMasterId r:id="rId14"/>
   </p:notesMasterIdLst>
   <p:sldIdLst>
     <p:sldId id="263" r:id="rId2"/>
     <p:sldId id="257" r:id="rId3"/>
     <p:sldId id="261" r:id="rId4"/>
-    <p:sldId id="262" r:id="rId5"/>
-    <p:sldId id="258" r:id="rId6"/>
+    <p:sldId id="258" r:id="rId5"/>
+    <p:sldId id="267" r:id="rId6"/>
     <p:sldId id="259" r:id="rId7"/>
-    <p:sldId id="260" r:id="rId8"/>
+    <p:sldId id="268" r:id="rId8"/>
+    <p:sldId id="260" r:id="rId9"/>
+    <p:sldId id="269" r:id="rId10"/>
+    <p:sldId id="264" r:id="rId11"/>
+    <p:sldId id="265" r:id="rId12"/>
+    <p:sldId id="266" r:id="rId13"/>
   </p:sldIdLst>
   <p:sldSz cx="12192000" cy="6858000"/>
   <p:notesSz cx="6858000" cy="9144000"/>
@@ -209,7 +214,7 @@
           <a:p>
             <a:fld id="{7C71E9F6-FCF5-CF48-B9B6-F48F0405B4DE}" type="datetimeFigureOut">
               <a:rPr lang="en-AU" smtClean="0"/>
-              <a:t>26/8/2024</a:t>
+              <a:t>31/8/2024</a:t>
             </a:fld>
             <a:endParaRPr lang="en-AU"/>
           </a:p>
@@ -561,6 +566,276 @@
 </p:notes>
 </file>
 
+<file path=ppt/notesSlides/notesSlide10.xml><?xml version="1.0" encoding="utf-8"?>
+<p:notes xmlns:a="http://schemas.openxmlformats.org/drawingml/2006/main" xmlns:r="http://schemas.openxmlformats.org/officeDocument/2006/relationships" xmlns:p="http://schemas.openxmlformats.org/presentationml/2006/main">
+  <p:cSld>
+    <p:spTree>
+      <p:nvGrpSpPr>
+        <p:cNvPr id="1" name=""/>
+        <p:cNvGrpSpPr/>
+        <p:nvPr/>
+      </p:nvGrpSpPr>
+      <p:grpSpPr>
+        <a:xfrm>
+          <a:off x="0" y="0"/>
+          <a:ext cx="0" cy="0"/>
+          <a:chOff x="0" y="0"/>
+          <a:chExt cx="0" cy="0"/>
+        </a:xfrm>
+      </p:grpSpPr>
+      <p:sp>
+        <p:nvSpPr>
+          <p:cNvPr id="2" name="Slide Image Placeholder 1"/>
+          <p:cNvSpPr>
+            <a:spLocks noGrp="1" noRot="1" noChangeAspect="1"/>
+          </p:cNvSpPr>
+          <p:nvPr>
+            <p:ph type="sldImg"/>
+          </p:nvPr>
+        </p:nvSpPr>
+        <p:spPr/>
+      </p:sp>
+      <p:sp>
+        <p:nvSpPr>
+          <p:cNvPr id="3" name="Notes Placeholder 2"/>
+          <p:cNvSpPr>
+            <a:spLocks noGrp="1"/>
+          </p:cNvSpPr>
+          <p:nvPr>
+            <p:ph type="body" idx="1"/>
+          </p:nvPr>
+        </p:nvSpPr>
+        <p:spPr/>
+        <p:txBody>
+          <a:bodyPr/>
+          <a:lstStyle/>
+          <a:p>
+            <a:endParaRPr lang="en-AU" dirty="0"/>
+          </a:p>
+        </p:txBody>
+      </p:sp>
+      <p:sp>
+        <p:nvSpPr>
+          <p:cNvPr id="4" name="Slide Number Placeholder 3"/>
+          <p:cNvSpPr>
+            <a:spLocks noGrp="1"/>
+          </p:cNvSpPr>
+          <p:nvPr>
+            <p:ph type="sldNum" sz="quarter" idx="5"/>
+          </p:nvPr>
+        </p:nvSpPr>
+        <p:spPr/>
+        <p:txBody>
+          <a:bodyPr/>
+          <a:lstStyle/>
+          <a:p>
+            <a:fld id="{641213EC-B9D3-5045-8AF8-62DDD0C5C0DC}" type="slidenum">
+              <a:rPr lang="en-AU" smtClean="0"/>
+              <a:t>10</a:t>
+            </a:fld>
+            <a:endParaRPr lang="en-AU"/>
+          </a:p>
+        </p:txBody>
+      </p:sp>
+    </p:spTree>
+    <p:extLst>
+      <p:ext uri="{BB962C8B-B14F-4D97-AF65-F5344CB8AC3E}">
+        <p14:creationId xmlns:p14="http://schemas.microsoft.com/office/powerpoint/2010/main" val="2382596817"/>
+      </p:ext>
+    </p:extLst>
+  </p:cSld>
+  <p:clrMapOvr>
+    <a:masterClrMapping/>
+  </p:clrMapOvr>
+</p:notes>
+</file>
+
+<file path=ppt/notesSlides/notesSlide11.xml><?xml version="1.0" encoding="utf-8"?>
+<p:notes xmlns:a="http://schemas.openxmlformats.org/drawingml/2006/main" xmlns:r="http://schemas.openxmlformats.org/officeDocument/2006/relationships" xmlns:p="http://schemas.openxmlformats.org/presentationml/2006/main">
+  <p:cSld>
+    <p:spTree>
+      <p:nvGrpSpPr>
+        <p:cNvPr id="1" name=""/>
+        <p:cNvGrpSpPr/>
+        <p:nvPr/>
+      </p:nvGrpSpPr>
+      <p:grpSpPr>
+        <a:xfrm>
+          <a:off x="0" y="0"/>
+          <a:ext cx="0" cy="0"/>
+          <a:chOff x="0" y="0"/>
+          <a:chExt cx="0" cy="0"/>
+        </a:xfrm>
+      </p:grpSpPr>
+      <p:sp>
+        <p:nvSpPr>
+          <p:cNvPr id="2" name="Slide Image Placeholder 1"/>
+          <p:cNvSpPr>
+            <a:spLocks noGrp="1" noRot="1" noChangeAspect="1"/>
+          </p:cNvSpPr>
+          <p:nvPr>
+            <p:ph type="sldImg"/>
+          </p:nvPr>
+        </p:nvSpPr>
+        <p:spPr/>
+      </p:sp>
+      <p:sp>
+        <p:nvSpPr>
+          <p:cNvPr id="3" name="Notes Placeholder 2"/>
+          <p:cNvSpPr>
+            <a:spLocks noGrp="1"/>
+          </p:cNvSpPr>
+          <p:nvPr>
+            <p:ph type="body" idx="1"/>
+          </p:nvPr>
+        </p:nvSpPr>
+        <p:spPr/>
+        <p:txBody>
+          <a:bodyPr/>
+          <a:lstStyle/>
+          <a:p>
+            <a:endParaRPr lang="en-AU" dirty="0"/>
+          </a:p>
+          <a:p>
+            <a:endParaRPr lang="en-AU" dirty="0"/>
+          </a:p>
+          <a:p>
+            <a:r>
+              <a:rPr lang="en-AU" dirty="0"/>
+              <a:t>1000*800</a:t>
+            </a:r>
+          </a:p>
+        </p:txBody>
+      </p:sp>
+      <p:sp>
+        <p:nvSpPr>
+          <p:cNvPr id="4" name="Slide Number Placeholder 3"/>
+          <p:cNvSpPr>
+            <a:spLocks noGrp="1"/>
+          </p:cNvSpPr>
+          <p:nvPr>
+            <p:ph type="sldNum" sz="quarter" idx="5"/>
+          </p:nvPr>
+        </p:nvSpPr>
+        <p:spPr/>
+        <p:txBody>
+          <a:bodyPr/>
+          <a:lstStyle/>
+          <a:p>
+            <a:fld id="{641213EC-B9D3-5045-8AF8-62DDD0C5C0DC}" type="slidenum">
+              <a:rPr lang="en-AU" smtClean="0"/>
+              <a:t>11</a:t>
+            </a:fld>
+            <a:endParaRPr lang="en-AU"/>
+          </a:p>
+        </p:txBody>
+      </p:sp>
+    </p:spTree>
+    <p:extLst>
+      <p:ext uri="{BB962C8B-B14F-4D97-AF65-F5344CB8AC3E}">
+        <p14:creationId xmlns:p14="http://schemas.microsoft.com/office/powerpoint/2010/main" val="2461971049"/>
+      </p:ext>
+    </p:extLst>
+  </p:cSld>
+  <p:clrMapOvr>
+    <a:masterClrMapping/>
+  </p:clrMapOvr>
+</p:notes>
+</file>
+
+<file path=ppt/notesSlides/notesSlide12.xml><?xml version="1.0" encoding="utf-8"?>
+<p:notes xmlns:a="http://schemas.openxmlformats.org/drawingml/2006/main" xmlns:r="http://schemas.openxmlformats.org/officeDocument/2006/relationships" xmlns:p="http://schemas.openxmlformats.org/presentationml/2006/main">
+  <p:cSld>
+    <p:spTree>
+      <p:nvGrpSpPr>
+        <p:cNvPr id="1" name=""/>
+        <p:cNvGrpSpPr/>
+        <p:nvPr/>
+      </p:nvGrpSpPr>
+      <p:grpSpPr>
+        <a:xfrm>
+          <a:off x="0" y="0"/>
+          <a:ext cx="0" cy="0"/>
+          <a:chOff x="0" y="0"/>
+          <a:chExt cx="0" cy="0"/>
+        </a:xfrm>
+      </p:grpSpPr>
+      <p:sp>
+        <p:nvSpPr>
+          <p:cNvPr id="2" name="Slide Image Placeholder 1"/>
+          <p:cNvSpPr>
+            <a:spLocks noGrp="1" noRot="1" noChangeAspect="1"/>
+          </p:cNvSpPr>
+          <p:nvPr>
+            <p:ph type="sldImg"/>
+          </p:nvPr>
+        </p:nvSpPr>
+        <p:spPr/>
+      </p:sp>
+      <p:sp>
+        <p:nvSpPr>
+          <p:cNvPr id="3" name="Notes Placeholder 2"/>
+          <p:cNvSpPr>
+            <a:spLocks noGrp="1"/>
+          </p:cNvSpPr>
+          <p:nvPr>
+            <p:ph type="body" idx="1"/>
+          </p:nvPr>
+        </p:nvSpPr>
+        <p:spPr/>
+        <p:txBody>
+          <a:bodyPr/>
+          <a:lstStyle/>
+          <a:p>
+            <a:endParaRPr lang="en-AU" dirty="0"/>
+          </a:p>
+          <a:p>
+            <a:endParaRPr lang="en-AU" dirty="0"/>
+          </a:p>
+          <a:p>
+            <a:r>
+              <a:rPr lang="en-AU" dirty="0"/>
+              <a:t>1000*800</a:t>
+            </a:r>
+          </a:p>
+        </p:txBody>
+      </p:sp>
+      <p:sp>
+        <p:nvSpPr>
+          <p:cNvPr id="4" name="Slide Number Placeholder 3"/>
+          <p:cNvSpPr>
+            <a:spLocks noGrp="1"/>
+          </p:cNvSpPr>
+          <p:nvPr>
+            <p:ph type="sldNum" sz="quarter" idx="5"/>
+          </p:nvPr>
+        </p:nvSpPr>
+        <p:spPr/>
+        <p:txBody>
+          <a:bodyPr/>
+          <a:lstStyle/>
+          <a:p>
+            <a:fld id="{641213EC-B9D3-5045-8AF8-62DDD0C5C0DC}" type="slidenum">
+              <a:rPr lang="en-AU" smtClean="0"/>
+              <a:t>12</a:t>
+            </a:fld>
+            <a:endParaRPr lang="en-AU"/>
+          </a:p>
+        </p:txBody>
+      </p:sp>
+    </p:spTree>
+    <p:extLst>
+      <p:ext uri="{BB962C8B-B14F-4D97-AF65-F5344CB8AC3E}">
+        <p14:creationId xmlns:p14="http://schemas.microsoft.com/office/powerpoint/2010/main" val="2818689870"/>
+      </p:ext>
+    </p:extLst>
+  </p:cSld>
+  <p:clrMapOvr>
+    <a:masterClrMapping/>
+  </p:clrMapOvr>
+</p:notes>
+</file>
+
 <file path=ppt/notesSlides/notesSlide2.xml><?xml version="1.0" encoding="utf-8"?>
 <p:notes xmlns:a="http://schemas.openxmlformats.org/drawingml/2006/main" xmlns:r="http://schemas.openxmlformats.org/officeDocument/2006/relationships" xmlns:p="http://schemas.openxmlformats.org/presentationml/2006/main">
   <p:cSld>
@@ -605,46 +880,6 @@
           <a:bodyPr/>
           <a:lstStyle/>
           <a:p>
-            <a:r>
-              <a:rPr lang="en-US" sz="1800" dirty="0">
-                <a:effectLst/>
-                <a:latin typeface="Times New Roman" panose="02020603050405020304" pitchFamily="18" charset="0"/>
-                <a:ea typeface="Calibri" panose="020F0502020204030204" pitchFamily="34" charset="0"/>
-              </a:rPr>
-              <a:t>Figure 1. Corticosterone treatment (x-axis) and its effect on log-transformed yolk corticosterone levels (y-axis). Data are from model results from </a:t>
-            </a:r>
-            <a:r>
-              <a:rPr lang="en-US" sz="1800" dirty="0" err="1">
-                <a:effectLst/>
-                <a:latin typeface="Times New Roman" panose="02020603050405020304" pitchFamily="18" charset="0"/>
-                <a:ea typeface="Calibri" panose="020F0502020204030204" pitchFamily="34" charset="0"/>
-              </a:rPr>
-              <a:t>emmean</a:t>
-            </a:r>
-            <a:r>
-              <a:rPr lang="en-US" sz="1800" dirty="0">
-                <a:effectLst/>
-                <a:latin typeface="Times New Roman" panose="02020603050405020304" pitchFamily="18" charset="0"/>
-                <a:ea typeface="Calibri" panose="020F0502020204030204" pitchFamily="34" charset="0"/>
-              </a:rPr>
-              <a:t> model, with mean and SE. Significant differences from </a:t>
-            </a:r>
-            <a:r>
-              <a:rPr lang="en-US" sz="1800" dirty="0" err="1">
-                <a:effectLst/>
-                <a:latin typeface="Times New Roman" panose="02020603050405020304" pitchFamily="18" charset="0"/>
-                <a:ea typeface="Calibri" panose="020F0502020204030204" pitchFamily="34" charset="0"/>
-              </a:rPr>
-              <a:t>posthoc</a:t>
-            </a:r>
-            <a:r>
-              <a:rPr lang="en-US" sz="1800" dirty="0">
-                <a:effectLst/>
-                <a:latin typeface="Times New Roman" panose="02020603050405020304" pitchFamily="18" charset="0"/>
-                <a:ea typeface="Calibri" panose="020F0502020204030204" pitchFamily="34" charset="0"/>
-              </a:rPr>
-              <a:t> test are indicated by asterisk (*) and sample sizes (n) for each treatment are indicated above. </a:t>
-            </a:r>
             <a:endParaRPr lang="en-AU" dirty="0"/>
           </a:p>
         </p:txBody>
@@ -824,15 +1059,6 @@
           <a:p>
             <a:endParaRPr lang="en-AU" dirty="0"/>
           </a:p>
-          <a:p>
-            <a:endParaRPr lang="en-AU" dirty="0"/>
-          </a:p>
-          <a:p>
-            <a:r>
-              <a:rPr lang="en-AU" dirty="0"/>
-              <a:t>1000*800</a:t>
-            </a:r>
-          </a:p>
         </p:txBody>
       </p:sp>
       <p:sp>
@@ -861,7 +1087,7 @@
     </p:spTree>
     <p:extLst>
       <p:ext uri="{BB962C8B-B14F-4D97-AF65-F5344CB8AC3E}">
-        <p14:creationId xmlns:p14="http://schemas.microsoft.com/office/powerpoint/2010/main" val="602659828"/>
+        <p14:creationId xmlns:p14="http://schemas.microsoft.com/office/powerpoint/2010/main" val="675424920"/>
       </p:ext>
     </p:extLst>
   </p:cSld>
@@ -945,7 +1171,7 @@
     </p:spTree>
     <p:extLst>
       <p:ext uri="{BB962C8B-B14F-4D97-AF65-F5344CB8AC3E}">
-        <p14:creationId xmlns:p14="http://schemas.microsoft.com/office/powerpoint/2010/main" val="675424920"/>
+        <p14:creationId xmlns:p14="http://schemas.microsoft.com/office/powerpoint/2010/main" val="3777794113"/>
       </p:ext>
     </p:extLst>
   </p:cSld>
@@ -1113,7 +1339,175 @@
     </p:spTree>
     <p:extLst>
       <p:ext uri="{BB962C8B-B14F-4D97-AF65-F5344CB8AC3E}">
+        <p14:creationId xmlns:p14="http://schemas.microsoft.com/office/powerpoint/2010/main" val="3416759299"/>
+      </p:ext>
+    </p:extLst>
+  </p:cSld>
+  <p:clrMapOvr>
+    <a:masterClrMapping/>
+  </p:clrMapOvr>
+</p:notes>
+</file>
+
+<file path=ppt/notesSlides/notesSlide8.xml><?xml version="1.0" encoding="utf-8"?>
+<p:notes xmlns:a="http://schemas.openxmlformats.org/drawingml/2006/main" xmlns:r="http://schemas.openxmlformats.org/officeDocument/2006/relationships" xmlns:p="http://schemas.openxmlformats.org/presentationml/2006/main">
+  <p:cSld>
+    <p:spTree>
+      <p:nvGrpSpPr>
+        <p:cNvPr id="1" name=""/>
+        <p:cNvGrpSpPr/>
+        <p:nvPr/>
+      </p:nvGrpSpPr>
+      <p:grpSpPr>
+        <a:xfrm>
+          <a:off x="0" y="0"/>
+          <a:ext cx="0" cy="0"/>
+          <a:chOff x="0" y="0"/>
+          <a:chExt cx="0" cy="0"/>
+        </a:xfrm>
+      </p:grpSpPr>
+      <p:sp>
+        <p:nvSpPr>
+          <p:cNvPr id="2" name="Slide Image Placeholder 1"/>
+          <p:cNvSpPr>
+            <a:spLocks noGrp="1" noRot="1" noChangeAspect="1"/>
+          </p:cNvSpPr>
+          <p:nvPr>
+            <p:ph type="sldImg"/>
+          </p:nvPr>
+        </p:nvSpPr>
+        <p:spPr/>
+      </p:sp>
+      <p:sp>
+        <p:nvSpPr>
+          <p:cNvPr id="3" name="Notes Placeholder 2"/>
+          <p:cNvSpPr>
+            <a:spLocks noGrp="1"/>
+          </p:cNvSpPr>
+          <p:nvPr>
+            <p:ph type="body" idx="1"/>
+          </p:nvPr>
+        </p:nvSpPr>
+        <p:spPr/>
+        <p:txBody>
+          <a:bodyPr/>
+          <a:lstStyle/>
+          <a:p>
+            <a:endParaRPr lang="en-AU" dirty="0"/>
+          </a:p>
+        </p:txBody>
+      </p:sp>
+      <p:sp>
+        <p:nvSpPr>
+          <p:cNvPr id="4" name="Slide Number Placeholder 3"/>
+          <p:cNvSpPr>
+            <a:spLocks noGrp="1"/>
+          </p:cNvSpPr>
+          <p:nvPr>
+            <p:ph type="sldNum" sz="quarter" idx="5"/>
+          </p:nvPr>
+        </p:nvSpPr>
+        <p:spPr/>
+        <p:txBody>
+          <a:bodyPr/>
+          <a:lstStyle/>
+          <a:p>
+            <a:fld id="{641213EC-B9D3-5045-8AF8-62DDD0C5C0DC}" type="slidenum">
+              <a:rPr lang="en-AU" smtClean="0"/>
+              <a:t>8</a:t>
+            </a:fld>
+            <a:endParaRPr lang="en-AU"/>
+          </a:p>
+        </p:txBody>
+      </p:sp>
+    </p:spTree>
+    <p:extLst>
+      <p:ext uri="{BB962C8B-B14F-4D97-AF65-F5344CB8AC3E}">
         <p14:creationId xmlns:p14="http://schemas.microsoft.com/office/powerpoint/2010/main" val="1911231544"/>
+      </p:ext>
+    </p:extLst>
+  </p:cSld>
+  <p:clrMapOvr>
+    <a:masterClrMapping/>
+  </p:clrMapOvr>
+</p:notes>
+</file>
+
+<file path=ppt/notesSlides/notesSlide9.xml><?xml version="1.0" encoding="utf-8"?>
+<p:notes xmlns:a="http://schemas.openxmlformats.org/drawingml/2006/main" xmlns:r="http://schemas.openxmlformats.org/officeDocument/2006/relationships" xmlns:p="http://schemas.openxmlformats.org/presentationml/2006/main">
+  <p:cSld>
+    <p:spTree>
+      <p:nvGrpSpPr>
+        <p:cNvPr id="1" name=""/>
+        <p:cNvGrpSpPr/>
+        <p:nvPr/>
+      </p:nvGrpSpPr>
+      <p:grpSpPr>
+        <a:xfrm>
+          <a:off x="0" y="0"/>
+          <a:ext cx="0" cy="0"/>
+          <a:chOff x="0" y="0"/>
+          <a:chExt cx="0" cy="0"/>
+        </a:xfrm>
+      </p:grpSpPr>
+      <p:sp>
+        <p:nvSpPr>
+          <p:cNvPr id="2" name="Slide Image Placeholder 1"/>
+          <p:cNvSpPr>
+            <a:spLocks noGrp="1" noRot="1" noChangeAspect="1"/>
+          </p:cNvSpPr>
+          <p:nvPr>
+            <p:ph type="sldImg"/>
+          </p:nvPr>
+        </p:nvSpPr>
+        <p:spPr/>
+      </p:sp>
+      <p:sp>
+        <p:nvSpPr>
+          <p:cNvPr id="3" name="Notes Placeholder 2"/>
+          <p:cNvSpPr>
+            <a:spLocks noGrp="1"/>
+          </p:cNvSpPr>
+          <p:nvPr>
+            <p:ph type="body" idx="1"/>
+          </p:nvPr>
+        </p:nvSpPr>
+        <p:spPr/>
+        <p:txBody>
+          <a:bodyPr/>
+          <a:lstStyle/>
+          <a:p>
+            <a:endParaRPr lang="en-AU" dirty="0"/>
+          </a:p>
+        </p:txBody>
+      </p:sp>
+      <p:sp>
+        <p:nvSpPr>
+          <p:cNvPr id="4" name="Slide Number Placeholder 3"/>
+          <p:cNvSpPr>
+            <a:spLocks noGrp="1"/>
+          </p:cNvSpPr>
+          <p:nvPr>
+            <p:ph type="sldNum" sz="quarter" idx="5"/>
+          </p:nvPr>
+        </p:nvSpPr>
+        <p:spPr/>
+        <p:txBody>
+          <a:bodyPr/>
+          <a:lstStyle/>
+          <a:p>
+            <a:fld id="{641213EC-B9D3-5045-8AF8-62DDD0C5C0DC}" type="slidenum">
+              <a:rPr lang="en-AU" smtClean="0"/>
+              <a:t>9</a:t>
+            </a:fld>
+            <a:endParaRPr lang="en-AU"/>
+          </a:p>
+        </p:txBody>
+      </p:sp>
+    </p:spTree>
+    <p:extLst>
+      <p:ext uri="{BB962C8B-B14F-4D97-AF65-F5344CB8AC3E}">
+        <p14:creationId xmlns:p14="http://schemas.microsoft.com/office/powerpoint/2010/main" val="1606476868"/>
       </p:ext>
     </p:extLst>
   </p:cSld>
@@ -1272,7 +1666,7 @@
           <a:p>
             <a:fld id="{799B2C33-7340-E345-8D27-DAF2A30017B3}" type="datetimeFigureOut">
               <a:rPr lang="en-AU" smtClean="0"/>
-              <a:t>26/8/2024</a:t>
+              <a:t>31/8/2024</a:t>
             </a:fld>
             <a:endParaRPr lang="en-AU"/>
           </a:p>
@@ -1472,7 +1866,7 @@
           <a:p>
             <a:fld id="{799B2C33-7340-E345-8D27-DAF2A30017B3}" type="datetimeFigureOut">
               <a:rPr lang="en-AU" smtClean="0"/>
-              <a:t>26/8/2024</a:t>
+              <a:t>31/8/2024</a:t>
             </a:fld>
             <a:endParaRPr lang="en-AU"/>
           </a:p>
@@ -1682,7 +2076,7 @@
           <a:p>
             <a:fld id="{799B2C33-7340-E345-8D27-DAF2A30017B3}" type="datetimeFigureOut">
               <a:rPr lang="en-AU" smtClean="0"/>
-              <a:t>26/8/2024</a:t>
+              <a:t>31/8/2024</a:t>
             </a:fld>
             <a:endParaRPr lang="en-AU"/>
           </a:p>
@@ -1882,7 +2276,7 @@
           <a:p>
             <a:fld id="{799B2C33-7340-E345-8D27-DAF2A30017B3}" type="datetimeFigureOut">
               <a:rPr lang="en-AU" smtClean="0"/>
-              <a:t>26/8/2024</a:t>
+              <a:t>31/8/2024</a:t>
             </a:fld>
             <a:endParaRPr lang="en-AU"/>
           </a:p>
@@ -2158,7 +2552,7 @@
           <a:p>
             <a:fld id="{799B2C33-7340-E345-8D27-DAF2A30017B3}" type="datetimeFigureOut">
               <a:rPr lang="en-AU" smtClean="0"/>
-              <a:t>26/8/2024</a:t>
+              <a:t>31/8/2024</a:t>
             </a:fld>
             <a:endParaRPr lang="en-AU"/>
           </a:p>
@@ -2426,7 +2820,7 @@
           <a:p>
             <a:fld id="{799B2C33-7340-E345-8D27-DAF2A30017B3}" type="datetimeFigureOut">
               <a:rPr lang="en-AU" smtClean="0"/>
-              <a:t>26/8/2024</a:t>
+              <a:t>31/8/2024</a:t>
             </a:fld>
             <a:endParaRPr lang="en-AU"/>
           </a:p>
@@ -2841,7 +3235,7 @@
           <a:p>
             <a:fld id="{799B2C33-7340-E345-8D27-DAF2A30017B3}" type="datetimeFigureOut">
               <a:rPr lang="en-AU" smtClean="0"/>
-              <a:t>26/8/2024</a:t>
+              <a:t>31/8/2024</a:t>
             </a:fld>
             <a:endParaRPr lang="en-AU"/>
           </a:p>
@@ -2983,7 +3377,7 @@
           <a:p>
             <a:fld id="{799B2C33-7340-E345-8D27-DAF2A30017B3}" type="datetimeFigureOut">
               <a:rPr lang="en-AU" smtClean="0"/>
-              <a:t>26/8/2024</a:t>
+              <a:t>31/8/2024</a:t>
             </a:fld>
             <a:endParaRPr lang="en-AU"/>
           </a:p>
@@ -3096,7 +3490,7 @@
           <a:p>
             <a:fld id="{799B2C33-7340-E345-8D27-DAF2A30017B3}" type="datetimeFigureOut">
               <a:rPr lang="en-AU" smtClean="0"/>
-              <a:t>26/8/2024</a:t>
+              <a:t>31/8/2024</a:t>
             </a:fld>
             <a:endParaRPr lang="en-AU"/>
           </a:p>
@@ -3409,7 +3803,7 @@
           <a:p>
             <a:fld id="{799B2C33-7340-E345-8D27-DAF2A30017B3}" type="datetimeFigureOut">
               <a:rPr lang="en-AU" smtClean="0"/>
-              <a:t>26/8/2024</a:t>
+              <a:t>31/8/2024</a:t>
             </a:fld>
             <a:endParaRPr lang="en-AU"/>
           </a:p>
@@ -3698,7 +4092,7 @@
           <a:p>
             <a:fld id="{799B2C33-7340-E345-8D27-DAF2A30017B3}" type="datetimeFigureOut">
               <a:rPr lang="en-AU" smtClean="0"/>
-              <a:t>26/8/2024</a:t>
+              <a:t>31/8/2024</a:t>
             </a:fld>
             <a:endParaRPr lang="en-AU"/>
           </a:p>
@@ -3941,7 +4335,7 @@
           <a:p>
             <a:fld id="{799B2C33-7340-E345-8D27-DAF2A30017B3}" type="datetimeFigureOut">
               <a:rPr lang="en-AU" smtClean="0"/>
-              <a:t>26/8/2024</a:t>
+              <a:t>31/8/2024</a:t>
             </a:fld>
             <a:endParaRPr lang="en-AU"/>
           </a:p>
@@ -5749,7 +6143,7 @@
 </p:sld>
 </file>
 
-<file path=ppt/slides/slide2.xml><?xml version="1.0" encoding="utf-8"?>
+<file path=ppt/slides/slide10.xml><?xml version="1.0" encoding="utf-8"?>
 <p:sld xmlns:a="http://schemas.openxmlformats.org/drawingml/2006/main" xmlns:r="http://schemas.openxmlformats.org/officeDocument/2006/relationships" xmlns:p="http://schemas.openxmlformats.org/presentationml/2006/main">
   <p:cSld>
     <p:spTree>
@@ -5768,10 +6162,10 @@
       </p:grpSpPr>
       <p:pic>
         <p:nvPicPr>
-          <p:cNvPr id="2" name="Picture 1" descr="A diagram of a number of menstrual cycle&#10;&#10;Description automatically generated">
-            <a:extLst>
-              <a:ext uri="{FF2B5EF4-FFF2-40B4-BE49-F238E27FC236}">
-                <a16:creationId xmlns:a16="http://schemas.microsoft.com/office/drawing/2014/main" id="{4BB06014-A041-0F4A-FC8D-C334F58BE8F1}"/>
+          <p:cNvPr id="19" name="Picture 18" descr="A diagram of a number of menstrual cycle&#10;&#10;Description automatically generated">
+            <a:extLst>
+              <a:ext uri="{FF2B5EF4-FFF2-40B4-BE49-F238E27FC236}">
+                <a16:creationId xmlns:a16="http://schemas.microsoft.com/office/drawing/2014/main" id="{D7D8ABFA-A700-3994-3B36-60CC9F49BCC7}"/>
               </a:ext>
             </a:extLst>
           </p:cNvPr>
@@ -5788,20 +6182,125 @@
         </p:blipFill>
         <p:spPr>
           <a:xfrm>
-            <a:off x="1543460" y="-1"/>
-            <a:ext cx="8586191" cy="6868953"/>
+            <a:off x="1157404" y="-1"/>
+            <a:ext cx="8571211" cy="6856969"/>
           </a:xfrm>
           <a:prstGeom prst="rect">
             <a:avLst/>
           </a:prstGeom>
         </p:spPr>
       </p:pic>
+      <p:sp>
+        <p:nvSpPr>
+          <p:cNvPr id="20" name="TextBox 19">
+            <a:extLst>
+              <a:ext uri="{FF2B5EF4-FFF2-40B4-BE49-F238E27FC236}">
+                <a16:creationId xmlns:a16="http://schemas.microsoft.com/office/drawing/2014/main" id="{C06EE021-DC48-A0A0-AF81-D9A9D0BF584A}"/>
+              </a:ext>
+            </a:extLst>
+          </p:cNvPr>
+          <p:cNvSpPr txBox="1"/>
+          <p:nvPr/>
+        </p:nvSpPr>
+        <p:spPr>
+          <a:xfrm>
+            <a:off x="3141647" y="3950071"/>
+            <a:ext cx="295274" cy="307777"/>
+          </a:xfrm>
+          <a:prstGeom prst="rect">
+            <a:avLst/>
+          </a:prstGeom>
+          <a:noFill/>
+        </p:spPr>
+        <p:txBody>
+          <a:bodyPr wrap="none" rtlCol="0">
+            <a:spAutoFit/>
+          </a:bodyPr>
+          <a:lstStyle/>
+          <a:p>
+            <a:r>
+              <a:rPr lang="en-AU" sz="1400" b="1" dirty="0"/>
+              <a:t>A</a:t>
+            </a:r>
+          </a:p>
+        </p:txBody>
+      </p:sp>
+      <p:sp>
+        <p:nvSpPr>
+          <p:cNvPr id="21" name="TextBox 20">
+            <a:extLst>
+              <a:ext uri="{FF2B5EF4-FFF2-40B4-BE49-F238E27FC236}">
+                <a16:creationId xmlns:a16="http://schemas.microsoft.com/office/drawing/2014/main" id="{F5CE6147-01CE-488A-2852-92F5BBEC82C9}"/>
+              </a:ext>
+            </a:extLst>
+          </p:cNvPr>
+          <p:cNvSpPr txBox="1"/>
+          <p:nvPr/>
+        </p:nvSpPr>
+        <p:spPr>
+          <a:xfrm>
+            <a:off x="5527737" y="2343798"/>
+            <a:ext cx="463332" cy="307777"/>
+          </a:xfrm>
+          <a:prstGeom prst="rect">
+            <a:avLst/>
+          </a:prstGeom>
+          <a:noFill/>
+        </p:spPr>
+        <p:txBody>
+          <a:bodyPr wrap="none" rtlCol="0">
+            <a:spAutoFit/>
+          </a:bodyPr>
+          <a:lstStyle/>
+          <a:p>
+            <a:r>
+              <a:rPr lang="en-AU" sz="1400" b="1" dirty="0"/>
+              <a:t>A,B</a:t>
+            </a:r>
+          </a:p>
+        </p:txBody>
+      </p:sp>
+      <p:sp>
+        <p:nvSpPr>
+          <p:cNvPr id="22" name="TextBox 21">
+            <a:extLst>
+              <a:ext uri="{FF2B5EF4-FFF2-40B4-BE49-F238E27FC236}">
+                <a16:creationId xmlns:a16="http://schemas.microsoft.com/office/drawing/2014/main" id="{F00B4E72-B120-7CAC-9993-5A0E12DCB6E9}"/>
+              </a:ext>
+            </a:extLst>
+          </p:cNvPr>
+          <p:cNvSpPr txBox="1"/>
+          <p:nvPr/>
+        </p:nvSpPr>
+        <p:spPr>
+          <a:xfrm>
+            <a:off x="8004995" y="709336"/>
+            <a:ext cx="295274" cy="307777"/>
+          </a:xfrm>
+          <a:prstGeom prst="rect">
+            <a:avLst/>
+          </a:prstGeom>
+          <a:noFill/>
+        </p:spPr>
+        <p:txBody>
+          <a:bodyPr wrap="none" rtlCol="0">
+            <a:spAutoFit/>
+          </a:bodyPr>
+          <a:lstStyle/>
+          <a:p>
+            <a:r>
+              <a:rPr lang="en-AU" sz="1400" b="1" dirty="0"/>
+              <a:t>B</a:t>
+            </a:r>
+          </a:p>
+        </p:txBody>
+      </p:sp>
       <p:pic>
         <p:nvPicPr>
-          <p:cNvPr id="4" name="Picture 3">
-            <a:extLst>
-              <a:ext uri="{FF2B5EF4-FFF2-40B4-BE49-F238E27FC236}">
-                <a16:creationId xmlns:a16="http://schemas.microsoft.com/office/drawing/2014/main" id="{21F3BFF0-A027-CD6F-82E8-5055745334BF}"/>
+          <p:cNvPr id="23" name="Picture 22" descr="A group of eggs in a pile&#10;&#10;Description automatically generated">
+            <a:extLst>
+              <a:ext uri="{FF2B5EF4-FFF2-40B4-BE49-F238E27FC236}">
+                <a16:creationId xmlns:a16="http://schemas.microsoft.com/office/drawing/2014/main" id="{A322F514-6653-1FDB-7E16-7DFAD9F3A712}"/>
               </a:ext>
             </a:extLst>
           </p:cNvPr>
@@ -5818,123 +6317,18 @@
         </p:blipFill>
         <p:spPr>
           <a:xfrm>
-            <a:off x="2017233" y="84869"/>
-            <a:ext cx="2461568" cy="1067154"/>
+            <a:off x="2167582" y="212178"/>
+            <a:ext cx="1293255" cy="1206513"/>
           </a:xfrm>
           <a:prstGeom prst="rect">
             <a:avLst/>
           </a:prstGeom>
         </p:spPr>
       </p:pic>
-      <p:sp>
-        <p:nvSpPr>
-          <p:cNvPr id="6" name="TextBox 5">
-            <a:extLst>
-              <a:ext uri="{FF2B5EF4-FFF2-40B4-BE49-F238E27FC236}">
-                <a16:creationId xmlns:a16="http://schemas.microsoft.com/office/drawing/2014/main" id="{7EC16403-BAC5-883B-0E72-F6D00A66447F}"/>
-              </a:ext>
-            </a:extLst>
-          </p:cNvPr>
-          <p:cNvSpPr txBox="1"/>
-          <p:nvPr/>
-        </p:nvSpPr>
-        <p:spPr>
-          <a:xfrm>
-            <a:off x="3396476" y="3485378"/>
-            <a:ext cx="295274" cy="307777"/>
-          </a:xfrm>
-          <a:prstGeom prst="rect">
-            <a:avLst/>
-          </a:prstGeom>
-          <a:noFill/>
-        </p:spPr>
-        <p:txBody>
-          <a:bodyPr wrap="none" rtlCol="0">
-            <a:spAutoFit/>
-          </a:bodyPr>
-          <a:lstStyle/>
-          <a:p>
-            <a:r>
-              <a:rPr lang="en-AU" sz="1400" b="1" dirty="0"/>
-              <a:t>A</a:t>
-            </a:r>
-          </a:p>
-        </p:txBody>
-      </p:sp>
-      <p:sp>
-        <p:nvSpPr>
-          <p:cNvPr id="7" name="TextBox 6">
-            <a:extLst>
-              <a:ext uri="{FF2B5EF4-FFF2-40B4-BE49-F238E27FC236}">
-                <a16:creationId xmlns:a16="http://schemas.microsoft.com/office/drawing/2014/main" id="{0B815FAF-97C9-DF18-2DA6-7C5321FDFE95}"/>
-              </a:ext>
-            </a:extLst>
-          </p:cNvPr>
-          <p:cNvSpPr txBox="1"/>
-          <p:nvPr/>
-        </p:nvSpPr>
-        <p:spPr>
-          <a:xfrm>
-            <a:off x="5822350" y="2328808"/>
-            <a:ext cx="463332" cy="307777"/>
-          </a:xfrm>
-          <a:prstGeom prst="rect">
-            <a:avLst/>
-          </a:prstGeom>
-          <a:noFill/>
-        </p:spPr>
-        <p:txBody>
-          <a:bodyPr wrap="none" rtlCol="0">
-            <a:spAutoFit/>
-          </a:bodyPr>
-          <a:lstStyle/>
-          <a:p>
-            <a:r>
-              <a:rPr lang="en-AU" sz="1400" b="1" dirty="0"/>
-              <a:t>A,B</a:t>
-            </a:r>
-          </a:p>
-        </p:txBody>
-      </p:sp>
-      <p:sp>
-        <p:nvSpPr>
-          <p:cNvPr id="8" name="TextBox 7">
-            <a:extLst>
-              <a:ext uri="{FF2B5EF4-FFF2-40B4-BE49-F238E27FC236}">
-                <a16:creationId xmlns:a16="http://schemas.microsoft.com/office/drawing/2014/main" id="{C8C594A5-7CC7-4C37-2DBE-985800110518}"/>
-              </a:ext>
-            </a:extLst>
-          </p:cNvPr>
-          <p:cNvSpPr txBox="1"/>
-          <p:nvPr/>
-        </p:nvSpPr>
-        <p:spPr>
-          <a:xfrm>
-            <a:off x="8379747" y="1065767"/>
-            <a:ext cx="295274" cy="307777"/>
-          </a:xfrm>
-          <a:prstGeom prst="rect">
-            <a:avLst/>
-          </a:prstGeom>
-          <a:noFill/>
-        </p:spPr>
-        <p:txBody>
-          <a:bodyPr wrap="none" rtlCol="0">
-            <a:spAutoFit/>
-          </a:bodyPr>
-          <a:lstStyle/>
-          <a:p>
-            <a:r>
-              <a:rPr lang="en-AU" sz="1400" b="1" dirty="0"/>
-              <a:t>B</a:t>
-            </a:r>
-          </a:p>
-        </p:txBody>
-      </p:sp>
     </p:spTree>
     <p:extLst>
       <p:ext uri="{BB962C8B-B14F-4D97-AF65-F5344CB8AC3E}">
-        <p14:creationId xmlns:p14="http://schemas.microsoft.com/office/powerpoint/2010/main" val="3072093800"/>
+        <p14:creationId xmlns:p14="http://schemas.microsoft.com/office/powerpoint/2010/main" val="1132515170"/>
       </p:ext>
     </p:extLst>
   </p:cSld>
@@ -5944,7 +6338,7 @@
 </p:sld>
 </file>
 
-<file path=ppt/slides/slide3.xml><?xml version="1.0" encoding="utf-8"?>
+<file path=ppt/slides/slide11.xml><?xml version="1.0" encoding="utf-8"?>
 <p:sld xmlns:a="http://schemas.openxmlformats.org/drawingml/2006/main" xmlns:r="http://schemas.openxmlformats.org/officeDocument/2006/relationships" xmlns:p="http://schemas.openxmlformats.org/presentationml/2006/main">
   <p:cSld>
     <p:spTree>
@@ -5963,10 +6357,10 @@
       </p:grpSpPr>
       <p:pic>
         <p:nvPicPr>
-          <p:cNvPr id="5" name="Picture 4" descr="A screenshot of a graph&#10;&#10;Description automatically generated">
-            <a:extLst>
-              <a:ext uri="{FF2B5EF4-FFF2-40B4-BE49-F238E27FC236}">
-                <a16:creationId xmlns:a16="http://schemas.microsoft.com/office/drawing/2014/main" id="{3BD6EB0C-A87D-70C0-4AEE-4DC05E617A23}"/>
+          <p:cNvPr id="3" name="Picture 2" descr="A collage of numbers and symbols&#10;&#10;Description automatically generated">
+            <a:extLst>
+              <a:ext uri="{FF2B5EF4-FFF2-40B4-BE49-F238E27FC236}">
+                <a16:creationId xmlns:a16="http://schemas.microsoft.com/office/drawing/2014/main" id="{F9342D4D-3F9D-5F1E-7BE3-6AD5EAFF06B2}"/>
               </a:ext>
             </a:extLst>
           </p:cNvPr>
@@ -5983,7 +6377,7 @@
         </p:blipFill>
         <p:spPr>
           <a:xfrm>
-            <a:off x="2259209" y="196695"/>
+            <a:off x="2259209" y="145849"/>
             <a:ext cx="6985000" cy="6667500"/>
           </a:xfrm>
           <a:prstGeom prst="rect">
@@ -5993,10 +6387,10 @@
       </p:pic>
       <p:grpSp>
         <p:nvGrpSpPr>
-          <p:cNvPr id="6" name="Group 5">
-            <a:extLst>
-              <a:ext uri="{FF2B5EF4-FFF2-40B4-BE49-F238E27FC236}">
-                <a16:creationId xmlns:a16="http://schemas.microsoft.com/office/drawing/2014/main" id="{90BA8031-C33E-0797-9270-FCAD8B68B228}"/>
+          <p:cNvPr id="4" name="Group 3">
+            <a:extLst>
+              <a:ext uri="{FF2B5EF4-FFF2-40B4-BE49-F238E27FC236}">
+                <a16:creationId xmlns:a16="http://schemas.microsoft.com/office/drawing/2014/main" id="{70E42ED6-6B27-B731-6982-4242E17B2FBB}"/>
               </a:ext>
             </a:extLst>
           </p:cNvPr>
@@ -6006,17 +6400,17 @@
         <p:grpSpPr>
           <a:xfrm>
             <a:off x="2259209" y="322494"/>
-            <a:ext cx="6430220" cy="5486012"/>
+            <a:ext cx="6430220" cy="5520055"/>
             <a:chOff x="2259209" y="322494"/>
-            <a:chExt cx="6430220" cy="5486012"/>
+            <a:chExt cx="6430220" cy="5520055"/>
           </a:xfrm>
         </p:grpSpPr>
         <p:grpSp>
           <p:nvGrpSpPr>
-            <p:cNvPr id="7" name="Group 6">
+            <p:cNvPr id="20" name="Group 19">
               <a:extLst>
                 <a:ext uri="{FF2B5EF4-FFF2-40B4-BE49-F238E27FC236}">
-                  <a16:creationId xmlns:a16="http://schemas.microsoft.com/office/drawing/2014/main" id="{EA1B48E4-415F-B1B7-D196-215F698DACC5}"/>
+                  <a16:creationId xmlns:a16="http://schemas.microsoft.com/office/drawing/2014/main" id="{3B50B8BA-5303-8DF5-2FF7-C8B34AF96577}"/>
                 </a:ext>
               </a:extLst>
             </p:cNvPr>
@@ -6033,10 +6427,10 @@
           </p:grpSpPr>
           <p:grpSp>
             <p:nvGrpSpPr>
-              <p:cNvPr id="49" name="Group 48">
+              <p:cNvPr id="38" name="Group 37">
                 <a:extLst>
                   <a:ext uri="{FF2B5EF4-FFF2-40B4-BE49-F238E27FC236}">
-                    <a16:creationId xmlns:a16="http://schemas.microsoft.com/office/drawing/2014/main" id="{C05BEEDC-0C71-E163-4F53-EBED01C027FE}"/>
+                    <a16:creationId xmlns:a16="http://schemas.microsoft.com/office/drawing/2014/main" id="{2E5DFA0D-F1AF-BBA5-5CD1-CB9360DFD3C5}"/>
                   </a:ext>
                 </a:extLst>
               </p:cNvPr>
@@ -6053,10 +6447,10 @@
             </p:grpSpPr>
             <p:pic>
               <p:nvPicPr>
-                <p:cNvPr id="55" name="Picture 54" descr="A black background with a black square&#10;&#10;Description automatically generated with medium confidence">
+                <p:cNvPr id="44" name="Picture 43" descr="A black background with a black square&#10;&#10;Description automatically generated with medium confidence">
                   <a:extLst>
                     <a:ext uri="{FF2B5EF4-FFF2-40B4-BE49-F238E27FC236}">
-                      <a16:creationId xmlns:a16="http://schemas.microsoft.com/office/drawing/2014/main" id="{C728FFBA-1C0D-38E3-6119-E698F191CE05}"/>
+                      <a16:creationId xmlns:a16="http://schemas.microsoft.com/office/drawing/2014/main" id="{1B734AFC-8047-079D-401B-172A8200E6AA}"/>
                     </a:ext>
                   </a:extLst>
                 </p:cNvPr>
@@ -6083,10 +6477,10 @@
             </p:pic>
             <p:pic>
               <p:nvPicPr>
-                <p:cNvPr id="56" name="Picture 55" descr="A black background with a black square&#10;&#10;Description automatically generated with medium confidence">
+                <p:cNvPr id="45" name="Picture 44" descr="A black background with a black square&#10;&#10;Description automatically generated with medium confidence">
                   <a:extLst>
                     <a:ext uri="{FF2B5EF4-FFF2-40B4-BE49-F238E27FC236}">
-                      <a16:creationId xmlns:a16="http://schemas.microsoft.com/office/drawing/2014/main" id="{92E5CD49-995B-9C3F-0431-7FF2A206282A}"/>
+                      <a16:creationId xmlns:a16="http://schemas.microsoft.com/office/drawing/2014/main" id="{10325CB8-965C-6C2F-767C-222170995BD0}"/>
                     </a:ext>
                   </a:extLst>
                 </p:cNvPr>
@@ -6114,10 +6508,10 @@
           </p:grpSp>
           <p:grpSp>
             <p:nvGrpSpPr>
-              <p:cNvPr id="50" name="Group 49">
+              <p:cNvPr id="39" name="Group 38">
                 <a:extLst>
                   <a:ext uri="{FF2B5EF4-FFF2-40B4-BE49-F238E27FC236}">
-                    <a16:creationId xmlns:a16="http://schemas.microsoft.com/office/drawing/2014/main" id="{CDF14BF3-1191-268F-38CA-57650906E27D}"/>
+                    <a16:creationId xmlns:a16="http://schemas.microsoft.com/office/drawing/2014/main" id="{4D25832C-DB72-5D1F-07C7-04C1337D687C}"/>
                   </a:ext>
                 </a:extLst>
               </p:cNvPr>
@@ -6134,10 +6528,10 @@
             </p:grpSpPr>
             <p:grpSp>
               <p:nvGrpSpPr>
-                <p:cNvPr id="51" name="Group 50">
+                <p:cNvPr id="40" name="Group 39">
                   <a:extLst>
                     <a:ext uri="{FF2B5EF4-FFF2-40B4-BE49-F238E27FC236}">
-                      <a16:creationId xmlns:a16="http://schemas.microsoft.com/office/drawing/2014/main" id="{394ECB73-203F-683F-A7C4-6BFE3DFD97CF}"/>
+                      <a16:creationId xmlns:a16="http://schemas.microsoft.com/office/drawing/2014/main" id="{ECB5F029-0CE2-7440-7C05-6B3E2501E067}"/>
                     </a:ext>
                   </a:extLst>
                 </p:cNvPr>
@@ -6154,10 +6548,10 @@
               </p:grpSpPr>
               <p:pic>
                 <p:nvPicPr>
-                  <p:cNvPr id="53" name="Picture 52" descr="A black background with a black square&#10;&#10;Description automatically generated with medium confidence">
+                  <p:cNvPr id="42" name="Picture 41" descr="A black background with a black square&#10;&#10;Description automatically generated with medium confidence">
                     <a:extLst>
                       <a:ext uri="{FF2B5EF4-FFF2-40B4-BE49-F238E27FC236}">
-                        <a16:creationId xmlns:a16="http://schemas.microsoft.com/office/drawing/2014/main" id="{D560A56B-F75E-AF75-D259-C5F4E9F2DEEA}"/>
+                        <a16:creationId xmlns:a16="http://schemas.microsoft.com/office/drawing/2014/main" id="{EFE8A455-DC63-6FA6-7409-B7A7FDCE278F}"/>
                       </a:ext>
                     </a:extLst>
                   </p:cNvPr>
@@ -6184,10 +6578,10 @@
               </p:pic>
               <p:pic>
                 <p:nvPicPr>
-                  <p:cNvPr id="54" name="Picture 53" descr="A black background with a black square&#10;&#10;Description automatically generated with medium confidence">
+                  <p:cNvPr id="43" name="Picture 42" descr="A black background with a black square&#10;&#10;Description automatically generated with medium confidence">
                     <a:extLst>
                       <a:ext uri="{FF2B5EF4-FFF2-40B4-BE49-F238E27FC236}">
-                        <a16:creationId xmlns:a16="http://schemas.microsoft.com/office/drawing/2014/main" id="{489785F4-0F6B-F979-2F67-F76A55320AAB}"/>
+                        <a16:creationId xmlns:a16="http://schemas.microsoft.com/office/drawing/2014/main" id="{2AD4EB2A-07B1-391B-A801-1B2C69A40291}"/>
                       </a:ext>
                     </a:extLst>
                   </p:cNvPr>
@@ -6215,10 +6609,10 @@
             </p:grpSp>
             <p:pic>
               <p:nvPicPr>
-                <p:cNvPr id="52" name="Picture 51">
+                <p:cNvPr id="41" name="Picture 40">
                   <a:extLst>
                     <a:ext uri="{FF2B5EF4-FFF2-40B4-BE49-F238E27FC236}">
-                      <a16:creationId xmlns:a16="http://schemas.microsoft.com/office/drawing/2014/main" id="{A45383DC-0210-4B6D-E809-CB98D71331B8}"/>
+                      <a16:creationId xmlns:a16="http://schemas.microsoft.com/office/drawing/2014/main" id="{0B9EF3D3-D991-DD16-8134-5AD4C9B1DE45}"/>
                     </a:ext>
                   </a:extLst>
                 </p:cNvPr>
@@ -6247,10 +6641,10 @@
         </p:grpSp>
         <p:sp>
           <p:nvSpPr>
-            <p:cNvPr id="8" name="TextBox 7">
+            <p:cNvPr id="21" name="TextBox 20">
               <a:extLst>
                 <a:ext uri="{FF2B5EF4-FFF2-40B4-BE49-F238E27FC236}">
-                  <a16:creationId xmlns:a16="http://schemas.microsoft.com/office/drawing/2014/main" id="{4FB9CC69-8268-3BC8-466D-3A6F1A85A9C5}"/>
+                  <a16:creationId xmlns:a16="http://schemas.microsoft.com/office/drawing/2014/main" id="{D694F2F4-160D-988A-126B-36394F6F478B}"/>
                 </a:ext>
               </a:extLst>
             </p:cNvPr>
@@ -6282,10 +6676,10 @@
         </p:sp>
         <p:sp>
           <p:nvSpPr>
-            <p:cNvPr id="9" name="TextBox 8">
+            <p:cNvPr id="22" name="TextBox 21">
               <a:extLst>
                 <a:ext uri="{FF2B5EF4-FFF2-40B4-BE49-F238E27FC236}">
-                  <a16:creationId xmlns:a16="http://schemas.microsoft.com/office/drawing/2014/main" id="{2C6593B0-1668-D44B-27FB-662AA00AA99A}"/>
+                  <a16:creationId xmlns:a16="http://schemas.microsoft.com/office/drawing/2014/main" id="{F85EB8F8-3EAD-FF23-D42B-2CD6ED77BB1A}"/>
                 </a:ext>
               </a:extLst>
             </p:cNvPr>
@@ -6317,10 +6711,10 @@
         </p:sp>
         <p:sp>
           <p:nvSpPr>
-            <p:cNvPr id="10" name="TextBox 9">
+            <p:cNvPr id="23" name="TextBox 22">
               <a:extLst>
                 <a:ext uri="{FF2B5EF4-FFF2-40B4-BE49-F238E27FC236}">
-                  <a16:creationId xmlns:a16="http://schemas.microsoft.com/office/drawing/2014/main" id="{679EB5FF-C5F5-8697-568E-2ED6C8D55B0B}"/>
+                  <a16:creationId xmlns:a16="http://schemas.microsoft.com/office/drawing/2014/main" id="{100D0999-1B57-A73E-961E-EC57BD12A9D3}"/>
                 </a:ext>
               </a:extLst>
             </p:cNvPr>
@@ -6329,7 +6723,7 @@
           </p:nvSpPr>
           <p:spPr>
             <a:xfrm>
-              <a:off x="3309041" y="2979347"/>
+              <a:off x="3309041" y="3024317"/>
               <a:ext cx="295274" cy="307777"/>
             </a:xfrm>
             <a:prstGeom prst="rect">
@@ -6352,10 +6746,10 @@
         </p:sp>
         <p:sp>
           <p:nvSpPr>
-            <p:cNvPr id="11" name="TextBox 10">
+            <p:cNvPr id="24" name="TextBox 23">
               <a:extLst>
                 <a:ext uri="{FF2B5EF4-FFF2-40B4-BE49-F238E27FC236}">
-                  <a16:creationId xmlns:a16="http://schemas.microsoft.com/office/drawing/2014/main" id="{ED1DE106-C4EA-DF9D-8754-771CAC9137C6}"/>
+                  <a16:creationId xmlns:a16="http://schemas.microsoft.com/office/drawing/2014/main" id="{FEDD0538-DC0A-2235-9538-6E37670E7895}"/>
                 </a:ext>
               </a:extLst>
             </p:cNvPr>
@@ -6387,10 +6781,10 @@
         </p:sp>
         <p:sp>
           <p:nvSpPr>
-            <p:cNvPr id="12" name="TextBox 11">
+            <p:cNvPr id="25" name="TextBox 24">
               <a:extLst>
                 <a:ext uri="{FF2B5EF4-FFF2-40B4-BE49-F238E27FC236}">
-                  <a16:creationId xmlns:a16="http://schemas.microsoft.com/office/drawing/2014/main" id="{44778983-31AB-4AA3-BDDC-EDE43E362A85}"/>
+                  <a16:creationId xmlns:a16="http://schemas.microsoft.com/office/drawing/2014/main" id="{E094A5E7-8E1E-439D-DE05-39424226F7C1}"/>
                 </a:ext>
               </a:extLst>
             </p:cNvPr>
@@ -6399,7 +6793,7 @@
           </p:nvSpPr>
           <p:spPr>
             <a:xfrm>
-              <a:off x="3307135" y="5318213"/>
+              <a:off x="3367095" y="5363183"/>
               <a:ext cx="295274" cy="307777"/>
             </a:xfrm>
             <a:prstGeom prst="rect">
@@ -6422,10 +6816,10 @@
         </p:sp>
         <p:sp>
           <p:nvSpPr>
-            <p:cNvPr id="13" name="TextBox 12">
+            <p:cNvPr id="26" name="TextBox 25">
               <a:extLst>
                 <a:ext uri="{FF2B5EF4-FFF2-40B4-BE49-F238E27FC236}">
-                  <a16:creationId xmlns:a16="http://schemas.microsoft.com/office/drawing/2014/main" id="{09BA938A-0F79-4252-9B68-B1B27CECBE10}"/>
+                  <a16:creationId xmlns:a16="http://schemas.microsoft.com/office/drawing/2014/main" id="{1E51B00E-F95C-CEA6-F35B-BA332AAABF65}"/>
                 </a:ext>
               </a:extLst>
             </p:cNvPr>
@@ -6434,7 +6828,7 @@
           </p:nvSpPr>
           <p:spPr>
             <a:xfrm>
-              <a:off x="4694921" y="5489802"/>
+              <a:off x="4754881" y="5534772"/>
               <a:ext cx="295274" cy="307777"/>
             </a:xfrm>
             <a:prstGeom prst="rect">
@@ -6457,10 +6851,10 @@
         </p:sp>
         <p:sp>
           <p:nvSpPr>
-            <p:cNvPr id="14" name="TextBox 13">
+            <p:cNvPr id="27" name="TextBox 26">
               <a:extLst>
                 <a:ext uri="{FF2B5EF4-FFF2-40B4-BE49-F238E27FC236}">
-                  <a16:creationId xmlns:a16="http://schemas.microsoft.com/office/drawing/2014/main" id="{A9B576A2-0A0A-CD9C-B94F-4E80678FC368}"/>
+                  <a16:creationId xmlns:a16="http://schemas.microsoft.com/office/drawing/2014/main" id="{0F5862D3-5EA0-55F1-2B72-8BC899A16901}"/>
                 </a:ext>
               </a:extLst>
             </p:cNvPr>
@@ -6492,10 +6886,10 @@
         </p:sp>
         <p:sp>
           <p:nvSpPr>
-            <p:cNvPr id="15" name="TextBox 14">
+            <p:cNvPr id="28" name="TextBox 27">
               <a:extLst>
                 <a:ext uri="{FF2B5EF4-FFF2-40B4-BE49-F238E27FC236}">
-                  <a16:creationId xmlns:a16="http://schemas.microsoft.com/office/drawing/2014/main" id="{571C9F15-3C98-CAA0-1144-6DED1B7AD91F}"/>
+                  <a16:creationId xmlns:a16="http://schemas.microsoft.com/office/drawing/2014/main" id="{6D56B4EE-A612-CF99-5C51-6A5D97C99C97}"/>
                 </a:ext>
               </a:extLst>
             </p:cNvPr>
@@ -6527,10 +6921,10 @@
         </p:sp>
         <p:sp>
           <p:nvSpPr>
-            <p:cNvPr id="16" name="TextBox 15">
+            <p:cNvPr id="29" name="TextBox 28">
               <a:extLst>
                 <a:ext uri="{FF2B5EF4-FFF2-40B4-BE49-F238E27FC236}">
-                  <a16:creationId xmlns:a16="http://schemas.microsoft.com/office/drawing/2014/main" id="{FB4584A8-3FA8-F689-55ED-FC1FAB10BD02}"/>
+                  <a16:creationId xmlns:a16="http://schemas.microsoft.com/office/drawing/2014/main" id="{8407B0C0-F568-1900-ADA3-5AF893FA7B82}"/>
                 </a:ext>
               </a:extLst>
             </p:cNvPr>
@@ -6562,10 +6956,10 @@
         </p:sp>
         <p:sp>
           <p:nvSpPr>
-            <p:cNvPr id="17" name="TextBox 16">
+            <p:cNvPr id="30" name="TextBox 29">
               <a:extLst>
                 <a:ext uri="{FF2B5EF4-FFF2-40B4-BE49-F238E27FC236}">
-                  <a16:creationId xmlns:a16="http://schemas.microsoft.com/office/drawing/2014/main" id="{ADEA2A63-DFA5-8220-C83A-95C73BBB1968}"/>
+                  <a16:creationId xmlns:a16="http://schemas.microsoft.com/office/drawing/2014/main" id="{4B5E069B-3EDF-9FEC-4E9A-860B32F4919F}"/>
                 </a:ext>
               </a:extLst>
             </p:cNvPr>
@@ -6597,10 +6991,10 @@
         </p:sp>
         <p:sp>
           <p:nvSpPr>
-            <p:cNvPr id="18" name="TextBox 17">
+            <p:cNvPr id="31" name="TextBox 30">
               <a:extLst>
                 <a:ext uri="{FF2B5EF4-FFF2-40B4-BE49-F238E27FC236}">
-                  <a16:creationId xmlns:a16="http://schemas.microsoft.com/office/drawing/2014/main" id="{255EFCBF-FE60-9996-EB63-DCD3E2C7A494}"/>
+                  <a16:creationId xmlns:a16="http://schemas.microsoft.com/office/drawing/2014/main" id="{EABB64DF-242D-9AA5-DC60-F14EC319791C}"/>
                 </a:ext>
               </a:extLst>
             </p:cNvPr>
@@ -6632,10 +7026,10 @@
         </p:sp>
         <p:sp>
           <p:nvSpPr>
-            <p:cNvPr id="19" name="TextBox 18">
+            <p:cNvPr id="32" name="TextBox 31">
               <a:extLst>
                 <a:ext uri="{FF2B5EF4-FFF2-40B4-BE49-F238E27FC236}">
-                  <a16:creationId xmlns:a16="http://schemas.microsoft.com/office/drawing/2014/main" id="{6F90E9EF-65E0-5513-EA5D-BF88ED276479}"/>
+                  <a16:creationId xmlns:a16="http://schemas.microsoft.com/office/drawing/2014/main" id="{14139DB6-3362-E278-E9B2-472509CE91B8}"/>
                 </a:ext>
               </a:extLst>
             </p:cNvPr>
@@ -6667,10 +7061,10 @@
         </p:sp>
         <p:sp>
           <p:nvSpPr>
-            <p:cNvPr id="34" name="TextBox 33">
+            <p:cNvPr id="33" name="TextBox 32">
               <a:extLst>
                 <a:ext uri="{FF2B5EF4-FFF2-40B4-BE49-F238E27FC236}">
-                  <a16:creationId xmlns:a16="http://schemas.microsoft.com/office/drawing/2014/main" id="{18CC49AB-F906-803A-FEB5-D74D65B2C059}"/>
+                  <a16:creationId xmlns:a16="http://schemas.microsoft.com/office/drawing/2014/main" id="{95DFA65A-0209-B680-887E-DEE914CD91C1}"/>
                 </a:ext>
               </a:extLst>
             </p:cNvPr>
@@ -6702,10 +7096,10 @@
         </p:sp>
         <p:sp>
           <p:nvSpPr>
-            <p:cNvPr id="37" name="TextBox 36">
+            <p:cNvPr id="35" name="TextBox 34">
               <a:extLst>
                 <a:ext uri="{FF2B5EF4-FFF2-40B4-BE49-F238E27FC236}">
-                  <a16:creationId xmlns:a16="http://schemas.microsoft.com/office/drawing/2014/main" id="{5124802A-1FEA-289A-C2AB-B64114580414}"/>
+                  <a16:creationId xmlns:a16="http://schemas.microsoft.com/office/drawing/2014/main" id="{8C844366-BD1C-C1BE-F802-D8799C803BA3}"/>
                 </a:ext>
               </a:extLst>
             </p:cNvPr>
@@ -6737,10 +7131,10 @@
         </p:sp>
         <p:sp>
           <p:nvSpPr>
-            <p:cNvPr id="48" name="TextBox 47">
+            <p:cNvPr id="36" name="TextBox 35">
               <a:extLst>
                 <a:ext uri="{FF2B5EF4-FFF2-40B4-BE49-F238E27FC236}">
-                  <a16:creationId xmlns:a16="http://schemas.microsoft.com/office/drawing/2014/main" id="{06BEF007-5103-E34F-83B2-532A52436F85}"/>
+                  <a16:creationId xmlns:a16="http://schemas.microsoft.com/office/drawing/2014/main" id="{AB52F279-3A5E-0317-2848-E787244C8902}"/>
                 </a:ext>
               </a:extLst>
             </p:cNvPr>
@@ -6774,6 +7168,1869 @@
     </p:spTree>
     <p:extLst>
       <p:ext uri="{BB962C8B-B14F-4D97-AF65-F5344CB8AC3E}">
+        <p14:creationId xmlns:p14="http://schemas.microsoft.com/office/powerpoint/2010/main" val="3471666681"/>
+      </p:ext>
+    </p:extLst>
+  </p:cSld>
+  <p:clrMapOvr>
+    <a:masterClrMapping/>
+  </p:clrMapOvr>
+</p:sld>
+</file>
+
+<file path=ppt/slides/slide12.xml><?xml version="1.0" encoding="utf-8"?>
+<p:sld xmlns:a="http://schemas.openxmlformats.org/drawingml/2006/main" xmlns:r="http://schemas.openxmlformats.org/officeDocument/2006/relationships" xmlns:p="http://schemas.openxmlformats.org/presentationml/2006/main">
+  <p:cSld>
+    <p:spTree>
+      <p:nvGrpSpPr>
+        <p:cNvPr id="1" name=""/>
+        <p:cNvGrpSpPr/>
+        <p:nvPr/>
+      </p:nvGrpSpPr>
+      <p:grpSpPr>
+        <a:xfrm>
+          <a:off x="0" y="0"/>
+          <a:ext cx="0" cy="0"/>
+          <a:chOff x="0" y="0"/>
+          <a:chExt cx="0" cy="0"/>
+        </a:xfrm>
+      </p:grpSpPr>
+      <p:pic>
+        <p:nvPicPr>
+          <p:cNvPr id="3" name="Picture 2" descr="A collage of images of different types of treatment&#10;&#10;Description automatically generated with medium confidence">
+            <a:extLst>
+              <a:ext uri="{FF2B5EF4-FFF2-40B4-BE49-F238E27FC236}">
+                <a16:creationId xmlns:a16="http://schemas.microsoft.com/office/drawing/2014/main" id="{4EEE76C1-CFDB-0C44-9284-91A9B349BC13}"/>
+              </a:ext>
+            </a:extLst>
+          </p:cNvPr>
+          <p:cNvPicPr>
+            <a:picLocks noChangeAspect="1"/>
+          </p:cNvPicPr>
+          <p:nvPr/>
+        </p:nvPicPr>
+        <p:blipFill>
+          <a:blip r:embed="rId3"/>
+          <a:stretch>
+            <a:fillRect/>
+          </a:stretch>
+        </p:blipFill>
+        <p:spPr>
+          <a:xfrm>
+            <a:off x="2570757" y="80259"/>
+            <a:ext cx="6436336" cy="6758153"/>
+          </a:xfrm>
+          <a:prstGeom prst="rect">
+            <a:avLst/>
+          </a:prstGeom>
+        </p:spPr>
+      </p:pic>
+      <p:grpSp>
+        <p:nvGrpSpPr>
+          <p:cNvPr id="5" name="Group 4">
+            <a:extLst>
+              <a:ext uri="{FF2B5EF4-FFF2-40B4-BE49-F238E27FC236}">
+                <a16:creationId xmlns:a16="http://schemas.microsoft.com/office/drawing/2014/main" id="{BF04D29D-F6AA-EBBE-7F25-99DAAA367676}"/>
+              </a:ext>
+            </a:extLst>
+          </p:cNvPr>
+          <p:cNvGrpSpPr/>
+          <p:nvPr/>
+        </p:nvGrpSpPr>
+        <p:grpSpPr>
+          <a:xfrm>
+            <a:off x="2655199" y="305754"/>
+            <a:ext cx="1093680" cy="4779422"/>
+            <a:chOff x="2259209" y="322494"/>
+            <a:chExt cx="1093680" cy="4779422"/>
+          </a:xfrm>
+        </p:grpSpPr>
+        <p:grpSp>
+          <p:nvGrpSpPr>
+            <p:cNvPr id="21" name="Group 20">
+              <a:extLst>
+                <a:ext uri="{FF2B5EF4-FFF2-40B4-BE49-F238E27FC236}">
+                  <a16:creationId xmlns:a16="http://schemas.microsoft.com/office/drawing/2014/main" id="{91270585-A0F5-802B-CB64-4F1609B93C4D}"/>
+                </a:ext>
+              </a:extLst>
+            </p:cNvPr>
+            <p:cNvGrpSpPr/>
+            <p:nvPr/>
+          </p:nvGrpSpPr>
+          <p:grpSpPr>
+            <a:xfrm>
+              <a:off x="2259209" y="2301004"/>
+              <a:ext cx="1057623" cy="2800912"/>
+              <a:chOff x="2259209" y="2301004"/>
+              <a:chExt cx="1057623" cy="2800912"/>
+            </a:xfrm>
+          </p:grpSpPr>
+          <p:pic>
+            <p:nvPicPr>
+              <p:cNvPr id="28" name="Picture 27" descr="A black background with a black square&#10;&#10;Description automatically generated with medium confidence">
+                <a:extLst>
+                  <a:ext uri="{FF2B5EF4-FFF2-40B4-BE49-F238E27FC236}">
+                    <a16:creationId xmlns:a16="http://schemas.microsoft.com/office/drawing/2014/main" id="{9C0E83D4-14AD-0404-C5BE-8D86EBA04174}"/>
+                  </a:ext>
+                </a:extLst>
+              </p:cNvPr>
+              <p:cNvPicPr>
+                <a:picLocks noChangeAspect="1"/>
+              </p:cNvPicPr>
+              <p:nvPr/>
+            </p:nvPicPr>
+            <p:blipFill>
+              <a:blip r:embed="rId4"/>
+              <a:stretch>
+                <a:fillRect/>
+              </a:stretch>
+            </p:blipFill>
+            <p:spPr>
+              <a:xfrm>
+                <a:off x="2525381" y="2301004"/>
+                <a:ext cx="542727" cy="278902"/>
+              </a:xfrm>
+              <a:prstGeom prst="rect">
+                <a:avLst/>
+              </a:prstGeom>
+            </p:spPr>
+          </p:pic>
+          <p:pic>
+            <p:nvPicPr>
+              <p:cNvPr id="29" name="Picture 28" descr="A black background with a black square&#10;&#10;Description automatically generated with medium confidence">
+                <a:extLst>
+                  <a:ext uri="{FF2B5EF4-FFF2-40B4-BE49-F238E27FC236}">
+                    <a16:creationId xmlns:a16="http://schemas.microsoft.com/office/drawing/2014/main" id="{5E369B67-1A85-39C3-C4F7-7903CCA09024}"/>
+                  </a:ext>
+                </a:extLst>
+              </p:cNvPr>
+              <p:cNvPicPr>
+                <a:picLocks noChangeAspect="1"/>
+              </p:cNvPicPr>
+              <p:nvPr/>
+            </p:nvPicPr>
+            <p:blipFill>
+              <a:blip r:embed="rId4"/>
+              <a:stretch>
+                <a:fillRect/>
+              </a:stretch>
+            </p:blipFill>
+            <p:spPr>
+              <a:xfrm>
+                <a:off x="2259209" y="4558416"/>
+                <a:ext cx="1057623" cy="543500"/>
+              </a:xfrm>
+              <a:prstGeom prst="rect">
+                <a:avLst/>
+              </a:prstGeom>
+            </p:spPr>
+          </p:pic>
+        </p:grpSp>
+        <p:grpSp>
+          <p:nvGrpSpPr>
+            <p:cNvPr id="22" name="Group 21">
+              <a:extLst>
+                <a:ext uri="{FF2B5EF4-FFF2-40B4-BE49-F238E27FC236}">
+                  <a16:creationId xmlns:a16="http://schemas.microsoft.com/office/drawing/2014/main" id="{797B419C-9606-71F6-263A-22AC77DD7B38}"/>
+                </a:ext>
+              </a:extLst>
+            </p:cNvPr>
+            <p:cNvGrpSpPr/>
+            <p:nvPr/>
+          </p:nvGrpSpPr>
+          <p:grpSpPr>
+            <a:xfrm>
+              <a:off x="2259209" y="322494"/>
+              <a:ext cx="1093680" cy="4779422"/>
+              <a:chOff x="2259209" y="322494"/>
+              <a:chExt cx="1093680" cy="4779422"/>
+            </a:xfrm>
+          </p:grpSpPr>
+          <p:grpSp>
+            <p:nvGrpSpPr>
+              <p:cNvPr id="23" name="Group 22">
+                <a:extLst>
+                  <a:ext uri="{FF2B5EF4-FFF2-40B4-BE49-F238E27FC236}">
+                    <a16:creationId xmlns:a16="http://schemas.microsoft.com/office/drawing/2014/main" id="{8C73E37A-FF07-3439-9A1B-CFF7D1CA1BB8}"/>
+                  </a:ext>
+                </a:extLst>
+              </p:cNvPr>
+              <p:cNvGrpSpPr/>
+              <p:nvPr/>
+            </p:nvGrpSpPr>
+            <p:grpSpPr>
+              <a:xfrm>
+                <a:off x="2259209" y="2301004"/>
+                <a:ext cx="1057623" cy="2800912"/>
+                <a:chOff x="2259209" y="2301004"/>
+                <a:chExt cx="1057623" cy="2800912"/>
+              </a:xfrm>
+            </p:grpSpPr>
+            <p:pic>
+              <p:nvPicPr>
+                <p:cNvPr id="26" name="Picture 25" descr="A black background with a black square&#10;&#10;Description automatically generated with medium confidence">
+                  <a:extLst>
+                    <a:ext uri="{FF2B5EF4-FFF2-40B4-BE49-F238E27FC236}">
+                      <a16:creationId xmlns:a16="http://schemas.microsoft.com/office/drawing/2014/main" id="{28473ADF-62ED-CEFE-F557-3ADCE5BCE524}"/>
+                    </a:ext>
+                  </a:extLst>
+                </p:cNvPr>
+                <p:cNvPicPr>
+                  <a:picLocks noChangeAspect="1"/>
+                </p:cNvPicPr>
+                <p:nvPr/>
+              </p:nvPicPr>
+              <p:blipFill>
+                <a:blip r:embed="rId4"/>
+                <a:stretch>
+                  <a:fillRect/>
+                </a:stretch>
+              </p:blipFill>
+              <p:spPr>
+                <a:xfrm>
+                  <a:off x="2525381" y="2301004"/>
+                  <a:ext cx="542727" cy="278902"/>
+                </a:xfrm>
+                <a:prstGeom prst="rect">
+                  <a:avLst/>
+                </a:prstGeom>
+              </p:spPr>
+            </p:pic>
+            <p:pic>
+              <p:nvPicPr>
+                <p:cNvPr id="27" name="Picture 26" descr="A black background with a black square&#10;&#10;Description automatically generated with medium confidence">
+                  <a:extLst>
+                    <a:ext uri="{FF2B5EF4-FFF2-40B4-BE49-F238E27FC236}">
+                      <a16:creationId xmlns:a16="http://schemas.microsoft.com/office/drawing/2014/main" id="{F4937F11-1386-AB78-B8DB-1B2F918F66BA}"/>
+                    </a:ext>
+                  </a:extLst>
+                </p:cNvPr>
+                <p:cNvPicPr>
+                  <a:picLocks noChangeAspect="1"/>
+                </p:cNvPicPr>
+                <p:nvPr/>
+              </p:nvPicPr>
+              <p:blipFill>
+                <a:blip r:embed="rId4"/>
+                <a:stretch>
+                  <a:fillRect/>
+                </a:stretch>
+              </p:blipFill>
+              <p:spPr>
+                <a:xfrm>
+                  <a:off x="2259209" y="4558416"/>
+                  <a:ext cx="1057623" cy="543500"/>
+                </a:xfrm>
+                <a:prstGeom prst="rect">
+                  <a:avLst/>
+                </a:prstGeom>
+              </p:spPr>
+            </p:pic>
+          </p:grpSp>
+          <p:pic>
+            <p:nvPicPr>
+              <p:cNvPr id="24" name="Picture 23">
+                <a:extLst>
+                  <a:ext uri="{FF2B5EF4-FFF2-40B4-BE49-F238E27FC236}">
+                    <a16:creationId xmlns:a16="http://schemas.microsoft.com/office/drawing/2014/main" id="{77AE6271-75A6-B84E-BCE6-7B1C2E3B959A}"/>
+                  </a:ext>
+                </a:extLst>
+              </p:cNvPr>
+              <p:cNvPicPr>
+                <a:picLocks noChangeAspect="1"/>
+              </p:cNvPicPr>
+              <p:nvPr/>
+            </p:nvPicPr>
+            <p:blipFill>
+              <a:blip r:embed="rId5"/>
+              <a:stretch>
+                <a:fillRect/>
+              </a:stretch>
+            </p:blipFill>
+            <p:spPr>
+              <a:xfrm>
+                <a:off x="2582819" y="322494"/>
+                <a:ext cx="770070" cy="333845"/>
+              </a:xfrm>
+              <a:prstGeom prst="rect">
+                <a:avLst/>
+              </a:prstGeom>
+            </p:spPr>
+          </p:pic>
+        </p:grpSp>
+      </p:grpSp>
+      <p:sp>
+        <p:nvSpPr>
+          <p:cNvPr id="6" name="TextBox 5">
+            <a:extLst>
+              <a:ext uri="{FF2B5EF4-FFF2-40B4-BE49-F238E27FC236}">
+                <a16:creationId xmlns:a16="http://schemas.microsoft.com/office/drawing/2014/main" id="{435EA638-797E-6818-F0B3-88AD518F5870}"/>
+              </a:ext>
+            </a:extLst>
+          </p:cNvPr>
+          <p:cNvSpPr txBox="1"/>
+          <p:nvPr/>
+        </p:nvSpPr>
+        <p:spPr>
+          <a:xfrm>
+            <a:off x="3523278" y="666296"/>
+            <a:ext cx="295274" cy="307777"/>
+          </a:xfrm>
+          <a:prstGeom prst="rect">
+            <a:avLst/>
+          </a:prstGeom>
+          <a:noFill/>
+        </p:spPr>
+        <p:txBody>
+          <a:bodyPr wrap="none" rtlCol="0">
+            <a:spAutoFit/>
+          </a:bodyPr>
+          <a:lstStyle/>
+          <a:p>
+            <a:r>
+              <a:rPr lang="en-AU" sz="1400" b="1" dirty="0"/>
+              <a:t>A</a:t>
+            </a:r>
+          </a:p>
+        </p:txBody>
+      </p:sp>
+      <p:sp>
+        <p:nvSpPr>
+          <p:cNvPr id="7" name="TextBox 6">
+            <a:extLst>
+              <a:ext uri="{FF2B5EF4-FFF2-40B4-BE49-F238E27FC236}">
+                <a16:creationId xmlns:a16="http://schemas.microsoft.com/office/drawing/2014/main" id="{C8199F1C-D96F-B178-8483-9A5F87D51A4B}"/>
+              </a:ext>
+            </a:extLst>
+          </p:cNvPr>
+          <p:cNvSpPr txBox="1"/>
+          <p:nvPr/>
+        </p:nvSpPr>
+        <p:spPr>
+          <a:xfrm>
+            <a:off x="4804327" y="665332"/>
+            <a:ext cx="295274" cy="307777"/>
+          </a:xfrm>
+          <a:prstGeom prst="rect">
+            <a:avLst/>
+          </a:prstGeom>
+          <a:noFill/>
+        </p:spPr>
+        <p:txBody>
+          <a:bodyPr wrap="none" rtlCol="0">
+            <a:spAutoFit/>
+          </a:bodyPr>
+          <a:lstStyle/>
+          <a:p>
+            <a:r>
+              <a:rPr lang="en-AU" sz="1400" b="1" dirty="0"/>
+              <a:t>A</a:t>
+            </a:r>
+          </a:p>
+        </p:txBody>
+      </p:sp>
+      <p:sp>
+        <p:nvSpPr>
+          <p:cNvPr id="8" name="TextBox 7">
+            <a:extLst>
+              <a:ext uri="{FF2B5EF4-FFF2-40B4-BE49-F238E27FC236}">
+                <a16:creationId xmlns:a16="http://schemas.microsoft.com/office/drawing/2014/main" id="{E0FDBB79-4FA1-C140-B891-E78EAD18D1D9}"/>
+              </a:ext>
+            </a:extLst>
+          </p:cNvPr>
+          <p:cNvSpPr txBox="1"/>
+          <p:nvPr/>
+        </p:nvSpPr>
+        <p:spPr>
+          <a:xfrm>
+            <a:off x="3523278" y="2862023"/>
+            <a:ext cx="295274" cy="307777"/>
+          </a:xfrm>
+          <a:prstGeom prst="rect">
+            <a:avLst/>
+          </a:prstGeom>
+          <a:noFill/>
+        </p:spPr>
+        <p:txBody>
+          <a:bodyPr wrap="none" rtlCol="0">
+            <a:spAutoFit/>
+          </a:bodyPr>
+          <a:lstStyle/>
+          <a:p>
+            <a:r>
+              <a:rPr lang="en-AU" sz="1400" b="1" dirty="0"/>
+              <a:t>A</a:t>
+            </a:r>
+          </a:p>
+        </p:txBody>
+      </p:sp>
+      <p:sp>
+        <p:nvSpPr>
+          <p:cNvPr id="9" name="TextBox 8">
+            <a:extLst>
+              <a:ext uri="{FF2B5EF4-FFF2-40B4-BE49-F238E27FC236}">
+                <a16:creationId xmlns:a16="http://schemas.microsoft.com/office/drawing/2014/main" id="{695A127D-82ED-A937-D117-6B3C00577B72}"/>
+              </a:ext>
+            </a:extLst>
+          </p:cNvPr>
+          <p:cNvSpPr txBox="1"/>
+          <p:nvPr/>
+        </p:nvSpPr>
+        <p:spPr>
+          <a:xfrm>
+            <a:off x="4790677" y="3121223"/>
+            <a:ext cx="295274" cy="307777"/>
+          </a:xfrm>
+          <a:prstGeom prst="rect">
+            <a:avLst/>
+          </a:prstGeom>
+          <a:noFill/>
+        </p:spPr>
+        <p:txBody>
+          <a:bodyPr wrap="none" rtlCol="0">
+            <a:spAutoFit/>
+          </a:bodyPr>
+          <a:lstStyle/>
+          <a:p>
+            <a:r>
+              <a:rPr lang="en-AU" sz="1400" b="1" dirty="0"/>
+              <a:t>B</a:t>
+            </a:r>
+          </a:p>
+        </p:txBody>
+      </p:sp>
+      <p:sp>
+        <p:nvSpPr>
+          <p:cNvPr id="10" name="TextBox 9">
+            <a:extLst>
+              <a:ext uri="{FF2B5EF4-FFF2-40B4-BE49-F238E27FC236}">
+                <a16:creationId xmlns:a16="http://schemas.microsoft.com/office/drawing/2014/main" id="{54B3D683-4B42-6A36-5CF1-2693C648CC2A}"/>
+              </a:ext>
+            </a:extLst>
+          </p:cNvPr>
+          <p:cNvSpPr txBox="1"/>
+          <p:nvPr/>
+        </p:nvSpPr>
+        <p:spPr>
+          <a:xfrm>
+            <a:off x="3523278" y="5243167"/>
+            <a:ext cx="295274" cy="307777"/>
+          </a:xfrm>
+          <a:prstGeom prst="rect">
+            <a:avLst/>
+          </a:prstGeom>
+          <a:noFill/>
+        </p:spPr>
+        <p:txBody>
+          <a:bodyPr wrap="none" rtlCol="0">
+            <a:spAutoFit/>
+          </a:bodyPr>
+          <a:lstStyle/>
+          <a:p>
+            <a:r>
+              <a:rPr lang="en-AU" sz="1400" b="1" dirty="0"/>
+              <a:t>A</a:t>
+            </a:r>
+          </a:p>
+        </p:txBody>
+      </p:sp>
+      <p:sp>
+        <p:nvSpPr>
+          <p:cNvPr id="11" name="TextBox 10">
+            <a:extLst>
+              <a:ext uri="{FF2B5EF4-FFF2-40B4-BE49-F238E27FC236}">
+                <a16:creationId xmlns:a16="http://schemas.microsoft.com/office/drawing/2014/main" id="{E0BA156E-8118-8C3B-F69B-2B7E915299B9}"/>
+              </a:ext>
+            </a:extLst>
+          </p:cNvPr>
+          <p:cNvSpPr txBox="1"/>
+          <p:nvPr/>
+        </p:nvSpPr>
+        <p:spPr>
+          <a:xfrm>
+            <a:off x="4804327" y="5339904"/>
+            <a:ext cx="295274" cy="307777"/>
+          </a:xfrm>
+          <a:prstGeom prst="rect">
+            <a:avLst/>
+          </a:prstGeom>
+          <a:noFill/>
+        </p:spPr>
+        <p:txBody>
+          <a:bodyPr wrap="none" rtlCol="0">
+            <a:spAutoFit/>
+          </a:bodyPr>
+          <a:lstStyle/>
+          <a:p>
+            <a:r>
+              <a:rPr lang="en-AU" sz="1400" b="1" dirty="0"/>
+              <a:t>A</a:t>
+            </a:r>
+          </a:p>
+        </p:txBody>
+      </p:sp>
+      <p:sp>
+        <p:nvSpPr>
+          <p:cNvPr id="12" name="TextBox 11">
+            <a:extLst>
+              <a:ext uri="{FF2B5EF4-FFF2-40B4-BE49-F238E27FC236}">
+                <a16:creationId xmlns:a16="http://schemas.microsoft.com/office/drawing/2014/main" id="{7631DD63-55F7-FAA4-0EC9-41EE3E213E48}"/>
+              </a:ext>
+            </a:extLst>
+          </p:cNvPr>
+          <p:cNvSpPr txBox="1"/>
+          <p:nvPr/>
+        </p:nvSpPr>
+        <p:spPr>
+          <a:xfrm>
+            <a:off x="8237465" y="764448"/>
+            <a:ext cx="295274" cy="307777"/>
+          </a:xfrm>
+          <a:prstGeom prst="rect">
+            <a:avLst/>
+          </a:prstGeom>
+          <a:noFill/>
+        </p:spPr>
+        <p:txBody>
+          <a:bodyPr wrap="none" rtlCol="0">
+            <a:spAutoFit/>
+          </a:bodyPr>
+          <a:lstStyle/>
+          <a:p>
+            <a:r>
+              <a:rPr lang="en-AU" sz="1400" b="1" dirty="0"/>
+              <a:t>B</a:t>
+            </a:r>
+          </a:p>
+        </p:txBody>
+      </p:sp>
+      <p:sp>
+        <p:nvSpPr>
+          <p:cNvPr id="13" name="TextBox 12">
+            <a:extLst>
+              <a:ext uri="{FF2B5EF4-FFF2-40B4-BE49-F238E27FC236}">
+                <a16:creationId xmlns:a16="http://schemas.microsoft.com/office/drawing/2014/main" id="{F1B77D07-9980-CD91-B9CE-B7EA1A9F6516}"/>
+              </a:ext>
+            </a:extLst>
+          </p:cNvPr>
+          <p:cNvSpPr txBox="1"/>
+          <p:nvPr/>
+        </p:nvSpPr>
+        <p:spPr>
+          <a:xfrm>
+            <a:off x="7245616" y="596139"/>
+            <a:ext cx="295274" cy="307777"/>
+          </a:xfrm>
+          <a:prstGeom prst="rect">
+            <a:avLst/>
+          </a:prstGeom>
+          <a:noFill/>
+        </p:spPr>
+        <p:txBody>
+          <a:bodyPr wrap="none" rtlCol="0">
+            <a:spAutoFit/>
+          </a:bodyPr>
+          <a:lstStyle/>
+          <a:p>
+            <a:r>
+              <a:rPr lang="en-AU" sz="1400" b="1" dirty="0"/>
+              <a:t>A</a:t>
+            </a:r>
+          </a:p>
+        </p:txBody>
+      </p:sp>
+      <p:sp>
+        <p:nvSpPr>
+          <p:cNvPr id="14" name="TextBox 13">
+            <a:extLst>
+              <a:ext uri="{FF2B5EF4-FFF2-40B4-BE49-F238E27FC236}">
+                <a16:creationId xmlns:a16="http://schemas.microsoft.com/office/drawing/2014/main" id="{14D82BD2-424A-90B0-E918-1D90033D6CA6}"/>
+              </a:ext>
+            </a:extLst>
+          </p:cNvPr>
+          <p:cNvSpPr txBox="1"/>
+          <p:nvPr/>
+        </p:nvSpPr>
+        <p:spPr>
+          <a:xfrm>
+            <a:off x="6279389" y="566396"/>
+            <a:ext cx="295274" cy="307777"/>
+          </a:xfrm>
+          <a:prstGeom prst="rect">
+            <a:avLst/>
+          </a:prstGeom>
+          <a:noFill/>
+        </p:spPr>
+        <p:txBody>
+          <a:bodyPr wrap="none" rtlCol="0">
+            <a:spAutoFit/>
+          </a:bodyPr>
+          <a:lstStyle/>
+          <a:p>
+            <a:r>
+              <a:rPr lang="en-AU" sz="1400" b="1" dirty="0"/>
+              <a:t>A</a:t>
+            </a:r>
+          </a:p>
+        </p:txBody>
+      </p:sp>
+      <p:sp>
+        <p:nvSpPr>
+          <p:cNvPr id="15" name="TextBox 14">
+            <a:extLst>
+              <a:ext uri="{FF2B5EF4-FFF2-40B4-BE49-F238E27FC236}">
+                <a16:creationId xmlns:a16="http://schemas.microsoft.com/office/drawing/2014/main" id="{0A25A419-5C68-B2EC-23B1-A4DEB5EA1A27}"/>
+              </a:ext>
+            </a:extLst>
+          </p:cNvPr>
+          <p:cNvSpPr txBox="1"/>
+          <p:nvPr/>
+        </p:nvSpPr>
+        <p:spPr>
+          <a:xfrm>
+            <a:off x="8232136" y="3045892"/>
+            <a:ext cx="295274" cy="307777"/>
+          </a:xfrm>
+          <a:prstGeom prst="rect">
+            <a:avLst/>
+          </a:prstGeom>
+          <a:noFill/>
+        </p:spPr>
+        <p:txBody>
+          <a:bodyPr wrap="none" rtlCol="0">
+            <a:spAutoFit/>
+          </a:bodyPr>
+          <a:lstStyle/>
+          <a:p>
+            <a:r>
+              <a:rPr lang="en-AU" sz="1400" b="1" dirty="0"/>
+              <a:t>A</a:t>
+            </a:r>
+          </a:p>
+        </p:txBody>
+      </p:sp>
+      <p:sp>
+        <p:nvSpPr>
+          <p:cNvPr id="16" name="TextBox 15">
+            <a:extLst>
+              <a:ext uri="{FF2B5EF4-FFF2-40B4-BE49-F238E27FC236}">
+                <a16:creationId xmlns:a16="http://schemas.microsoft.com/office/drawing/2014/main" id="{F736E2EC-1D6C-F55B-BC46-819514F1B2C0}"/>
+              </a:ext>
+            </a:extLst>
+          </p:cNvPr>
+          <p:cNvSpPr txBox="1"/>
+          <p:nvPr/>
+        </p:nvSpPr>
+        <p:spPr>
+          <a:xfrm>
+            <a:off x="7250932" y="3000660"/>
+            <a:ext cx="295274" cy="307777"/>
+          </a:xfrm>
+          <a:prstGeom prst="rect">
+            <a:avLst/>
+          </a:prstGeom>
+          <a:noFill/>
+        </p:spPr>
+        <p:txBody>
+          <a:bodyPr wrap="none" rtlCol="0">
+            <a:spAutoFit/>
+          </a:bodyPr>
+          <a:lstStyle/>
+          <a:p>
+            <a:r>
+              <a:rPr lang="en-AU" sz="1400" b="1" dirty="0"/>
+              <a:t>A</a:t>
+            </a:r>
+          </a:p>
+        </p:txBody>
+      </p:sp>
+      <p:sp>
+        <p:nvSpPr>
+          <p:cNvPr id="17" name="TextBox 16">
+            <a:extLst>
+              <a:ext uri="{FF2B5EF4-FFF2-40B4-BE49-F238E27FC236}">
+                <a16:creationId xmlns:a16="http://schemas.microsoft.com/office/drawing/2014/main" id="{3F577429-0AA7-7C96-E3D5-43C76D2B7204}"/>
+              </a:ext>
+            </a:extLst>
+          </p:cNvPr>
+          <p:cNvSpPr txBox="1"/>
+          <p:nvPr/>
+        </p:nvSpPr>
+        <p:spPr>
+          <a:xfrm>
+            <a:off x="6279389" y="2975433"/>
+            <a:ext cx="295274" cy="307777"/>
+          </a:xfrm>
+          <a:prstGeom prst="rect">
+            <a:avLst/>
+          </a:prstGeom>
+          <a:noFill/>
+        </p:spPr>
+        <p:txBody>
+          <a:bodyPr wrap="none" rtlCol="0">
+            <a:spAutoFit/>
+          </a:bodyPr>
+          <a:lstStyle/>
+          <a:p>
+            <a:r>
+              <a:rPr lang="en-AU" sz="1400" b="1" dirty="0"/>
+              <a:t>A</a:t>
+            </a:r>
+          </a:p>
+        </p:txBody>
+      </p:sp>
+      <p:sp>
+        <p:nvSpPr>
+          <p:cNvPr id="18" name="TextBox 17">
+            <a:extLst>
+              <a:ext uri="{FF2B5EF4-FFF2-40B4-BE49-F238E27FC236}">
+                <a16:creationId xmlns:a16="http://schemas.microsoft.com/office/drawing/2014/main" id="{9F0FF835-5055-82E4-019D-37843F28F8FD}"/>
+              </a:ext>
+            </a:extLst>
+          </p:cNvPr>
+          <p:cNvSpPr txBox="1"/>
+          <p:nvPr/>
+        </p:nvSpPr>
+        <p:spPr>
+          <a:xfrm>
+            <a:off x="8232136" y="5427036"/>
+            <a:ext cx="295274" cy="307777"/>
+          </a:xfrm>
+          <a:prstGeom prst="rect">
+            <a:avLst/>
+          </a:prstGeom>
+          <a:noFill/>
+        </p:spPr>
+        <p:txBody>
+          <a:bodyPr wrap="none" rtlCol="0">
+            <a:spAutoFit/>
+          </a:bodyPr>
+          <a:lstStyle/>
+          <a:p>
+            <a:r>
+              <a:rPr lang="en-AU" sz="1400" b="1" dirty="0"/>
+              <a:t>B</a:t>
+            </a:r>
+          </a:p>
+        </p:txBody>
+      </p:sp>
+      <p:sp>
+        <p:nvSpPr>
+          <p:cNvPr id="19" name="TextBox 18">
+            <a:extLst>
+              <a:ext uri="{FF2B5EF4-FFF2-40B4-BE49-F238E27FC236}">
+                <a16:creationId xmlns:a16="http://schemas.microsoft.com/office/drawing/2014/main" id="{B08DB803-DDEE-BC78-C92C-A7030F1BB1C4}"/>
+              </a:ext>
+            </a:extLst>
+          </p:cNvPr>
+          <p:cNvSpPr txBox="1"/>
+          <p:nvPr/>
+        </p:nvSpPr>
+        <p:spPr>
+          <a:xfrm>
+            <a:off x="7250932" y="5245976"/>
+            <a:ext cx="295274" cy="307777"/>
+          </a:xfrm>
+          <a:prstGeom prst="rect">
+            <a:avLst/>
+          </a:prstGeom>
+          <a:noFill/>
+        </p:spPr>
+        <p:txBody>
+          <a:bodyPr wrap="none" rtlCol="0">
+            <a:spAutoFit/>
+          </a:bodyPr>
+          <a:lstStyle/>
+          <a:p>
+            <a:r>
+              <a:rPr lang="en-AU" sz="1400" b="1" dirty="0"/>
+              <a:t>A</a:t>
+            </a:r>
+          </a:p>
+        </p:txBody>
+      </p:sp>
+      <p:sp>
+        <p:nvSpPr>
+          <p:cNvPr id="20" name="TextBox 19">
+            <a:extLst>
+              <a:ext uri="{FF2B5EF4-FFF2-40B4-BE49-F238E27FC236}">
+                <a16:creationId xmlns:a16="http://schemas.microsoft.com/office/drawing/2014/main" id="{00784E36-4F2C-410A-568D-D1DE10B4F523}"/>
+              </a:ext>
+            </a:extLst>
+          </p:cNvPr>
+          <p:cNvSpPr txBox="1"/>
+          <p:nvPr/>
+        </p:nvSpPr>
+        <p:spPr>
+          <a:xfrm>
+            <a:off x="6200140" y="5243131"/>
+            <a:ext cx="463332" cy="307777"/>
+          </a:xfrm>
+          <a:prstGeom prst="rect">
+            <a:avLst/>
+          </a:prstGeom>
+          <a:noFill/>
+        </p:spPr>
+        <p:txBody>
+          <a:bodyPr wrap="none" rtlCol="0">
+            <a:spAutoFit/>
+          </a:bodyPr>
+          <a:lstStyle/>
+          <a:p>
+            <a:r>
+              <a:rPr lang="en-AU" sz="1400" b="1" dirty="0"/>
+              <a:t>A,B</a:t>
+            </a:r>
+          </a:p>
+        </p:txBody>
+      </p:sp>
+    </p:spTree>
+    <p:extLst>
+      <p:ext uri="{BB962C8B-B14F-4D97-AF65-F5344CB8AC3E}">
+        <p14:creationId xmlns:p14="http://schemas.microsoft.com/office/powerpoint/2010/main" val="2723991336"/>
+      </p:ext>
+    </p:extLst>
+  </p:cSld>
+  <p:clrMapOvr>
+    <a:masterClrMapping/>
+  </p:clrMapOvr>
+</p:sld>
+</file>
+
+<file path=ppt/slides/slide2.xml><?xml version="1.0" encoding="utf-8"?>
+<p:sld xmlns:a="http://schemas.openxmlformats.org/drawingml/2006/main" xmlns:r="http://schemas.openxmlformats.org/officeDocument/2006/relationships" xmlns:p="http://schemas.openxmlformats.org/presentationml/2006/main">
+  <p:cSld>
+    <p:spTree>
+      <p:nvGrpSpPr>
+        <p:cNvPr id="1" name=""/>
+        <p:cNvGrpSpPr/>
+        <p:nvPr/>
+      </p:nvGrpSpPr>
+      <p:grpSpPr>
+        <a:xfrm>
+          <a:off x="0" y="0"/>
+          <a:ext cx="0" cy="0"/>
+          <a:chOff x="0" y="0"/>
+          <a:chExt cx="0" cy="0"/>
+        </a:xfrm>
+      </p:grpSpPr>
+      <p:pic>
+        <p:nvPicPr>
+          <p:cNvPr id="5" name="Picture 4" descr="A diagram of a number of patients&#10;&#10;Description automatically generated with medium confidence">
+            <a:extLst>
+              <a:ext uri="{FF2B5EF4-FFF2-40B4-BE49-F238E27FC236}">
+                <a16:creationId xmlns:a16="http://schemas.microsoft.com/office/drawing/2014/main" id="{836F5EAA-274D-1655-F694-084B28DB04D4}"/>
+              </a:ext>
+            </a:extLst>
+          </p:cNvPr>
+          <p:cNvPicPr>
+            <a:picLocks noChangeAspect="1"/>
+          </p:cNvPicPr>
+          <p:nvPr/>
+        </p:nvPicPr>
+        <p:blipFill>
+          <a:blip r:embed="rId3"/>
+          <a:stretch>
+            <a:fillRect/>
+          </a:stretch>
+        </p:blipFill>
+        <p:spPr>
+          <a:xfrm>
+            <a:off x="1436329" y="212178"/>
+            <a:ext cx="8307277" cy="6645822"/>
+          </a:xfrm>
+          <a:prstGeom prst="rect">
+            <a:avLst/>
+          </a:prstGeom>
+        </p:spPr>
+      </p:pic>
+      <p:sp>
+        <p:nvSpPr>
+          <p:cNvPr id="10" name="TextBox 9">
+            <a:extLst>
+              <a:ext uri="{FF2B5EF4-FFF2-40B4-BE49-F238E27FC236}">
+                <a16:creationId xmlns:a16="http://schemas.microsoft.com/office/drawing/2014/main" id="{E4E3FE14-3A69-77E5-7825-5DEA80182259}"/>
+              </a:ext>
+            </a:extLst>
+          </p:cNvPr>
+          <p:cNvSpPr txBox="1"/>
+          <p:nvPr/>
+        </p:nvSpPr>
+        <p:spPr>
+          <a:xfrm>
+            <a:off x="3366498" y="4025022"/>
+            <a:ext cx="295274" cy="307777"/>
+          </a:xfrm>
+          <a:prstGeom prst="rect">
+            <a:avLst/>
+          </a:prstGeom>
+          <a:noFill/>
+        </p:spPr>
+        <p:txBody>
+          <a:bodyPr wrap="none" rtlCol="0">
+            <a:spAutoFit/>
+          </a:bodyPr>
+          <a:lstStyle/>
+          <a:p>
+            <a:r>
+              <a:rPr lang="en-AU" sz="1400" b="1" dirty="0"/>
+              <a:t>A</a:t>
+            </a:r>
+          </a:p>
+        </p:txBody>
+      </p:sp>
+      <p:sp>
+        <p:nvSpPr>
+          <p:cNvPr id="11" name="TextBox 10">
+            <a:extLst>
+              <a:ext uri="{FF2B5EF4-FFF2-40B4-BE49-F238E27FC236}">
+                <a16:creationId xmlns:a16="http://schemas.microsoft.com/office/drawing/2014/main" id="{846917F4-CED0-7761-AE2B-15E9478E0768}"/>
+              </a:ext>
+            </a:extLst>
+          </p:cNvPr>
+          <p:cNvSpPr txBox="1"/>
+          <p:nvPr/>
+        </p:nvSpPr>
+        <p:spPr>
+          <a:xfrm>
+            <a:off x="5632668" y="2493699"/>
+            <a:ext cx="463332" cy="307777"/>
+          </a:xfrm>
+          <a:prstGeom prst="rect">
+            <a:avLst/>
+          </a:prstGeom>
+          <a:noFill/>
+        </p:spPr>
+        <p:txBody>
+          <a:bodyPr wrap="none" rtlCol="0">
+            <a:spAutoFit/>
+          </a:bodyPr>
+          <a:lstStyle/>
+          <a:p>
+            <a:r>
+              <a:rPr lang="en-AU" sz="1400" b="1" dirty="0"/>
+              <a:t>A,B</a:t>
+            </a:r>
+          </a:p>
+        </p:txBody>
+      </p:sp>
+      <p:sp>
+        <p:nvSpPr>
+          <p:cNvPr id="12" name="TextBox 11">
+            <a:extLst>
+              <a:ext uri="{FF2B5EF4-FFF2-40B4-BE49-F238E27FC236}">
+                <a16:creationId xmlns:a16="http://schemas.microsoft.com/office/drawing/2014/main" id="{BC02DF88-61B5-C1CE-2222-BC4B15238C20}"/>
+              </a:ext>
+            </a:extLst>
+          </p:cNvPr>
+          <p:cNvSpPr txBox="1"/>
+          <p:nvPr/>
+        </p:nvSpPr>
+        <p:spPr>
+          <a:xfrm>
+            <a:off x="8109926" y="859237"/>
+            <a:ext cx="295274" cy="307777"/>
+          </a:xfrm>
+          <a:prstGeom prst="rect">
+            <a:avLst/>
+          </a:prstGeom>
+          <a:noFill/>
+        </p:spPr>
+        <p:txBody>
+          <a:bodyPr wrap="none" rtlCol="0">
+            <a:spAutoFit/>
+          </a:bodyPr>
+          <a:lstStyle/>
+          <a:p>
+            <a:r>
+              <a:rPr lang="en-AU" sz="1400" b="1" dirty="0"/>
+              <a:t>B</a:t>
+            </a:r>
+          </a:p>
+        </p:txBody>
+      </p:sp>
+      <p:pic>
+        <p:nvPicPr>
+          <p:cNvPr id="15" name="Picture 14" descr="A group of eggs in a pile&#10;&#10;Description automatically generated">
+            <a:extLst>
+              <a:ext uri="{FF2B5EF4-FFF2-40B4-BE49-F238E27FC236}">
+                <a16:creationId xmlns:a16="http://schemas.microsoft.com/office/drawing/2014/main" id="{7E452EB6-D841-2F2C-E3EE-3FBA9FC39A8B}"/>
+              </a:ext>
+            </a:extLst>
+          </p:cNvPr>
+          <p:cNvPicPr>
+            <a:picLocks noChangeAspect="1"/>
+          </p:cNvPicPr>
+          <p:nvPr/>
+        </p:nvPicPr>
+        <p:blipFill>
+          <a:blip r:embed="rId4"/>
+          <a:stretch>
+            <a:fillRect/>
+          </a:stretch>
+        </p:blipFill>
+        <p:spPr>
+          <a:xfrm>
+            <a:off x="2167582" y="212178"/>
+            <a:ext cx="1293255" cy="1206513"/>
+          </a:xfrm>
+          <a:prstGeom prst="rect">
+            <a:avLst/>
+          </a:prstGeom>
+        </p:spPr>
+      </p:pic>
+      <p:pic>
+        <p:nvPicPr>
+          <p:cNvPr id="16" name="Picture 15" descr="A group of boxes with black text&#10;&#10;Description automatically generated">
+            <a:extLst>
+              <a:ext uri="{FF2B5EF4-FFF2-40B4-BE49-F238E27FC236}">
+                <a16:creationId xmlns:a16="http://schemas.microsoft.com/office/drawing/2014/main" id="{0CEB1323-071B-3CE4-7CE3-4109B62A0A8F}"/>
+              </a:ext>
+            </a:extLst>
+          </p:cNvPr>
+          <p:cNvPicPr>
+            <a:picLocks noChangeAspect="1"/>
+          </p:cNvPicPr>
+          <p:nvPr/>
+        </p:nvPicPr>
+        <p:blipFill>
+          <a:blip r:embed="rId5"/>
+          <a:stretch>
+            <a:fillRect/>
+          </a:stretch>
+        </p:blipFill>
+        <p:spPr>
+          <a:xfrm>
+            <a:off x="3661772" y="248941"/>
+            <a:ext cx="1508050" cy="1437360"/>
+          </a:xfrm>
+          <a:prstGeom prst="rect">
+            <a:avLst/>
+          </a:prstGeom>
+        </p:spPr>
+      </p:pic>
+    </p:spTree>
+    <p:extLst>
+      <p:ext uri="{BB962C8B-B14F-4D97-AF65-F5344CB8AC3E}">
+        <p14:creationId xmlns:p14="http://schemas.microsoft.com/office/powerpoint/2010/main" val="3072093800"/>
+      </p:ext>
+    </p:extLst>
+  </p:cSld>
+  <p:clrMapOvr>
+    <a:masterClrMapping/>
+  </p:clrMapOvr>
+</p:sld>
+</file>
+
+<file path=ppt/slides/slide3.xml><?xml version="1.0" encoding="utf-8"?>
+<p:sld xmlns:a="http://schemas.openxmlformats.org/drawingml/2006/main" xmlns:r="http://schemas.openxmlformats.org/officeDocument/2006/relationships" xmlns:p="http://schemas.openxmlformats.org/presentationml/2006/main">
+  <p:cSld>
+    <p:spTree>
+      <p:nvGrpSpPr>
+        <p:cNvPr id="1" name=""/>
+        <p:cNvGrpSpPr/>
+        <p:nvPr/>
+      </p:nvGrpSpPr>
+      <p:grpSpPr>
+        <a:xfrm>
+          <a:off x="0" y="0"/>
+          <a:ext cx="0" cy="0"/>
+          <a:chOff x="0" y="0"/>
+          <a:chExt cx="0" cy="0"/>
+        </a:xfrm>
+      </p:grpSpPr>
+      <p:pic>
+        <p:nvPicPr>
+          <p:cNvPr id="47" name="Picture 46" descr="A group of graphs showing treatment levels&#10;&#10;Description automatically generated with medium confidence">
+            <a:extLst>
+              <a:ext uri="{FF2B5EF4-FFF2-40B4-BE49-F238E27FC236}">
+                <a16:creationId xmlns:a16="http://schemas.microsoft.com/office/drawing/2014/main" id="{D1B29DDE-EBEE-E4E4-2401-B609D7DB134C}"/>
+              </a:ext>
+            </a:extLst>
+          </p:cNvPr>
+          <p:cNvPicPr>
+            <a:picLocks noChangeAspect="1"/>
+          </p:cNvPicPr>
+          <p:nvPr/>
+        </p:nvPicPr>
+        <p:blipFill>
+          <a:blip r:embed="rId3"/>
+          <a:stretch>
+            <a:fillRect/>
+          </a:stretch>
+        </p:blipFill>
+        <p:spPr>
+          <a:xfrm>
+            <a:off x="2140157" y="190500"/>
+            <a:ext cx="6985000" cy="6667500"/>
+          </a:xfrm>
+          <a:prstGeom prst="rect">
+            <a:avLst/>
+          </a:prstGeom>
+        </p:spPr>
+      </p:pic>
+      <p:grpSp>
+        <p:nvGrpSpPr>
+          <p:cNvPr id="58" name="Group 57">
+            <a:extLst>
+              <a:ext uri="{FF2B5EF4-FFF2-40B4-BE49-F238E27FC236}">
+                <a16:creationId xmlns:a16="http://schemas.microsoft.com/office/drawing/2014/main" id="{07C5CB1A-9071-6F17-3170-C1CEF251B21D}"/>
+              </a:ext>
+            </a:extLst>
+          </p:cNvPr>
+          <p:cNvGrpSpPr/>
+          <p:nvPr/>
+        </p:nvGrpSpPr>
+        <p:grpSpPr>
+          <a:xfrm>
+            <a:off x="2259209" y="487384"/>
+            <a:ext cx="1093680" cy="4779422"/>
+            <a:chOff x="2259209" y="322494"/>
+            <a:chExt cx="1093680" cy="4779422"/>
+          </a:xfrm>
+        </p:grpSpPr>
+        <p:grpSp>
+          <p:nvGrpSpPr>
+            <p:cNvPr id="74" name="Group 73">
+              <a:extLst>
+                <a:ext uri="{FF2B5EF4-FFF2-40B4-BE49-F238E27FC236}">
+                  <a16:creationId xmlns:a16="http://schemas.microsoft.com/office/drawing/2014/main" id="{75486952-A473-C15A-2B76-3C761B81D8CF}"/>
+                </a:ext>
+              </a:extLst>
+            </p:cNvPr>
+            <p:cNvGrpSpPr/>
+            <p:nvPr/>
+          </p:nvGrpSpPr>
+          <p:grpSpPr>
+            <a:xfrm>
+              <a:off x="2259209" y="2301004"/>
+              <a:ext cx="1057623" cy="2800912"/>
+              <a:chOff x="2259209" y="2301004"/>
+              <a:chExt cx="1057623" cy="2800912"/>
+            </a:xfrm>
+          </p:grpSpPr>
+          <p:pic>
+            <p:nvPicPr>
+              <p:cNvPr id="80" name="Picture 79" descr="A black background with a black square&#10;&#10;Description automatically generated with medium confidence">
+                <a:extLst>
+                  <a:ext uri="{FF2B5EF4-FFF2-40B4-BE49-F238E27FC236}">
+                    <a16:creationId xmlns:a16="http://schemas.microsoft.com/office/drawing/2014/main" id="{64309C72-AEED-9837-BB19-FF270A6D7459}"/>
+                  </a:ext>
+                </a:extLst>
+              </p:cNvPr>
+              <p:cNvPicPr>
+                <a:picLocks noChangeAspect="1"/>
+              </p:cNvPicPr>
+              <p:nvPr/>
+            </p:nvPicPr>
+            <p:blipFill>
+              <a:blip r:embed="rId4"/>
+              <a:stretch>
+                <a:fillRect/>
+              </a:stretch>
+            </p:blipFill>
+            <p:spPr>
+              <a:xfrm>
+                <a:off x="2525381" y="2301004"/>
+                <a:ext cx="542727" cy="278902"/>
+              </a:xfrm>
+              <a:prstGeom prst="rect">
+                <a:avLst/>
+              </a:prstGeom>
+            </p:spPr>
+          </p:pic>
+          <p:pic>
+            <p:nvPicPr>
+              <p:cNvPr id="81" name="Picture 80" descr="A black background with a black square&#10;&#10;Description automatically generated with medium confidence">
+                <a:extLst>
+                  <a:ext uri="{FF2B5EF4-FFF2-40B4-BE49-F238E27FC236}">
+                    <a16:creationId xmlns:a16="http://schemas.microsoft.com/office/drawing/2014/main" id="{4F5AC76C-D8E5-908D-B8EC-A08F22552C0C}"/>
+                  </a:ext>
+                </a:extLst>
+              </p:cNvPr>
+              <p:cNvPicPr>
+                <a:picLocks noChangeAspect="1"/>
+              </p:cNvPicPr>
+              <p:nvPr/>
+            </p:nvPicPr>
+            <p:blipFill>
+              <a:blip r:embed="rId4"/>
+              <a:stretch>
+                <a:fillRect/>
+              </a:stretch>
+            </p:blipFill>
+            <p:spPr>
+              <a:xfrm>
+                <a:off x="2259209" y="4558416"/>
+                <a:ext cx="1057623" cy="543500"/>
+              </a:xfrm>
+              <a:prstGeom prst="rect">
+                <a:avLst/>
+              </a:prstGeom>
+            </p:spPr>
+          </p:pic>
+        </p:grpSp>
+        <p:grpSp>
+          <p:nvGrpSpPr>
+            <p:cNvPr id="75" name="Group 74">
+              <a:extLst>
+                <a:ext uri="{FF2B5EF4-FFF2-40B4-BE49-F238E27FC236}">
+                  <a16:creationId xmlns:a16="http://schemas.microsoft.com/office/drawing/2014/main" id="{945AE17E-4BC1-CE5F-940A-BCA07AC2F718}"/>
+                </a:ext>
+              </a:extLst>
+            </p:cNvPr>
+            <p:cNvGrpSpPr/>
+            <p:nvPr/>
+          </p:nvGrpSpPr>
+          <p:grpSpPr>
+            <a:xfrm>
+              <a:off x="2259209" y="322494"/>
+              <a:ext cx="1093680" cy="4779422"/>
+              <a:chOff x="2259209" y="322494"/>
+              <a:chExt cx="1093680" cy="4779422"/>
+            </a:xfrm>
+          </p:grpSpPr>
+          <p:grpSp>
+            <p:nvGrpSpPr>
+              <p:cNvPr id="76" name="Group 75">
+                <a:extLst>
+                  <a:ext uri="{FF2B5EF4-FFF2-40B4-BE49-F238E27FC236}">
+                    <a16:creationId xmlns:a16="http://schemas.microsoft.com/office/drawing/2014/main" id="{67073B04-A841-472B-F597-2D9BC04D9E33}"/>
+                  </a:ext>
+                </a:extLst>
+              </p:cNvPr>
+              <p:cNvGrpSpPr/>
+              <p:nvPr/>
+            </p:nvGrpSpPr>
+            <p:grpSpPr>
+              <a:xfrm>
+                <a:off x="2259209" y="2301004"/>
+                <a:ext cx="1057623" cy="2800912"/>
+                <a:chOff x="2259209" y="2301004"/>
+                <a:chExt cx="1057623" cy="2800912"/>
+              </a:xfrm>
+            </p:grpSpPr>
+            <p:pic>
+              <p:nvPicPr>
+                <p:cNvPr id="78" name="Picture 77" descr="A black background with a black square&#10;&#10;Description automatically generated with medium confidence">
+                  <a:extLst>
+                    <a:ext uri="{FF2B5EF4-FFF2-40B4-BE49-F238E27FC236}">
+                      <a16:creationId xmlns:a16="http://schemas.microsoft.com/office/drawing/2014/main" id="{64B39430-8E04-C05D-4E22-7047F66689F8}"/>
+                    </a:ext>
+                  </a:extLst>
+                </p:cNvPr>
+                <p:cNvPicPr>
+                  <a:picLocks noChangeAspect="1"/>
+                </p:cNvPicPr>
+                <p:nvPr/>
+              </p:nvPicPr>
+              <p:blipFill>
+                <a:blip r:embed="rId4"/>
+                <a:stretch>
+                  <a:fillRect/>
+                </a:stretch>
+              </p:blipFill>
+              <p:spPr>
+                <a:xfrm>
+                  <a:off x="2525381" y="2301004"/>
+                  <a:ext cx="542727" cy="278902"/>
+                </a:xfrm>
+                <a:prstGeom prst="rect">
+                  <a:avLst/>
+                </a:prstGeom>
+              </p:spPr>
+            </p:pic>
+            <p:pic>
+              <p:nvPicPr>
+                <p:cNvPr id="79" name="Picture 78" descr="A black background with a black square&#10;&#10;Description automatically generated with medium confidence">
+                  <a:extLst>
+                    <a:ext uri="{FF2B5EF4-FFF2-40B4-BE49-F238E27FC236}">
+                      <a16:creationId xmlns:a16="http://schemas.microsoft.com/office/drawing/2014/main" id="{C1917570-81A7-30E9-F48A-6314CB65F152}"/>
+                    </a:ext>
+                  </a:extLst>
+                </p:cNvPr>
+                <p:cNvPicPr>
+                  <a:picLocks noChangeAspect="1"/>
+                </p:cNvPicPr>
+                <p:nvPr/>
+              </p:nvPicPr>
+              <p:blipFill>
+                <a:blip r:embed="rId4"/>
+                <a:stretch>
+                  <a:fillRect/>
+                </a:stretch>
+              </p:blipFill>
+              <p:spPr>
+                <a:xfrm>
+                  <a:off x="2259209" y="4558416"/>
+                  <a:ext cx="1057623" cy="543500"/>
+                </a:xfrm>
+                <a:prstGeom prst="rect">
+                  <a:avLst/>
+                </a:prstGeom>
+              </p:spPr>
+            </p:pic>
+          </p:grpSp>
+          <p:pic>
+            <p:nvPicPr>
+              <p:cNvPr id="77" name="Picture 76">
+                <a:extLst>
+                  <a:ext uri="{FF2B5EF4-FFF2-40B4-BE49-F238E27FC236}">
+                    <a16:creationId xmlns:a16="http://schemas.microsoft.com/office/drawing/2014/main" id="{EBFF1ADE-4366-213C-3333-2C205D3B1390}"/>
+                  </a:ext>
+                </a:extLst>
+              </p:cNvPr>
+              <p:cNvPicPr>
+                <a:picLocks noChangeAspect="1"/>
+              </p:cNvPicPr>
+              <p:nvPr/>
+            </p:nvPicPr>
+            <p:blipFill>
+              <a:blip r:embed="rId5"/>
+              <a:stretch>
+                <a:fillRect/>
+              </a:stretch>
+            </p:blipFill>
+            <p:spPr>
+              <a:xfrm>
+                <a:off x="2582819" y="322494"/>
+                <a:ext cx="770070" cy="333845"/>
+              </a:xfrm>
+              <a:prstGeom prst="rect">
+                <a:avLst/>
+              </a:prstGeom>
+            </p:spPr>
+          </p:pic>
+        </p:grpSp>
+      </p:grpSp>
+      <p:sp>
+        <p:nvSpPr>
+          <p:cNvPr id="59" name="TextBox 58">
+            <a:extLst>
+              <a:ext uri="{FF2B5EF4-FFF2-40B4-BE49-F238E27FC236}">
+                <a16:creationId xmlns:a16="http://schemas.microsoft.com/office/drawing/2014/main" id="{77CA0461-2D30-A16B-1278-E54915EAF53C}"/>
+              </a:ext>
+            </a:extLst>
+          </p:cNvPr>
+          <p:cNvSpPr txBox="1"/>
+          <p:nvPr/>
+        </p:nvSpPr>
+        <p:spPr>
+          <a:xfrm>
+            <a:off x="3293255" y="434959"/>
+            <a:ext cx="295274" cy="307777"/>
+          </a:xfrm>
+          <a:prstGeom prst="rect">
+            <a:avLst/>
+          </a:prstGeom>
+          <a:noFill/>
+        </p:spPr>
+        <p:txBody>
+          <a:bodyPr wrap="none" rtlCol="0">
+            <a:spAutoFit/>
+          </a:bodyPr>
+          <a:lstStyle/>
+          <a:p>
+            <a:r>
+              <a:rPr lang="en-AU" sz="1400" b="1" dirty="0"/>
+              <a:t>A</a:t>
+            </a:r>
+          </a:p>
+        </p:txBody>
+      </p:sp>
+      <p:sp>
+        <p:nvSpPr>
+          <p:cNvPr id="60" name="TextBox 59">
+            <a:extLst>
+              <a:ext uri="{FF2B5EF4-FFF2-40B4-BE49-F238E27FC236}">
+                <a16:creationId xmlns:a16="http://schemas.microsoft.com/office/drawing/2014/main" id="{6ADAAF31-0CA0-BAA1-5AAA-645FEEEC19C3}"/>
+              </a:ext>
+            </a:extLst>
+          </p:cNvPr>
+          <p:cNvSpPr txBox="1"/>
+          <p:nvPr/>
+        </p:nvSpPr>
+        <p:spPr>
+          <a:xfrm>
+            <a:off x="4626125" y="1030446"/>
+            <a:ext cx="295274" cy="307777"/>
+          </a:xfrm>
+          <a:prstGeom prst="rect">
+            <a:avLst/>
+          </a:prstGeom>
+          <a:noFill/>
+        </p:spPr>
+        <p:txBody>
+          <a:bodyPr wrap="none" rtlCol="0">
+            <a:spAutoFit/>
+          </a:bodyPr>
+          <a:lstStyle/>
+          <a:p>
+            <a:r>
+              <a:rPr lang="en-AU" sz="1400" b="1" dirty="0"/>
+              <a:t>B</a:t>
+            </a:r>
+          </a:p>
+        </p:txBody>
+      </p:sp>
+      <p:sp>
+        <p:nvSpPr>
+          <p:cNvPr id="61" name="TextBox 60">
+            <a:extLst>
+              <a:ext uri="{FF2B5EF4-FFF2-40B4-BE49-F238E27FC236}">
+                <a16:creationId xmlns:a16="http://schemas.microsoft.com/office/drawing/2014/main" id="{40FD31A1-7F27-0429-086B-9C4A62295667}"/>
+              </a:ext>
+            </a:extLst>
+          </p:cNvPr>
+          <p:cNvSpPr txBox="1"/>
+          <p:nvPr/>
+        </p:nvSpPr>
+        <p:spPr>
+          <a:xfrm>
+            <a:off x="3249081" y="2634575"/>
+            <a:ext cx="295274" cy="307777"/>
+          </a:xfrm>
+          <a:prstGeom prst="rect">
+            <a:avLst/>
+          </a:prstGeom>
+          <a:noFill/>
+        </p:spPr>
+        <p:txBody>
+          <a:bodyPr wrap="none" rtlCol="0">
+            <a:spAutoFit/>
+          </a:bodyPr>
+          <a:lstStyle/>
+          <a:p>
+            <a:r>
+              <a:rPr lang="en-AU" sz="1400" b="1" dirty="0"/>
+              <a:t>A</a:t>
+            </a:r>
+          </a:p>
+        </p:txBody>
+      </p:sp>
+      <p:sp>
+        <p:nvSpPr>
+          <p:cNvPr id="62" name="TextBox 61">
+            <a:extLst>
+              <a:ext uri="{FF2B5EF4-FFF2-40B4-BE49-F238E27FC236}">
+                <a16:creationId xmlns:a16="http://schemas.microsoft.com/office/drawing/2014/main" id="{C809CD2A-D1DF-D521-F0AA-112D64FE50F7}"/>
+              </a:ext>
+            </a:extLst>
+          </p:cNvPr>
+          <p:cNvSpPr txBox="1"/>
+          <p:nvPr/>
+        </p:nvSpPr>
+        <p:spPr>
+          <a:xfrm>
+            <a:off x="4634961" y="3605166"/>
+            <a:ext cx="295274" cy="307777"/>
+          </a:xfrm>
+          <a:prstGeom prst="rect">
+            <a:avLst/>
+          </a:prstGeom>
+          <a:noFill/>
+        </p:spPr>
+        <p:txBody>
+          <a:bodyPr wrap="none" rtlCol="0">
+            <a:spAutoFit/>
+          </a:bodyPr>
+          <a:lstStyle/>
+          <a:p>
+            <a:r>
+              <a:rPr lang="en-AU" sz="1400" b="1" dirty="0"/>
+              <a:t>B</a:t>
+            </a:r>
+          </a:p>
+        </p:txBody>
+      </p:sp>
+      <p:sp>
+        <p:nvSpPr>
+          <p:cNvPr id="63" name="TextBox 62">
+            <a:extLst>
+              <a:ext uri="{FF2B5EF4-FFF2-40B4-BE49-F238E27FC236}">
+                <a16:creationId xmlns:a16="http://schemas.microsoft.com/office/drawing/2014/main" id="{6B9E394B-8BB2-17F9-C76D-A7E98C163196}"/>
+              </a:ext>
+            </a:extLst>
+          </p:cNvPr>
+          <p:cNvSpPr txBox="1"/>
+          <p:nvPr/>
+        </p:nvSpPr>
+        <p:spPr>
+          <a:xfrm>
+            <a:off x="3249081" y="4569417"/>
+            <a:ext cx="295274" cy="307777"/>
+          </a:xfrm>
+          <a:prstGeom prst="rect">
+            <a:avLst/>
+          </a:prstGeom>
+          <a:noFill/>
+        </p:spPr>
+        <p:txBody>
+          <a:bodyPr wrap="none" rtlCol="0">
+            <a:spAutoFit/>
+          </a:bodyPr>
+          <a:lstStyle/>
+          <a:p>
+            <a:r>
+              <a:rPr lang="en-AU" sz="1400" b="1" dirty="0"/>
+              <a:t>A</a:t>
+            </a:r>
+          </a:p>
+        </p:txBody>
+      </p:sp>
+      <p:sp>
+        <p:nvSpPr>
+          <p:cNvPr id="64" name="TextBox 63">
+            <a:extLst>
+              <a:ext uri="{FF2B5EF4-FFF2-40B4-BE49-F238E27FC236}">
+                <a16:creationId xmlns:a16="http://schemas.microsoft.com/office/drawing/2014/main" id="{F3E2DA2E-9D84-C0B9-F472-6F8CE6ED245D}"/>
+              </a:ext>
+            </a:extLst>
+          </p:cNvPr>
+          <p:cNvSpPr txBox="1"/>
+          <p:nvPr/>
+        </p:nvSpPr>
+        <p:spPr>
+          <a:xfrm>
+            <a:off x="4596145" y="5412235"/>
+            <a:ext cx="295274" cy="307777"/>
+          </a:xfrm>
+          <a:prstGeom prst="rect">
+            <a:avLst/>
+          </a:prstGeom>
+          <a:noFill/>
+        </p:spPr>
+        <p:txBody>
+          <a:bodyPr wrap="none" rtlCol="0">
+            <a:spAutoFit/>
+          </a:bodyPr>
+          <a:lstStyle/>
+          <a:p>
+            <a:r>
+              <a:rPr lang="en-AU" sz="1400" b="1" dirty="0"/>
+              <a:t>A</a:t>
+            </a:r>
+          </a:p>
+        </p:txBody>
+      </p:sp>
+      <p:sp>
+        <p:nvSpPr>
+          <p:cNvPr id="65" name="TextBox 64">
+            <a:extLst>
+              <a:ext uri="{FF2B5EF4-FFF2-40B4-BE49-F238E27FC236}">
+                <a16:creationId xmlns:a16="http://schemas.microsoft.com/office/drawing/2014/main" id="{E02BD054-55E5-9BDF-FB62-8E8DC807FCD0}"/>
+              </a:ext>
+            </a:extLst>
+          </p:cNvPr>
+          <p:cNvSpPr txBox="1"/>
+          <p:nvPr/>
+        </p:nvSpPr>
+        <p:spPr>
+          <a:xfrm>
+            <a:off x="8274235" y="1022225"/>
+            <a:ext cx="295274" cy="307777"/>
+          </a:xfrm>
+          <a:prstGeom prst="rect">
+            <a:avLst/>
+          </a:prstGeom>
+          <a:noFill/>
+        </p:spPr>
+        <p:txBody>
+          <a:bodyPr wrap="none" rtlCol="0">
+            <a:spAutoFit/>
+          </a:bodyPr>
+          <a:lstStyle/>
+          <a:p>
+            <a:r>
+              <a:rPr lang="en-AU" sz="1400" b="1" dirty="0"/>
+              <a:t>B</a:t>
+            </a:r>
+          </a:p>
+        </p:txBody>
+      </p:sp>
+      <p:sp>
+        <p:nvSpPr>
+          <p:cNvPr id="66" name="TextBox 65">
+            <a:extLst>
+              <a:ext uri="{FF2B5EF4-FFF2-40B4-BE49-F238E27FC236}">
+                <a16:creationId xmlns:a16="http://schemas.microsoft.com/office/drawing/2014/main" id="{6E3B2799-8F19-1D68-5C03-233F9008A631}"/>
+              </a:ext>
+            </a:extLst>
+          </p:cNvPr>
+          <p:cNvSpPr txBox="1"/>
+          <p:nvPr/>
+        </p:nvSpPr>
+        <p:spPr>
+          <a:xfrm>
+            <a:off x="7130764" y="905393"/>
+            <a:ext cx="463332" cy="307777"/>
+          </a:xfrm>
+          <a:prstGeom prst="rect">
+            <a:avLst/>
+          </a:prstGeom>
+          <a:noFill/>
+        </p:spPr>
+        <p:txBody>
+          <a:bodyPr wrap="none" rtlCol="0">
+            <a:spAutoFit/>
+          </a:bodyPr>
+          <a:lstStyle/>
+          <a:p>
+            <a:r>
+              <a:rPr lang="en-AU" sz="1400" b="1" dirty="0"/>
+              <a:t>A,B</a:t>
+            </a:r>
+          </a:p>
+        </p:txBody>
+      </p:sp>
+      <p:sp>
+        <p:nvSpPr>
+          <p:cNvPr id="67" name="TextBox 66">
+            <a:extLst>
+              <a:ext uri="{FF2B5EF4-FFF2-40B4-BE49-F238E27FC236}">
+                <a16:creationId xmlns:a16="http://schemas.microsoft.com/office/drawing/2014/main" id="{505DB0E4-F917-0177-BC09-9832EB8481D0}"/>
+              </a:ext>
+            </a:extLst>
+          </p:cNvPr>
+          <p:cNvSpPr txBox="1"/>
+          <p:nvPr/>
+        </p:nvSpPr>
+        <p:spPr>
+          <a:xfrm>
+            <a:off x="6176604" y="190147"/>
+            <a:ext cx="295274" cy="307777"/>
+          </a:xfrm>
+          <a:prstGeom prst="rect">
+            <a:avLst/>
+          </a:prstGeom>
+          <a:noFill/>
+        </p:spPr>
+        <p:txBody>
+          <a:bodyPr wrap="none" rtlCol="0">
+            <a:spAutoFit/>
+          </a:bodyPr>
+          <a:lstStyle/>
+          <a:p>
+            <a:r>
+              <a:rPr lang="en-AU" sz="1400" b="1" dirty="0"/>
+              <a:t>A</a:t>
+            </a:r>
+          </a:p>
+        </p:txBody>
+      </p:sp>
+      <p:sp>
+        <p:nvSpPr>
+          <p:cNvPr id="68" name="TextBox 67">
+            <a:extLst>
+              <a:ext uri="{FF2B5EF4-FFF2-40B4-BE49-F238E27FC236}">
+                <a16:creationId xmlns:a16="http://schemas.microsoft.com/office/drawing/2014/main" id="{02948E71-2E34-5D66-E8A8-0ADFDE09D371}"/>
+              </a:ext>
+            </a:extLst>
+          </p:cNvPr>
+          <p:cNvSpPr txBox="1"/>
+          <p:nvPr/>
+        </p:nvSpPr>
+        <p:spPr>
+          <a:xfrm>
+            <a:off x="8274235" y="3426839"/>
+            <a:ext cx="295274" cy="307777"/>
+          </a:xfrm>
+          <a:prstGeom prst="rect">
+            <a:avLst/>
+          </a:prstGeom>
+          <a:noFill/>
+        </p:spPr>
+        <p:txBody>
+          <a:bodyPr wrap="none" rtlCol="0">
+            <a:spAutoFit/>
+          </a:bodyPr>
+          <a:lstStyle/>
+          <a:p>
+            <a:r>
+              <a:rPr lang="en-AU" sz="1400" b="1" dirty="0"/>
+              <a:t>B</a:t>
+            </a:r>
+          </a:p>
+        </p:txBody>
+      </p:sp>
+      <p:sp>
+        <p:nvSpPr>
+          <p:cNvPr id="69" name="TextBox 68">
+            <a:extLst>
+              <a:ext uri="{FF2B5EF4-FFF2-40B4-BE49-F238E27FC236}">
+                <a16:creationId xmlns:a16="http://schemas.microsoft.com/office/drawing/2014/main" id="{A2D7DD42-E6B5-C34D-E15F-C501EA4C6655}"/>
+              </a:ext>
+            </a:extLst>
+          </p:cNvPr>
+          <p:cNvSpPr txBox="1"/>
+          <p:nvPr/>
+        </p:nvSpPr>
+        <p:spPr>
+          <a:xfrm>
+            <a:off x="7129725" y="3111860"/>
+            <a:ext cx="463332" cy="307777"/>
+          </a:xfrm>
+          <a:prstGeom prst="rect">
+            <a:avLst/>
+          </a:prstGeom>
+          <a:noFill/>
+        </p:spPr>
+        <p:txBody>
+          <a:bodyPr wrap="none" rtlCol="0">
+            <a:spAutoFit/>
+          </a:bodyPr>
+          <a:lstStyle/>
+          <a:p>
+            <a:r>
+              <a:rPr lang="en-AU" sz="1400" b="1" dirty="0"/>
+              <a:t>A,B</a:t>
+            </a:r>
+          </a:p>
+        </p:txBody>
+      </p:sp>
+      <p:sp>
+        <p:nvSpPr>
+          <p:cNvPr id="70" name="TextBox 69">
+            <a:extLst>
+              <a:ext uri="{FF2B5EF4-FFF2-40B4-BE49-F238E27FC236}">
+                <a16:creationId xmlns:a16="http://schemas.microsoft.com/office/drawing/2014/main" id="{BA31A53B-7397-AE0D-8D48-DF9E358A518D}"/>
+              </a:ext>
+            </a:extLst>
+          </p:cNvPr>
+          <p:cNvSpPr txBox="1"/>
+          <p:nvPr/>
+        </p:nvSpPr>
+        <p:spPr>
+          <a:xfrm>
+            <a:off x="6161614" y="3003131"/>
+            <a:ext cx="295274" cy="307777"/>
+          </a:xfrm>
+          <a:prstGeom prst="rect">
+            <a:avLst/>
+          </a:prstGeom>
+          <a:noFill/>
+        </p:spPr>
+        <p:txBody>
+          <a:bodyPr wrap="none" rtlCol="0">
+            <a:spAutoFit/>
+          </a:bodyPr>
+          <a:lstStyle/>
+          <a:p>
+            <a:r>
+              <a:rPr lang="en-AU" sz="1400" b="1" dirty="0"/>
+              <a:t>A</a:t>
+            </a:r>
+          </a:p>
+        </p:txBody>
+      </p:sp>
+      <p:sp>
+        <p:nvSpPr>
+          <p:cNvPr id="71" name="TextBox 70">
+            <a:extLst>
+              <a:ext uri="{FF2B5EF4-FFF2-40B4-BE49-F238E27FC236}">
+                <a16:creationId xmlns:a16="http://schemas.microsoft.com/office/drawing/2014/main" id="{6BA2A6CC-EBB2-512E-F48A-87AB10AB2100}"/>
+              </a:ext>
+            </a:extLst>
+          </p:cNvPr>
+          <p:cNvSpPr txBox="1"/>
+          <p:nvPr/>
+        </p:nvSpPr>
+        <p:spPr>
+          <a:xfrm>
+            <a:off x="8274235" y="5382254"/>
+            <a:ext cx="295274" cy="307777"/>
+          </a:xfrm>
+          <a:prstGeom prst="rect">
+            <a:avLst/>
+          </a:prstGeom>
+          <a:noFill/>
+        </p:spPr>
+        <p:txBody>
+          <a:bodyPr wrap="none" rtlCol="0">
+            <a:spAutoFit/>
+          </a:bodyPr>
+          <a:lstStyle/>
+          <a:p>
+            <a:r>
+              <a:rPr lang="en-AU" sz="1400" b="1" dirty="0"/>
+              <a:t>A</a:t>
+            </a:r>
+          </a:p>
+        </p:txBody>
+      </p:sp>
+      <p:sp>
+        <p:nvSpPr>
+          <p:cNvPr id="72" name="TextBox 71">
+            <a:extLst>
+              <a:ext uri="{FF2B5EF4-FFF2-40B4-BE49-F238E27FC236}">
+                <a16:creationId xmlns:a16="http://schemas.microsoft.com/office/drawing/2014/main" id="{7DA13997-DC0A-9E21-31A4-18DBE8020419}"/>
+              </a:ext>
+            </a:extLst>
+          </p:cNvPr>
+          <p:cNvSpPr txBox="1"/>
+          <p:nvPr/>
+        </p:nvSpPr>
+        <p:spPr>
+          <a:xfrm>
+            <a:off x="7213754" y="4694894"/>
+            <a:ext cx="295274" cy="307777"/>
+          </a:xfrm>
+          <a:prstGeom prst="rect">
+            <a:avLst/>
+          </a:prstGeom>
+          <a:noFill/>
+        </p:spPr>
+        <p:txBody>
+          <a:bodyPr wrap="square" rtlCol="0">
+            <a:spAutoFit/>
+          </a:bodyPr>
+          <a:lstStyle/>
+          <a:p>
+            <a:r>
+              <a:rPr lang="en-AU" sz="1400" b="1" dirty="0"/>
+              <a:t>A</a:t>
+            </a:r>
+          </a:p>
+        </p:txBody>
+      </p:sp>
+      <p:sp>
+        <p:nvSpPr>
+          <p:cNvPr id="73" name="TextBox 72">
+            <a:extLst>
+              <a:ext uri="{FF2B5EF4-FFF2-40B4-BE49-F238E27FC236}">
+                <a16:creationId xmlns:a16="http://schemas.microsoft.com/office/drawing/2014/main" id="{DF0241DE-8CDF-C738-4527-729D2026E6E5}"/>
+              </a:ext>
+            </a:extLst>
+          </p:cNvPr>
+          <p:cNvSpPr txBox="1"/>
+          <p:nvPr/>
+        </p:nvSpPr>
+        <p:spPr>
+          <a:xfrm>
+            <a:off x="6161614" y="4932253"/>
+            <a:ext cx="295274" cy="307777"/>
+          </a:xfrm>
+          <a:prstGeom prst="rect">
+            <a:avLst/>
+          </a:prstGeom>
+          <a:noFill/>
+        </p:spPr>
+        <p:txBody>
+          <a:bodyPr wrap="none" rtlCol="0">
+            <a:spAutoFit/>
+          </a:bodyPr>
+          <a:lstStyle/>
+          <a:p>
+            <a:r>
+              <a:rPr lang="en-AU" sz="1400" b="1" dirty="0"/>
+              <a:t>A</a:t>
+            </a:r>
+          </a:p>
+        </p:txBody>
+      </p:sp>
+    </p:spTree>
+    <p:extLst>
+      <p:ext uri="{BB962C8B-B14F-4D97-AF65-F5344CB8AC3E}">
         <p14:creationId xmlns:p14="http://schemas.microsoft.com/office/powerpoint/2010/main" val="1104837883"/>
       </p:ext>
     </p:extLst>
@@ -6803,10 +9060,10 @@
       </p:grpSpPr>
       <p:pic>
         <p:nvPicPr>
-          <p:cNvPr id="25" name="Picture 24" descr="A collage of images of different types of treatment&#10;&#10;Description automatically generated">
-            <a:extLst>
-              <a:ext uri="{FF2B5EF4-FFF2-40B4-BE49-F238E27FC236}">
-                <a16:creationId xmlns:a16="http://schemas.microsoft.com/office/drawing/2014/main" id="{83775299-D086-1F2C-EF42-9201EF86541F}"/>
+          <p:cNvPr id="5" name="Picture 4" descr="A comparison of the results of a treatment&#10;&#10;Description automatically generated with medium confidence">
+            <a:extLst>
+              <a:ext uri="{FF2B5EF4-FFF2-40B4-BE49-F238E27FC236}">
+                <a16:creationId xmlns:a16="http://schemas.microsoft.com/office/drawing/2014/main" id="{E443E17F-870E-896D-9D88-90FD7B36E12E}"/>
               </a:ext>
             </a:extLst>
           </p:cNvPr>
@@ -6823,798 +9080,48 @@
         </p:blipFill>
         <p:spPr>
           <a:xfrm>
-            <a:off x="2582818" y="-1"/>
-            <a:ext cx="7118047" cy="6794499"/>
+            <a:off x="1619023" y="0"/>
+            <a:ext cx="7959692" cy="6765738"/>
           </a:xfrm>
           <a:prstGeom prst="rect">
             <a:avLst/>
           </a:prstGeom>
         </p:spPr>
       </p:pic>
-      <p:grpSp>
-        <p:nvGrpSpPr>
-          <p:cNvPr id="78" name="Group 77">
-            <a:extLst>
-              <a:ext uri="{FF2B5EF4-FFF2-40B4-BE49-F238E27FC236}">
-                <a16:creationId xmlns:a16="http://schemas.microsoft.com/office/drawing/2014/main" id="{E61D7873-30EB-14A8-1C9F-F835258EDD12}"/>
-              </a:ext>
-            </a:extLst>
-          </p:cNvPr>
-          <p:cNvGrpSpPr/>
+      <p:pic>
+        <p:nvPicPr>
+          <p:cNvPr id="6" name="Picture 5" descr="A black background with a black square&#10;&#10;Description automatically generated with medium confidence">
+            <a:extLst>
+              <a:ext uri="{FF2B5EF4-FFF2-40B4-BE49-F238E27FC236}">
+                <a16:creationId xmlns:a16="http://schemas.microsoft.com/office/drawing/2014/main" id="{0CE35CE7-7899-26E2-CE5A-2A04CEC2D019}"/>
+              </a:ext>
+            </a:extLst>
+          </p:cNvPr>
+          <p:cNvPicPr>
+            <a:picLocks noChangeAspect="1"/>
+          </p:cNvPicPr>
           <p:nvPr/>
-        </p:nvGrpSpPr>
-        <p:grpSpPr>
+        </p:nvPicPr>
+        <p:blipFill>
+          <a:blip r:embed="rId4"/>
+          <a:stretch>
+            <a:fillRect/>
+          </a:stretch>
+        </p:blipFill>
+        <p:spPr>
           <a:xfrm>
-            <a:off x="2640209" y="215814"/>
-            <a:ext cx="6492133" cy="5444049"/>
-            <a:chOff x="2259209" y="322494"/>
-            <a:chExt cx="6492133" cy="5444049"/>
+            <a:off x="2659207" y="-40454"/>
+            <a:ext cx="1407698" cy="723399"/>
           </a:xfrm>
-        </p:grpSpPr>
-        <p:grpSp>
-          <p:nvGrpSpPr>
-            <p:cNvPr id="54" name="Group 53">
-              <a:extLst>
-                <a:ext uri="{FF2B5EF4-FFF2-40B4-BE49-F238E27FC236}">
-                  <a16:creationId xmlns:a16="http://schemas.microsoft.com/office/drawing/2014/main" id="{2AECB876-A657-E720-E9F3-D515ECD25667}"/>
-                </a:ext>
-              </a:extLst>
-            </p:cNvPr>
-            <p:cNvGrpSpPr/>
-            <p:nvPr/>
-          </p:nvGrpSpPr>
-          <p:grpSpPr>
-            <a:xfrm>
-              <a:off x="2259209" y="322494"/>
-              <a:ext cx="1093680" cy="4779422"/>
-              <a:chOff x="2259209" y="322494"/>
-              <a:chExt cx="1093680" cy="4779422"/>
-            </a:xfrm>
-          </p:grpSpPr>
-          <p:grpSp>
-            <p:nvGrpSpPr>
-              <p:cNvPr id="55" name="Group 54">
-                <a:extLst>
-                  <a:ext uri="{FF2B5EF4-FFF2-40B4-BE49-F238E27FC236}">
-                    <a16:creationId xmlns:a16="http://schemas.microsoft.com/office/drawing/2014/main" id="{28174CF3-1993-8513-2843-1D98C9EE4D24}"/>
-                  </a:ext>
-                </a:extLst>
-              </p:cNvPr>
-              <p:cNvGrpSpPr/>
-              <p:nvPr/>
-            </p:nvGrpSpPr>
-            <p:grpSpPr>
-              <a:xfrm>
-                <a:off x="2259209" y="2301004"/>
-                <a:ext cx="1057623" cy="2800912"/>
-                <a:chOff x="2259209" y="2301004"/>
-                <a:chExt cx="1057623" cy="2800912"/>
-              </a:xfrm>
-            </p:grpSpPr>
-            <p:pic>
-              <p:nvPicPr>
-                <p:cNvPr id="61" name="Picture 60" descr="A black background with a black square&#10;&#10;Description automatically generated with medium confidence">
-                  <a:extLst>
-                    <a:ext uri="{FF2B5EF4-FFF2-40B4-BE49-F238E27FC236}">
-                      <a16:creationId xmlns:a16="http://schemas.microsoft.com/office/drawing/2014/main" id="{17A1800F-8A3B-855E-4D5C-83ADB825BACC}"/>
-                    </a:ext>
-                  </a:extLst>
-                </p:cNvPr>
-                <p:cNvPicPr>
-                  <a:picLocks noChangeAspect="1"/>
-                </p:cNvPicPr>
-                <p:nvPr/>
-              </p:nvPicPr>
-              <p:blipFill>
-                <a:blip r:embed="rId4"/>
-                <a:stretch>
-                  <a:fillRect/>
-                </a:stretch>
-              </p:blipFill>
-              <p:spPr>
-                <a:xfrm>
-                  <a:off x="2525381" y="2301004"/>
-                  <a:ext cx="542727" cy="278902"/>
-                </a:xfrm>
-                <a:prstGeom prst="rect">
-                  <a:avLst/>
-                </a:prstGeom>
-              </p:spPr>
-            </p:pic>
-            <p:pic>
-              <p:nvPicPr>
-                <p:cNvPr id="62" name="Picture 61" descr="A black background with a black square&#10;&#10;Description automatically generated with medium confidence">
-                  <a:extLst>
-                    <a:ext uri="{FF2B5EF4-FFF2-40B4-BE49-F238E27FC236}">
-                      <a16:creationId xmlns:a16="http://schemas.microsoft.com/office/drawing/2014/main" id="{F4E644E4-3D62-C2D8-3B25-593D1D205CD7}"/>
-                    </a:ext>
-                  </a:extLst>
-                </p:cNvPr>
-                <p:cNvPicPr>
-                  <a:picLocks noChangeAspect="1"/>
-                </p:cNvPicPr>
-                <p:nvPr/>
-              </p:nvPicPr>
-              <p:blipFill>
-                <a:blip r:embed="rId4"/>
-                <a:stretch>
-                  <a:fillRect/>
-                </a:stretch>
-              </p:blipFill>
-              <p:spPr>
-                <a:xfrm>
-                  <a:off x="2259209" y="4558416"/>
-                  <a:ext cx="1057623" cy="543500"/>
-                </a:xfrm>
-                <a:prstGeom prst="rect">
-                  <a:avLst/>
-                </a:prstGeom>
-              </p:spPr>
-            </p:pic>
-          </p:grpSp>
-          <p:grpSp>
-            <p:nvGrpSpPr>
-              <p:cNvPr id="56" name="Group 55">
-                <a:extLst>
-                  <a:ext uri="{FF2B5EF4-FFF2-40B4-BE49-F238E27FC236}">
-                    <a16:creationId xmlns:a16="http://schemas.microsoft.com/office/drawing/2014/main" id="{AA5D8334-068A-45ED-A2CE-749A5CB6A03C}"/>
-                  </a:ext>
-                </a:extLst>
-              </p:cNvPr>
-              <p:cNvGrpSpPr/>
-              <p:nvPr/>
-            </p:nvGrpSpPr>
-            <p:grpSpPr>
-              <a:xfrm>
-                <a:off x="2259209" y="322494"/>
-                <a:ext cx="1093680" cy="4779422"/>
-                <a:chOff x="2259209" y="322494"/>
-                <a:chExt cx="1093680" cy="4779422"/>
-              </a:xfrm>
-            </p:grpSpPr>
-            <p:grpSp>
-              <p:nvGrpSpPr>
-                <p:cNvPr id="57" name="Group 56">
-                  <a:extLst>
-                    <a:ext uri="{FF2B5EF4-FFF2-40B4-BE49-F238E27FC236}">
-                      <a16:creationId xmlns:a16="http://schemas.microsoft.com/office/drawing/2014/main" id="{B8E7D160-B14D-8234-BC77-29707C3C9053}"/>
-                    </a:ext>
-                  </a:extLst>
-                </p:cNvPr>
-                <p:cNvGrpSpPr/>
-                <p:nvPr/>
-              </p:nvGrpSpPr>
-              <p:grpSpPr>
-                <a:xfrm>
-                  <a:off x="2259209" y="2301004"/>
-                  <a:ext cx="1057623" cy="2800912"/>
-                  <a:chOff x="2259209" y="2301004"/>
-                  <a:chExt cx="1057623" cy="2800912"/>
-                </a:xfrm>
-              </p:grpSpPr>
-              <p:pic>
-                <p:nvPicPr>
-                  <p:cNvPr id="59" name="Picture 58" descr="A black background with a black square&#10;&#10;Description automatically generated with medium confidence">
-                    <a:extLst>
-                      <a:ext uri="{FF2B5EF4-FFF2-40B4-BE49-F238E27FC236}">
-                        <a16:creationId xmlns:a16="http://schemas.microsoft.com/office/drawing/2014/main" id="{415E80E1-4216-A2AE-4805-5F9736B481F6}"/>
-                      </a:ext>
-                    </a:extLst>
-                  </p:cNvPr>
-                  <p:cNvPicPr>
-                    <a:picLocks noChangeAspect="1"/>
-                  </p:cNvPicPr>
-                  <p:nvPr/>
-                </p:nvPicPr>
-                <p:blipFill>
-                  <a:blip r:embed="rId4"/>
-                  <a:stretch>
-                    <a:fillRect/>
-                  </a:stretch>
-                </p:blipFill>
-                <p:spPr>
-                  <a:xfrm>
-                    <a:off x="2525381" y="2301004"/>
-                    <a:ext cx="542727" cy="278902"/>
-                  </a:xfrm>
-                  <a:prstGeom prst="rect">
-                    <a:avLst/>
-                  </a:prstGeom>
-                </p:spPr>
-              </p:pic>
-              <p:pic>
-                <p:nvPicPr>
-                  <p:cNvPr id="60" name="Picture 59" descr="A black background with a black square&#10;&#10;Description automatically generated with medium confidence">
-                    <a:extLst>
-                      <a:ext uri="{FF2B5EF4-FFF2-40B4-BE49-F238E27FC236}">
-                        <a16:creationId xmlns:a16="http://schemas.microsoft.com/office/drawing/2014/main" id="{117F82E5-CA11-3053-C351-26250533AB54}"/>
-                      </a:ext>
-                    </a:extLst>
-                  </p:cNvPr>
-                  <p:cNvPicPr>
-                    <a:picLocks noChangeAspect="1"/>
-                  </p:cNvPicPr>
-                  <p:nvPr/>
-                </p:nvPicPr>
-                <p:blipFill>
-                  <a:blip r:embed="rId4"/>
-                  <a:stretch>
-                    <a:fillRect/>
-                  </a:stretch>
-                </p:blipFill>
-                <p:spPr>
-                  <a:xfrm>
-                    <a:off x="2259209" y="4558416"/>
-                    <a:ext cx="1057623" cy="543500"/>
-                  </a:xfrm>
-                  <a:prstGeom prst="rect">
-                    <a:avLst/>
-                  </a:prstGeom>
-                </p:spPr>
-              </p:pic>
-            </p:grpSp>
-            <p:pic>
-              <p:nvPicPr>
-                <p:cNvPr id="58" name="Picture 57">
-                  <a:extLst>
-                    <a:ext uri="{FF2B5EF4-FFF2-40B4-BE49-F238E27FC236}">
-                      <a16:creationId xmlns:a16="http://schemas.microsoft.com/office/drawing/2014/main" id="{57B75D9E-9F72-9F0D-6864-1CA3D3B93664}"/>
-                    </a:ext>
-                  </a:extLst>
-                </p:cNvPr>
-                <p:cNvPicPr>
-                  <a:picLocks noChangeAspect="1"/>
-                </p:cNvPicPr>
-                <p:nvPr/>
-              </p:nvPicPr>
-              <p:blipFill>
-                <a:blip r:embed="rId5"/>
-                <a:stretch>
-                  <a:fillRect/>
-                </a:stretch>
-              </p:blipFill>
-              <p:spPr>
-                <a:xfrm>
-                  <a:off x="2582819" y="322494"/>
-                  <a:ext cx="770070" cy="333845"/>
-                </a:xfrm>
-                <a:prstGeom prst="rect">
-                  <a:avLst/>
-                </a:prstGeom>
-              </p:spPr>
-            </p:pic>
-          </p:grpSp>
-        </p:grpSp>
-        <p:sp>
-          <p:nvSpPr>
-            <p:cNvPr id="63" name="TextBox 62">
-              <a:extLst>
-                <a:ext uri="{FF2B5EF4-FFF2-40B4-BE49-F238E27FC236}">
-                  <a16:creationId xmlns:a16="http://schemas.microsoft.com/office/drawing/2014/main" id="{398868A3-0644-716E-3B54-02F6F6FD0724}"/>
-                </a:ext>
-              </a:extLst>
-            </p:cNvPr>
-            <p:cNvSpPr txBox="1"/>
-            <p:nvPr/>
-          </p:nvSpPr>
-          <p:spPr>
-            <a:xfrm>
-              <a:off x="3247208" y="653056"/>
-              <a:ext cx="295274" cy="307777"/>
-            </a:xfrm>
-            <a:prstGeom prst="rect">
-              <a:avLst/>
-            </a:prstGeom>
-            <a:noFill/>
-          </p:spPr>
-          <p:txBody>
-            <a:bodyPr wrap="none" rtlCol="0">
-              <a:spAutoFit/>
-            </a:bodyPr>
-            <a:lstStyle/>
-            <a:p>
-              <a:r>
-                <a:rPr lang="en-AU" sz="1400" b="1" dirty="0"/>
-                <a:t>A</a:t>
-              </a:r>
-            </a:p>
-          </p:txBody>
-        </p:sp>
-        <p:sp>
-          <p:nvSpPr>
-            <p:cNvPr id="64" name="TextBox 63">
-              <a:extLst>
-                <a:ext uri="{FF2B5EF4-FFF2-40B4-BE49-F238E27FC236}">
-                  <a16:creationId xmlns:a16="http://schemas.microsoft.com/office/drawing/2014/main" id="{D5A30B24-0274-1933-756F-054F42228941}"/>
-                </a:ext>
-              </a:extLst>
-            </p:cNvPr>
-            <p:cNvSpPr txBox="1"/>
-            <p:nvPr/>
-          </p:nvSpPr>
-          <p:spPr>
-            <a:xfrm>
-              <a:off x="4678157" y="667082"/>
-              <a:ext cx="295274" cy="307777"/>
-            </a:xfrm>
-            <a:prstGeom prst="rect">
-              <a:avLst/>
-            </a:prstGeom>
-            <a:noFill/>
-          </p:spPr>
-          <p:txBody>
-            <a:bodyPr wrap="none" rtlCol="0">
-              <a:spAutoFit/>
-            </a:bodyPr>
-            <a:lstStyle/>
-            <a:p>
-              <a:r>
-                <a:rPr lang="en-AU" sz="1400" b="1" dirty="0"/>
-                <a:t>A</a:t>
-              </a:r>
-            </a:p>
-          </p:txBody>
-        </p:sp>
-        <p:sp>
-          <p:nvSpPr>
-            <p:cNvPr id="65" name="TextBox 64">
-              <a:extLst>
-                <a:ext uri="{FF2B5EF4-FFF2-40B4-BE49-F238E27FC236}">
-                  <a16:creationId xmlns:a16="http://schemas.microsoft.com/office/drawing/2014/main" id="{A70C83A2-6082-4AB1-FE98-0D68853A343F}"/>
-                </a:ext>
-              </a:extLst>
-            </p:cNvPr>
-            <p:cNvSpPr txBox="1"/>
-            <p:nvPr/>
-          </p:nvSpPr>
-          <p:spPr>
-            <a:xfrm>
-              <a:off x="3247208" y="2834233"/>
-              <a:ext cx="295274" cy="307777"/>
-            </a:xfrm>
-            <a:prstGeom prst="rect">
-              <a:avLst/>
-            </a:prstGeom>
-            <a:noFill/>
-          </p:spPr>
-          <p:txBody>
-            <a:bodyPr wrap="none" rtlCol="0">
-              <a:spAutoFit/>
-            </a:bodyPr>
-            <a:lstStyle/>
-            <a:p>
-              <a:r>
-                <a:rPr lang="en-AU" sz="1400" b="1" dirty="0"/>
-                <a:t>A</a:t>
-              </a:r>
-            </a:p>
-          </p:txBody>
-        </p:sp>
-        <p:sp>
-          <p:nvSpPr>
-            <p:cNvPr id="66" name="TextBox 65">
-              <a:extLst>
-                <a:ext uri="{FF2B5EF4-FFF2-40B4-BE49-F238E27FC236}">
-                  <a16:creationId xmlns:a16="http://schemas.microsoft.com/office/drawing/2014/main" id="{4E6C7D36-9FD1-2A16-4F37-8CD668920E8D}"/>
-                </a:ext>
-              </a:extLst>
-            </p:cNvPr>
-            <p:cNvSpPr txBox="1"/>
-            <p:nvPr/>
-          </p:nvSpPr>
-          <p:spPr>
-            <a:xfrm>
-              <a:off x="4676554" y="3172247"/>
-              <a:ext cx="295274" cy="307777"/>
-            </a:xfrm>
-            <a:prstGeom prst="rect">
-              <a:avLst/>
-            </a:prstGeom>
-            <a:noFill/>
-          </p:spPr>
-          <p:txBody>
-            <a:bodyPr wrap="none" rtlCol="0">
-              <a:spAutoFit/>
-            </a:bodyPr>
-            <a:lstStyle/>
-            <a:p>
-              <a:r>
-                <a:rPr lang="en-AU" sz="1400" b="1" dirty="0"/>
-                <a:t>B</a:t>
-              </a:r>
-            </a:p>
-          </p:txBody>
-        </p:sp>
-        <p:sp>
-          <p:nvSpPr>
-            <p:cNvPr id="67" name="TextBox 66">
-              <a:extLst>
-                <a:ext uri="{FF2B5EF4-FFF2-40B4-BE49-F238E27FC236}">
-                  <a16:creationId xmlns:a16="http://schemas.microsoft.com/office/drawing/2014/main" id="{3E392BD5-4D22-95F9-FA33-01375A4A4B1F}"/>
-                </a:ext>
-              </a:extLst>
-            </p:cNvPr>
-            <p:cNvSpPr txBox="1"/>
-            <p:nvPr/>
-          </p:nvSpPr>
-          <p:spPr>
-            <a:xfrm>
-              <a:off x="3244151" y="5270707"/>
-              <a:ext cx="295274" cy="307777"/>
-            </a:xfrm>
-            <a:prstGeom prst="rect">
-              <a:avLst/>
-            </a:prstGeom>
-            <a:noFill/>
-          </p:spPr>
-          <p:txBody>
-            <a:bodyPr wrap="none" rtlCol="0">
-              <a:spAutoFit/>
-            </a:bodyPr>
-            <a:lstStyle/>
-            <a:p>
-              <a:r>
-                <a:rPr lang="en-AU" sz="1400" b="1" dirty="0"/>
-                <a:t>A</a:t>
-              </a:r>
-            </a:p>
-          </p:txBody>
-        </p:sp>
-        <p:sp>
-          <p:nvSpPr>
-            <p:cNvPr id="68" name="TextBox 67">
-              <a:extLst>
-                <a:ext uri="{FF2B5EF4-FFF2-40B4-BE49-F238E27FC236}">
-                  <a16:creationId xmlns:a16="http://schemas.microsoft.com/office/drawing/2014/main" id="{A20CD0CD-C847-C37B-F8CC-D0CC3D219795}"/>
-                </a:ext>
-              </a:extLst>
-            </p:cNvPr>
-            <p:cNvSpPr txBox="1"/>
-            <p:nvPr/>
-          </p:nvSpPr>
-          <p:spPr>
-            <a:xfrm>
-              <a:off x="4682530" y="5358040"/>
-              <a:ext cx="295274" cy="307777"/>
-            </a:xfrm>
-            <a:prstGeom prst="rect">
-              <a:avLst/>
-            </a:prstGeom>
-            <a:noFill/>
-          </p:spPr>
-          <p:txBody>
-            <a:bodyPr wrap="none" rtlCol="0">
-              <a:spAutoFit/>
-            </a:bodyPr>
-            <a:lstStyle/>
-            <a:p>
-              <a:r>
-                <a:rPr lang="en-AU" sz="1400" b="1" dirty="0"/>
-                <a:t>A</a:t>
-              </a:r>
-            </a:p>
-          </p:txBody>
-        </p:sp>
-        <p:sp>
-          <p:nvSpPr>
-            <p:cNvPr id="69" name="TextBox 68">
-              <a:extLst>
-                <a:ext uri="{FF2B5EF4-FFF2-40B4-BE49-F238E27FC236}">
-                  <a16:creationId xmlns:a16="http://schemas.microsoft.com/office/drawing/2014/main" id="{16D2C826-F9FD-CFA0-CCC2-1124F08BE42B}"/>
-                </a:ext>
-              </a:extLst>
-            </p:cNvPr>
-            <p:cNvSpPr txBox="1"/>
-            <p:nvPr/>
-          </p:nvSpPr>
-          <p:spPr>
-            <a:xfrm>
-              <a:off x="8456068" y="796178"/>
-              <a:ext cx="295274" cy="307777"/>
-            </a:xfrm>
-            <a:prstGeom prst="rect">
-              <a:avLst/>
-            </a:prstGeom>
-            <a:noFill/>
-          </p:spPr>
-          <p:txBody>
-            <a:bodyPr wrap="none" rtlCol="0">
-              <a:spAutoFit/>
-            </a:bodyPr>
-            <a:lstStyle/>
-            <a:p>
-              <a:r>
-                <a:rPr lang="en-AU" sz="1400" b="1" dirty="0"/>
-                <a:t>B</a:t>
-              </a:r>
-            </a:p>
-          </p:txBody>
-        </p:sp>
-        <p:sp>
-          <p:nvSpPr>
-            <p:cNvPr id="70" name="TextBox 69">
-              <a:extLst>
-                <a:ext uri="{FF2B5EF4-FFF2-40B4-BE49-F238E27FC236}">
-                  <a16:creationId xmlns:a16="http://schemas.microsoft.com/office/drawing/2014/main" id="{CF40ECFD-671A-0F5B-ADC0-D754CCD51C45}"/>
-                </a:ext>
-              </a:extLst>
-            </p:cNvPr>
-            <p:cNvSpPr txBox="1"/>
-            <p:nvPr/>
-          </p:nvSpPr>
-          <p:spPr>
-            <a:xfrm>
-              <a:off x="7374279" y="597889"/>
-              <a:ext cx="295274" cy="307777"/>
-            </a:xfrm>
-            <a:prstGeom prst="rect">
-              <a:avLst/>
-            </a:prstGeom>
-            <a:noFill/>
-          </p:spPr>
-          <p:txBody>
-            <a:bodyPr wrap="none" rtlCol="0">
-              <a:spAutoFit/>
-            </a:bodyPr>
-            <a:lstStyle/>
-            <a:p>
-              <a:r>
-                <a:rPr lang="en-AU" sz="1400" b="1" dirty="0"/>
-                <a:t>A</a:t>
-              </a:r>
-            </a:p>
-          </p:txBody>
-        </p:sp>
-        <p:sp>
-          <p:nvSpPr>
-            <p:cNvPr id="71" name="TextBox 70">
-              <a:extLst>
-                <a:ext uri="{FF2B5EF4-FFF2-40B4-BE49-F238E27FC236}">
-                  <a16:creationId xmlns:a16="http://schemas.microsoft.com/office/drawing/2014/main" id="{48FCEFE4-2437-0D21-308A-F725C89A85F2}"/>
-                </a:ext>
-              </a:extLst>
-            </p:cNvPr>
-            <p:cNvSpPr txBox="1"/>
-            <p:nvPr/>
-          </p:nvSpPr>
-          <p:spPr>
-            <a:xfrm>
-              <a:off x="6303122" y="568146"/>
-              <a:ext cx="295274" cy="307777"/>
-            </a:xfrm>
-            <a:prstGeom prst="rect">
-              <a:avLst/>
-            </a:prstGeom>
-            <a:noFill/>
-          </p:spPr>
-          <p:txBody>
-            <a:bodyPr wrap="none" rtlCol="0">
-              <a:spAutoFit/>
-            </a:bodyPr>
-            <a:lstStyle/>
-            <a:p>
-              <a:r>
-                <a:rPr lang="en-AU" sz="1400" b="1" dirty="0"/>
-                <a:t>A</a:t>
-              </a:r>
-            </a:p>
-          </p:txBody>
-        </p:sp>
-        <p:sp>
-          <p:nvSpPr>
-            <p:cNvPr id="72" name="TextBox 71">
-              <a:extLst>
-                <a:ext uri="{FF2B5EF4-FFF2-40B4-BE49-F238E27FC236}">
-                  <a16:creationId xmlns:a16="http://schemas.microsoft.com/office/drawing/2014/main" id="{05D83580-13EC-9B4B-FF18-8E6F63B02AC4}"/>
-                </a:ext>
-              </a:extLst>
-            </p:cNvPr>
-            <p:cNvSpPr txBox="1"/>
-            <p:nvPr/>
-          </p:nvSpPr>
-          <p:spPr>
-            <a:xfrm>
-              <a:off x="8450739" y="3077622"/>
-              <a:ext cx="295274" cy="307777"/>
-            </a:xfrm>
-            <a:prstGeom prst="rect">
-              <a:avLst/>
-            </a:prstGeom>
-            <a:noFill/>
-          </p:spPr>
-          <p:txBody>
-            <a:bodyPr wrap="none" rtlCol="0">
-              <a:spAutoFit/>
-            </a:bodyPr>
-            <a:lstStyle/>
-            <a:p>
-              <a:r>
-                <a:rPr lang="en-AU" sz="1400" b="1" dirty="0"/>
-                <a:t>A</a:t>
-              </a:r>
-            </a:p>
-          </p:txBody>
-        </p:sp>
-        <p:sp>
-          <p:nvSpPr>
-            <p:cNvPr id="73" name="TextBox 72">
-              <a:extLst>
-                <a:ext uri="{FF2B5EF4-FFF2-40B4-BE49-F238E27FC236}">
-                  <a16:creationId xmlns:a16="http://schemas.microsoft.com/office/drawing/2014/main" id="{36F5ADB6-8032-0D51-8FF2-44C80DF938E1}"/>
-                </a:ext>
-              </a:extLst>
-            </p:cNvPr>
-            <p:cNvSpPr txBox="1"/>
-            <p:nvPr/>
-          </p:nvSpPr>
-          <p:spPr>
-            <a:xfrm>
-              <a:off x="7379595" y="3002410"/>
-              <a:ext cx="295274" cy="307777"/>
-            </a:xfrm>
-            <a:prstGeom prst="rect">
-              <a:avLst/>
-            </a:prstGeom>
-            <a:noFill/>
-          </p:spPr>
-          <p:txBody>
-            <a:bodyPr wrap="none" rtlCol="0">
-              <a:spAutoFit/>
-            </a:bodyPr>
-            <a:lstStyle/>
-            <a:p>
-              <a:r>
-                <a:rPr lang="en-AU" sz="1400" b="1" dirty="0"/>
-                <a:t>A</a:t>
-              </a:r>
-            </a:p>
-          </p:txBody>
-        </p:sp>
-        <p:sp>
-          <p:nvSpPr>
-            <p:cNvPr id="74" name="TextBox 73">
-              <a:extLst>
-                <a:ext uri="{FF2B5EF4-FFF2-40B4-BE49-F238E27FC236}">
-                  <a16:creationId xmlns:a16="http://schemas.microsoft.com/office/drawing/2014/main" id="{AEDD2019-1A19-3109-004E-22FC50796951}"/>
-                </a:ext>
-              </a:extLst>
-            </p:cNvPr>
-            <p:cNvSpPr txBox="1"/>
-            <p:nvPr/>
-          </p:nvSpPr>
-          <p:spPr>
-            <a:xfrm>
-              <a:off x="6303122" y="2977183"/>
-              <a:ext cx="295274" cy="307777"/>
-            </a:xfrm>
-            <a:prstGeom prst="rect">
-              <a:avLst/>
-            </a:prstGeom>
-            <a:noFill/>
-          </p:spPr>
-          <p:txBody>
-            <a:bodyPr wrap="none" rtlCol="0">
-              <a:spAutoFit/>
-            </a:bodyPr>
-            <a:lstStyle/>
-            <a:p>
-              <a:r>
-                <a:rPr lang="en-AU" sz="1400" b="1" dirty="0"/>
-                <a:t>A</a:t>
-              </a:r>
-            </a:p>
-          </p:txBody>
-        </p:sp>
-        <p:sp>
-          <p:nvSpPr>
-            <p:cNvPr id="75" name="TextBox 74">
-              <a:extLst>
-                <a:ext uri="{FF2B5EF4-FFF2-40B4-BE49-F238E27FC236}">
-                  <a16:creationId xmlns:a16="http://schemas.microsoft.com/office/drawing/2014/main" id="{F98FF47E-780E-76C5-71ED-7CB59BDED1A5}"/>
-                </a:ext>
-              </a:extLst>
-            </p:cNvPr>
-            <p:cNvSpPr txBox="1"/>
-            <p:nvPr/>
-          </p:nvSpPr>
-          <p:spPr>
-            <a:xfrm>
-              <a:off x="8450739" y="5458766"/>
-              <a:ext cx="295274" cy="307777"/>
-            </a:xfrm>
-            <a:prstGeom prst="rect">
-              <a:avLst/>
-            </a:prstGeom>
-            <a:noFill/>
-          </p:spPr>
-          <p:txBody>
-            <a:bodyPr wrap="none" rtlCol="0">
-              <a:spAutoFit/>
-            </a:bodyPr>
-            <a:lstStyle/>
-            <a:p>
-              <a:r>
-                <a:rPr lang="en-AU" sz="1400" b="1" dirty="0"/>
-                <a:t>B</a:t>
-              </a:r>
-            </a:p>
-          </p:txBody>
-        </p:sp>
-        <p:sp>
-          <p:nvSpPr>
-            <p:cNvPr id="76" name="TextBox 75">
-              <a:extLst>
-                <a:ext uri="{FF2B5EF4-FFF2-40B4-BE49-F238E27FC236}">
-                  <a16:creationId xmlns:a16="http://schemas.microsoft.com/office/drawing/2014/main" id="{259CF79F-5D71-80EE-5D94-5FBC4584BA1B}"/>
-                </a:ext>
-              </a:extLst>
-            </p:cNvPr>
-            <p:cNvSpPr txBox="1"/>
-            <p:nvPr/>
-          </p:nvSpPr>
-          <p:spPr>
-            <a:xfrm>
-              <a:off x="7379595" y="5247726"/>
-              <a:ext cx="295274" cy="307777"/>
-            </a:xfrm>
-            <a:prstGeom prst="rect">
-              <a:avLst/>
-            </a:prstGeom>
-            <a:noFill/>
-          </p:spPr>
-          <p:txBody>
-            <a:bodyPr wrap="none" rtlCol="0">
-              <a:spAutoFit/>
-            </a:bodyPr>
-            <a:lstStyle/>
-            <a:p>
-              <a:r>
-                <a:rPr lang="en-AU" sz="1400" b="1" dirty="0"/>
-                <a:t>A</a:t>
-              </a:r>
-            </a:p>
-          </p:txBody>
-        </p:sp>
-        <p:sp>
-          <p:nvSpPr>
-            <p:cNvPr id="77" name="TextBox 76">
-              <a:extLst>
-                <a:ext uri="{FF2B5EF4-FFF2-40B4-BE49-F238E27FC236}">
-                  <a16:creationId xmlns:a16="http://schemas.microsoft.com/office/drawing/2014/main" id="{86564A69-09C6-01E9-C156-E7C0A582723D}"/>
-                </a:ext>
-              </a:extLst>
-            </p:cNvPr>
-            <p:cNvSpPr txBox="1"/>
-            <p:nvPr/>
-          </p:nvSpPr>
-          <p:spPr>
-            <a:xfrm>
-              <a:off x="6223873" y="5274861"/>
-              <a:ext cx="463332" cy="307777"/>
-            </a:xfrm>
-            <a:prstGeom prst="rect">
-              <a:avLst/>
-            </a:prstGeom>
-            <a:noFill/>
-          </p:spPr>
-          <p:txBody>
-            <a:bodyPr wrap="none" rtlCol="0">
-              <a:spAutoFit/>
-            </a:bodyPr>
-            <a:lstStyle/>
-            <a:p>
-              <a:r>
-                <a:rPr lang="en-AU" sz="1400" b="1" dirty="0"/>
-                <a:t>A,B</a:t>
-              </a:r>
-            </a:p>
-          </p:txBody>
-        </p:sp>
-      </p:grpSp>
+          <a:prstGeom prst="rect">
+            <a:avLst/>
+          </a:prstGeom>
+        </p:spPr>
+      </p:pic>
     </p:spTree>
     <p:extLst>
       <p:ext uri="{BB962C8B-B14F-4D97-AF65-F5344CB8AC3E}">
-        <p14:creationId xmlns:p14="http://schemas.microsoft.com/office/powerpoint/2010/main" val="3313125051"/>
+        <p14:creationId xmlns:p14="http://schemas.microsoft.com/office/powerpoint/2010/main" val="328309344"/>
       </p:ext>
     </p:extLst>
   </p:cSld>
@@ -7643,10 +9150,10 @@
       </p:grpSpPr>
       <p:pic>
         <p:nvPicPr>
-          <p:cNvPr id="3" name="Picture 2" descr="A diagram of a number of patients&#10;&#10;Description automatically generated with medium confidence">
-            <a:extLst>
-              <a:ext uri="{FF2B5EF4-FFF2-40B4-BE49-F238E27FC236}">
-                <a16:creationId xmlns:a16="http://schemas.microsoft.com/office/drawing/2014/main" id="{F6CFA26A-31EB-5E60-225E-9D947D0303A6}"/>
+          <p:cNvPr id="3" name="Picture 2" descr="A comparison of a graph&#10;&#10;Description automatically generated with medium confidence">
+            <a:extLst>
+              <a:ext uri="{FF2B5EF4-FFF2-40B4-BE49-F238E27FC236}">
+                <a16:creationId xmlns:a16="http://schemas.microsoft.com/office/drawing/2014/main" id="{D6343A69-D065-27DE-283B-450943965256}"/>
               </a:ext>
             </a:extLst>
           </p:cNvPr>
@@ -7663,8 +9170,8 @@
         </p:blipFill>
         <p:spPr>
           <a:xfrm>
-            <a:off x="1638464" y="140854"/>
-            <a:ext cx="8111177" cy="6488942"/>
+            <a:off x="1681814" y="0"/>
+            <a:ext cx="7976849" cy="6780322"/>
           </a:xfrm>
           <a:prstGeom prst="rect">
             <a:avLst/>
@@ -7676,7 +9183,7 @@
           <p:cNvPr id="4" name="Picture 3" descr="A black background with a black square&#10;&#10;Description automatically generated with medium confidence">
             <a:extLst>
               <a:ext uri="{FF2B5EF4-FFF2-40B4-BE49-F238E27FC236}">
-                <a16:creationId xmlns:a16="http://schemas.microsoft.com/office/drawing/2014/main" id="{5CA5F430-F491-E02D-FFB6-E48BEA511302}"/>
+                <a16:creationId xmlns:a16="http://schemas.microsoft.com/office/drawing/2014/main" id="{E92364E6-6F36-5A7E-6D8F-11982D472585}"/>
               </a:ext>
             </a:extLst>
           </p:cNvPr>
@@ -7693,8 +9200,8 @@
         </p:blipFill>
         <p:spPr>
           <a:xfrm>
-            <a:off x="2778520" y="348895"/>
-            <a:ext cx="1548468" cy="795739"/>
+            <a:off x="2659207" y="-40454"/>
+            <a:ext cx="1407698" cy="723399"/>
           </a:xfrm>
           <a:prstGeom prst="rect">
             <a:avLst/>
@@ -7704,7 +9211,7 @@
     </p:spTree>
     <p:extLst>
       <p:ext uri="{BB962C8B-B14F-4D97-AF65-F5344CB8AC3E}">
-        <p14:creationId xmlns:p14="http://schemas.microsoft.com/office/powerpoint/2010/main" val="328309344"/>
+        <p14:creationId xmlns:p14="http://schemas.microsoft.com/office/powerpoint/2010/main" val="329730318"/>
       </p:ext>
     </p:extLst>
   </p:cSld>
@@ -7733,10 +9240,10 @@
       </p:grpSpPr>
       <p:pic>
         <p:nvPicPr>
-          <p:cNvPr id="4" name="Picture 3" descr="A graph of different types of sloped objects&#10;&#10;Description automatically generated with medium confidence">
-            <a:extLst>
-              <a:ext uri="{FF2B5EF4-FFF2-40B4-BE49-F238E27FC236}">
-                <a16:creationId xmlns:a16="http://schemas.microsoft.com/office/drawing/2014/main" id="{49CF0371-A75C-F610-DF0A-B471D2939DCE}"/>
+          <p:cNvPr id="3" name="Picture 2" descr="A diagram of a temperature&#10;&#10;Description automatically generated">
+            <a:extLst>
+              <a:ext uri="{FF2B5EF4-FFF2-40B4-BE49-F238E27FC236}">
+                <a16:creationId xmlns:a16="http://schemas.microsoft.com/office/drawing/2014/main" id="{D9E6BFD0-A341-8268-1C8D-3960B90944C4}"/>
               </a:ext>
             </a:extLst>
           </p:cNvPr>
@@ -7753,8 +9260,8 @@
         </p:blipFill>
         <p:spPr>
           <a:xfrm>
-            <a:off x="1628240" y="0"/>
-            <a:ext cx="8935519" cy="6873476"/>
+            <a:off x="1152161" y="0"/>
+            <a:ext cx="7931878" cy="6742096"/>
           </a:xfrm>
           <a:prstGeom prst="rect">
             <a:avLst/>
@@ -7763,10 +9270,10 @@
       </p:pic>
       <p:pic>
         <p:nvPicPr>
-          <p:cNvPr id="5" name="Picture 4" descr="A black background with a black square&#10;&#10;Description automatically generated with medium confidence">
-            <a:extLst>
-              <a:ext uri="{FF2B5EF4-FFF2-40B4-BE49-F238E27FC236}">
-                <a16:creationId xmlns:a16="http://schemas.microsoft.com/office/drawing/2014/main" id="{7FF220B2-929B-7D61-2A74-A15733A1B4BE}"/>
+          <p:cNvPr id="6" name="Picture 5" descr="A black background with a black square&#10;&#10;Description automatically generated with medium confidence">
+            <a:extLst>
+              <a:ext uri="{FF2B5EF4-FFF2-40B4-BE49-F238E27FC236}">
+                <a16:creationId xmlns:a16="http://schemas.microsoft.com/office/drawing/2014/main" id="{B67F2EF7-9A88-6217-FE5B-9C420E339F04}"/>
               </a:ext>
             </a:extLst>
           </p:cNvPr>
@@ -7783,7 +9290,7 @@
         </p:blipFill>
         <p:spPr>
           <a:xfrm>
-            <a:off x="8716182" y="135139"/>
+            <a:off x="6617560" y="-89940"/>
             <a:ext cx="1548468" cy="795739"/>
           </a:xfrm>
           <a:prstGeom prst="rect">
@@ -7823,6 +9330,96 @@
       </p:grpSpPr>
       <p:pic>
         <p:nvPicPr>
+          <p:cNvPr id="4" name="Picture 3" descr="A group of graphs showing different sizes of male and female&#10;&#10;Description automatically generated">
+            <a:extLst>
+              <a:ext uri="{FF2B5EF4-FFF2-40B4-BE49-F238E27FC236}">
+                <a16:creationId xmlns:a16="http://schemas.microsoft.com/office/drawing/2014/main" id="{65547DCC-2AB7-DB57-65BA-77A9C9CD6749}"/>
+              </a:ext>
+            </a:extLst>
+          </p:cNvPr>
+          <p:cNvPicPr>
+            <a:picLocks noChangeAspect="1"/>
+          </p:cNvPicPr>
+          <p:nvPr/>
+        </p:nvPicPr>
+        <p:blipFill>
+          <a:blip r:embed="rId3"/>
+          <a:stretch>
+            <a:fillRect/>
+          </a:stretch>
+        </p:blipFill>
+        <p:spPr>
+          <a:xfrm>
+            <a:off x="1438457" y="140677"/>
+            <a:ext cx="7945385" cy="6723018"/>
+          </a:xfrm>
+          <a:prstGeom prst="rect">
+            <a:avLst/>
+          </a:prstGeom>
+        </p:spPr>
+      </p:pic>
+      <p:pic>
+        <p:nvPicPr>
+          <p:cNvPr id="5" name="Picture 4" descr="A black background with a black square&#10;&#10;Description automatically generated with medium confidence">
+            <a:extLst>
+              <a:ext uri="{FF2B5EF4-FFF2-40B4-BE49-F238E27FC236}">
+                <a16:creationId xmlns:a16="http://schemas.microsoft.com/office/drawing/2014/main" id="{B7C75874-C60A-9A60-74E4-5A9A65767E34}"/>
+              </a:ext>
+            </a:extLst>
+          </p:cNvPr>
+          <p:cNvPicPr>
+            <a:picLocks noChangeAspect="1"/>
+          </p:cNvPicPr>
+          <p:nvPr/>
+        </p:nvPicPr>
+        <p:blipFill>
+          <a:blip r:embed="rId4"/>
+          <a:stretch>
+            <a:fillRect/>
+          </a:stretch>
+        </p:blipFill>
+        <p:spPr>
+          <a:xfrm>
+            <a:off x="7835374" y="494677"/>
+            <a:ext cx="1548468" cy="795739"/>
+          </a:xfrm>
+          <a:prstGeom prst="rect">
+            <a:avLst/>
+          </a:prstGeom>
+        </p:spPr>
+      </p:pic>
+    </p:spTree>
+    <p:extLst>
+      <p:ext uri="{BB962C8B-B14F-4D97-AF65-F5344CB8AC3E}">
+        <p14:creationId xmlns:p14="http://schemas.microsoft.com/office/powerpoint/2010/main" val="1418389529"/>
+      </p:ext>
+    </p:extLst>
+  </p:cSld>
+  <p:clrMapOvr>
+    <a:masterClrMapping/>
+  </p:clrMapOvr>
+</p:sld>
+</file>
+
+<file path=ppt/slides/slide8.xml><?xml version="1.0" encoding="utf-8"?>
+<p:sld xmlns:a="http://schemas.openxmlformats.org/drawingml/2006/main" xmlns:r="http://schemas.openxmlformats.org/officeDocument/2006/relationships" xmlns:p="http://schemas.openxmlformats.org/presentationml/2006/main">
+  <p:cSld>
+    <p:spTree>
+      <p:nvGrpSpPr>
+        <p:cNvPr id="1" name=""/>
+        <p:cNvGrpSpPr/>
+        <p:nvPr/>
+      </p:nvGrpSpPr>
+      <p:grpSpPr>
+        <a:xfrm>
+          <a:off x="0" y="0"/>
+          <a:ext cx="0" cy="0"/>
+          <a:chOff x="0" y="0"/>
+          <a:chExt cx="0" cy="0"/>
+        </a:xfrm>
+      </p:grpSpPr>
+      <p:pic>
+        <p:nvPicPr>
           <p:cNvPr id="3" name="Picture 2" descr="A graph of a person and person&#10;&#10;Description automatically generated">
             <a:extLst>
               <a:ext uri="{FF2B5EF4-FFF2-40B4-BE49-F238E27FC236}">
@@ -7885,6 +9482,96 @@
     <p:extLst>
       <p:ext uri="{BB962C8B-B14F-4D97-AF65-F5344CB8AC3E}">
         <p14:creationId xmlns:p14="http://schemas.microsoft.com/office/powerpoint/2010/main" val="2240514061"/>
+      </p:ext>
+    </p:extLst>
+  </p:cSld>
+  <p:clrMapOvr>
+    <a:masterClrMapping/>
+  </p:clrMapOvr>
+</p:sld>
+</file>
+
+<file path=ppt/slides/slide9.xml><?xml version="1.0" encoding="utf-8"?>
+<p:sld xmlns:a="http://schemas.openxmlformats.org/drawingml/2006/main" xmlns:r="http://schemas.openxmlformats.org/officeDocument/2006/relationships" xmlns:p="http://schemas.openxmlformats.org/presentationml/2006/main">
+  <p:cSld>
+    <p:spTree>
+      <p:nvGrpSpPr>
+        <p:cNvPr id="1" name=""/>
+        <p:cNvGrpSpPr/>
+        <p:nvPr/>
+      </p:nvGrpSpPr>
+      <p:grpSpPr>
+        <a:xfrm>
+          <a:off x="0" y="0"/>
+          <a:ext cx="0" cy="0"/>
+          <a:chOff x="0" y="0"/>
+          <a:chExt cx="0" cy="0"/>
+        </a:xfrm>
+      </p:grpSpPr>
+      <p:pic>
+        <p:nvPicPr>
+          <p:cNvPr id="5" name="Picture 4" descr="A diagram of a person and person&#10;&#10;Description automatically generated">
+            <a:extLst>
+              <a:ext uri="{FF2B5EF4-FFF2-40B4-BE49-F238E27FC236}">
+                <a16:creationId xmlns:a16="http://schemas.microsoft.com/office/drawing/2014/main" id="{053C95B2-A8E5-012F-55DA-2060F61AEDC3}"/>
+              </a:ext>
+            </a:extLst>
+          </p:cNvPr>
+          <p:cNvPicPr>
+            <a:picLocks noChangeAspect="1"/>
+          </p:cNvPicPr>
+          <p:nvPr/>
+        </p:nvPicPr>
+        <p:blipFill>
+          <a:blip r:embed="rId3"/>
+          <a:stretch>
+            <a:fillRect/>
+          </a:stretch>
+        </p:blipFill>
+        <p:spPr>
+          <a:xfrm>
+            <a:off x="1766757" y="-1"/>
+            <a:ext cx="8576456" cy="6861165"/>
+          </a:xfrm>
+          <a:prstGeom prst="rect">
+            <a:avLst/>
+          </a:prstGeom>
+        </p:spPr>
+      </p:pic>
+      <p:pic>
+        <p:nvPicPr>
+          <p:cNvPr id="6" name="Picture 5" descr="A black background with a black square&#10;&#10;Description automatically generated with medium confidence">
+            <a:extLst>
+              <a:ext uri="{FF2B5EF4-FFF2-40B4-BE49-F238E27FC236}">
+                <a16:creationId xmlns:a16="http://schemas.microsoft.com/office/drawing/2014/main" id="{64FEAEA3-379C-A448-D939-711675B86EFB}"/>
+              </a:ext>
+            </a:extLst>
+          </p:cNvPr>
+          <p:cNvPicPr>
+            <a:picLocks noChangeAspect="1"/>
+          </p:cNvPicPr>
+          <p:nvPr/>
+        </p:nvPicPr>
+        <p:blipFill>
+          <a:blip r:embed="rId4"/>
+          <a:stretch>
+            <a:fillRect/>
+          </a:stretch>
+        </p:blipFill>
+        <p:spPr>
+          <a:xfrm>
+            <a:off x="2684102" y="797042"/>
+            <a:ext cx="1548468" cy="795739"/>
+          </a:xfrm>
+          <a:prstGeom prst="rect">
+            <a:avLst/>
+          </a:prstGeom>
+        </p:spPr>
+      </p:pic>
+    </p:spTree>
+    <p:extLst>
+      <p:ext uri="{BB962C8B-B14F-4D97-AF65-F5344CB8AC3E}">
+        <p14:creationId xmlns:p14="http://schemas.microsoft.com/office/powerpoint/2010/main" val="3936402238"/>
       </p:ext>
     </p:extLst>
   </p:cSld>

--- a/figures/Figures.pptx
+++ b/figures/Figures.pptx
@@ -5,21 +5,20 @@
     <p:sldMasterId id="2147483648" r:id="rId1"/>
   </p:sldMasterIdLst>
   <p:notesMasterIdLst>
-    <p:notesMasterId r:id="rId14"/>
+    <p:notesMasterId r:id="rId13"/>
   </p:notesMasterIdLst>
   <p:sldIdLst>
     <p:sldId id="263" r:id="rId2"/>
     <p:sldId id="257" r:id="rId3"/>
     <p:sldId id="261" r:id="rId4"/>
     <p:sldId id="258" r:id="rId5"/>
-    <p:sldId id="267" r:id="rId6"/>
-    <p:sldId id="259" r:id="rId7"/>
-    <p:sldId id="268" r:id="rId8"/>
-    <p:sldId id="260" r:id="rId9"/>
-    <p:sldId id="269" r:id="rId10"/>
-    <p:sldId id="264" r:id="rId11"/>
-    <p:sldId id="265" r:id="rId12"/>
-    <p:sldId id="266" r:id="rId13"/>
+    <p:sldId id="259" r:id="rId6"/>
+    <p:sldId id="268" r:id="rId7"/>
+    <p:sldId id="260" r:id="rId8"/>
+    <p:sldId id="264" r:id="rId9"/>
+    <p:sldId id="266" r:id="rId10"/>
+    <p:sldId id="265" r:id="rId11"/>
+    <p:sldId id="267" r:id="rId12"/>
   </p:sldIdLst>
   <p:sldSz cx="12192000" cy="6858000"/>
   <p:notesSz cx="6858000" cy="9144000"/>
@@ -612,6 +611,12 @@
           <a:p>
             <a:endParaRPr lang="en-AU" dirty="0"/>
           </a:p>
+          <a:p>
+            <a:r>
+              <a:rPr lang="en-AU" dirty="0"/>
+              <a:t>Figure S4</a:t>
+            </a:r>
+          </a:p>
         </p:txBody>
       </p:sp>
       <p:sp>
@@ -640,7 +645,7 @@
     </p:spTree>
     <p:extLst>
       <p:ext uri="{BB962C8B-B14F-4D97-AF65-F5344CB8AC3E}">
-        <p14:creationId xmlns:p14="http://schemas.microsoft.com/office/powerpoint/2010/main" val="2382596817"/>
+        <p14:creationId xmlns:p14="http://schemas.microsoft.com/office/powerpoint/2010/main" val="2461971049"/>
       </p:ext>
     </p:extLst>
   </p:cSld>
@@ -696,15 +701,6 @@
           <a:p>
             <a:endParaRPr lang="en-AU" dirty="0"/>
           </a:p>
-          <a:p>
-            <a:endParaRPr lang="en-AU" dirty="0"/>
-          </a:p>
-          <a:p>
-            <a:r>
-              <a:rPr lang="en-AU" dirty="0"/>
-              <a:t>1000*800</a:t>
-            </a:r>
-          </a:p>
         </p:txBody>
       </p:sp>
       <p:sp>
@@ -733,100 +729,7 @@
     </p:spTree>
     <p:extLst>
       <p:ext uri="{BB962C8B-B14F-4D97-AF65-F5344CB8AC3E}">
-        <p14:creationId xmlns:p14="http://schemas.microsoft.com/office/powerpoint/2010/main" val="2461971049"/>
-      </p:ext>
-    </p:extLst>
-  </p:cSld>
-  <p:clrMapOvr>
-    <a:masterClrMapping/>
-  </p:clrMapOvr>
-</p:notes>
-</file>
-
-<file path=ppt/notesSlides/notesSlide12.xml><?xml version="1.0" encoding="utf-8"?>
-<p:notes xmlns:a="http://schemas.openxmlformats.org/drawingml/2006/main" xmlns:r="http://schemas.openxmlformats.org/officeDocument/2006/relationships" xmlns:p="http://schemas.openxmlformats.org/presentationml/2006/main">
-  <p:cSld>
-    <p:spTree>
-      <p:nvGrpSpPr>
-        <p:cNvPr id="1" name=""/>
-        <p:cNvGrpSpPr/>
-        <p:nvPr/>
-      </p:nvGrpSpPr>
-      <p:grpSpPr>
-        <a:xfrm>
-          <a:off x="0" y="0"/>
-          <a:ext cx="0" cy="0"/>
-          <a:chOff x="0" y="0"/>
-          <a:chExt cx="0" cy="0"/>
-        </a:xfrm>
-      </p:grpSpPr>
-      <p:sp>
-        <p:nvSpPr>
-          <p:cNvPr id="2" name="Slide Image Placeholder 1"/>
-          <p:cNvSpPr>
-            <a:spLocks noGrp="1" noRot="1" noChangeAspect="1"/>
-          </p:cNvSpPr>
-          <p:nvPr>
-            <p:ph type="sldImg"/>
-          </p:nvPr>
-        </p:nvSpPr>
-        <p:spPr/>
-      </p:sp>
-      <p:sp>
-        <p:nvSpPr>
-          <p:cNvPr id="3" name="Notes Placeholder 2"/>
-          <p:cNvSpPr>
-            <a:spLocks noGrp="1"/>
-          </p:cNvSpPr>
-          <p:nvPr>
-            <p:ph type="body" idx="1"/>
-          </p:nvPr>
-        </p:nvSpPr>
-        <p:spPr/>
-        <p:txBody>
-          <a:bodyPr/>
-          <a:lstStyle/>
-          <a:p>
-            <a:endParaRPr lang="en-AU" dirty="0"/>
-          </a:p>
-          <a:p>
-            <a:endParaRPr lang="en-AU" dirty="0"/>
-          </a:p>
-          <a:p>
-            <a:r>
-              <a:rPr lang="en-AU" dirty="0"/>
-              <a:t>1000*800</a:t>
-            </a:r>
-          </a:p>
-        </p:txBody>
-      </p:sp>
-      <p:sp>
-        <p:nvSpPr>
-          <p:cNvPr id="4" name="Slide Number Placeholder 3"/>
-          <p:cNvSpPr>
-            <a:spLocks noGrp="1"/>
-          </p:cNvSpPr>
-          <p:nvPr>
-            <p:ph type="sldNum" sz="quarter" idx="5"/>
-          </p:nvPr>
-        </p:nvSpPr>
-        <p:spPr/>
-        <p:txBody>
-          <a:bodyPr/>
-          <a:lstStyle/>
-          <a:p>
-            <a:fld id="{641213EC-B9D3-5045-8AF8-62DDD0C5C0DC}" type="slidenum">
-              <a:rPr lang="en-AU" smtClean="0"/>
-              <a:t>12</a:t>
-            </a:fld>
-            <a:endParaRPr lang="en-AU"/>
-          </a:p>
-        </p:txBody>
-      </p:sp>
-    </p:spTree>
-    <p:extLst>
-      <p:ext uri="{BB962C8B-B14F-4D97-AF65-F5344CB8AC3E}">
-        <p14:creationId xmlns:p14="http://schemas.microsoft.com/office/powerpoint/2010/main" val="2818689870"/>
+        <p14:creationId xmlns:p14="http://schemas.microsoft.com/office/powerpoint/2010/main" val="3777794113"/>
       </p:ext>
     </p:extLst>
   </p:cSld>
@@ -1171,7 +1074,7 @@
     </p:spTree>
     <p:extLst>
       <p:ext uri="{BB962C8B-B14F-4D97-AF65-F5344CB8AC3E}">
-        <p14:creationId xmlns:p14="http://schemas.microsoft.com/office/powerpoint/2010/main" val="3777794113"/>
+        <p14:creationId xmlns:p14="http://schemas.microsoft.com/office/powerpoint/2010/main" val="68664657"/>
       </p:ext>
     </p:extLst>
   </p:cSld>
@@ -1255,7 +1158,7 @@
     </p:spTree>
     <p:extLst>
       <p:ext uri="{BB962C8B-B14F-4D97-AF65-F5344CB8AC3E}">
-        <p14:creationId xmlns:p14="http://schemas.microsoft.com/office/powerpoint/2010/main" val="68664657"/>
+        <p14:creationId xmlns:p14="http://schemas.microsoft.com/office/powerpoint/2010/main" val="3416759299"/>
       </p:ext>
     </p:extLst>
   </p:cSld>
@@ -1339,7 +1242,7 @@
     </p:spTree>
     <p:extLst>
       <p:ext uri="{BB962C8B-B14F-4D97-AF65-F5344CB8AC3E}">
-        <p14:creationId xmlns:p14="http://schemas.microsoft.com/office/powerpoint/2010/main" val="3416759299"/>
+        <p14:creationId xmlns:p14="http://schemas.microsoft.com/office/powerpoint/2010/main" val="1911231544"/>
       </p:ext>
     </p:extLst>
   </p:cSld>
@@ -1393,7 +1296,10 @@
           <a:bodyPr/>
           <a:lstStyle/>
           <a:p>
-            <a:endParaRPr lang="en-AU" dirty="0"/>
+            <a:r>
+              <a:rPr lang="en-AU" dirty="0"/>
+              <a:t>S1</a:t>
+            </a:r>
           </a:p>
         </p:txBody>
       </p:sp>
@@ -1423,7 +1329,7 @@
     </p:spTree>
     <p:extLst>
       <p:ext uri="{BB962C8B-B14F-4D97-AF65-F5344CB8AC3E}">
-        <p14:creationId xmlns:p14="http://schemas.microsoft.com/office/powerpoint/2010/main" val="1911231544"/>
+        <p14:creationId xmlns:p14="http://schemas.microsoft.com/office/powerpoint/2010/main" val="2382596817"/>
       </p:ext>
     </p:extLst>
   </p:cSld>
@@ -1479,6 +1385,12 @@
           <a:p>
             <a:endParaRPr lang="en-AU" dirty="0"/>
           </a:p>
+          <a:p>
+            <a:r>
+              <a:rPr lang="en-AU" dirty="0"/>
+              <a:t>S3</a:t>
+            </a:r>
+          </a:p>
         </p:txBody>
       </p:sp>
       <p:sp>
@@ -1507,7 +1419,7 @@
     </p:spTree>
     <p:extLst>
       <p:ext uri="{BB962C8B-B14F-4D97-AF65-F5344CB8AC3E}">
-        <p14:creationId xmlns:p14="http://schemas.microsoft.com/office/powerpoint/2010/main" val="1606476868"/>
+        <p14:creationId xmlns:p14="http://schemas.microsoft.com/office/powerpoint/2010/main" val="2818689870"/>
       </p:ext>
     </p:extLst>
   </p:cSld>
@@ -6162,201 +6074,6 @@
       </p:grpSpPr>
       <p:pic>
         <p:nvPicPr>
-          <p:cNvPr id="19" name="Picture 18" descr="A diagram of a number of menstrual cycle&#10;&#10;Description automatically generated">
-            <a:extLst>
-              <a:ext uri="{FF2B5EF4-FFF2-40B4-BE49-F238E27FC236}">
-                <a16:creationId xmlns:a16="http://schemas.microsoft.com/office/drawing/2014/main" id="{D7D8ABFA-A700-3994-3B36-60CC9F49BCC7}"/>
-              </a:ext>
-            </a:extLst>
-          </p:cNvPr>
-          <p:cNvPicPr>
-            <a:picLocks noChangeAspect="1"/>
-          </p:cNvPicPr>
-          <p:nvPr/>
-        </p:nvPicPr>
-        <p:blipFill>
-          <a:blip r:embed="rId3"/>
-          <a:stretch>
-            <a:fillRect/>
-          </a:stretch>
-        </p:blipFill>
-        <p:spPr>
-          <a:xfrm>
-            <a:off x="1157404" y="-1"/>
-            <a:ext cx="8571211" cy="6856969"/>
-          </a:xfrm>
-          <a:prstGeom prst="rect">
-            <a:avLst/>
-          </a:prstGeom>
-        </p:spPr>
-      </p:pic>
-      <p:sp>
-        <p:nvSpPr>
-          <p:cNvPr id="20" name="TextBox 19">
-            <a:extLst>
-              <a:ext uri="{FF2B5EF4-FFF2-40B4-BE49-F238E27FC236}">
-                <a16:creationId xmlns:a16="http://schemas.microsoft.com/office/drawing/2014/main" id="{C06EE021-DC48-A0A0-AF81-D9A9D0BF584A}"/>
-              </a:ext>
-            </a:extLst>
-          </p:cNvPr>
-          <p:cNvSpPr txBox="1"/>
-          <p:nvPr/>
-        </p:nvSpPr>
-        <p:spPr>
-          <a:xfrm>
-            <a:off x="3141647" y="3950071"/>
-            <a:ext cx="295274" cy="307777"/>
-          </a:xfrm>
-          <a:prstGeom prst="rect">
-            <a:avLst/>
-          </a:prstGeom>
-          <a:noFill/>
-        </p:spPr>
-        <p:txBody>
-          <a:bodyPr wrap="none" rtlCol="0">
-            <a:spAutoFit/>
-          </a:bodyPr>
-          <a:lstStyle/>
-          <a:p>
-            <a:r>
-              <a:rPr lang="en-AU" sz="1400" b="1" dirty="0"/>
-              <a:t>A</a:t>
-            </a:r>
-          </a:p>
-        </p:txBody>
-      </p:sp>
-      <p:sp>
-        <p:nvSpPr>
-          <p:cNvPr id="21" name="TextBox 20">
-            <a:extLst>
-              <a:ext uri="{FF2B5EF4-FFF2-40B4-BE49-F238E27FC236}">
-                <a16:creationId xmlns:a16="http://schemas.microsoft.com/office/drawing/2014/main" id="{F5CE6147-01CE-488A-2852-92F5BBEC82C9}"/>
-              </a:ext>
-            </a:extLst>
-          </p:cNvPr>
-          <p:cNvSpPr txBox="1"/>
-          <p:nvPr/>
-        </p:nvSpPr>
-        <p:spPr>
-          <a:xfrm>
-            <a:off x="5527737" y="2343798"/>
-            <a:ext cx="463332" cy="307777"/>
-          </a:xfrm>
-          <a:prstGeom prst="rect">
-            <a:avLst/>
-          </a:prstGeom>
-          <a:noFill/>
-        </p:spPr>
-        <p:txBody>
-          <a:bodyPr wrap="none" rtlCol="0">
-            <a:spAutoFit/>
-          </a:bodyPr>
-          <a:lstStyle/>
-          <a:p>
-            <a:r>
-              <a:rPr lang="en-AU" sz="1400" b="1" dirty="0"/>
-              <a:t>A,B</a:t>
-            </a:r>
-          </a:p>
-        </p:txBody>
-      </p:sp>
-      <p:sp>
-        <p:nvSpPr>
-          <p:cNvPr id="22" name="TextBox 21">
-            <a:extLst>
-              <a:ext uri="{FF2B5EF4-FFF2-40B4-BE49-F238E27FC236}">
-                <a16:creationId xmlns:a16="http://schemas.microsoft.com/office/drawing/2014/main" id="{F00B4E72-B120-7CAC-9993-5A0E12DCB6E9}"/>
-              </a:ext>
-            </a:extLst>
-          </p:cNvPr>
-          <p:cNvSpPr txBox="1"/>
-          <p:nvPr/>
-        </p:nvSpPr>
-        <p:spPr>
-          <a:xfrm>
-            <a:off x="8004995" y="709336"/>
-            <a:ext cx="295274" cy="307777"/>
-          </a:xfrm>
-          <a:prstGeom prst="rect">
-            <a:avLst/>
-          </a:prstGeom>
-          <a:noFill/>
-        </p:spPr>
-        <p:txBody>
-          <a:bodyPr wrap="none" rtlCol="0">
-            <a:spAutoFit/>
-          </a:bodyPr>
-          <a:lstStyle/>
-          <a:p>
-            <a:r>
-              <a:rPr lang="en-AU" sz="1400" b="1" dirty="0"/>
-              <a:t>B</a:t>
-            </a:r>
-          </a:p>
-        </p:txBody>
-      </p:sp>
-      <p:pic>
-        <p:nvPicPr>
-          <p:cNvPr id="23" name="Picture 22" descr="A group of eggs in a pile&#10;&#10;Description automatically generated">
-            <a:extLst>
-              <a:ext uri="{FF2B5EF4-FFF2-40B4-BE49-F238E27FC236}">
-                <a16:creationId xmlns:a16="http://schemas.microsoft.com/office/drawing/2014/main" id="{A322F514-6653-1FDB-7E16-7DFAD9F3A712}"/>
-              </a:ext>
-            </a:extLst>
-          </p:cNvPr>
-          <p:cNvPicPr>
-            <a:picLocks noChangeAspect="1"/>
-          </p:cNvPicPr>
-          <p:nvPr/>
-        </p:nvPicPr>
-        <p:blipFill>
-          <a:blip r:embed="rId4"/>
-          <a:stretch>
-            <a:fillRect/>
-          </a:stretch>
-        </p:blipFill>
-        <p:spPr>
-          <a:xfrm>
-            <a:off x="2167582" y="212178"/>
-            <a:ext cx="1293255" cy="1206513"/>
-          </a:xfrm>
-          <a:prstGeom prst="rect">
-            <a:avLst/>
-          </a:prstGeom>
-        </p:spPr>
-      </p:pic>
-    </p:spTree>
-    <p:extLst>
-      <p:ext uri="{BB962C8B-B14F-4D97-AF65-F5344CB8AC3E}">
-        <p14:creationId xmlns:p14="http://schemas.microsoft.com/office/powerpoint/2010/main" val="1132515170"/>
-      </p:ext>
-    </p:extLst>
-  </p:cSld>
-  <p:clrMapOvr>
-    <a:masterClrMapping/>
-  </p:clrMapOvr>
-</p:sld>
-</file>
-
-<file path=ppt/slides/slide11.xml><?xml version="1.0" encoding="utf-8"?>
-<p:sld xmlns:a="http://schemas.openxmlformats.org/drawingml/2006/main" xmlns:r="http://schemas.openxmlformats.org/officeDocument/2006/relationships" xmlns:p="http://schemas.openxmlformats.org/presentationml/2006/main">
-  <p:cSld>
-    <p:spTree>
-      <p:nvGrpSpPr>
-        <p:cNvPr id="1" name=""/>
-        <p:cNvGrpSpPr/>
-        <p:nvPr/>
-      </p:nvGrpSpPr>
-      <p:grpSpPr>
-        <a:xfrm>
-          <a:off x="0" y="0"/>
-          <a:ext cx="0" cy="0"/>
-          <a:chOff x="0" y="0"/>
-          <a:chExt cx="0" cy="0"/>
-        </a:xfrm>
-      </p:grpSpPr>
-      <p:pic>
-        <p:nvPicPr>
           <p:cNvPr id="3" name="Picture 2" descr="A collage of numbers and symbols&#10;&#10;Description automatically generated">
             <a:extLst>
               <a:ext uri="{FF2B5EF4-FFF2-40B4-BE49-F238E27FC236}">
@@ -7178,7 +6895,1708 @@
 </p:sld>
 </file>
 
-<file path=ppt/slides/slide12.xml><?xml version="1.0" encoding="utf-8"?>
+<file path=ppt/slides/slide11.xml><?xml version="1.0" encoding="utf-8"?>
+<p:sld xmlns:a="http://schemas.openxmlformats.org/drawingml/2006/main" xmlns:r="http://schemas.openxmlformats.org/officeDocument/2006/relationships" xmlns:p="http://schemas.openxmlformats.org/presentationml/2006/main">
+  <p:cSld>
+    <p:spTree>
+      <p:nvGrpSpPr>
+        <p:cNvPr id="1" name=""/>
+        <p:cNvGrpSpPr/>
+        <p:nvPr/>
+      </p:nvGrpSpPr>
+      <p:grpSpPr>
+        <a:xfrm>
+          <a:off x="0" y="0"/>
+          <a:ext cx="0" cy="0"/>
+          <a:chOff x="0" y="0"/>
+          <a:chExt cx="0" cy="0"/>
+        </a:xfrm>
+      </p:grpSpPr>
+      <p:pic>
+        <p:nvPicPr>
+          <p:cNvPr id="3" name="Picture 2" descr="A comparison of a graph&#10;&#10;Description automatically generated with medium confidence">
+            <a:extLst>
+              <a:ext uri="{FF2B5EF4-FFF2-40B4-BE49-F238E27FC236}">
+                <a16:creationId xmlns:a16="http://schemas.microsoft.com/office/drawing/2014/main" id="{D6343A69-D065-27DE-283B-450943965256}"/>
+              </a:ext>
+            </a:extLst>
+          </p:cNvPr>
+          <p:cNvPicPr>
+            <a:picLocks noChangeAspect="1"/>
+          </p:cNvPicPr>
+          <p:nvPr/>
+        </p:nvPicPr>
+        <p:blipFill>
+          <a:blip r:embed="rId3"/>
+          <a:stretch>
+            <a:fillRect/>
+          </a:stretch>
+        </p:blipFill>
+        <p:spPr>
+          <a:xfrm>
+            <a:off x="1681814" y="0"/>
+            <a:ext cx="7976849" cy="6780322"/>
+          </a:xfrm>
+          <a:prstGeom prst="rect">
+            <a:avLst/>
+          </a:prstGeom>
+        </p:spPr>
+      </p:pic>
+      <p:pic>
+        <p:nvPicPr>
+          <p:cNvPr id="4" name="Picture 3" descr="A black background with a black square&#10;&#10;Description automatically generated with medium confidence">
+            <a:extLst>
+              <a:ext uri="{FF2B5EF4-FFF2-40B4-BE49-F238E27FC236}">
+                <a16:creationId xmlns:a16="http://schemas.microsoft.com/office/drawing/2014/main" id="{E92364E6-6F36-5A7E-6D8F-11982D472585}"/>
+              </a:ext>
+            </a:extLst>
+          </p:cNvPr>
+          <p:cNvPicPr>
+            <a:picLocks noChangeAspect="1"/>
+          </p:cNvPicPr>
+          <p:nvPr/>
+        </p:nvPicPr>
+        <p:blipFill>
+          <a:blip r:embed="rId4"/>
+          <a:stretch>
+            <a:fillRect/>
+          </a:stretch>
+        </p:blipFill>
+        <p:spPr>
+          <a:xfrm>
+            <a:off x="2659207" y="-40454"/>
+            <a:ext cx="1407698" cy="723399"/>
+          </a:xfrm>
+          <a:prstGeom prst="rect">
+            <a:avLst/>
+          </a:prstGeom>
+        </p:spPr>
+      </p:pic>
+    </p:spTree>
+    <p:extLst>
+      <p:ext uri="{BB962C8B-B14F-4D97-AF65-F5344CB8AC3E}">
+        <p14:creationId xmlns:p14="http://schemas.microsoft.com/office/powerpoint/2010/main" val="329730318"/>
+      </p:ext>
+    </p:extLst>
+  </p:cSld>
+  <p:clrMapOvr>
+    <a:masterClrMapping/>
+  </p:clrMapOvr>
+</p:sld>
+</file>
+
+<file path=ppt/slides/slide2.xml><?xml version="1.0" encoding="utf-8"?>
+<p:sld xmlns:a="http://schemas.openxmlformats.org/drawingml/2006/main" xmlns:r="http://schemas.openxmlformats.org/officeDocument/2006/relationships" xmlns:p="http://schemas.openxmlformats.org/presentationml/2006/main">
+  <p:cSld>
+    <p:spTree>
+      <p:nvGrpSpPr>
+        <p:cNvPr id="1" name=""/>
+        <p:cNvGrpSpPr/>
+        <p:nvPr/>
+      </p:nvGrpSpPr>
+      <p:grpSpPr>
+        <a:xfrm>
+          <a:off x="0" y="0"/>
+          <a:ext cx="0" cy="0"/>
+          <a:chOff x="0" y="0"/>
+          <a:chExt cx="0" cy="0"/>
+        </a:xfrm>
+      </p:grpSpPr>
+      <p:sp>
+        <p:nvSpPr>
+          <p:cNvPr id="10" name="TextBox 9">
+            <a:extLst>
+              <a:ext uri="{FF2B5EF4-FFF2-40B4-BE49-F238E27FC236}">
+                <a16:creationId xmlns:a16="http://schemas.microsoft.com/office/drawing/2014/main" id="{E4E3FE14-3A69-77E5-7825-5DEA80182259}"/>
+              </a:ext>
+            </a:extLst>
+          </p:cNvPr>
+          <p:cNvSpPr txBox="1"/>
+          <p:nvPr/>
+        </p:nvSpPr>
+        <p:spPr>
+          <a:xfrm>
+            <a:off x="3366498" y="4025022"/>
+            <a:ext cx="295274" cy="307777"/>
+          </a:xfrm>
+          <a:prstGeom prst="rect">
+            <a:avLst/>
+          </a:prstGeom>
+          <a:noFill/>
+        </p:spPr>
+        <p:txBody>
+          <a:bodyPr wrap="none" rtlCol="0">
+            <a:spAutoFit/>
+          </a:bodyPr>
+          <a:lstStyle/>
+          <a:p>
+            <a:r>
+              <a:rPr lang="en-AU" sz="1400" b="1" dirty="0"/>
+              <a:t>A</a:t>
+            </a:r>
+          </a:p>
+        </p:txBody>
+      </p:sp>
+      <p:sp>
+        <p:nvSpPr>
+          <p:cNvPr id="11" name="TextBox 10">
+            <a:extLst>
+              <a:ext uri="{FF2B5EF4-FFF2-40B4-BE49-F238E27FC236}">
+                <a16:creationId xmlns:a16="http://schemas.microsoft.com/office/drawing/2014/main" id="{846917F4-CED0-7761-AE2B-15E9478E0768}"/>
+              </a:ext>
+            </a:extLst>
+          </p:cNvPr>
+          <p:cNvSpPr txBox="1"/>
+          <p:nvPr/>
+        </p:nvSpPr>
+        <p:spPr>
+          <a:xfrm>
+            <a:off x="5632668" y="2493699"/>
+            <a:ext cx="463332" cy="307777"/>
+          </a:xfrm>
+          <a:prstGeom prst="rect">
+            <a:avLst/>
+          </a:prstGeom>
+          <a:noFill/>
+        </p:spPr>
+        <p:txBody>
+          <a:bodyPr wrap="none" rtlCol="0">
+            <a:spAutoFit/>
+          </a:bodyPr>
+          <a:lstStyle/>
+          <a:p>
+            <a:r>
+              <a:rPr lang="en-AU" sz="1400" b="1" dirty="0"/>
+              <a:t>A,B</a:t>
+            </a:r>
+          </a:p>
+        </p:txBody>
+      </p:sp>
+      <p:sp>
+        <p:nvSpPr>
+          <p:cNvPr id="12" name="TextBox 11">
+            <a:extLst>
+              <a:ext uri="{FF2B5EF4-FFF2-40B4-BE49-F238E27FC236}">
+                <a16:creationId xmlns:a16="http://schemas.microsoft.com/office/drawing/2014/main" id="{BC02DF88-61B5-C1CE-2222-BC4B15238C20}"/>
+              </a:ext>
+            </a:extLst>
+          </p:cNvPr>
+          <p:cNvSpPr txBox="1"/>
+          <p:nvPr/>
+        </p:nvSpPr>
+        <p:spPr>
+          <a:xfrm>
+            <a:off x="8109926" y="859237"/>
+            <a:ext cx="295274" cy="307777"/>
+          </a:xfrm>
+          <a:prstGeom prst="rect">
+            <a:avLst/>
+          </a:prstGeom>
+          <a:noFill/>
+        </p:spPr>
+        <p:txBody>
+          <a:bodyPr wrap="none" rtlCol="0">
+            <a:spAutoFit/>
+          </a:bodyPr>
+          <a:lstStyle/>
+          <a:p>
+            <a:r>
+              <a:rPr lang="en-AU" sz="1400" b="1" dirty="0"/>
+              <a:t>B</a:t>
+            </a:r>
+          </a:p>
+        </p:txBody>
+      </p:sp>
+      <p:grpSp>
+        <p:nvGrpSpPr>
+          <p:cNvPr id="17" name="Group 16">
+            <a:extLst>
+              <a:ext uri="{FF2B5EF4-FFF2-40B4-BE49-F238E27FC236}">
+                <a16:creationId xmlns:a16="http://schemas.microsoft.com/office/drawing/2014/main" id="{FDBF6DF9-EFCB-44AF-09A0-0D05B03DE54A}"/>
+              </a:ext>
+            </a:extLst>
+          </p:cNvPr>
+          <p:cNvGrpSpPr/>
+          <p:nvPr/>
+        </p:nvGrpSpPr>
+        <p:grpSpPr>
+          <a:xfrm>
+            <a:off x="1436329" y="212178"/>
+            <a:ext cx="8307277" cy="6645822"/>
+            <a:chOff x="1436329" y="212178"/>
+            <a:chExt cx="8307277" cy="6645822"/>
+          </a:xfrm>
+        </p:grpSpPr>
+        <p:pic>
+          <p:nvPicPr>
+            <p:cNvPr id="5" name="Picture 4" descr="A diagram of a number of patients&#10;&#10;Description automatically generated with medium confidence">
+              <a:extLst>
+                <a:ext uri="{FF2B5EF4-FFF2-40B4-BE49-F238E27FC236}">
+                  <a16:creationId xmlns:a16="http://schemas.microsoft.com/office/drawing/2014/main" id="{836F5EAA-274D-1655-F694-084B28DB04D4}"/>
+                </a:ext>
+              </a:extLst>
+            </p:cNvPr>
+            <p:cNvPicPr>
+              <a:picLocks noChangeAspect="1"/>
+            </p:cNvPicPr>
+            <p:nvPr/>
+          </p:nvPicPr>
+          <p:blipFill>
+            <a:blip r:embed="rId3"/>
+            <a:stretch>
+              <a:fillRect/>
+            </a:stretch>
+          </p:blipFill>
+          <p:spPr>
+            <a:xfrm>
+              <a:off x="1436329" y="212178"/>
+              <a:ext cx="8307277" cy="6645822"/>
+            </a:xfrm>
+            <a:prstGeom prst="rect">
+              <a:avLst/>
+            </a:prstGeom>
+          </p:spPr>
+        </p:pic>
+        <p:pic>
+          <p:nvPicPr>
+            <p:cNvPr id="15" name="Picture 14" descr="A group of eggs in a pile&#10;&#10;Description automatically generated">
+              <a:extLst>
+                <a:ext uri="{FF2B5EF4-FFF2-40B4-BE49-F238E27FC236}">
+                  <a16:creationId xmlns:a16="http://schemas.microsoft.com/office/drawing/2014/main" id="{7E452EB6-D841-2F2C-E3EE-3FBA9FC39A8B}"/>
+                </a:ext>
+              </a:extLst>
+            </p:cNvPr>
+            <p:cNvPicPr>
+              <a:picLocks noChangeAspect="1"/>
+            </p:cNvPicPr>
+            <p:nvPr/>
+          </p:nvPicPr>
+          <p:blipFill>
+            <a:blip r:embed="rId4"/>
+            <a:stretch>
+              <a:fillRect/>
+            </a:stretch>
+          </p:blipFill>
+          <p:spPr>
+            <a:xfrm>
+              <a:off x="2167582" y="212178"/>
+              <a:ext cx="1293255" cy="1206513"/>
+            </a:xfrm>
+            <a:prstGeom prst="rect">
+              <a:avLst/>
+            </a:prstGeom>
+          </p:spPr>
+        </p:pic>
+        <p:pic>
+          <p:nvPicPr>
+            <p:cNvPr id="16" name="Picture 15" descr="A group of boxes with black text&#10;&#10;Description automatically generated">
+              <a:extLst>
+                <a:ext uri="{FF2B5EF4-FFF2-40B4-BE49-F238E27FC236}">
+                  <a16:creationId xmlns:a16="http://schemas.microsoft.com/office/drawing/2014/main" id="{0CEB1323-071B-3CE4-7CE3-4109B62A0A8F}"/>
+                </a:ext>
+              </a:extLst>
+            </p:cNvPr>
+            <p:cNvPicPr>
+              <a:picLocks noChangeAspect="1"/>
+            </p:cNvPicPr>
+            <p:nvPr/>
+          </p:nvPicPr>
+          <p:blipFill>
+            <a:blip r:embed="rId5"/>
+            <a:stretch>
+              <a:fillRect/>
+            </a:stretch>
+          </p:blipFill>
+          <p:spPr>
+            <a:xfrm>
+              <a:off x="3661772" y="248941"/>
+              <a:ext cx="1508050" cy="1437360"/>
+            </a:xfrm>
+            <a:prstGeom prst="rect">
+              <a:avLst/>
+            </a:prstGeom>
+          </p:spPr>
+        </p:pic>
+      </p:grpSp>
+    </p:spTree>
+    <p:extLst>
+      <p:ext uri="{BB962C8B-B14F-4D97-AF65-F5344CB8AC3E}">
+        <p14:creationId xmlns:p14="http://schemas.microsoft.com/office/powerpoint/2010/main" val="3072093800"/>
+      </p:ext>
+    </p:extLst>
+  </p:cSld>
+  <p:clrMapOvr>
+    <a:masterClrMapping/>
+  </p:clrMapOvr>
+</p:sld>
+</file>
+
+<file path=ppt/slides/slide3.xml><?xml version="1.0" encoding="utf-8"?>
+<p:sld xmlns:a="http://schemas.openxmlformats.org/drawingml/2006/main" xmlns:r="http://schemas.openxmlformats.org/officeDocument/2006/relationships" xmlns:p="http://schemas.openxmlformats.org/presentationml/2006/main">
+  <p:cSld>
+    <p:spTree>
+      <p:nvGrpSpPr>
+        <p:cNvPr id="1" name=""/>
+        <p:cNvGrpSpPr/>
+        <p:nvPr/>
+      </p:nvGrpSpPr>
+      <p:grpSpPr>
+        <a:xfrm>
+          <a:off x="0" y="0"/>
+          <a:ext cx="0" cy="0"/>
+          <a:chOff x="0" y="0"/>
+          <a:chExt cx="0" cy="0"/>
+        </a:xfrm>
+      </p:grpSpPr>
+      <p:grpSp>
+        <p:nvGrpSpPr>
+          <p:cNvPr id="82" name="Group 81">
+            <a:extLst>
+              <a:ext uri="{FF2B5EF4-FFF2-40B4-BE49-F238E27FC236}">
+                <a16:creationId xmlns:a16="http://schemas.microsoft.com/office/drawing/2014/main" id="{825B519C-AAC4-85B8-DA01-5F5585D744FA}"/>
+              </a:ext>
+            </a:extLst>
+          </p:cNvPr>
+          <p:cNvGrpSpPr/>
+          <p:nvPr/>
+        </p:nvGrpSpPr>
+        <p:grpSpPr>
+          <a:xfrm>
+            <a:off x="2140157" y="190147"/>
+            <a:ext cx="6985000" cy="6667853"/>
+            <a:chOff x="2140157" y="190147"/>
+            <a:chExt cx="6985000" cy="6667853"/>
+          </a:xfrm>
+        </p:grpSpPr>
+        <p:pic>
+          <p:nvPicPr>
+            <p:cNvPr id="47" name="Picture 46" descr="A group of graphs showing treatment levels&#10;&#10;Description automatically generated with medium confidence">
+              <a:extLst>
+                <a:ext uri="{FF2B5EF4-FFF2-40B4-BE49-F238E27FC236}">
+                  <a16:creationId xmlns:a16="http://schemas.microsoft.com/office/drawing/2014/main" id="{D1B29DDE-EBEE-E4E4-2401-B609D7DB134C}"/>
+                </a:ext>
+              </a:extLst>
+            </p:cNvPr>
+            <p:cNvPicPr>
+              <a:picLocks noChangeAspect="1"/>
+            </p:cNvPicPr>
+            <p:nvPr/>
+          </p:nvPicPr>
+          <p:blipFill>
+            <a:blip r:embed="rId3"/>
+            <a:stretch>
+              <a:fillRect/>
+            </a:stretch>
+          </p:blipFill>
+          <p:spPr>
+            <a:xfrm>
+              <a:off x="2140157" y="190500"/>
+              <a:ext cx="6985000" cy="6667500"/>
+            </a:xfrm>
+            <a:prstGeom prst="rect">
+              <a:avLst/>
+            </a:prstGeom>
+          </p:spPr>
+        </p:pic>
+        <p:grpSp>
+          <p:nvGrpSpPr>
+            <p:cNvPr id="58" name="Group 57">
+              <a:extLst>
+                <a:ext uri="{FF2B5EF4-FFF2-40B4-BE49-F238E27FC236}">
+                  <a16:creationId xmlns:a16="http://schemas.microsoft.com/office/drawing/2014/main" id="{07C5CB1A-9071-6F17-3170-C1CEF251B21D}"/>
+                </a:ext>
+              </a:extLst>
+            </p:cNvPr>
+            <p:cNvGrpSpPr/>
+            <p:nvPr/>
+          </p:nvGrpSpPr>
+          <p:grpSpPr>
+            <a:xfrm>
+              <a:off x="2259209" y="261754"/>
+              <a:ext cx="1093680" cy="5005052"/>
+              <a:chOff x="2259209" y="96864"/>
+              <a:chExt cx="1093680" cy="5005052"/>
+            </a:xfrm>
+          </p:grpSpPr>
+          <p:grpSp>
+            <p:nvGrpSpPr>
+              <p:cNvPr id="74" name="Group 73">
+                <a:extLst>
+                  <a:ext uri="{FF2B5EF4-FFF2-40B4-BE49-F238E27FC236}">
+                    <a16:creationId xmlns:a16="http://schemas.microsoft.com/office/drawing/2014/main" id="{75486952-A473-C15A-2B76-3C761B81D8CF}"/>
+                  </a:ext>
+                </a:extLst>
+              </p:cNvPr>
+              <p:cNvGrpSpPr/>
+              <p:nvPr/>
+            </p:nvGrpSpPr>
+            <p:grpSpPr>
+              <a:xfrm>
+                <a:off x="2259209" y="2301004"/>
+                <a:ext cx="1057623" cy="2800912"/>
+                <a:chOff x="2259209" y="2301004"/>
+                <a:chExt cx="1057623" cy="2800912"/>
+              </a:xfrm>
+            </p:grpSpPr>
+            <p:pic>
+              <p:nvPicPr>
+                <p:cNvPr id="80" name="Picture 79" descr="A black background with a black square&#10;&#10;Description automatically generated with medium confidence">
+                  <a:extLst>
+                    <a:ext uri="{FF2B5EF4-FFF2-40B4-BE49-F238E27FC236}">
+                      <a16:creationId xmlns:a16="http://schemas.microsoft.com/office/drawing/2014/main" id="{64309C72-AEED-9837-BB19-FF270A6D7459}"/>
+                    </a:ext>
+                  </a:extLst>
+                </p:cNvPr>
+                <p:cNvPicPr>
+                  <a:picLocks noChangeAspect="1"/>
+                </p:cNvPicPr>
+                <p:nvPr/>
+              </p:nvPicPr>
+              <p:blipFill>
+                <a:blip r:embed="rId4"/>
+                <a:stretch>
+                  <a:fillRect/>
+                </a:stretch>
+              </p:blipFill>
+              <p:spPr>
+                <a:xfrm>
+                  <a:off x="2525381" y="2301004"/>
+                  <a:ext cx="542727" cy="278902"/>
+                </a:xfrm>
+                <a:prstGeom prst="rect">
+                  <a:avLst/>
+                </a:prstGeom>
+              </p:spPr>
+            </p:pic>
+            <p:pic>
+              <p:nvPicPr>
+                <p:cNvPr id="81" name="Picture 80" descr="A black background with a black square&#10;&#10;Description automatically generated with medium confidence">
+                  <a:extLst>
+                    <a:ext uri="{FF2B5EF4-FFF2-40B4-BE49-F238E27FC236}">
+                      <a16:creationId xmlns:a16="http://schemas.microsoft.com/office/drawing/2014/main" id="{4F5AC76C-D8E5-908D-B8EC-A08F22552C0C}"/>
+                    </a:ext>
+                  </a:extLst>
+                </p:cNvPr>
+                <p:cNvPicPr>
+                  <a:picLocks noChangeAspect="1"/>
+                </p:cNvPicPr>
+                <p:nvPr/>
+              </p:nvPicPr>
+              <p:blipFill>
+                <a:blip r:embed="rId4"/>
+                <a:stretch>
+                  <a:fillRect/>
+                </a:stretch>
+              </p:blipFill>
+              <p:spPr>
+                <a:xfrm>
+                  <a:off x="2259209" y="4558416"/>
+                  <a:ext cx="1057623" cy="543500"/>
+                </a:xfrm>
+                <a:prstGeom prst="rect">
+                  <a:avLst/>
+                </a:prstGeom>
+              </p:spPr>
+            </p:pic>
+          </p:grpSp>
+          <p:grpSp>
+            <p:nvGrpSpPr>
+              <p:cNvPr id="75" name="Group 74">
+                <a:extLst>
+                  <a:ext uri="{FF2B5EF4-FFF2-40B4-BE49-F238E27FC236}">
+                    <a16:creationId xmlns:a16="http://schemas.microsoft.com/office/drawing/2014/main" id="{945AE17E-4BC1-CE5F-940A-BCA07AC2F718}"/>
+                  </a:ext>
+                </a:extLst>
+              </p:cNvPr>
+              <p:cNvGrpSpPr/>
+              <p:nvPr/>
+            </p:nvGrpSpPr>
+            <p:grpSpPr>
+              <a:xfrm>
+                <a:off x="2259209" y="96864"/>
+                <a:ext cx="1093680" cy="5005052"/>
+                <a:chOff x="2259209" y="96864"/>
+                <a:chExt cx="1093680" cy="5005052"/>
+              </a:xfrm>
+            </p:grpSpPr>
+            <p:grpSp>
+              <p:nvGrpSpPr>
+                <p:cNvPr id="76" name="Group 75">
+                  <a:extLst>
+                    <a:ext uri="{FF2B5EF4-FFF2-40B4-BE49-F238E27FC236}">
+                      <a16:creationId xmlns:a16="http://schemas.microsoft.com/office/drawing/2014/main" id="{67073B04-A841-472B-F597-2D9BC04D9E33}"/>
+                    </a:ext>
+                  </a:extLst>
+                </p:cNvPr>
+                <p:cNvGrpSpPr/>
+                <p:nvPr/>
+              </p:nvGrpSpPr>
+              <p:grpSpPr>
+                <a:xfrm>
+                  <a:off x="2259209" y="2301004"/>
+                  <a:ext cx="1057623" cy="2800912"/>
+                  <a:chOff x="2259209" y="2301004"/>
+                  <a:chExt cx="1057623" cy="2800912"/>
+                </a:xfrm>
+              </p:grpSpPr>
+              <p:pic>
+                <p:nvPicPr>
+                  <p:cNvPr id="78" name="Picture 77" descr="A black background with a black square&#10;&#10;Description automatically generated with medium confidence">
+                    <a:extLst>
+                      <a:ext uri="{FF2B5EF4-FFF2-40B4-BE49-F238E27FC236}">
+                        <a16:creationId xmlns:a16="http://schemas.microsoft.com/office/drawing/2014/main" id="{64B39430-8E04-C05D-4E22-7047F66689F8}"/>
+                      </a:ext>
+                    </a:extLst>
+                  </p:cNvPr>
+                  <p:cNvPicPr>
+                    <a:picLocks noChangeAspect="1"/>
+                  </p:cNvPicPr>
+                  <p:nvPr/>
+                </p:nvPicPr>
+                <p:blipFill>
+                  <a:blip r:embed="rId4"/>
+                  <a:stretch>
+                    <a:fillRect/>
+                  </a:stretch>
+                </p:blipFill>
+                <p:spPr>
+                  <a:xfrm>
+                    <a:off x="2525381" y="2301004"/>
+                    <a:ext cx="542727" cy="278902"/>
+                  </a:xfrm>
+                  <a:prstGeom prst="rect">
+                    <a:avLst/>
+                  </a:prstGeom>
+                </p:spPr>
+              </p:pic>
+              <p:pic>
+                <p:nvPicPr>
+                  <p:cNvPr id="79" name="Picture 78" descr="A black background with a black square&#10;&#10;Description automatically generated with medium confidence">
+                    <a:extLst>
+                      <a:ext uri="{FF2B5EF4-FFF2-40B4-BE49-F238E27FC236}">
+                        <a16:creationId xmlns:a16="http://schemas.microsoft.com/office/drawing/2014/main" id="{C1917570-81A7-30E9-F48A-6314CB65F152}"/>
+                      </a:ext>
+                    </a:extLst>
+                  </p:cNvPr>
+                  <p:cNvPicPr>
+                    <a:picLocks noChangeAspect="1"/>
+                  </p:cNvPicPr>
+                  <p:nvPr/>
+                </p:nvPicPr>
+                <p:blipFill>
+                  <a:blip r:embed="rId4"/>
+                  <a:stretch>
+                    <a:fillRect/>
+                  </a:stretch>
+                </p:blipFill>
+                <p:spPr>
+                  <a:xfrm>
+                    <a:off x="2259209" y="4558416"/>
+                    <a:ext cx="1057623" cy="543500"/>
+                  </a:xfrm>
+                  <a:prstGeom prst="rect">
+                    <a:avLst/>
+                  </a:prstGeom>
+                </p:spPr>
+              </p:pic>
+            </p:grpSp>
+            <p:pic>
+              <p:nvPicPr>
+                <p:cNvPr id="77" name="Picture 76">
+                  <a:extLst>
+                    <a:ext uri="{FF2B5EF4-FFF2-40B4-BE49-F238E27FC236}">
+                      <a16:creationId xmlns:a16="http://schemas.microsoft.com/office/drawing/2014/main" id="{EBFF1ADE-4366-213C-3333-2C205D3B1390}"/>
+                    </a:ext>
+                  </a:extLst>
+                </p:cNvPr>
+                <p:cNvPicPr>
+                  <a:picLocks noChangeAspect="1"/>
+                </p:cNvPicPr>
+                <p:nvPr/>
+              </p:nvPicPr>
+              <p:blipFill>
+                <a:blip r:embed="rId5"/>
+                <a:stretch>
+                  <a:fillRect/>
+                </a:stretch>
+              </p:blipFill>
+              <p:spPr>
+                <a:xfrm>
+                  <a:off x="2582819" y="96864"/>
+                  <a:ext cx="770070" cy="333845"/>
+                </a:xfrm>
+                <a:prstGeom prst="rect">
+                  <a:avLst/>
+                </a:prstGeom>
+              </p:spPr>
+            </p:pic>
+          </p:grpSp>
+        </p:grpSp>
+        <p:sp>
+          <p:nvSpPr>
+            <p:cNvPr id="59" name="TextBox 58">
+              <a:extLst>
+                <a:ext uri="{FF2B5EF4-FFF2-40B4-BE49-F238E27FC236}">
+                  <a16:creationId xmlns:a16="http://schemas.microsoft.com/office/drawing/2014/main" id="{77CA0461-2D30-A16B-1278-E54915EAF53C}"/>
+                </a:ext>
+              </a:extLst>
+            </p:cNvPr>
+            <p:cNvSpPr txBox="1"/>
+            <p:nvPr/>
+          </p:nvSpPr>
+          <p:spPr>
+            <a:xfrm>
+              <a:off x="3293255" y="434959"/>
+              <a:ext cx="295274" cy="307777"/>
+            </a:xfrm>
+            <a:prstGeom prst="rect">
+              <a:avLst/>
+            </a:prstGeom>
+            <a:noFill/>
+          </p:spPr>
+          <p:txBody>
+            <a:bodyPr wrap="none" rtlCol="0">
+              <a:spAutoFit/>
+            </a:bodyPr>
+            <a:lstStyle/>
+            <a:p>
+              <a:r>
+                <a:rPr lang="en-AU" sz="1400" b="1" dirty="0"/>
+                <a:t>A</a:t>
+              </a:r>
+            </a:p>
+          </p:txBody>
+        </p:sp>
+        <p:sp>
+          <p:nvSpPr>
+            <p:cNvPr id="60" name="TextBox 59">
+              <a:extLst>
+                <a:ext uri="{FF2B5EF4-FFF2-40B4-BE49-F238E27FC236}">
+                  <a16:creationId xmlns:a16="http://schemas.microsoft.com/office/drawing/2014/main" id="{6ADAAF31-0CA0-BAA1-5AAA-645FEEEC19C3}"/>
+                </a:ext>
+              </a:extLst>
+            </p:cNvPr>
+            <p:cNvSpPr txBox="1"/>
+            <p:nvPr/>
+          </p:nvSpPr>
+          <p:spPr>
+            <a:xfrm>
+              <a:off x="4626125" y="1030446"/>
+              <a:ext cx="295274" cy="307777"/>
+            </a:xfrm>
+            <a:prstGeom prst="rect">
+              <a:avLst/>
+            </a:prstGeom>
+            <a:noFill/>
+          </p:spPr>
+          <p:txBody>
+            <a:bodyPr wrap="none" rtlCol="0">
+              <a:spAutoFit/>
+            </a:bodyPr>
+            <a:lstStyle/>
+            <a:p>
+              <a:r>
+                <a:rPr lang="en-AU" sz="1400" b="1" dirty="0"/>
+                <a:t>B</a:t>
+              </a:r>
+            </a:p>
+          </p:txBody>
+        </p:sp>
+        <p:sp>
+          <p:nvSpPr>
+            <p:cNvPr id="61" name="TextBox 60">
+              <a:extLst>
+                <a:ext uri="{FF2B5EF4-FFF2-40B4-BE49-F238E27FC236}">
+                  <a16:creationId xmlns:a16="http://schemas.microsoft.com/office/drawing/2014/main" id="{40FD31A1-7F27-0429-086B-9C4A62295667}"/>
+                </a:ext>
+              </a:extLst>
+            </p:cNvPr>
+            <p:cNvSpPr txBox="1"/>
+            <p:nvPr/>
+          </p:nvSpPr>
+          <p:spPr>
+            <a:xfrm>
+              <a:off x="3249081" y="2634575"/>
+              <a:ext cx="295274" cy="307777"/>
+            </a:xfrm>
+            <a:prstGeom prst="rect">
+              <a:avLst/>
+            </a:prstGeom>
+            <a:noFill/>
+          </p:spPr>
+          <p:txBody>
+            <a:bodyPr wrap="none" rtlCol="0">
+              <a:spAutoFit/>
+            </a:bodyPr>
+            <a:lstStyle/>
+            <a:p>
+              <a:r>
+                <a:rPr lang="en-AU" sz="1400" b="1" dirty="0"/>
+                <a:t>A</a:t>
+              </a:r>
+            </a:p>
+          </p:txBody>
+        </p:sp>
+        <p:sp>
+          <p:nvSpPr>
+            <p:cNvPr id="62" name="TextBox 61">
+              <a:extLst>
+                <a:ext uri="{FF2B5EF4-FFF2-40B4-BE49-F238E27FC236}">
+                  <a16:creationId xmlns:a16="http://schemas.microsoft.com/office/drawing/2014/main" id="{C809CD2A-D1DF-D521-F0AA-112D64FE50F7}"/>
+                </a:ext>
+              </a:extLst>
+            </p:cNvPr>
+            <p:cNvSpPr txBox="1"/>
+            <p:nvPr/>
+          </p:nvSpPr>
+          <p:spPr>
+            <a:xfrm>
+              <a:off x="4634961" y="3605166"/>
+              <a:ext cx="295274" cy="307777"/>
+            </a:xfrm>
+            <a:prstGeom prst="rect">
+              <a:avLst/>
+            </a:prstGeom>
+            <a:noFill/>
+          </p:spPr>
+          <p:txBody>
+            <a:bodyPr wrap="none" rtlCol="0">
+              <a:spAutoFit/>
+            </a:bodyPr>
+            <a:lstStyle/>
+            <a:p>
+              <a:r>
+                <a:rPr lang="en-AU" sz="1400" b="1" dirty="0"/>
+                <a:t>B</a:t>
+              </a:r>
+            </a:p>
+          </p:txBody>
+        </p:sp>
+        <p:sp>
+          <p:nvSpPr>
+            <p:cNvPr id="63" name="TextBox 62">
+              <a:extLst>
+                <a:ext uri="{FF2B5EF4-FFF2-40B4-BE49-F238E27FC236}">
+                  <a16:creationId xmlns:a16="http://schemas.microsoft.com/office/drawing/2014/main" id="{6B9E394B-8BB2-17F9-C76D-A7E98C163196}"/>
+                </a:ext>
+              </a:extLst>
+            </p:cNvPr>
+            <p:cNvSpPr txBox="1"/>
+            <p:nvPr/>
+          </p:nvSpPr>
+          <p:spPr>
+            <a:xfrm>
+              <a:off x="3249081" y="4569417"/>
+              <a:ext cx="295274" cy="307777"/>
+            </a:xfrm>
+            <a:prstGeom prst="rect">
+              <a:avLst/>
+            </a:prstGeom>
+            <a:noFill/>
+          </p:spPr>
+          <p:txBody>
+            <a:bodyPr wrap="none" rtlCol="0">
+              <a:spAutoFit/>
+            </a:bodyPr>
+            <a:lstStyle/>
+            <a:p>
+              <a:r>
+                <a:rPr lang="en-AU" sz="1400" b="1" dirty="0"/>
+                <a:t>A</a:t>
+              </a:r>
+            </a:p>
+          </p:txBody>
+        </p:sp>
+        <p:sp>
+          <p:nvSpPr>
+            <p:cNvPr id="64" name="TextBox 63">
+              <a:extLst>
+                <a:ext uri="{FF2B5EF4-FFF2-40B4-BE49-F238E27FC236}">
+                  <a16:creationId xmlns:a16="http://schemas.microsoft.com/office/drawing/2014/main" id="{F3E2DA2E-9D84-C0B9-F472-6F8CE6ED245D}"/>
+                </a:ext>
+              </a:extLst>
+            </p:cNvPr>
+            <p:cNvSpPr txBox="1"/>
+            <p:nvPr/>
+          </p:nvSpPr>
+          <p:spPr>
+            <a:xfrm>
+              <a:off x="4596145" y="5412235"/>
+              <a:ext cx="295274" cy="307777"/>
+            </a:xfrm>
+            <a:prstGeom prst="rect">
+              <a:avLst/>
+            </a:prstGeom>
+            <a:noFill/>
+          </p:spPr>
+          <p:txBody>
+            <a:bodyPr wrap="none" rtlCol="0">
+              <a:spAutoFit/>
+            </a:bodyPr>
+            <a:lstStyle/>
+            <a:p>
+              <a:r>
+                <a:rPr lang="en-AU" sz="1400" b="1" dirty="0"/>
+                <a:t>A</a:t>
+              </a:r>
+            </a:p>
+          </p:txBody>
+        </p:sp>
+        <p:sp>
+          <p:nvSpPr>
+            <p:cNvPr id="65" name="TextBox 64">
+              <a:extLst>
+                <a:ext uri="{FF2B5EF4-FFF2-40B4-BE49-F238E27FC236}">
+                  <a16:creationId xmlns:a16="http://schemas.microsoft.com/office/drawing/2014/main" id="{E02BD054-55E5-9BDF-FB62-8E8DC807FCD0}"/>
+                </a:ext>
+              </a:extLst>
+            </p:cNvPr>
+            <p:cNvSpPr txBox="1"/>
+            <p:nvPr/>
+          </p:nvSpPr>
+          <p:spPr>
+            <a:xfrm>
+              <a:off x="8274235" y="1022225"/>
+              <a:ext cx="295274" cy="307777"/>
+            </a:xfrm>
+            <a:prstGeom prst="rect">
+              <a:avLst/>
+            </a:prstGeom>
+            <a:noFill/>
+          </p:spPr>
+          <p:txBody>
+            <a:bodyPr wrap="none" rtlCol="0">
+              <a:spAutoFit/>
+            </a:bodyPr>
+            <a:lstStyle/>
+            <a:p>
+              <a:r>
+                <a:rPr lang="en-AU" sz="1400" b="1" dirty="0"/>
+                <a:t>B</a:t>
+              </a:r>
+            </a:p>
+          </p:txBody>
+        </p:sp>
+        <p:sp>
+          <p:nvSpPr>
+            <p:cNvPr id="66" name="TextBox 65">
+              <a:extLst>
+                <a:ext uri="{FF2B5EF4-FFF2-40B4-BE49-F238E27FC236}">
+                  <a16:creationId xmlns:a16="http://schemas.microsoft.com/office/drawing/2014/main" id="{6E3B2799-8F19-1D68-5C03-233F9008A631}"/>
+                </a:ext>
+              </a:extLst>
+            </p:cNvPr>
+            <p:cNvSpPr txBox="1"/>
+            <p:nvPr/>
+          </p:nvSpPr>
+          <p:spPr>
+            <a:xfrm>
+              <a:off x="7130764" y="905393"/>
+              <a:ext cx="463332" cy="307777"/>
+            </a:xfrm>
+            <a:prstGeom prst="rect">
+              <a:avLst/>
+            </a:prstGeom>
+            <a:noFill/>
+          </p:spPr>
+          <p:txBody>
+            <a:bodyPr wrap="none" rtlCol="0">
+              <a:spAutoFit/>
+            </a:bodyPr>
+            <a:lstStyle/>
+            <a:p>
+              <a:r>
+                <a:rPr lang="en-AU" sz="1400" b="1" dirty="0"/>
+                <a:t>A,B</a:t>
+              </a:r>
+            </a:p>
+          </p:txBody>
+        </p:sp>
+        <p:sp>
+          <p:nvSpPr>
+            <p:cNvPr id="67" name="TextBox 66">
+              <a:extLst>
+                <a:ext uri="{FF2B5EF4-FFF2-40B4-BE49-F238E27FC236}">
+                  <a16:creationId xmlns:a16="http://schemas.microsoft.com/office/drawing/2014/main" id="{505DB0E4-F917-0177-BC09-9832EB8481D0}"/>
+                </a:ext>
+              </a:extLst>
+            </p:cNvPr>
+            <p:cNvSpPr txBox="1"/>
+            <p:nvPr/>
+          </p:nvSpPr>
+          <p:spPr>
+            <a:xfrm>
+              <a:off x="6176604" y="190147"/>
+              <a:ext cx="295274" cy="307777"/>
+            </a:xfrm>
+            <a:prstGeom prst="rect">
+              <a:avLst/>
+            </a:prstGeom>
+            <a:noFill/>
+          </p:spPr>
+          <p:txBody>
+            <a:bodyPr wrap="none" rtlCol="0">
+              <a:spAutoFit/>
+            </a:bodyPr>
+            <a:lstStyle/>
+            <a:p>
+              <a:r>
+                <a:rPr lang="en-AU" sz="1400" b="1" dirty="0"/>
+                <a:t>A</a:t>
+              </a:r>
+            </a:p>
+          </p:txBody>
+        </p:sp>
+        <p:sp>
+          <p:nvSpPr>
+            <p:cNvPr id="68" name="TextBox 67">
+              <a:extLst>
+                <a:ext uri="{FF2B5EF4-FFF2-40B4-BE49-F238E27FC236}">
+                  <a16:creationId xmlns:a16="http://schemas.microsoft.com/office/drawing/2014/main" id="{02948E71-2E34-5D66-E8A8-0ADFDE09D371}"/>
+                </a:ext>
+              </a:extLst>
+            </p:cNvPr>
+            <p:cNvSpPr txBox="1"/>
+            <p:nvPr/>
+          </p:nvSpPr>
+          <p:spPr>
+            <a:xfrm>
+              <a:off x="8274235" y="3426839"/>
+              <a:ext cx="295274" cy="307777"/>
+            </a:xfrm>
+            <a:prstGeom prst="rect">
+              <a:avLst/>
+            </a:prstGeom>
+            <a:noFill/>
+          </p:spPr>
+          <p:txBody>
+            <a:bodyPr wrap="none" rtlCol="0">
+              <a:spAutoFit/>
+            </a:bodyPr>
+            <a:lstStyle/>
+            <a:p>
+              <a:r>
+                <a:rPr lang="en-AU" sz="1400" b="1" dirty="0"/>
+                <a:t>B</a:t>
+              </a:r>
+            </a:p>
+          </p:txBody>
+        </p:sp>
+        <p:sp>
+          <p:nvSpPr>
+            <p:cNvPr id="69" name="TextBox 68">
+              <a:extLst>
+                <a:ext uri="{FF2B5EF4-FFF2-40B4-BE49-F238E27FC236}">
+                  <a16:creationId xmlns:a16="http://schemas.microsoft.com/office/drawing/2014/main" id="{A2D7DD42-E6B5-C34D-E15F-C501EA4C6655}"/>
+                </a:ext>
+              </a:extLst>
+            </p:cNvPr>
+            <p:cNvSpPr txBox="1"/>
+            <p:nvPr/>
+          </p:nvSpPr>
+          <p:spPr>
+            <a:xfrm>
+              <a:off x="7129725" y="3111860"/>
+              <a:ext cx="463332" cy="307777"/>
+            </a:xfrm>
+            <a:prstGeom prst="rect">
+              <a:avLst/>
+            </a:prstGeom>
+            <a:noFill/>
+          </p:spPr>
+          <p:txBody>
+            <a:bodyPr wrap="none" rtlCol="0">
+              <a:spAutoFit/>
+            </a:bodyPr>
+            <a:lstStyle/>
+            <a:p>
+              <a:r>
+                <a:rPr lang="en-AU" sz="1400" b="1" dirty="0"/>
+                <a:t>A,B</a:t>
+              </a:r>
+            </a:p>
+          </p:txBody>
+        </p:sp>
+        <p:sp>
+          <p:nvSpPr>
+            <p:cNvPr id="70" name="TextBox 69">
+              <a:extLst>
+                <a:ext uri="{FF2B5EF4-FFF2-40B4-BE49-F238E27FC236}">
+                  <a16:creationId xmlns:a16="http://schemas.microsoft.com/office/drawing/2014/main" id="{BA31A53B-7397-AE0D-8D48-DF9E358A518D}"/>
+                </a:ext>
+              </a:extLst>
+            </p:cNvPr>
+            <p:cNvSpPr txBox="1"/>
+            <p:nvPr/>
+          </p:nvSpPr>
+          <p:spPr>
+            <a:xfrm>
+              <a:off x="6161614" y="3003131"/>
+              <a:ext cx="295274" cy="307777"/>
+            </a:xfrm>
+            <a:prstGeom prst="rect">
+              <a:avLst/>
+            </a:prstGeom>
+            <a:noFill/>
+          </p:spPr>
+          <p:txBody>
+            <a:bodyPr wrap="none" rtlCol="0">
+              <a:spAutoFit/>
+            </a:bodyPr>
+            <a:lstStyle/>
+            <a:p>
+              <a:r>
+                <a:rPr lang="en-AU" sz="1400" b="1" dirty="0"/>
+                <a:t>A</a:t>
+              </a:r>
+            </a:p>
+          </p:txBody>
+        </p:sp>
+        <p:sp>
+          <p:nvSpPr>
+            <p:cNvPr id="71" name="TextBox 70">
+              <a:extLst>
+                <a:ext uri="{FF2B5EF4-FFF2-40B4-BE49-F238E27FC236}">
+                  <a16:creationId xmlns:a16="http://schemas.microsoft.com/office/drawing/2014/main" id="{6BA2A6CC-EBB2-512E-F48A-87AB10AB2100}"/>
+                </a:ext>
+              </a:extLst>
+            </p:cNvPr>
+            <p:cNvSpPr txBox="1"/>
+            <p:nvPr/>
+          </p:nvSpPr>
+          <p:spPr>
+            <a:xfrm>
+              <a:off x="8274235" y="5382254"/>
+              <a:ext cx="295274" cy="307777"/>
+            </a:xfrm>
+            <a:prstGeom prst="rect">
+              <a:avLst/>
+            </a:prstGeom>
+            <a:noFill/>
+          </p:spPr>
+          <p:txBody>
+            <a:bodyPr wrap="none" rtlCol="0">
+              <a:spAutoFit/>
+            </a:bodyPr>
+            <a:lstStyle/>
+            <a:p>
+              <a:r>
+                <a:rPr lang="en-AU" sz="1400" b="1" dirty="0"/>
+                <a:t>A</a:t>
+              </a:r>
+            </a:p>
+          </p:txBody>
+        </p:sp>
+        <p:sp>
+          <p:nvSpPr>
+            <p:cNvPr id="72" name="TextBox 71">
+              <a:extLst>
+                <a:ext uri="{FF2B5EF4-FFF2-40B4-BE49-F238E27FC236}">
+                  <a16:creationId xmlns:a16="http://schemas.microsoft.com/office/drawing/2014/main" id="{7DA13997-DC0A-9E21-31A4-18DBE8020419}"/>
+                </a:ext>
+              </a:extLst>
+            </p:cNvPr>
+            <p:cNvSpPr txBox="1"/>
+            <p:nvPr/>
+          </p:nvSpPr>
+          <p:spPr>
+            <a:xfrm>
+              <a:off x="7213754" y="4694894"/>
+              <a:ext cx="295274" cy="307777"/>
+            </a:xfrm>
+            <a:prstGeom prst="rect">
+              <a:avLst/>
+            </a:prstGeom>
+            <a:noFill/>
+          </p:spPr>
+          <p:txBody>
+            <a:bodyPr wrap="square" rtlCol="0">
+              <a:spAutoFit/>
+            </a:bodyPr>
+            <a:lstStyle/>
+            <a:p>
+              <a:r>
+                <a:rPr lang="en-AU" sz="1400" b="1" dirty="0"/>
+                <a:t>A</a:t>
+              </a:r>
+            </a:p>
+          </p:txBody>
+        </p:sp>
+        <p:sp>
+          <p:nvSpPr>
+            <p:cNvPr id="73" name="TextBox 72">
+              <a:extLst>
+                <a:ext uri="{FF2B5EF4-FFF2-40B4-BE49-F238E27FC236}">
+                  <a16:creationId xmlns:a16="http://schemas.microsoft.com/office/drawing/2014/main" id="{DF0241DE-8CDF-C738-4527-729D2026E6E5}"/>
+                </a:ext>
+              </a:extLst>
+            </p:cNvPr>
+            <p:cNvSpPr txBox="1"/>
+            <p:nvPr/>
+          </p:nvSpPr>
+          <p:spPr>
+            <a:xfrm>
+              <a:off x="6161614" y="4932253"/>
+              <a:ext cx="295274" cy="307777"/>
+            </a:xfrm>
+            <a:prstGeom prst="rect">
+              <a:avLst/>
+            </a:prstGeom>
+            <a:noFill/>
+          </p:spPr>
+          <p:txBody>
+            <a:bodyPr wrap="none" rtlCol="0">
+              <a:spAutoFit/>
+            </a:bodyPr>
+            <a:lstStyle/>
+            <a:p>
+              <a:r>
+                <a:rPr lang="en-AU" sz="1400" b="1" dirty="0"/>
+                <a:t>A</a:t>
+              </a:r>
+            </a:p>
+          </p:txBody>
+        </p:sp>
+      </p:grpSp>
+    </p:spTree>
+    <p:extLst>
+      <p:ext uri="{BB962C8B-B14F-4D97-AF65-F5344CB8AC3E}">
+        <p14:creationId xmlns:p14="http://schemas.microsoft.com/office/powerpoint/2010/main" val="1104837883"/>
+      </p:ext>
+    </p:extLst>
+  </p:cSld>
+  <p:clrMapOvr>
+    <a:masterClrMapping/>
+  </p:clrMapOvr>
+</p:sld>
+</file>
+
+<file path=ppt/slides/slide4.xml><?xml version="1.0" encoding="utf-8"?>
+<p:sld xmlns:a="http://schemas.openxmlformats.org/drawingml/2006/main" xmlns:r="http://schemas.openxmlformats.org/officeDocument/2006/relationships" xmlns:p="http://schemas.openxmlformats.org/presentationml/2006/main">
+  <p:cSld>
+    <p:spTree>
+      <p:nvGrpSpPr>
+        <p:cNvPr id="1" name=""/>
+        <p:cNvGrpSpPr/>
+        <p:nvPr/>
+      </p:nvGrpSpPr>
+      <p:grpSpPr>
+        <a:xfrm>
+          <a:off x="0" y="0"/>
+          <a:ext cx="0" cy="0"/>
+          <a:chOff x="0" y="0"/>
+          <a:chExt cx="0" cy="0"/>
+        </a:xfrm>
+      </p:grpSpPr>
+      <p:pic>
+        <p:nvPicPr>
+          <p:cNvPr id="5" name="Picture 4" descr="A comparison of the results of a treatment&#10;&#10;Description automatically generated with medium confidence">
+            <a:extLst>
+              <a:ext uri="{FF2B5EF4-FFF2-40B4-BE49-F238E27FC236}">
+                <a16:creationId xmlns:a16="http://schemas.microsoft.com/office/drawing/2014/main" id="{E443E17F-870E-896D-9D88-90FD7B36E12E}"/>
+              </a:ext>
+            </a:extLst>
+          </p:cNvPr>
+          <p:cNvPicPr>
+            <a:picLocks noChangeAspect="1"/>
+          </p:cNvPicPr>
+          <p:nvPr/>
+        </p:nvPicPr>
+        <p:blipFill>
+          <a:blip r:embed="rId3"/>
+          <a:stretch>
+            <a:fillRect/>
+          </a:stretch>
+        </p:blipFill>
+        <p:spPr>
+          <a:xfrm>
+            <a:off x="1619023" y="0"/>
+            <a:ext cx="7959692" cy="6765738"/>
+          </a:xfrm>
+          <a:prstGeom prst="rect">
+            <a:avLst/>
+          </a:prstGeom>
+        </p:spPr>
+      </p:pic>
+      <p:pic>
+        <p:nvPicPr>
+          <p:cNvPr id="6" name="Picture 5" descr="A black background with a black square&#10;&#10;Description automatically generated with medium confidence">
+            <a:extLst>
+              <a:ext uri="{FF2B5EF4-FFF2-40B4-BE49-F238E27FC236}">
+                <a16:creationId xmlns:a16="http://schemas.microsoft.com/office/drawing/2014/main" id="{0CE35CE7-7899-26E2-CE5A-2A04CEC2D019}"/>
+              </a:ext>
+            </a:extLst>
+          </p:cNvPr>
+          <p:cNvPicPr>
+            <a:picLocks noChangeAspect="1"/>
+          </p:cNvPicPr>
+          <p:nvPr/>
+        </p:nvPicPr>
+        <p:blipFill>
+          <a:blip r:embed="rId4"/>
+          <a:stretch>
+            <a:fillRect/>
+          </a:stretch>
+        </p:blipFill>
+        <p:spPr>
+          <a:xfrm>
+            <a:off x="2659207" y="-40454"/>
+            <a:ext cx="1407698" cy="723399"/>
+          </a:xfrm>
+          <a:prstGeom prst="rect">
+            <a:avLst/>
+          </a:prstGeom>
+        </p:spPr>
+      </p:pic>
+    </p:spTree>
+    <p:extLst>
+      <p:ext uri="{BB962C8B-B14F-4D97-AF65-F5344CB8AC3E}">
+        <p14:creationId xmlns:p14="http://schemas.microsoft.com/office/powerpoint/2010/main" val="328309344"/>
+      </p:ext>
+    </p:extLst>
+  </p:cSld>
+  <p:clrMapOvr>
+    <a:masterClrMapping/>
+  </p:clrMapOvr>
+</p:sld>
+</file>
+
+<file path=ppt/slides/slide5.xml><?xml version="1.0" encoding="utf-8"?>
+<p:sld xmlns:a="http://schemas.openxmlformats.org/drawingml/2006/main" xmlns:r="http://schemas.openxmlformats.org/officeDocument/2006/relationships" xmlns:p="http://schemas.openxmlformats.org/presentationml/2006/main">
+  <p:cSld>
+    <p:spTree>
+      <p:nvGrpSpPr>
+        <p:cNvPr id="1" name=""/>
+        <p:cNvGrpSpPr/>
+        <p:nvPr/>
+      </p:nvGrpSpPr>
+      <p:grpSpPr>
+        <a:xfrm>
+          <a:off x="0" y="0"/>
+          <a:ext cx="0" cy="0"/>
+          <a:chOff x="0" y="0"/>
+          <a:chExt cx="0" cy="0"/>
+        </a:xfrm>
+      </p:grpSpPr>
+      <p:pic>
+        <p:nvPicPr>
+          <p:cNvPr id="3" name="Picture 2" descr="A diagram of a temperature&#10;&#10;Description automatically generated">
+            <a:extLst>
+              <a:ext uri="{FF2B5EF4-FFF2-40B4-BE49-F238E27FC236}">
+                <a16:creationId xmlns:a16="http://schemas.microsoft.com/office/drawing/2014/main" id="{D9E6BFD0-A341-8268-1C8D-3960B90944C4}"/>
+              </a:ext>
+            </a:extLst>
+          </p:cNvPr>
+          <p:cNvPicPr>
+            <a:picLocks noChangeAspect="1"/>
+          </p:cNvPicPr>
+          <p:nvPr/>
+        </p:nvPicPr>
+        <p:blipFill>
+          <a:blip r:embed="rId3"/>
+          <a:stretch>
+            <a:fillRect/>
+          </a:stretch>
+        </p:blipFill>
+        <p:spPr>
+          <a:xfrm>
+            <a:off x="1152161" y="0"/>
+            <a:ext cx="7931878" cy="6742096"/>
+          </a:xfrm>
+          <a:prstGeom prst="rect">
+            <a:avLst/>
+          </a:prstGeom>
+        </p:spPr>
+      </p:pic>
+      <p:pic>
+        <p:nvPicPr>
+          <p:cNvPr id="6" name="Picture 5" descr="A black background with a black square&#10;&#10;Description automatically generated with medium confidence">
+            <a:extLst>
+              <a:ext uri="{FF2B5EF4-FFF2-40B4-BE49-F238E27FC236}">
+                <a16:creationId xmlns:a16="http://schemas.microsoft.com/office/drawing/2014/main" id="{B67F2EF7-9A88-6217-FE5B-9C420E339F04}"/>
+              </a:ext>
+            </a:extLst>
+          </p:cNvPr>
+          <p:cNvPicPr>
+            <a:picLocks noChangeAspect="1"/>
+          </p:cNvPicPr>
+          <p:nvPr/>
+        </p:nvPicPr>
+        <p:blipFill>
+          <a:blip r:embed="rId4"/>
+          <a:stretch>
+            <a:fillRect/>
+          </a:stretch>
+        </p:blipFill>
+        <p:spPr>
+          <a:xfrm>
+            <a:off x="6617560" y="-89940"/>
+            <a:ext cx="1548468" cy="795739"/>
+          </a:xfrm>
+          <a:prstGeom prst="rect">
+            <a:avLst/>
+          </a:prstGeom>
+        </p:spPr>
+      </p:pic>
+    </p:spTree>
+    <p:extLst>
+      <p:ext uri="{BB962C8B-B14F-4D97-AF65-F5344CB8AC3E}">
+        <p14:creationId xmlns:p14="http://schemas.microsoft.com/office/powerpoint/2010/main" val="196972711"/>
+      </p:ext>
+    </p:extLst>
+  </p:cSld>
+  <p:clrMapOvr>
+    <a:masterClrMapping/>
+  </p:clrMapOvr>
+</p:sld>
+</file>
+
+<file path=ppt/slides/slide6.xml><?xml version="1.0" encoding="utf-8"?>
+<p:sld xmlns:a="http://schemas.openxmlformats.org/drawingml/2006/main" xmlns:r="http://schemas.openxmlformats.org/officeDocument/2006/relationships" xmlns:p="http://schemas.openxmlformats.org/presentationml/2006/main">
+  <p:cSld>
+    <p:spTree>
+      <p:nvGrpSpPr>
+        <p:cNvPr id="1" name=""/>
+        <p:cNvGrpSpPr/>
+        <p:nvPr/>
+      </p:nvGrpSpPr>
+      <p:grpSpPr>
+        <a:xfrm>
+          <a:off x="0" y="0"/>
+          <a:ext cx="0" cy="0"/>
+          <a:chOff x="0" y="0"/>
+          <a:chExt cx="0" cy="0"/>
+        </a:xfrm>
+      </p:grpSpPr>
+      <p:pic>
+        <p:nvPicPr>
+          <p:cNvPr id="4" name="Picture 3" descr="A group of graphs showing different sizes of male and female&#10;&#10;Description automatically generated">
+            <a:extLst>
+              <a:ext uri="{FF2B5EF4-FFF2-40B4-BE49-F238E27FC236}">
+                <a16:creationId xmlns:a16="http://schemas.microsoft.com/office/drawing/2014/main" id="{65547DCC-2AB7-DB57-65BA-77A9C9CD6749}"/>
+              </a:ext>
+            </a:extLst>
+          </p:cNvPr>
+          <p:cNvPicPr>
+            <a:picLocks noChangeAspect="1"/>
+          </p:cNvPicPr>
+          <p:nvPr/>
+        </p:nvPicPr>
+        <p:blipFill>
+          <a:blip r:embed="rId3"/>
+          <a:stretch>
+            <a:fillRect/>
+          </a:stretch>
+        </p:blipFill>
+        <p:spPr>
+          <a:xfrm>
+            <a:off x="1438457" y="140677"/>
+            <a:ext cx="7945385" cy="6723018"/>
+          </a:xfrm>
+          <a:prstGeom prst="rect">
+            <a:avLst/>
+          </a:prstGeom>
+        </p:spPr>
+      </p:pic>
+    </p:spTree>
+    <p:extLst>
+      <p:ext uri="{BB962C8B-B14F-4D97-AF65-F5344CB8AC3E}">
+        <p14:creationId xmlns:p14="http://schemas.microsoft.com/office/powerpoint/2010/main" val="1418389529"/>
+      </p:ext>
+    </p:extLst>
+  </p:cSld>
+  <p:clrMapOvr>
+    <a:masterClrMapping/>
+  </p:clrMapOvr>
+</p:sld>
+</file>
+
+<file path=ppt/slides/slide7.xml><?xml version="1.0" encoding="utf-8"?>
+<p:sld xmlns:a="http://schemas.openxmlformats.org/drawingml/2006/main" xmlns:r="http://schemas.openxmlformats.org/officeDocument/2006/relationships" xmlns:p="http://schemas.openxmlformats.org/presentationml/2006/main">
+  <p:cSld>
+    <p:spTree>
+      <p:nvGrpSpPr>
+        <p:cNvPr id="1" name=""/>
+        <p:cNvGrpSpPr/>
+        <p:nvPr/>
+      </p:nvGrpSpPr>
+      <p:grpSpPr>
+        <a:xfrm>
+          <a:off x="0" y="0"/>
+          <a:ext cx="0" cy="0"/>
+          <a:chOff x="0" y="0"/>
+          <a:chExt cx="0" cy="0"/>
+        </a:xfrm>
+      </p:grpSpPr>
+      <p:pic>
+        <p:nvPicPr>
+          <p:cNvPr id="3" name="Picture 2" descr="A graph of a person and person&#10;&#10;Description automatically generated">
+            <a:extLst>
+              <a:ext uri="{FF2B5EF4-FFF2-40B4-BE49-F238E27FC236}">
+                <a16:creationId xmlns:a16="http://schemas.microsoft.com/office/drawing/2014/main" id="{955812F9-16EC-E357-6460-8DF0C65FC33F}"/>
+              </a:ext>
+            </a:extLst>
+          </p:cNvPr>
+          <p:cNvPicPr>
+            <a:picLocks noChangeAspect="1"/>
+          </p:cNvPicPr>
+          <p:nvPr/>
+        </p:nvPicPr>
+        <p:blipFill>
+          <a:blip r:embed="rId3"/>
+          <a:stretch>
+            <a:fillRect/>
+          </a:stretch>
+        </p:blipFill>
+        <p:spPr>
+          <a:xfrm>
+            <a:off x="1674091" y="0"/>
+            <a:ext cx="8431810" cy="6745448"/>
+          </a:xfrm>
+          <a:prstGeom prst="rect">
+            <a:avLst/>
+          </a:prstGeom>
+        </p:spPr>
+      </p:pic>
+      <p:pic>
+        <p:nvPicPr>
+          <p:cNvPr id="4" name="Picture 3" descr="A black background with a black square&#10;&#10;Description automatically generated with medium confidence">
+            <a:extLst>
+              <a:ext uri="{FF2B5EF4-FFF2-40B4-BE49-F238E27FC236}">
+                <a16:creationId xmlns:a16="http://schemas.microsoft.com/office/drawing/2014/main" id="{9F6571B2-C380-79ED-78F2-EA8CD71D9C4E}"/>
+              </a:ext>
+            </a:extLst>
+          </p:cNvPr>
+          <p:cNvPicPr>
+            <a:picLocks noChangeAspect="1"/>
+          </p:cNvPicPr>
+          <p:nvPr/>
+        </p:nvPicPr>
+        <p:blipFill>
+          <a:blip r:embed="rId4"/>
+          <a:stretch>
+            <a:fillRect/>
+          </a:stretch>
+        </p:blipFill>
+        <p:spPr>
+          <a:xfrm>
+            <a:off x="2624141" y="812033"/>
+            <a:ext cx="1548468" cy="795739"/>
+          </a:xfrm>
+          <a:prstGeom prst="rect">
+            <a:avLst/>
+          </a:prstGeom>
+        </p:spPr>
+      </p:pic>
+    </p:spTree>
+    <p:extLst>
+      <p:ext uri="{BB962C8B-B14F-4D97-AF65-F5344CB8AC3E}">
+        <p14:creationId xmlns:p14="http://schemas.microsoft.com/office/powerpoint/2010/main" val="2240514061"/>
+      </p:ext>
+    </p:extLst>
+  </p:cSld>
+  <p:clrMapOvr>
+    <a:masterClrMapping/>
+  </p:clrMapOvr>
+</p:sld>
+</file>
+
+<file path=ppt/slides/slide8.xml><?xml version="1.0" encoding="utf-8"?>
+<p:sld xmlns:a="http://schemas.openxmlformats.org/drawingml/2006/main" xmlns:r="http://schemas.openxmlformats.org/officeDocument/2006/relationships" xmlns:p="http://schemas.openxmlformats.org/presentationml/2006/main">
+  <p:cSld>
+    <p:spTree>
+      <p:nvGrpSpPr>
+        <p:cNvPr id="1" name=""/>
+        <p:cNvGrpSpPr/>
+        <p:nvPr/>
+      </p:nvGrpSpPr>
+      <p:grpSpPr>
+        <a:xfrm>
+          <a:off x="0" y="0"/>
+          <a:ext cx="0" cy="0"/>
+          <a:chOff x="0" y="0"/>
+          <a:chExt cx="0" cy="0"/>
+        </a:xfrm>
+      </p:grpSpPr>
+      <p:pic>
+        <p:nvPicPr>
+          <p:cNvPr id="19" name="Picture 18" descr="A diagram of a number of menstrual cycle&#10;&#10;Description automatically generated">
+            <a:extLst>
+              <a:ext uri="{FF2B5EF4-FFF2-40B4-BE49-F238E27FC236}">
+                <a16:creationId xmlns:a16="http://schemas.microsoft.com/office/drawing/2014/main" id="{D7D8ABFA-A700-3994-3B36-60CC9F49BCC7}"/>
+              </a:ext>
+            </a:extLst>
+          </p:cNvPr>
+          <p:cNvPicPr>
+            <a:picLocks noChangeAspect="1"/>
+          </p:cNvPicPr>
+          <p:nvPr/>
+        </p:nvPicPr>
+        <p:blipFill>
+          <a:blip r:embed="rId3"/>
+          <a:stretch>
+            <a:fillRect/>
+          </a:stretch>
+        </p:blipFill>
+        <p:spPr>
+          <a:xfrm>
+            <a:off x="1157404" y="-1"/>
+            <a:ext cx="8571211" cy="6856969"/>
+          </a:xfrm>
+          <a:prstGeom prst="rect">
+            <a:avLst/>
+          </a:prstGeom>
+        </p:spPr>
+      </p:pic>
+      <p:sp>
+        <p:nvSpPr>
+          <p:cNvPr id="20" name="TextBox 19">
+            <a:extLst>
+              <a:ext uri="{FF2B5EF4-FFF2-40B4-BE49-F238E27FC236}">
+                <a16:creationId xmlns:a16="http://schemas.microsoft.com/office/drawing/2014/main" id="{C06EE021-DC48-A0A0-AF81-D9A9D0BF584A}"/>
+              </a:ext>
+            </a:extLst>
+          </p:cNvPr>
+          <p:cNvSpPr txBox="1"/>
+          <p:nvPr/>
+        </p:nvSpPr>
+        <p:spPr>
+          <a:xfrm>
+            <a:off x="3141647" y="3950071"/>
+            <a:ext cx="295274" cy="307777"/>
+          </a:xfrm>
+          <a:prstGeom prst="rect">
+            <a:avLst/>
+          </a:prstGeom>
+          <a:noFill/>
+        </p:spPr>
+        <p:txBody>
+          <a:bodyPr wrap="none" rtlCol="0">
+            <a:spAutoFit/>
+          </a:bodyPr>
+          <a:lstStyle/>
+          <a:p>
+            <a:r>
+              <a:rPr lang="en-AU" sz="1400" b="1" dirty="0"/>
+              <a:t>A</a:t>
+            </a:r>
+          </a:p>
+        </p:txBody>
+      </p:sp>
+      <p:sp>
+        <p:nvSpPr>
+          <p:cNvPr id="21" name="TextBox 20">
+            <a:extLst>
+              <a:ext uri="{FF2B5EF4-FFF2-40B4-BE49-F238E27FC236}">
+                <a16:creationId xmlns:a16="http://schemas.microsoft.com/office/drawing/2014/main" id="{F5CE6147-01CE-488A-2852-92F5BBEC82C9}"/>
+              </a:ext>
+            </a:extLst>
+          </p:cNvPr>
+          <p:cNvSpPr txBox="1"/>
+          <p:nvPr/>
+        </p:nvSpPr>
+        <p:spPr>
+          <a:xfrm>
+            <a:off x="5527737" y="2343798"/>
+            <a:ext cx="463332" cy="307777"/>
+          </a:xfrm>
+          <a:prstGeom prst="rect">
+            <a:avLst/>
+          </a:prstGeom>
+          <a:noFill/>
+        </p:spPr>
+        <p:txBody>
+          <a:bodyPr wrap="none" rtlCol="0">
+            <a:spAutoFit/>
+          </a:bodyPr>
+          <a:lstStyle/>
+          <a:p>
+            <a:r>
+              <a:rPr lang="en-AU" sz="1400" b="1" dirty="0"/>
+              <a:t>A,B</a:t>
+            </a:r>
+          </a:p>
+        </p:txBody>
+      </p:sp>
+      <p:sp>
+        <p:nvSpPr>
+          <p:cNvPr id="22" name="TextBox 21">
+            <a:extLst>
+              <a:ext uri="{FF2B5EF4-FFF2-40B4-BE49-F238E27FC236}">
+                <a16:creationId xmlns:a16="http://schemas.microsoft.com/office/drawing/2014/main" id="{F00B4E72-B120-7CAC-9993-5A0E12DCB6E9}"/>
+              </a:ext>
+            </a:extLst>
+          </p:cNvPr>
+          <p:cNvSpPr txBox="1"/>
+          <p:nvPr/>
+        </p:nvSpPr>
+        <p:spPr>
+          <a:xfrm>
+            <a:off x="8004995" y="709336"/>
+            <a:ext cx="295274" cy="307777"/>
+          </a:xfrm>
+          <a:prstGeom prst="rect">
+            <a:avLst/>
+          </a:prstGeom>
+          <a:noFill/>
+        </p:spPr>
+        <p:txBody>
+          <a:bodyPr wrap="none" rtlCol="0">
+            <a:spAutoFit/>
+          </a:bodyPr>
+          <a:lstStyle/>
+          <a:p>
+            <a:r>
+              <a:rPr lang="en-AU" sz="1400" b="1" dirty="0"/>
+              <a:t>B</a:t>
+            </a:r>
+          </a:p>
+        </p:txBody>
+      </p:sp>
+      <p:pic>
+        <p:nvPicPr>
+          <p:cNvPr id="23" name="Picture 22" descr="A group of eggs in a pile&#10;&#10;Description automatically generated">
+            <a:extLst>
+              <a:ext uri="{FF2B5EF4-FFF2-40B4-BE49-F238E27FC236}">
+                <a16:creationId xmlns:a16="http://schemas.microsoft.com/office/drawing/2014/main" id="{A322F514-6653-1FDB-7E16-7DFAD9F3A712}"/>
+              </a:ext>
+            </a:extLst>
+          </p:cNvPr>
+          <p:cNvPicPr>
+            <a:picLocks noChangeAspect="1"/>
+          </p:cNvPicPr>
+          <p:nvPr/>
+        </p:nvPicPr>
+        <p:blipFill>
+          <a:blip r:embed="rId4"/>
+          <a:stretch>
+            <a:fillRect/>
+          </a:stretch>
+        </p:blipFill>
+        <p:spPr>
+          <a:xfrm>
+            <a:off x="2167582" y="212178"/>
+            <a:ext cx="1293255" cy="1206513"/>
+          </a:xfrm>
+          <a:prstGeom prst="rect">
+            <a:avLst/>
+          </a:prstGeom>
+        </p:spPr>
+      </p:pic>
+    </p:spTree>
+    <p:extLst>
+      <p:ext uri="{BB962C8B-B14F-4D97-AF65-F5344CB8AC3E}">
+        <p14:creationId xmlns:p14="http://schemas.microsoft.com/office/powerpoint/2010/main" val="1132515170"/>
+      </p:ext>
+    </p:extLst>
+  </p:cSld>
+  <p:clrMapOvr>
+    <a:masterClrMapping/>
+  </p:clrMapOvr>
+</p:sld>
+</file>
+
+<file path=ppt/slides/slide9.xml><?xml version="1.0" encoding="utf-8"?>
 <p:sld xmlns:a="http://schemas.openxmlformats.org/drawingml/2006/main" xmlns:r="http://schemas.openxmlformats.org/officeDocument/2006/relationships" xmlns:p="http://schemas.openxmlformats.org/presentationml/2006/main">
   <p:cSld>
     <p:spTree>
@@ -7988,1590 +9406,6 @@
     <p:extLst>
       <p:ext uri="{BB962C8B-B14F-4D97-AF65-F5344CB8AC3E}">
         <p14:creationId xmlns:p14="http://schemas.microsoft.com/office/powerpoint/2010/main" val="2723991336"/>
-      </p:ext>
-    </p:extLst>
-  </p:cSld>
-  <p:clrMapOvr>
-    <a:masterClrMapping/>
-  </p:clrMapOvr>
-</p:sld>
-</file>
-
-<file path=ppt/slides/slide2.xml><?xml version="1.0" encoding="utf-8"?>
-<p:sld xmlns:a="http://schemas.openxmlformats.org/drawingml/2006/main" xmlns:r="http://schemas.openxmlformats.org/officeDocument/2006/relationships" xmlns:p="http://schemas.openxmlformats.org/presentationml/2006/main">
-  <p:cSld>
-    <p:spTree>
-      <p:nvGrpSpPr>
-        <p:cNvPr id="1" name=""/>
-        <p:cNvGrpSpPr/>
-        <p:nvPr/>
-      </p:nvGrpSpPr>
-      <p:grpSpPr>
-        <a:xfrm>
-          <a:off x="0" y="0"/>
-          <a:ext cx="0" cy="0"/>
-          <a:chOff x="0" y="0"/>
-          <a:chExt cx="0" cy="0"/>
-        </a:xfrm>
-      </p:grpSpPr>
-      <p:pic>
-        <p:nvPicPr>
-          <p:cNvPr id="5" name="Picture 4" descr="A diagram of a number of patients&#10;&#10;Description automatically generated with medium confidence">
-            <a:extLst>
-              <a:ext uri="{FF2B5EF4-FFF2-40B4-BE49-F238E27FC236}">
-                <a16:creationId xmlns:a16="http://schemas.microsoft.com/office/drawing/2014/main" id="{836F5EAA-274D-1655-F694-084B28DB04D4}"/>
-              </a:ext>
-            </a:extLst>
-          </p:cNvPr>
-          <p:cNvPicPr>
-            <a:picLocks noChangeAspect="1"/>
-          </p:cNvPicPr>
-          <p:nvPr/>
-        </p:nvPicPr>
-        <p:blipFill>
-          <a:blip r:embed="rId3"/>
-          <a:stretch>
-            <a:fillRect/>
-          </a:stretch>
-        </p:blipFill>
-        <p:spPr>
-          <a:xfrm>
-            <a:off x="1436329" y="212178"/>
-            <a:ext cx="8307277" cy="6645822"/>
-          </a:xfrm>
-          <a:prstGeom prst="rect">
-            <a:avLst/>
-          </a:prstGeom>
-        </p:spPr>
-      </p:pic>
-      <p:sp>
-        <p:nvSpPr>
-          <p:cNvPr id="10" name="TextBox 9">
-            <a:extLst>
-              <a:ext uri="{FF2B5EF4-FFF2-40B4-BE49-F238E27FC236}">
-                <a16:creationId xmlns:a16="http://schemas.microsoft.com/office/drawing/2014/main" id="{E4E3FE14-3A69-77E5-7825-5DEA80182259}"/>
-              </a:ext>
-            </a:extLst>
-          </p:cNvPr>
-          <p:cNvSpPr txBox="1"/>
-          <p:nvPr/>
-        </p:nvSpPr>
-        <p:spPr>
-          <a:xfrm>
-            <a:off x="3366498" y="4025022"/>
-            <a:ext cx="295274" cy="307777"/>
-          </a:xfrm>
-          <a:prstGeom prst="rect">
-            <a:avLst/>
-          </a:prstGeom>
-          <a:noFill/>
-        </p:spPr>
-        <p:txBody>
-          <a:bodyPr wrap="none" rtlCol="0">
-            <a:spAutoFit/>
-          </a:bodyPr>
-          <a:lstStyle/>
-          <a:p>
-            <a:r>
-              <a:rPr lang="en-AU" sz="1400" b="1" dirty="0"/>
-              <a:t>A</a:t>
-            </a:r>
-          </a:p>
-        </p:txBody>
-      </p:sp>
-      <p:sp>
-        <p:nvSpPr>
-          <p:cNvPr id="11" name="TextBox 10">
-            <a:extLst>
-              <a:ext uri="{FF2B5EF4-FFF2-40B4-BE49-F238E27FC236}">
-                <a16:creationId xmlns:a16="http://schemas.microsoft.com/office/drawing/2014/main" id="{846917F4-CED0-7761-AE2B-15E9478E0768}"/>
-              </a:ext>
-            </a:extLst>
-          </p:cNvPr>
-          <p:cNvSpPr txBox="1"/>
-          <p:nvPr/>
-        </p:nvSpPr>
-        <p:spPr>
-          <a:xfrm>
-            <a:off x="5632668" y="2493699"/>
-            <a:ext cx="463332" cy="307777"/>
-          </a:xfrm>
-          <a:prstGeom prst="rect">
-            <a:avLst/>
-          </a:prstGeom>
-          <a:noFill/>
-        </p:spPr>
-        <p:txBody>
-          <a:bodyPr wrap="none" rtlCol="0">
-            <a:spAutoFit/>
-          </a:bodyPr>
-          <a:lstStyle/>
-          <a:p>
-            <a:r>
-              <a:rPr lang="en-AU" sz="1400" b="1" dirty="0"/>
-              <a:t>A,B</a:t>
-            </a:r>
-          </a:p>
-        </p:txBody>
-      </p:sp>
-      <p:sp>
-        <p:nvSpPr>
-          <p:cNvPr id="12" name="TextBox 11">
-            <a:extLst>
-              <a:ext uri="{FF2B5EF4-FFF2-40B4-BE49-F238E27FC236}">
-                <a16:creationId xmlns:a16="http://schemas.microsoft.com/office/drawing/2014/main" id="{BC02DF88-61B5-C1CE-2222-BC4B15238C20}"/>
-              </a:ext>
-            </a:extLst>
-          </p:cNvPr>
-          <p:cNvSpPr txBox="1"/>
-          <p:nvPr/>
-        </p:nvSpPr>
-        <p:spPr>
-          <a:xfrm>
-            <a:off x="8109926" y="859237"/>
-            <a:ext cx="295274" cy="307777"/>
-          </a:xfrm>
-          <a:prstGeom prst="rect">
-            <a:avLst/>
-          </a:prstGeom>
-          <a:noFill/>
-        </p:spPr>
-        <p:txBody>
-          <a:bodyPr wrap="none" rtlCol="0">
-            <a:spAutoFit/>
-          </a:bodyPr>
-          <a:lstStyle/>
-          <a:p>
-            <a:r>
-              <a:rPr lang="en-AU" sz="1400" b="1" dirty="0"/>
-              <a:t>B</a:t>
-            </a:r>
-          </a:p>
-        </p:txBody>
-      </p:sp>
-      <p:pic>
-        <p:nvPicPr>
-          <p:cNvPr id="15" name="Picture 14" descr="A group of eggs in a pile&#10;&#10;Description automatically generated">
-            <a:extLst>
-              <a:ext uri="{FF2B5EF4-FFF2-40B4-BE49-F238E27FC236}">
-                <a16:creationId xmlns:a16="http://schemas.microsoft.com/office/drawing/2014/main" id="{7E452EB6-D841-2F2C-E3EE-3FBA9FC39A8B}"/>
-              </a:ext>
-            </a:extLst>
-          </p:cNvPr>
-          <p:cNvPicPr>
-            <a:picLocks noChangeAspect="1"/>
-          </p:cNvPicPr>
-          <p:nvPr/>
-        </p:nvPicPr>
-        <p:blipFill>
-          <a:blip r:embed="rId4"/>
-          <a:stretch>
-            <a:fillRect/>
-          </a:stretch>
-        </p:blipFill>
-        <p:spPr>
-          <a:xfrm>
-            <a:off x="2167582" y="212178"/>
-            <a:ext cx="1293255" cy="1206513"/>
-          </a:xfrm>
-          <a:prstGeom prst="rect">
-            <a:avLst/>
-          </a:prstGeom>
-        </p:spPr>
-      </p:pic>
-      <p:pic>
-        <p:nvPicPr>
-          <p:cNvPr id="16" name="Picture 15" descr="A group of boxes with black text&#10;&#10;Description automatically generated">
-            <a:extLst>
-              <a:ext uri="{FF2B5EF4-FFF2-40B4-BE49-F238E27FC236}">
-                <a16:creationId xmlns:a16="http://schemas.microsoft.com/office/drawing/2014/main" id="{0CEB1323-071B-3CE4-7CE3-4109B62A0A8F}"/>
-              </a:ext>
-            </a:extLst>
-          </p:cNvPr>
-          <p:cNvPicPr>
-            <a:picLocks noChangeAspect="1"/>
-          </p:cNvPicPr>
-          <p:nvPr/>
-        </p:nvPicPr>
-        <p:blipFill>
-          <a:blip r:embed="rId5"/>
-          <a:stretch>
-            <a:fillRect/>
-          </a:stretch>
-        </p:blipFill>
-        <p:spPr>
-          <a:xfrm>
-            <a:off x="3661772" y="248941"/>
-            <a:ext cx="1508050" cy="1437360"/>
-          </a:xfrm>
-          <a:prstGeom prst="rect">
-            <a:avLst/>
-          </a:prstGeom>
-        </p:spPr>
-      </p:pic>
-    </p:spTree>
-    <p:extLst>
-      <p:ext uri="{BB962C8B-B14F-4D97-AF65-F5344CB8AC3E}">
-        <p14:creationId xmlns:p14="http://schemas.microsoft.com/office/powerpoint/2010/main" val="3072093800"/>
-      </p:ext>
-    </p:extLst>
-  </p:cSld>
-  <p:clrMapOvr>
-    <a:masterClrMapping/>
-  </p:clrMapOvr>
-</p:sld>
-</file>
-
-<file path=ppt/slides/slide3.xml><?xml version="1.0" encoding="utf-8"?>
-<p:sld xmlns:a="http://schemas.openxmlformats.org/drawingml/2006/main" xmlns:r="http://schemas.openxmlformats.org/officeDocument/2006/relationships" xmlns:p="http://schemas.openxmlformats.org/presentationml/2006/main">
-  <p:cSld>
-    <p:spTree>
-      <p:nvGrpSpPr>
-        <p:cNvPr id="1" name=""/>
-        <p:cNvGrpSpPr/>
-        <p:nvPr/>
-      </p:nvGrpSpPr>
-      <p:grpSpPr>
-        <a:xfrm>
-          <a:off x="0" y="0"/>
-          <a:ext cx="0" cy="0"/>
-          <a:chOff x="0" y="0"/>
-          <a:chExt cx="0" cy="0"/>
-        </a:xfrm>
-      </p:grpSpPr>
-      <p:pic>
-        <p:nvPicPr>
-          <p:cNvPr id="47" name="Picture 46" descr="A group of graphs showing treatment levels&#10;&#10;Description automatically generated with medium confidence">
-            <a:extLst>
-              <a:ext uri="{FF2B5EF4-FFF2-40B4-BE49-F238E27FC236}">
-                <a16:creationId xmlns:a16="http://schemas.microsoft.com/office/drawing/2014/main" id="{D1B29DDE-EBEE-E4E4-2401-B609D7DB134C}"/>
-              </a:ext>
-            </a:extLst>
-          </p:cNvPr>
-          <p:cNvPicPr>
-            <a:picLocks noChangeAspect="1"/>
-          </p:cNvPicPr>
-          <p:nvPr/>
-        </p:nvPicPr>
-        <p:blipFill>
-          <a:blip r:embed="rId3"/>
-          <a:stretch>
-            <a:fillRect/>
-          </a:stretch>
-        </p:blipFill>
-        <p:spPr>
-          <a:xfrm>
-            <a:off x="2140157" y="190500"/>
-            <a:ext cx="6985000" cy="6667500"/>
-          </a:xfrm>
-          <a:prstGeom prst="rect">
-            <a:avLst/>
-          </a:prstGeom>
-        </p:spPr>
-      </p:pic>
-      <p:grpSp>
-        <p:nvGrpSpPr>
-          <p:cNvPr id="58" name="Group 57">
-            <a:extLst>
-              <a:ext uri="{FF2B5EF4-FFF2-40B4-BE49-F238E27FC236}">
-                <a16:creationId xmlns:a16="http://schemas.microsoft.com/office/drawing/2014/main" id="{07C5CB1A-9071-6F17-3170-C1CEF251B21D}"/>
-              </a:ext>
-            </a:extLst>
-          </p:cNvPr>
-          <p:cNvGrpSpPr/>
-          <p:nvPr/>
-        </p:nvGrpSpPr>
-        <p:grpSpPr>
-          <a:xfrm>
-            <a:off x="2259209" y="487384"/>
-            <a:ext cx="1093680" cy="4779422"/>
-            <a:chOff x="2259209" y="322494"/>
-            <a:chExt cx="1093680" cy="4779422"/>
-          </a:xfrm>
-        </p:grpSpPr>
-        <p:grpSp>
-          <p:nvGrpSpPr>
-            <p:cNvPr id="74" name="Group 73">
-              <a:extLst>
-                <a:ext uri="{FF2B5EF4-FFF2-40B4-BE49-F238E27FC236}">
-                  <a16:creationId xmlns:a16="http://schemas.microsoft.com/office/drawing/2014/main" id="{75486952-A473-C15A-2B76-3C761B81D8CF}"/>
-                </a:ext>
-              </a:extLst>
-            </p:cNvPr>
-            <p:cNvGrpSpPr/>
-            <p:nvPr/>
-          </p:nvGrpSpPr>
-          <p:grpSpPr>
-            <a:xfrm>
-              <a:off x="2259209" y="2301004"/>
-              <a:ext cx="1057623" cy="2800912"/>
-              <a:chOff x="2259209" y="2301004"/>
-              <a:chExt cx="1057623" cy="2800912"/>
-            </a:xfrm>
-          </p:grpSpPr>
-          <p:pic>
-            <p:nvPicPr>
-              <p:cNvPr id="80" name="Picture 79" descr="A black background with a black square&#10;&#10;Description automatically generated with medium confidence">
-                <a:extLst>
-                  <a:ext uri="{FF2B5EF4-FFF2-40B4-BE49-F238E27FC236}">
-                    <a16:creationId xmlns:a16="http://schemas.microsoft.com/office/drawing/2014/main" id="{64309C72-AEED-9837-BB19-FF270A6D7459}"/>
-                  </a:ext>
-                </a:extLst>
-              </p:cNvPr>
-              <p:cNvPicPr>
-                <a:picLocks noChangeAspect="1"/>
-              </p:cNvPicPr>
-              <p:nvPr/>
-            </p:nvPicPr>
-            <p:blipFill>
-              <a:blip r:embed="rId4"/>
-              <a:stretch>
-                <a:fillRect/>
-              </a:stretch>
-            </p:blipFill>
-            <p:spPr>
-              <a:xfrm>
-                <a:off x="2525381" y="2301004"/>
-                <a:ext cx="542727" cy="278902"/>
-              </a:xfrm>
-              <a:prstGeom prst="rect">
-                <a:avLst/>
-              </a:prstGeom>
-            </p:spPr>
-          </p:pic>
-          <p:pic>
-            <p:nvPicPr>
-              <p:cNvPr id="81" name="Picture 80" descr="A black background with a black square&#10;&#10;Description automatically generated with medium confidence">
-                <a:extLst>
-                  <a:ext uri="{FF2B5EF4-FFF2-40B4-BE49-F238E27FC236}">
-                    <a16:creationId xmlns:a16="http://schemas.microsoft.com/office/drawing/2014/main" id="{4F5AC76C-D8E5-908D-B8EC-A08F22552C0C}"/>
-                  </a:ext>
-                </a:extLst>
-              </p:cNvPr>
-              <p:cNvPicPr>
-                <a:picLocks noChangeAspect="1"/>
-              </p:cNvPicPr>
-              <p:nvPr/>
-            </p:nvPicPr>
-            <p:blipFill>
-              <a:blip r:embed="rId4"/>
-              <a:stretch>
-                <a:fillRect/>
-              </a:stretch>
-            </p:blipFill>
-            <p:spPr>
-              <a:xfrm>
-                <a:off x="2259209" y="4558416"/>
-                <a:ext cx="1057623" cy="543500"/>
-              </a:xfrm>
-              <a:prstGeom prst="rect">
-                <a:avLst/>
-              </a:prstGeom>
-            </p:spPr>
-          </p:pic>
-        </p:grpSp>
-        <p:grpSp>
-          <p:nvGrpSpPr>
-            <p:cNvPr id="75" name="Group 74">
-              <a:extLst>
-                <a:ext uri="{FF2B5EF4-FFF2-40B4-BE49-F238E27FC236}">
-                  <a16:creationId xmlns:a16="http://schemas.microsoft.com/office/drawing/2014/main" id="{945AE17E-4BC1-CE5F-940A-BCA07AC2F718}"/>
-                </a:ext>
-              </a:extLst>
-            </p:cNvPr>
-            <p:cNvGrpSpPr/>
-            <p:nvPr/>
-          </p:nvGrpSpPr>
-          <p:grpSpPr>
-            <a:xfrm>
-              <a:off x="2259209" y="322494"/>
-              <a:ext cx="1093680" cy="4779422"/>
-              <a:chOff x="2259209" y="322494"/>
-              <a:chExt cx="1093680" cy="4779422"/>
-            </a:xfrm>
-          </p:grpSpPr>
-          <p:grpSp>
-            <p:nvGrpSpPr>
-              <p:cNvPr id="76" name="Group 75">
-                <a:extLst>
-                  <a:ext uri="{FF2B5EF4-FFF2-40B4-BE49-F238E27FC236}">
-                    <a16:creationId xmlns:a16="http://schemas.microsoft.com/office/drawing/2014/main" id="{67073B04-A841-472B-F597-2D9BC04D9E33}"/>
-                  </a:ext>
-                </a:extLst>
-              </p:cNvPr>
-              <p:cNvGrpSpPr/>
-              <p:nvPr/>
-            </p:nvGrpSpPr>
-            <p:grpSpPr>
-              <a:xfrm>
-                <a:off x="2259209" y="2301004"/>
-                <a:ext cx="1057623" cy="2800912"/>
-                <a:chOff x="2259209" y="2301004"/>
-                <a:chExt cx="1057623" cy="2800912"/>
-              </a:xfrm>
-            </p:grpSpPr>
-            <p:pic>
-              <p:nvPicPr>
-                <p:cNvPr id="78" name="Picture 77" descr="A black background with a black square&#10;&#10;Description automatically generated with medium confidence">
-                  <a:extLst>
-                    <a:ext uri="{FF2B5EF4-FFF2-40B4-BE49-F238E27FC236}">
-                      <a16:creationId xmlns:a16="http://schemas.microsoft.com/office/drawing/2014/main" id="{64B39430-8E04-C05D-4E22-7047F66689F8}"/>
-                    </a:ext>
-                  </a:extLst>
-                </p:cNvPr>
-                <p:cNvPicPr>
-                  <a:picLocks noChangeAspect="1"/>
-                </p:cNvPicPr>
-                <p:nvPr/>
-              </p:nvPicPr>
-              <p:blipFill>
-                <a:blip r:embed="rId4"/>
-                <a:stretch>
-                  <a:fillRect/>
-                </a:stretch>
-              </p:blipFill>
-              <p:spPr>
-                <a:xfrm>
-                  <a:off x="2525381" y="2301004"/>
-                  <a:ext cx="542727" cy="278902"/>
-                </a:xfrm>
-                <a:prstGeom prst="rect">
-                  <a:avLst/>
-                </a:prstGeom>
-              </p:spPr>
-            </p:pic>
-            <p:pic>
-              <p:nvPicPr>
-                <p:cNvPr id="79" name="Picture 78" descr="A black background with a black square&#10;&#10;Description automatically generated with medium confidence">
-                  <a:extLst>
-                    <a:ext uri="{FF2B5EF4-FFF2-40B4-BE49-F238E27FC236}">
-                      <a16:creationId xmlns:a16="http://schemas.microsoft.com/office/drawing/2014/main" id="{C1917570-81A7-30E9-F48A-6314CB65F152}"/>
-                    </a:ext>
-                  </a:extLst>
-                </p:cNvPr>
-                <p:cNvPicPr>
-                  <a:picLocks noChangeAspect="1"/>
-                </p:cNvPicPr>
-                <p:nvPr/>
-              </p:nvPicPr>
-              <p:blipFill>
-                <a:blip r:embed="rId4"/>
-                <a:stretch>
-                  <a:fillRect/>
-                </a:stretch>
-              </p:blipFill>
-              <p:spPr>
-                <a:xfrm>
-                  <a:off x="2259209" y="4558416"/>
-                  <a:ext cx="1057623" cy="543500"/>
-                </a:xfrm>
-                <a:prstGeom prst="rect">
-                  <a:avLst/>
-                </a:prstGeom>
-              </p:spPr>
-            </p:pic>
-          </p:grpSp>
-          <p:pic>
-            <p:nvPicPr>
-              <p:cNvPr id="77" name="Picture 76">
-                <a:extLst>
-                  <a:ext uri="{FF2B5EF4-FFF2-40B4-BE49-F238E27FC236}">
-                    <a16:creationId xmlns:a16="http://schemas.microsoft.com/office/drawing/2014/main" id="{EBFF1ADE-4366-213C-3333-2C205D3B1390}"/>
-                  </a:ext>
-                </a:extLst>
-              </p:cNvPr>
-              <p:cNvPicPr>
-                <a:picLocks noChangeAspect="1"/>
-              </p:cNvPicPr>
-              <p:nvPr/>
-            </p:nvPicPr>
-            <p:blipFill>
-              <a:blip r:embed="rId5"/>
-              <a:stretch>
-                <a:fillRect/>
-              </a:stretch>
-            </p:blipFill>
-            <p:spPr>
-              <a:xfrm>
-                <a:off x="2582819" y="322494"/>
-                <a:ext cx="770070" cy="333845"/>
-              </a:xfrm>
-              <a:prstGeom prst="rect">
-                <a:avLst/>
-              </a:prstGeom>
-            </p:spPr>
-          </p:pic>
-        </p:grpSp>
-      </p:grpSp>
-      <p:sp>
-        <p:nvSpPr>
-          <p:cNvPr id="59" name="TextBox 58">
-            <a:extLst>
-              <a:ext uri="{FF2B5EF4-FFF2-40B4-BE49-F238E27FC236}">
-                <a16:creationId xmlns:a16="http://schemas.microsoft.com/office/drawing/2014/main" id="{77CA0461-2D30-A16B-1278-E54915EAF53C}"/>
-              </a:ext>
-            </a:extLst>
-          </p:cNvPr>
-          <p:cNvSpPr txBox="1"/>
-          <p:nvPr/>
-        </p:nvSpPr>
-        <p:spPr>
-          <a:xfrm>
-            <a:off x="3293255" y="434959"/>
-            <a:ext cx="295274" cy="307777"/>
-          </a:xfrm>
-          <a:prstGeom prst="rect">
-            <a:avLst/>
-          </a:prstGeom>
-          <a:noFill/>
-        </p:spPr>
-        <p:txBody>
-          <a:bodyPr wrap="none" rtlCol="0">
-            <a:spAutoFit/>
-          </a:bodyPr>
-          <a:lstStyle/>
-          <a:p>
-            <a:r>
-              <a:rPr lang="en-AU" sz="1400" b="1" dirty="0"/>
-              <a:t>A</a:t>
-            </a:r>
-          </a:p>
-        </p:txBody>
-      </p:sp>
-      <p:sp>
-        <p:nvSpPr>
-          <p:cNvPr id="60" name="TextBox 59">
-            <a:extLst>
-              <a:ext uri="{FF2B5EF4-FFF2-40B4-BE49-F238E27FC236}">
-                <a16:creationId xmlns:a16="http://schemas.microsoft.com/office/drawing/2014/main" id="{6ADAAF31-0CA0-BAA1-5AAA-645FEEEC19C3}"/>
-              </a:ext>
-            </a:extLst>
-          </p:cNvPr>
-          <p:cNvSpPr txBox="1"/>
-          <p:nvPr/>
-        </p:nvSpPr>
-        <p:spPr>
-          <a:xfrm>
-            <a:off x="4626125" y="1030446"/>
-            <a:ext cx="295274" cy="307777"/>
-          </a:xfrm>
-          <a:prstGeom prst="rect">
-            <a:avLst/>
-          </a:prstGeom>
-          <a:noFill/>
-        </p:spPr>
-        <p:txBody>
-          <a:bodyPr wrap="none" rtlCol="0">
-            <a:spAutoFit/>
-          </a:bodyPr>
-          <a:lstStyle/>
-          <a:p>
-            <a:r>
-              <a:rPr lang="en-AU" sz="1400" b="1" dirty="0"/>
-              <a:t>B</a:t>
-            </a:r>
-          </a:p>
-        </p:txBody>
-      </p:sp>
-      <p:sp>
-        <p:nvSpPr>
-          <p:cNvPr id="61" name="TextBox 60">
-            <a:extLst>
-              <a:ext uri="{FF2B5EF4-FFF2-40B4-BE49-F238E27FC236}">
-                <a16:creationId xmlns:a16="http://schemas.microsoft.com/office/drawing/2014/main" id="{40FD31A1-7F27-0429-086B-9C4A62295667}"/>
-              </a:ext>
-            </a:extLst>
-          </p:cNvPr>
-          <p:cNvSpPr txBox="1"/>
-          <p:nvPr/>
-        </p:nvSpPr>
-        <p:spPr>
-          <a:xfrm>
-            <a:off x="3249081" y="2634575"/>
-            <a:ext cx="295274" cy="307777"/>
-          </a:xfrm>
-          <a:prstGeom prst="rect">
-            <a:avLst/>
-          </a:prstGeom>
-          <a:noFill/>
-        </p:spPr>
-        <p:txBody>
-          <a:bodyPr wrap="none" rtlCol="0">
-            <a:spAutoFit/>
-          </a:bodyPr>
-          <a:lstStyle/>
-          <a:p>
-            <a:r>
-              <a:rPr lang="en-AU" sz="1400" b="1" dirty="0"/>
-              <a:t>A</a:t>
-            </a:r>
-          </a:p>
-        </p:txBody>
-      </p:sp>
-      <p:sp>
-        <p:nvSpPr>
-          <p:cNvPr id="62" name="TextBox 61">
-            <a:extLst>
-              <a:ext uri="{FF2B5EF4-FFF2-40B4-BE49-F238E27FC236}">
-                <a16:creationId xmlns:a16="http://schemas.microsoft.com/office/drawing/2014/main" id="{C809CD2A-D1DF-D521-F0AA-112D64FE50F7}"/>
-              </a:ext>
-            </a:extLst>
-          </p:cNvPr>
-          <p:cNvSpPr txBox="1"/>
-          <p:nvPr/>
-        </p:nvSpPr>
-        <p:spPr>
-          <a:xfrm>
-            <a:off x="4634961" y="3605166"/>
-            <a:ext cx="295274" cy="307777"/>
-          </a:xfrm>
-          <a:prstGeom prst="rect">
-            <a:avLst/>
-          </a:prstGeom>
-          <a:noFill/>
-        </p:spPr>
-        <p:txBody>
-          <a:bodyPr wrap="none" rtlCol="0">
-            <a:spAutoFit/>
-          </a:bodyPr>
-          <a:lstStyle/>
-          <a:p>
-            <a:r>
-              <a:rPr lang="en-AU" sz="1400" b="1" dirty="0"/>
-              <a:t>B</a:t>
-            </a:r>
-          </a:p>
-        </p:txBody>
-      </p:sp>
-      <p:sp>
-        <p:nvSpPr>
-          <p:cNvPr id="63" name="TextBox 62">
-            <a:extLst>
-              <a:ext uri="{FF2B5EF4-FFF2-40B4-BE49-F238E27FC236}">
-                <a16:creationId xmlns:a16="http://schemas.microsoft.com/office/drawing/2014/main" id="{6B9E394B-8BB2-17F9-C76D-A7E98C163196}"/>
-              </a:ext>
-            </a:extLst>
-          </p:cNvPr>
-          <p:cNvSpPr txBox="1"/>
-          <p:nvPr/>
-        </p:nvSpPr>
-        <p:spPr>
-          <a:xfrm>
-            <a:off x="3249081" y="4569417"/>
-            <a:ext cx="295274" cy="307777"/>
-          </a:xfrm>
-          <a:prstGeom prst="rect">
-            <a:avLst/>
-          </a:prstGeom>
-          <a:noFill/>
-        </p:spPr>
-        <p:txBody>
-          <a:bodyPr wrap="none" rtlCol="0">
-            <a:spAutoFit/>
-          </a:bodyPr>
-          <a:lstStyle/>
-          <a:p>
-            <a:r>
-              <a:rPr lang="en-AU" sz="1400" b="1" dirty="0"/>
-              <a:t>A</a:t>
-            </a:r>
-          </a:p>
-        </p:txBody>
-      </p:sp>
-      <p:sp>
-        <p:nvSpPr>
-          <p:cNvPr id="64" name="TextBox 63">
-            <a:extLst>
-              <a:ext uri="{FF2B5EF4-FFF2-40B4-BE49-F238E27FC236}">
-                <a16:creationId xmlns:a16="http://schemas.microsoft.com/office/drawing/2014/main" id="{F3E2DA2E-9D84-C0B9-F472-6F8CE6ED245D}"/>
-              </a:ext>
-            </a:extLst>
-          </p:cNvPr>
-          <p:cNvSpPr txBox="1"/>
-          <p:nvPr/>
-        </p:nvSpPr>
-        <p:spPr>
-          <a:xfrm>
-            <a:off x="4596145" y="5412235"/>
-            <a:ext cx="295274" cy="307777"/>
-          </a:xfrm>
-          <a:prstGeom prst="rect">
-            <a:avLst/>
-          </a:prstGeom>
-          <a:noFill/>
-        </p:spPr>
-        <p:txBody>
-          <a:bodyPr wrap="none" rtlCol="0">
-            <a:spAutoFit/>
-          </a:bodyPr>
-          <a:lstStyle/>
-          <a:p>
-            <a:r>
-              <a:rPr lang="en-AU" sz="1400" b="1" dirty="0"/>
-              <a:t>A</a:t>
-            </a:r>
-          </a:p>
-        </p:txBody>
-      </p:sp>
-      <p:sp>
-        <p:nvSpPr>
-          <p:cNvPr id="65" name="TextBox 64">
-            <a:extLst>
-              <a:ext uri="{FF2B5EF4-FFF2-40B4-BE49-F238E27FC236}">
-                <a16:creationId xmlns:a16="http://schemas.microsoft.com/office/drawing/2014/main" id="{E02BD054-55E5-9BDF-FB62-8E8DC807FCD0}"/>
-              </a:ext>
-            </a:extLst>
-          </p:cNvPr>
-          <p:cNvSpPr txBox="1"/>
-          <p:nvPr/>
-        </p:nvSpPr>
-        <p:spPr>
-          <a:xfrm>
-            <a:off x="8274235" y="1022225"/>
-            <a:ext cx="295274" cy="307777"/>
-          </a:xfrm>
-          <a:prstGeom prst="rect">
-            <a:avLst/>
-          </a:prstGeom>
-          <a:noFill/>
-        </p:spPr>
-        <p:txBody>
-          <a:bodyPr wrap="none" rtlCol="0">
-            <a:spAutoFit/>
-          </a:bodyPr>
-          <a:lstStyle/>
-          <a:p>
-            <a:r>
-              <a:rPr lang="en-AU" sz="1400" b="1" dirty="0"/>
-              <a:t>B</a:t>
-            </a:r>
-          </a:p>
-        </p:txBody>
-      </p:sp>
-      <p:sp>
-        <p:nvSpPr>
-          <p:cNvPr id="66" name="TextBox 65">
-            <a:extLst>
-              <a:ext uri="{FF2B5EF4-FFF2-40B4-BE49-F238E27FC236}">
-                <a16:creationId xmlns:a16="http://schemas.microsoft.com/office/drawing/2014/main" id="{6E3B2799-8F19-1D68-5C03-233F9008A631}"/>
-              </a:ext>
-            </a:extLst>
-          </p:cNvPr>
-          <p:cNvSpPr txBox="1"/>
-          <p:nvPr/>
-        </p:nvSpPr>
-        <p:spPr>
-          <a:xfrm>
-            <a:off x="7130764" y="905393"/>
-            <a:ext cx="463332" cy="307777"/>
-          </a:xfrm>
-          <a:prstGeom prst="rect">
-            <a:avLst/>
-          </a:prstGeom>
-          <a:noFill/>
-        </p:spPr>
-        <p:txBody>
-          <a:bodyPr wrap="none" rtlCol="0">
-            <a:spAutoFit/>
-          </a:bodyPr>
-          <a:lstStyle/>
-          <a:p>
-            <a:r>
-              <a:rPr lang="en-AU" sz="1400" b="1" dirty="0"/>
-              <a:t>A,B</a:t>
-            </a:r>
-          </a:p>
-        </p:txBody>
-      </p:sp>
-      <p:sp>
-        <p:nvSpPr>
-          <p:cNvPr id="67" name="TextBox 66">
-            <a:extLst>
-              <a:ext uri="{FF2B5EF4-FFF2-40B4-BE49-F238E27FC236}">
-                <a16:creationId xmlns:a16="http://schemas.microsoft.com/office/drawing/2014/main" id="{505DB0E4-F917-0177-BC09-9832EB8481D0}"/>
-              </a:ext>
-            </a:extLst>
-          </p:cNvPr>
-          <p:cNvSpPr txBox="1"/>
-          <p:nvPr/>
-        </p:nvSpPr>
-        <p:spPr>
-          <a:xfrm>
-            <a:off x="6176604" y="190147"/>
-            <a:ext cx="295274" cy="307777"/>
-          </a:xfrm>
-          <a:prstGeom prst="rect">
-            <a:avLst/>
-          </a:prstGeom>
-          <a:noFill/>
-        </p:spPr>
-        <p:txBody>
-          <a:bodyPr wrap="none" rtlCol="0">
-            <a:spAutoFit/>
-          </a:bodyPr>
-          <a:lstStyle/>
-          <a:p>
-            <a:r>
-              <a:rPr lang="en-AU" sz="1400" b="1" dirty="0"/>
-              <a:t>A</a:t>
-            </a:r>
-          </a:p>
-        </p:txBody>
-      </p:sp>
-      <p:sp>
-        <p:nvSpPr>
-          <p:cNvPr id="68" name="TextBox 67">
-            <a:extLst>
-              <a:ext uri="{FF2B5EF4-FFF2-40B4-BE49-F238E27FC236}">
-                <a16:creationId xmlns:a16="http://schemas.microsoft.com/office/drawing/2014/main" id="{02948E71-2E34-5D66-E8A8-0ADFDE09D371}"/>
-              </a:ext>
-            </a:extLst>
-          </p:cNvPr>
-          <p:cNvSpPr txBox="1"/>
-          <p:nvPr/>
-        </p:nvSpPr>
-        <p:spPr>
-          <a:xfrm>
-            <a:off x="8274235" y="3426839"/>
-            <a:ext cx="295274" cy="307777"/>
-          </a:xfrm>
-          <a:prstGeom prst="rect">
-            <a:avLst/>
-          </a:prstGeom>
-          <a:noFill/>
-        </p:spPr>
-        <p:txBody>
-          <a:bodyPr wrap="none" rtlCol="0">
-            <a:spAutoFit/>
-          </a:bodyPr>
-          <a:lstStyle/>
-          <a:p>
-            <a:r>
-              <a:rPr lang="en-AU" sz="1400" b="1" dirty="0"/>
-              <a:t>B</a:t>
-            </a:r>
-          </a:p>
-        </p:txBody>
-      </p:sp>
-      <p:sp>
-        <p:nvSpPr>
-          <p:cNvPr id="69" name="TextBox 68">
-            <a:extLst>
-              <a:ext uri="{FF2B5EF4-FFF2-40B4-BE49-F238E27FC236}">
-                <a16:creationId xmlns:a16="http://schemas.microsoft.com/office/drawing/2014/main" id="{A2D7DD42-E6B5-C34D-E15F-C501EA4C6655}"/>
-              </a:ext>
-            </a:extLst>
-          </p:cNvPr>
-          <p:cNvSpPr txBox="1"/>
-          <p:nvPr/>
-        </p:nvSpPr>
-        <p:spPr>
-          <a:xfrm>
-            <a:off x="7129725" y="3111860"/>
-            <a:ext cx="463332" cy="307777"/>
-          </a:xfrm>
-          <a:prstGeom prst="rect">
-            <a:avLst/>
-          </a:prstGeom>
-          <a:noFill/>
-        </p:spPr>
-        <p:txBody>
-          <a:bodyPr wrap="none" rtlCol="0">
-            <a:spAutoFit/>
-          </a:bodyPr>
-          <a:lstStyle/>
-          <a:p>
-            <a:r>
-              <a:rPr lang="en-AU" sz="1400" b="1" dirty="0"/>
-              <a:t>A,B</a:t>
-            </a:r>
-          </a:p>
-        </p:txBody>
-      </p:sp>
-      <p:sp>
-        <p:nvSpPr>
-          <p:cNvPr id="70" name="TextBox 69">
-            <a:extLst>
-              <a:ext uri="{FF2B5EF4-FFF2-40B4-BE49-F238E27FC236}">
-                <a16:creationId xmlns:a16="http://schemas.microsoft.com/office/drawing/2014/main" id="{BA31A53B-7397-AE0D-8D48-DF9E358A518D}"/>
-              </a:ext>
-            </a:extLst>
-          </p:cNvPr>
-          <p:cNvSpPr txBox="1"/>
-          <p:nvPr/>
-        </p:nvSpPr>
-        <p:spPr>
-          <a:xfrm>
-            <a:off x="6161614" y="3003131"/>
-            <a:ext cx="295274" cy="307777"/>
-          </a:xfrm>
-          <a:prstGeom prst="rect">
-            <a:avLst/>
-          </a:prstGeom>
-          <a:noFill/>
-        </p:spPr>
-        <p:txBody>
-          <a:bodyPr wrap="none" rtlCol="0">
-            <a:spAutoFit/>
-          </a:bodyPr>
-          <a:lstStyle/>
-          <a:p>
-            <a:r>
-              <a:rPr lang="en-AU" sz="1400" b="1" dirty="0"/>
-              <a:t>A</a:t>
-            </a:r>
-          </a:p>
-        </p:txBody>
-      </p:sp>
-      <p:sp>
-        <p:nvSpPr>
-          <p:cNvPr id="71" name="TextBox 70">
-            <a:extLst>
-              <a:ext uri="{FF2B5EF4-FFF2-40B4-BE49-F238E27FC236}">
-                <a16:creationId xmlns:a16="http://schemas.microsoft.com/office/drawing/2014/main" id="{6BA2A6CC-EBB2-512E-F48A-87AB10AB2100}"/>
-              </a:ext>
-            </a:extLst>
-          </p:cNvPr>
-          <p:cNvSpPr txBox="1"/>
-          <p:nvPr/>
-        </p:nvSpPr>
-        <p:spPr>
-          <a:xfrm>
-            <a:off x="8274235" y="5382254"/>
-            <a:ext cx="295274" cy="307777"/>
-          </a:xfrm>
-          <a:prstGeom prst="rect">
-            <a:avLst/>
-          </a:prstGeom>
-          <a:noFill/>
-        </p:spPr>
-        <p:txBody>
-          <a:bodyPr wrap="none" rtlCol="0">
-            <a:spAutoFit/>
-          </a:bodyPr>
-          <a:lstStyle/>
-          <a:p>
-            <a:r>
-              <a:rPr lang="en-AU" sz="1400" b="1" dirty="0"/>
-              <a:t>A</a:t>
-            </a:r>
-          </a:p>
-        </p:txBody>
-      </p:sp>
-      <p:sp>
-        <p:nvSpPr>
-          <p:cNvPr id="72" name="TextBox 71">
-            <a:extLst>
-              <a:ext uri="{FF2B5EF4-FFF2-40B4-BE49-F238E27FC236}">
-                <a16:creationId xmlns:a16="http://schemas.microsoft.com/office/drawing/2014/main" id="{7DA13997-DC0A-9E21-31A4-18DBE8020419}"/>
-              </a:ext>
-            </a:extLst>
-          </p:cNvPr>
-          <p:cNvSpPr txBox="1"/>
-          <p:nvPr/>
-        </p:nvSpPr>
-        <p:spPr>
-          <a:xfrm>
-            <a:off x="7213754" y="4694894"/>
-            <a:ext cx="295274" cy="307777"/>
-          </a:xfrm>
-          <a:prstGeom prst="rect">
-            <a:avLst/>
-          </a:prstGeom>
-          <a:noFill/>
-        </p:spPr>
-        <p:txBody>
-          <a:bodyPr wrap="square" rtlCol="0">
-            <a:spAutoFit/>
-          </a:bodyPr>
-          <a:lstStyle/>
-          <a:p>
-            <a:r>
-              <a:rPr lang="en-AU" sz="1400" b="1" dirty="0"/>
-              <a:t>A</a:t>
-            </a:r>
-          </a:p>
-        </p:txBody>
-      </p:sp>
-      <p:sp>
-        <p:nvSpPr>
-          <p:cNvPr id="73" name="TextBox 72">
-            <a:extLst>
-              <a:ext uri="{FF2B5EF4-FFF2-40B4-BE49-F238E27FC236}">
-                <a16:creationId xmlns:a16="http://schemas.microsoft.com/office/drawing/2014/main" id="{DF0241DE-8CDF-C738-4527-729D2026E6E5}"/>
-              </a:ext>
-            </a:extLst>
-          </p:cNvPr>
-          <p:cNvSpPr txBox="1"/>
-          <p:nvPr/>
-        </p:nvSpPr>
-        <p:spPr>
-          <a:xfrm>
-            <a:off x="6161614" y="4932253"/>
-            <a:ext cx="295274" cy="307777"/>
-          </a:xfrm>
-          <a:prstGeom prst="rect">
-            <a:avLst/>
-          </a:prstGeom>
-          <a:noFill/>
-        </p:spPr>
-        <p:txBody>
-          <a:bodyPr wrap="none" rtlCol="0">
-            <a:spAutoFit/>
-          </a:bodyPr>
-          <a:lstStyle/>
-          <a:p>
-            <a:r>
-              <a:rPr lang="en-AU" sz="1400" b="1" dirty="0"/>
-              <a:t>A</a:t>
-            </a:r>
-          </a:p>
-        </p:txBody>
-      </p:sp>
-    </p:spTree>
-    <p:extLst>
-      <p:ext uri="{BB962C8B-B14F-4D97-AF65-F5344CB8AC3E}">
-        <p14:creationId xmlns:p14="http://schemas.microsoft.com/office/powerpoint/2010/main" val="1104837883"/>
-      </p:ext>
-    </p:extLst>
-  </p:cSld>
-  <p:clrMapOvr>
-    <a:masterClrMapping/>
-  </p:clrMapOvr>
-</p:sld>
-</file>
-
-<file path=ppt/slides/slide4.xml><?xml version="1.0" encoding="utf-8"?>
-<p:sld xmlns:a="http://schemas.openxmlformats.org/drawingml/2006/main" xmlns:r="http://schemas.openxmlformats.org/officeDocument/2006/relationships" xmlns:p="http://schemas.openxmlformats.org/presentationml/2006/main">
-  <p:cSld>
-    <p:spTree>
-      <p:nvGrpSpPr>
-        <p:cNvPr id="1" name=""/>
-        <p:cNvGrpSpPr/>
-        <p:nvPr/>
-      </p:nvGrpSpPr>
-      <p:grpSpPr>
-        <a:xfrm>
-          <a:off x="0" y="0"/>
-          <a:ext cx="0" cy="0"/>
-          <a:chOff x="0" y="0"/>
-          <a:chExt cx="0" cy="0"/>
-        </a:xfrm>
-      </p:grpSpPr>
-      <p:pic>
-        <p:nvPicPr>
-          <p:cNvPr id="5" name="Picture 4" descr="A comparison of the results of a treatment&#10;&#10;Description automatically generated with medium confidence">
-            <a:extLst>
-              <a:ext uri="{FF2B5EF4-FFF2-40B4-BE49-F238E27FC236}">
-                <a16:creationId xmlns:a16="http://schemas.microsoft.com/office/drawing/2014/main" id="{E443E17F-870E-896D-9D88-90FD7B36E12E}"/>
-              </a:ext>
-            </a:extLst>
-          </p:cNvPr>
-          <p:cNvPicPr>
-            <a:picLocks noChangeAspect="1"/>
-          </p:cNvPicPr>
-          <p:nvPr/>
-        </p:nvPicPr>
-        <p:blipFill>
-          <a:blip r:embed="rId3"/>
-          <a:stretch>
-            <a:fillRect/>
-          </a:stretch>
-        </p:blipFill>
-        <p:spPr>
-          <a:xfrm>
-            <a:off x="1619023" y="0"/>
-            <a:ext cx="7959692" cy="6765738"/>
-          </a:xfrm>
-          <a:prstGeom prst="rect">
-            <a:avLst/>
-          </a:prstGeom>
-        </p:spPr>
-      </p:pic>
-      <p:pic>
-        <p:nvPicPr>
-          <p:cNvPr id="6" name="Picture 5" descr="A black background with a black square&#10;&#10;Description automatically generated with medium confidence">
-            <a:extLst>
-              <a:ext uri="{FF2B5EF4-FFF2-40B4-BE49-F238E27FC236}">
-                <a16:creationId xmlns:a16="http://schemas.microsoft.com/office/drawing/2014/main" id="{0CE35CE7-7899-26E2-CE5A-2A04CEC2D019}"/>
-              </a:ext>
-            </a:extLst>
-          </p:cNvPr>
-          <p:cNvPicPr>
-            <a:picLocks noChangeAspect="1"/>
-          </p:cNvPicPr>
-          <p:nvPr/>
-        </p:nvPicPr>
-        <p:blipFill>
-          <a:blip r:embed="rId4"/>
-          <a:stretch>
-            <a:fillRect/>
-          </a:stretch>
-        </p:blipFill>
-        <p:spPr>
-          <a:xfrm>
-            <a:off x="2659207" y="-40454"/>
-            <a:ext cx="1407698" cy="723399"/>
-          </a:xfrm>
-          <a:prstGeom prst="rect">
-            <a:avLst/>
-          </a:prstGeom>
-        </p:spPr>
-      </p:pic>
-    </p:spTree>
-    <p:extLst>
-      <p:ext uri="{BB962C8B-B14F-4D97-AF65-F5344CB8AC3E}">
-        <p14:creationId xmlns:p14="http://schemas.microsoft.com/office/powerpoint/2010/main" val="328309344"/>
-      </p:ext>
-    </p:extLst>
-  </p:cSld>
-  <p:clrMapOvr>
-    <a:masterClrMapping/>
-  </p:clrMapOvr>
-</p:sld>
-</file>
-
-<file path=ppt/slides/slide5.xml><?xml version="1.0" encoding="utf-8"?>
-<p:sld xmlns:a="http://schemas.openxmlformats.org/drawingml/2006/main" xmlns:r="http://schemas.openxmlformats.org/officeDocument/2006/relationships" xmlns:p="http://schemas.openxmlformats.org/presentationml/2006/main">
-  <p:cSld>
-    <p:spTree>
-      <p:nvGrpSpPr>
-        <p:cNvPr id="1" name=""/>
-        <p:cNvGrpSpPr/>
-        <p:nvPr/>
-      </p:nvGrpSpPr>
-      <p:grpSpPr>
-        <a:xfrm>
-          <a:off x="0" y="0"/>
-          <a:ext cx="0" cy="0"/>
-          <a:chOff x="0" y="0"/>
-          <a:chExt cx="0" cy="0"/>
-        </a:xfrm>
-      </p:grpSpPr>
-      <p:pic>
-        <p:nvPicPr>
-          <p:cNvPr id="3" name="Picture 2" descr="A comparison of a graph&#10;&#10;Description automatically generated with medium confidence">
-            <a:extLst>
-              <a:ext uri="{FF2B5EF4-FFF2-40B4-BE49-F238E27FC236}">
-                <a16:creationId xmlns:a16="http://schemas.microsoft.com/office/drawing/2014/main" id="{D6343A69-D065-27DE-283B-450943965256}"/>
-              </a:ext>
-            </a:extLst>
-          </p:cNvPr>
-          <p:cNvPicPr>
-            <a:picLocks noChangeAspect="1"/>
-          </p:cNvPicPr>
-          <p:nvPr/>
-        </p:nvPicPr>
-        <p:blipFill>
-          <a:blip r:embed="rId3"/>
-          <a:stretch>
-            <a:fillRect/>
-          </a:stretch>
-        </p:blipFill>
-        <p:spPr>
-          <a:xfrm>
-            <a:off x="1681814" y="0"/>
-            <a:ext cx="7976849" cy="6780322"/>
-          </a:xfrm>
-          <a:prstGeom prst="rect">
-            <a:avLst/>
-          </a:prstGeom>
-        </p:spPr>
-      </p:pic>
-      <p:pic>
-        <p:nvPicPr>
-          <p:cNvPr id="4" name="Picture 3" descr="A black background with a black square&#10;&#10;Description automatically generated with medium confidence">
-            <a:extLst>
-              <a:ext uri="{FF2B5EF4-FFF2-40B4-BE49-F238E27FC236}">
-                <a16:creationId xmlns:a16="http://schemas.microsoft.com/office/drawing/2014/main" id="{E92364E6-6F36-5A7E-6D8F-11982D472585}"/>
-              </a:ext>
-            </a:extLst>
-          </p:cNvPr>
-          <p:cNvPicPr>
-            <a:picLocks noChangeAspect="1"/>
-          </p:cNvPicPr>
-          <p:nvPr/>
-        </p:nvPicPr>
-        <p:blipFill>
-          <a:blip r:embed="rId4"/>
-          <a:stretch>
-            <a:fillRect/>
-          </a:stretch>
-        </p:blipFill>
-        <p:spPr>
-          <a:xfrm>
-            <a:off x="2659207" y="-40454"/>
-            <a:ext cx="1407698" cy="723399"/>
-          </a:xfrm>
-          <a:prstGeom prst="rect">
-            <a:avLst/>
-          </a:prstGeom>
-        </p:spPr>
-      </p:pic>
-    </p:spTree>
-    <p:extLst>
-      <p:ext uri="{BB962C8B-B14F-4D97-AF65-F5344CB8AC3E}">
-        <p14:creationId xmlns:p14="http://schemas.microsoft.com/office/powerpoint/2010/main" val="329730318"/>
-      </p:ext>
-    </p:extLst>
-  </p:cSld>
-  <p:clrMapOvr>
-    <a:masterClrMapping/>
-  </p:clrMapOvr>
-</p:sld>
-</file>
-
-<file path=ppt/slides/slide6.xml><?xml version="1.0" encoding="utf-8"?>
-<p:sld xmlns:a="http://schemas.openxmlformats.org/drawingml/2006/main" xmlns:r="http://schemas.openxmlformats.org/officeDocument/2006/relationships" xmlns:p="http://schemas.openxmlformats.org/presentationml/2006/main">
-  <p:cSld>
-    <p:spTree>
-      <p:nvGrpSpPr>
-        <p:cNvPr id="1" name=""/>
-        <p:cNvGrpSpPr/>
-        <p:nvPr/>
-      </p:nvGrpSpPr>
-      <p:grpSpPr>
-        <a:xfrm>
-          <a:off x="0" y="0"/>
-          <a:ext cx="0" cy="0"/>
-          <a:chOff x="0" y="0"/>
-          <a:chExt cx="0" cy="0"/>
-        </a:xfrm>
-      </p:grpSpPr>
-      <p:pic>
-        <p:nvPicPr>
-          <p:cNvPr id="3" name="Picture 2" descr="A diagram of a temperature&#10;&#10;Description automatically generated">
-            <a:extLst>
-              <a:ext uri="{FF2B5EF4-FFF2-40B4-BE49-F238E27FC236}">
-                <a16:creationId xmlns:a16="http://schemas.microsoft.com/office/drawing/2014/main" id="{D9E6BFD0-A341-8268-1C8D-3960B90944C4}"/>
-              </a:ext>
-            </a:extLst>
-          </p:cNvPr>
-          <p:cNvPicPr>
-            <a:picLocks noChangeAspect="1"/>
-          </p:cNvPicPr>
-          <p:nvPr/>
-        </p:nvPicPr>
-        <p:blipFill>
-          <a:blip r:embed="rId3"/>
-          <a:stretch>
-            <a:fillRect/>
-          </a:stretch>
-        </p:blipFill>
-        <p:spPr>
-          <a:xfrm>
-            <a:off x="1152161" y="0"/>
-            <a:ext cx="7931878" cy="6742096"/>
-          </a:xfrm>
-          <a:prstGeom prst="rect">
-            <a:avLst/>
-          </a:prstGeom>
-        </p:spPr>
-      </p:pic>
-      <p:pic>
-        <p:nvPicPr>
-          <p:cNvPr id="6" name="Picture 5" descr="A black background with a black square&#10;&#10;Description automatically generated with medium confidence">
-            <a:extLst>
-              <a:ext uri="{FF2B5EF4-FFF2-40B4-BE49-F238E27FC236}">
-                <a16:creationId xmlns:a16="http://schemas.microsoft.com/office/drawing/2014/main" id="{B67F2EF7-9A88-6217-FE5B-9C420E339F04}"/>
-              </a:ext>
-            </a:extLst>
-          </p:cNvPr>
-          <p:cNvPicPr>
-            <a:picLocks noChangeAspect="1"/>
-          </p:cNvPicPr>
-          <p:nvPr/>
-        </p:nvPicPr>
-        <p:blipFill>
-          <a:blip r:embed="rId4"/>
-          <a:stretch>
-            <a:fillRect/>
-          </a:stretch>
-        </p:blipFill>
-        <p:spPr>
-          <a:xfrm>
-            <a:off x="6617560" y="-89940"/>
-            <a:ext cx="1548468" cy="795739"/>
-          </a:xfrm>
-          <a:prstGeom prst="rect">
-            <a:avLst/>
-          </a:prstGeom>
-        </p:spPr>
-      </p:pic>
-    </p:spTree>
-    <p:extLst>
-      <p:ext uri="{BB962C8B-B14F-4D97-AF65-F5344CB8AC3E}">
-        <p14:creationId xmlns:p14="http://schemas.microsoft.com/office/powerpoint/2010/main" val="196972711"/>
-      </p:ext>
-    </p:extLst>
-  </p:cSld>
-  <p:clrMapOvr>
-    <a:masterClrMapping/>
-  </p:clrMapOvr>
-</p:sld>
-</file>
-
-<file path=ppt/slides/slide7.xml><?xml version="1.0" encoding="utf-8"?>
-<p:sld xmlns:a="http://schemas.openxmlformats.org/drawingml/2006/main" xmlns:r="http://schemas.openxmlformats.org/officeDocument/2006/relationships" xmlns:p="http://schemas.openxmlformats.org/presentationml/2006/main">
-  <p:cSld>
-    <p:spTree>
-      <p:nvGrpSpPr>
-        <p:cNvPr id="1" name=""/>
-        <p:cNvGrpSpPr/>
-        <p:nvPr/>
-      </p:nvGrpSpPr>
-      <p:grpSpPr>
-        <a:xfrm>
-          <a:off x="0" y="0"/>
-          <a:ext cx="0" cy="0"/>
-          <a:chOff x="0" y="0"/>
-          <a:chExt cx="0" cy="0"/>
-        </a:xfrm>
-      </p:grpSpPr>
-      <p:pic>
-        <p:nvPicPr>
-          <p:cNvPr id="4" name="Picture 3" descr="A group of graphs showing different sizes of male and female&#10;&#10;Description automatically generated">
-            <a:extLst>
-              <a:ext uri="{FF2B5EF4-FFF2-40B4-BE49-F238E27FC236}">
-                <a16:creationId xmlns:a16="http://schemas.microsoft.com/office/drawing/2014/main" id="{65547DCC-2AB7-DB57-65BA-77A9C9CD6749}"/>
-              </a:ext>
-            </a:extLst>
-          </p:cNvPr>
-          <p:cNvPicPr>
-            <a:picLocks noChangeAspect="1"/>
-          </p:cNvPicPr>
-          <p:nvPr/>
-        </p:nvPicPr>
-        <p:blipFill>
-          <a:blip r:embed="rId3"/>
-          <a:stretch>
-            <a:fillRect/>
-          </a:stretch>
-        </p:blipFill>
-        <p:spPr>
-          <a:xfrm>
-            <a:off x="1438457" y="140677"/>
-            <a:ext cx="7945385" cy="6723018"/>
-          </a:xfrm>
-          <a:prstGeom prst="rect">
-            <a:avLst/>
-          </a:prstGeom>
-        </p:spPr>
-      </p:pic>
-      <p:pic>
-        <p:nvPicPr>
-          <p:cNvPr id="5" name="Picture 4" descr="A black background with a black square&#10;&#10;Description automatically generated with medium confidence">
-            <a:extLst>
-              <a:ext uri="{FF2B5EF4-FFF2-40B4-BE49-F238E27FC236}">
-                <a16:creationId xmlns:a16="http://schemas.microsoft.com/office/drawing/2014/main" id="{B7C75874-C60A-9A60-74E4-5A9A65767E34}"/>
-              </a:ext>
-            </a:extLst>
-          </p:cNvPr>
-          <p:cNvPicPr>
-            <a:picLocks noChangeAspect="1"/>
-          </p:cNvPicPr>
-          <p:nvPr/>
-        </p:nvPicPr>
-        <p:blipFill>
-          <a:blip r:embed="rId4"/>
-          <a:stretch>
-            <a:fillRect/>
-          </a:stretch>
-        </p:blipFill>
-        <p:spPr>
-          <a:xfrm>
-            <a:off x="7835374" y="494677"/>
-            <a:ext cx="1548468" cy="795739"/>
-          </a:xfrm>
-          <a:prstGeom prst="rect">
-            <a:avLst/>
-          </a:prstGeom>
-        </p:spPr>
-      </p:pic>
-    </p:spTree>
-    <p:extLst>
-      <p:ext uri="{BB962C8B-B14F-4D97-AF65-F5344CB8AC3E}">
-        <p14:creationId xmlns:p14="http://schemas.microsoft.com/office/powerpoint/2010/main" val="1418389529"/>
-      </p:ext>
-    </p:extLst>
-  </p:cSld>
-  <p:clrMapOvr>
-    <a:masterClrMapping/>
-  </p:clrMapOvr>
-</p:sld>
-</file>
-
-<file path=ppt/slides/slide8.xml><?xml version="1.0" encoding="utf-8"?>
-<p:sld xmlns:a="http://schemas.openxmlformats.org/drawingml/2006/main" xmlns:r="http://schemas.openxmlformats.org/officeDocument/2006/relationships" xmlns:p="http://schemas.openxmlformats.org/presentationml/2006/main">
-  <p:cSld>
-    <p:spTree>
-      <p:nvGrpSpPr>
-        <p:cNvPr id="1" name=""/>
-        <p:cNvGrpSpPr/>
-        <p:nvPr/>
-      </p:nvGrpSpPr>
-      <p:grpSpPr>
-        <a:xfrm>
-          <a:off x="0" y="0"/>
-          <a:ext cx="0" cy="0"/>
-          <a:chOff x="0" y="0"/>
-          <a:chExt cx="0" cy="0"/>
-        </a:xfrm>
-      </p:grpSpPr>
-      <p:pic>
-        <p:nvPicPr>
-          <p:cNvPr id="3" name="Picture 2" descr="A graph of a person and person&#10;&#10;Description automatically generated">
-            <a:extLst>
-              <a:ext uri="{FF2B5EF4-FFF2-40B4-BE49-F238E27FC236}">
-                <a16:creationId xmlns:a16="http://schemas.microsoft.com/office/drawing/2014/main" id="{955812F9-16EC-E357-6460-8DF0C65FC33F}"/>
-              </a:ext>
-            </a:extLst>
-          </p:cNvPr>
-          <p:cNvPicPr>
-            <a:picLocks noChangeAspect="1"/>
-          </p:cNvPicPr>
-          <p:nvPr/>
-        </p:nvPicPr>
-        <p:blipFill>
-          <a:blip r:embed="rId3"/>
-          <a:stretch>
-            <a:fillRect/>
-          </a:stretch>
-        </p:blipFill>
-        <p:spPr>
-          <a:xfrm>
-            <a:off x="1674091" y="0"/>
-            <a:ext cx="8431810" cy="6745448"/>
-          </a:xfrm>
-          <a:prstGeom prst="rect">
-            <a:avLst/>
-          </a:prstGeom>
-        </p:spPr>
-      </p:pic>
-      <p:pic>
-        <p:nvPicPr>
-          <p:cNvPr id="4" name="Picture 3" descr="A black background with a black square&#10;&#10;Description automatically generated with medium confidence">
-            <a:extLst>
-              <a:ext uri="{FF2B5EF4-FFF2-40B4-BE49-F238E27FC236}">
-                <a16:creationId xmlns:a16="http://schemas.microsoft.com/office/drawing/2014/main" id="{9F6571B2-C380-79ED-78F2-EA8CD71D9C4E}"/>
-              </a:ext>
-            </a:extLst>
-          </p:cNvPr>
-          <p:cNvPicPr>
-            <a:picLocks noChangeAspect="1"/>
-          </p:cNvPicPr>
-          <p:nvPr/>
-        </p:nvPicPr>
-        <p:blipFill>
-          <a:blip r:embed="rId4"/>
-          <a:stretch>
-            <a:fillRect/>
-          </a:stretch>
-        </p:blipFill>
-        <p:spPr>
-          <a:xfrm>
-            <a:off x="2624141" y="812033"/>
-            <a:ext cx="1548468" cy="795739"/>
-          </a:xfrm>
-          <a:prstGeom prst="rect">
-            <a:avLst/>
-          </a:prstGeom>
-        </p:spPr>
-      </p:pic>
-    </p:spTree>
-    <p:extLst>
-      <p:ext uri="{BB962C8B-B14F-4D97-AF65-F5344CB8AC3E}">
-        <p14:creationId xmlns:p14="http://schemas.microsoft.com/office/powerpoint/2010/main" val="2240514061"/>
-      </p:ext>
-    </p:extLst>
-  </p:cSld>
-  <p:clrMapOvr>
-    <a:masterClrMapping/>
-  </p:clrMapOvr>
-</p:sld>
-</file>
-
-<file path=ppt/slides/slide9.xml><?xml version="1.0" encoding="utf-8"?>
-<p:sld xmlns:a="http://schemas.openxmlformats.org/drawingml/2006/main" xmlns:r="http://schemas.openxmlformats.org/officeDocument/2006/relationships" xmlns:p="http://schemas.openxmlformats.org/presentationml/2006/main">
-  <p:cSld>
-    <p:spTree>
-      <p:nvGrpSpPr>
-        <p:cNvPr id="1" name=""/>
-        <p:cNvGrpSpPr/>
-        <p:nvPr/>
-      </p:nvGrpSpPr>
-      <p:grpSpPr>
-        <a:xfrm>
-          <a:off x="0" y="0"/>
-          <a:ext cx="0" cy="0"/>
-          <a:chOff x="0" y="0"/>
-          <a:chExt cx="0" cy="0"/>
-        </a:xfrm>
-      </p:grpSpPr>
-      <p:pic>
-        <p:nvPicPr>
-          <p:cNvPr id="5" name="Picture 4" descr="A diagram of a person and person&#10;&#10;Description automatically generated">
-            <a:extLst>
-              <a:ext uri="{FF2B5EF4-FFF2-40B4-BE49-F238E27FC236}">
-                <a16:creationId xmlns:a16="http://schemas.microsoft.com/office/drawing/2014/main" id="{053C95B2-A8E5-012F-55DA-2060F61AEDC3}"/>
-              </a:ext>
-            </a:extLst>
-          </p:cNvPr>
-          <p:cNvPicPr>
-            <a:picLocks noChangeAspect="1"/>
-          </p:cNvPicPr>
-          <p:nvPr/>
-        </p:nvPicPr>
-        <p:blipFill>
-          <a:blip r:embed="rId3"/>
-          <a:stretch>
-            <a:fillRect/>
-          </a:stretch>
-        </p:blipFill>
-        <p:spPr>
-          <a:xfrm>
-            <a:off x="1766757" y="-1"/>
-            <a:ext cx="8576456" cy="6861165"/>
-          </a:xfrm>
-          <a:prstGeom prst="rect">
-            <a:avLst/>
-          </a:prstGeom>
-        </p:spPr>
-      </p:pic>
-      <p:pic>
-        <p:nvPicPr>
-          <p:cNvPr id="6" name="Picture 5" descr="A black background with a black square&#10;&#10;Description automatically generated with medium confidence">
-            <a:extLst>
-              <a:ext uri="{FF2B5EF4-FFF2-40B4-BE49-F238E27FC236}">
-                <a16:creationId xmlns:a16="http://schemas.microsoft.com/office/drawing/2014/main" id="{64FEAEA3-379C-A448-D939-711675B86EFB}"/>
-              </a:ext>
-            </a:extLst>
-          </p:cNvPr>
-          <p:cNvPicPr>
-            <a:picLocks noChangeAspect="1"/>
-          </p:cNvPicPr>
-          <p:nvPr/>
-        </p:nvPicPr>
-        <p:blipFill>
-          <a:blip r:embed="rId4"/>
-          <a:stretch>
-            <a:fillRect/>
-          </a:stretch>
-        </p:blipFill>
-        <p:spPr>
-          <a:xfrm>
-            <a:off x="2684102" y="797042"/>
-            <a:ext cx="1548468" cy="795739"/>
-          </a:xfrm>
-          <a:prstGeom prst="rect">
-            <a:avLst/>
-          </a:prstGeom>
-        </p:spPr>
-      </p:pic>
-    </p:spTree>
-    <p:extLst>
-      <p:ext uri="{BB962C8B-B14F-4D97-AF65-F5344CB8AC3E}">
-        <p14:creationId xmlns:p14="http://schemas.microsoft.com/office/powerpoint/2010/main" val="3936402238"/>
       </p:ext>
     </p:extLst>
   </p:cSld>

--- a/figures/Figures.pptx
+++ b/figures/Figures.pptx
@@ -5,7 +5,7 @@
     <p:sldMasterId id="2147483648" r:id="rId1"/>
   </p:sldMasterIdLst>
   <p:notesMasterIdLst>
-    <p:notesMasterId r:id="rId13"/>
+    <p:notesMasterId r:id="rId14"/>
   </p:notesMasterIdLst>
   <p:sldIdLst>
     <p:sldId id="263" r:id="rId2"/>
@@ -14,11 +14,12 @@
     <p:sldId id="258" r:id="rId5"/>
     <p:sldId id="259" r:id="rId6"/>
     <p:sldId id="268" r:id="rId7"/>
-    <p:sldId id="260" r:id="rId8"/>
-    <p:sldId id="264" r:id="rId9"/>
+    <p:sldId id="264" r:id="rId8"/>
+    <p:sldId id="269" r:id="rId9"/>
     <p:sldId id="266" r:id="rId10"/>
     <p:sldId id="265" r:id="rId11"/>
     <p:sldId id="267" r:id="rId12"/>
+    <p:sldId id="260" r:id="rId13"/>
   </p:sldIdLst>
   <p:sldSz cx="12192000" cy="6858000"/>
   <p:notesSz cx="6858000" cy="9144000"/>
@@ -213,7 +214,7 @@
           <a:p>
             <a:fld id="{7C71E9F6-FCF5-CF48-B9B6-F48F0405B4DE}" type="datetimeFigureOut">
               <a:rPr lang="en-AU" smtClean="0"/>
-              <a:t>31/8/2024</a:t>
+              <a:t>25/10/2024</a:t>
             </a:fld>
             <a:endParaRPr lang="en-AU"/>
           </a:p>
@@ -611,12 +612,6 @@
           <a:p>
             <a:endParaRPr lang="en-AU" dirty="0"/>
           </a:p>
-          <a:p>
-            <a:r>
-              <a:rPr lang="en-AU" dirty="0"/>
-              <a:t>Figure S4</a:t>
-            </a:r>
-          </a:p>
         </p:txBody>
       </p:sp>
       <p:sp>
@@ -636,7 +631,7 @@
           <a:p>
             <a:fld id="{641213EC-B9D3-5045-8AF8-62DDD0C5C0DC}" type="slidenum">
               <a:rPr lang="en-AU" smtClean="0"/>
-              <a:t>10</a:t>
+              <a:t>11</a:t>
             </a:fld>
             <a:endParaRPr lang="en-AU"/>
           </a:p>
@@ -645,7 +640,7 @@
     </p:spTree>
     <p:extLst>
       <p:ext uri="{BB962C8B-B14F-4D97-AF65-F5344CB8AC3E}">
-        <p14:creationId xmlns:p14="http://schemas.microsoft.com/office/powerpoint/2010/main" val="2461971049"/>
+        <p14:creationId xmlns:p14="http://schemas.microsoft.com/office/powerpoint/2010/main" val="3777794113"/>
       </p:ext>
     </p:extLst>
   </p:cSld>
@@ -720,7 +715,7 @@
           <a:p>
             <a:fld id="{641213EC-B9D3-5045-8AF8-62DDD0C5C0DC}" type="slidenum">
               <a:rPr lang="en-AU" smtClean="0"/>
-              <a:t>11</a:t>
+              <a:t>12</a:t>
             </a:fld>
             <a:endParaRPr lang="en-AU"/>
           </a:p>
@@ -729,7 +724,7 @@
     </p:spTree>
     <p:extLst>
       <p:ext uri="{BB962C8B-B14F-4D97-AF65-F5344CB8AC3E}">
-        <p14:creationId xmlns:p14="http://schemas.microsoft.com/office/powerpoint/2010/main" val="3777794113"/>
+        <p14:creationId xmlns:p14="http://schemas.microsoft.com/office/powerpoint/2010/main" val="1911231544"/>
       </p:ext>
     </p:extLst>
   </p:cSld>
@@ -1212,7 +1207,10 @@
           <a:bodyPr/>
           <a:lstStyle/>
           <a:p>
-            <a:endParaRPr lang="en-AU" dirty="0"/>
+            <a:r>
+              <a:rPr lang="en-AU" dirty="0"/>
+              <a:t>S1</a:t>
+            </a:r>
           </a:p>
         </p:txBody>
       </p:sp>
@@ -1242,7 +1240,7 @@
     </p:spTree>
     <p:extLst>
       <p:ext uri="{BB962C8B-B14F-4D97-AF65-F5344CB8AC3E}">
-        <p14:creationId xmlns:p14="http://schemas.microsoft.com/office/powerpoint/2010/main" val="1911231544"/>
+        <p14:creationId xmlns:p14="http://schemas.microsoft.com/office/powerpoint/2010/main" val="2382596817"/>
       </p:ext>
     </p:extLst>
   </p:cSld>
@@ -1296,9 +1294,12 @@
           <a:bodyPr/>
           <a:lstStyle/>
           <a:p>
+            <a:endParaRPr lang="en-AU" dirty="0"/>
+          </a:p>
+          <a:p>
             <a:r>
               <a:rPr lang="en-AU" dirty="0"/>
-              <a:t>S1</a:t>
+              <a:t>S3</a:t>
             </a:r>
           </a:p>
         </p:txBody>
@@ -1320,7 +1321,7 @@
           <a:p>
             <a:fld id="{641213EC-B9D3-5045-8AF8-62DDD0C5C0DC}" type="slidenum">
               <a:rPr lang="en-AU" smtClean="0"/>
-              <a:t>8</a:t>
+              <a:t>9</a:t>
             </a:fld>
             <a:endParaRPr lang="en-AU"/>
           </a:p>
@@ -1329,7 +1330,7 @@
     </p:spTree>
     <p:extLst>
       <p:ext uri="{BB962C8B-B14F-4D97-AF65-F5344CB8AC3E}">
-        <p14:creationId xmlns:p14="http://schemas.microsoft.com/office/powerpoint/2010/main" val="2382596817"/>
+        <p14:creationId xmlns:p14="http://schemas.microsoft.com/office/powerpoint/2010/main" val="2818689870"/>
       </p:ext>
     </p:extLst>
   </p:cSld>
@@ -1388,7 +1389,7 @@
           <a:p>
             <a:r>
               <a:rPr lang="en-AU" dirty="0"/>
-              <a:t>S3</a:t>
+              <a:t>Figure S4</a:t>
             </a:r>
           </a:p>
         </p:txBody>
@@ -1410,7 +1411,7 @@
           <a:p>
             <a:fld id="{641213EC-B9D3-5045-8AF8-62DDD0C5C0DC}" type="slidenum">
               <a:rPr lang="en-AU" smtClean="0"/>
-              <a:t>9</a:t>
+              <a:t>10</a:t>
             </a:fld>
             <a:endParaRPr lang="en-AU"/>
           </a:p>
@@ -1419,7 +1420,7 @@
     </p:spTree>
     <p:extLst>
       <p:ext uri="{BB962C8B-B14F-4D97-AF65-F5344CB8AC3E}">
-        <p14:creationId xmlns:p14="http://schemas.microsoft.com/office/powerpoint/2010/main" val="2818689870"/>
+        <p14:creationId xmlns:p14="http://schemas.microsoft.com/office/powerpoint/2010/main" val="2461971049"/>
       </p:ext>
     </p:extLst>
   </p:cSld>
@@ -1578,7 +1579,7 @@
           <a:p>
             <a:fld id="{799B2C33-7340-E345-8D27-DAF2A30017B3}" type="datetimeFigureOut">
               <a:rPr lang="en-AU" smtClean="0"/>
-              <a:t>31/8/2024</a:t>
+              <a:t>25/10/2024</a:t>
             </a:fld>
             <a:endParaRPr lang="en-AU"/>
           </a:p>
@@ -1778,7 +1779,7 @@
           <a:p>
             <a:fld id="{799B2C33-7340-E345-8D27-DAF2A30017B3}" type="datetimeFigureOut">
               <a:rPr lang="en-AU" smtClean="0"/>
-              <a:t>31/8/2024</a:t>
+              <a:t>25/10/2024</a:t>
             </a:fld>
             <a:endParaRPr lang="en-AU"/>
           </a:p>
@@ -1988,7 +1989,7 @@
           <a:p>
             <a:fld id="{799B2C33-7340-E345-8D27-DAF2A30017B3}" type="datetimeFigureOut">
               <a:rPr lang="en-AU" smtClean="0"/>
-              <a:t>31/8/2024</a:t>
+              <a:t>25/10/2024</a:t>
             </a:fld>
             <a:endParaRPr lang="en-AU"/>
           </a:p>
@@ -2188,7 +2189,7 @@
           <a:p>
             <a:fld id="{799B2C33-7340-E345-8D27-DAF2A30017B3}" type="datetimeFigureOut">
               <a:rPr lang="en-AU" smtClean="0"/>
-              <a:t>31/8/2024</a:t>
+              <a:t>25/10/2024</a:t>
             </a:fld>
             <a:endParaRPr lang="en-AU"/>
           </a:p>
@@ -2464,7 +2465,7 @@
           <a:p>
             <a:fld id="{799B2C33-7340-E345-8D27-DAF2A30017B3}" type="datetimeFigureOut">
               <a:rPr lang="en-AU" smtClean="0"/>
-              <a:t>31/8/2024</a:t>
+              <a:t>25/10/2024</a:t>
             </a:fld>
             <a:endParaRPr lang="en-AU"/>
           </a:p>
@@ -2732,7 +2733,7 @@
           <a:p>
             <a:fld id="{799B2C33-7340-E345-8D27-DAF2A30017B3}" type="datetimeFigureOut">
               <a:rPr lang="en-AU" smtClean="0"/>
-              <a:t>31/8/2024</a:t>
+              <a:t>25/10/2024</a:t>
             </a:fld>
             <a:endParaRPr lang="en-AU"/>
           </a:p>
@@ -3147,7 +3148,7 @@
           <a:p>
             <a:fld id="{799B2C33-7340-E345-8D27-DAF2A30017B3}" type="datetimeFigureOut">
               <a:rPr lang="en-AU" smtClean="0"/>
-              <a:t>31/8/2024</a:t>
+              <a:t>25/10/2024</a:t>
             </a:fld>
             <a:endParaRPr lang="en-AU"/>
           </a:p>
@@ -3289,7 +3290,7 @@
           <a:p>
             <a:fld id="{799B2C33-7340-E345-8D27-DAF2A30017B3}" type="datetimeFigureOut">
               <a:rPr lang="en-AU" smtClean="0"/>
-              <a:t>31/8/2024</a:t>
+              <a:t>25/10/2024</a:t>
             </a:fld>
             <a:endParaRPr lang="en-AU"/>
           </a:p>
@@ -3402,7 +3403,7 @@
           <a:p>
             <a:fld id="{799B2C33-7340-E345-8D27-DAF2A30017B3}" type="datetimeFigureOut">
               <a:rPr lang="en-AU" smtClean="0"/>
-              <a:t>31/8/2024</a:t>
+              <a:t>25/10/2024</a:t>
             </a:fld>
             <a:endParaRPr lang="en-AU"/>
           </a:p>
@@ -3715,7 +3716,7 @@
           <a:p>
             <a:fld id="{799B2C33-7340-E345-8D27-DAF2A30017B3}" type="datetimeFigureOut">
               <a:rPr lang="en-AU" smtClean="0"/>
-              <a:t>31/8/2024</a:t>
+              <a:t>25/10/2024</a:t>
             </a:fld>
             <a:endParaRPr lang="en-AU"/>
           </a:p>
@@ -4004,7 +4005,7 @@
           <a:p>
             <a:fld id="{799B2C33-7340-E345-8D27-DAF2A30017B3}" type="datetimeFigureOut">
               <a:rPr lang="en-AU" smtClean="0"/>
-              <a:t>31/8/2024</a:t>
+              <a:t>25/10/2024</a:t>
             </a:fld>
             <a:endParaRPr lang="en-AU"/>
           </a:p>
@@ -4247,7 +4248,7 @@
           <a:p>
             <a:fld id="{799B2C33-7340-E345-8D27-DAF2A30017B3}" type="datetimeFigureOut">
               <a:rPr lang="en-AU" smtClean="0"/>
-              <a:t>31/8/2024</a:t>
+              <a:t>25/10/2024</a:t>
             </a:fld>
             <a:endParaRPr lang="en-AU"/>
           </a:p>
@@ -6985,6 +6986,96 @@
 </p:sld>
 </file>
 
+<file path=ppt/slides/slide12.xml><?xml version="1.0" encoding="utf-8"?>
+<p:sld xmlns:a="http://schemas.openxmlformats.org/drawingml/2006/main" xmlns:r="http://schemas.openxmlformats.org/officeDocument/2006/relationships" xmlns:p="http://schemas.openxmlformats.org/presentationml/2006/main">
+  <p:cSld>
+    <p:spTree>
+      <p:nvGrpSpPr>
+        <p:cNvPr id="1" name=""/>
+        <p:cNvGrpSpPr/>
+        <p:nvPr/>
+      </p:nvGrpSpPr>
+      <p:grpSpPr>
+        <a:xfrm>
+          <a:off x="0" y="0"/>
+          <a:ext cx="0" cy="0"/>
+          <a:chOff x="0" y="0"/>
+          <a:chExt cx="0" cy="0"/>
+        </a:xfrm>
+      </p:grpSpPr>
+      <p:pic>
+        <p:nvPicPr>
+          <p:cNvPr id="3" name="Picture 2" descr="A graph of a person and person&#10;&#10;Description automatically generated">
+            <a:extLst>
+              <a:ext uri="{FF2B5EF4-FFF2-40B4-BE49-F238E27FC236}">
+                <a16:creationId xmlns:a16="http://schemas.microsoft.com/office/drawing/2014/main" id="{955812F9-16EC-E357-6460-8DF0C65FC33F}"/>
+              </a:ext>
+            </a:extLst>
+          </p:cNvPr>
+          <p:cNvPicPr>
+            <a:picLocks noChangeAspect="1"/>
+          </p:cNvPicPr>
+          <p:nvPr/>
+        </p:nvPicPr>
+        <p:blipFill>
+          <a:blip r:embed="rId3"/>
+          <a:stretch>
+            <a:fillRect/>
+          </a:stretch>
+        </p:blipFill>
+        <p:spPr>
+          <a:xfrm>
+            <a:off x="1674091" y="0"/>
+            <a:ext cx="8431810" cy="6745448"/>
+          </a:xfrm>
+          <a:prstGeom prst="rect">
+            <a:avLst/>
+          </a:prstGeom>
+        </p:spPr>
+      </p:pic>
+      <p:pic>
+        <p:nvPicPr>
+          <p:cNvPr id="4" name="Picture 3" descr="A black background with a black square&#10;&#10;Description automatically generated with medium confidence">
+            <a:extLst>
+              <a:ext uri="{FF2B5EF4-FFF2-40B4-BE49-F238E27FC236}">
+                <a16:creationId xmlns:a16="http://schemas.microsoft.com/office/drawing/2014/main" id="{9F6571B2-C380-79ED-78F2-EA8CD71D9C4E}"/>
+              </a:ext>
+            </a:extLst>
+          </p:cNvPr>
+          <p:cNvPicPr>
+            <a:picLocks noChangeAspect="1"/>
+          </p:cNvPicPr>
+          <p:nvPr/>
+        </p:nvPicPr>
+        <p:blipFill>
+          <a:blip r:embed="rId4"/>
+          <a:stretch>
+            <a:fillRect/>
+          </a:stretch>
+        </p:blipFill>
+        <p:spPr>
+          <a:xfrm>
+            <a:off x="2624141" y="812033"/>
+            <a:ext cx="1548468" cy="795739"/>
+          </a:xfrm>
+          <a:prstGeom prst="rect">
+            <a:avLst/>
+          </a:prstGeom>
+        </p:spPr>
+      </p:pic>
+    </p:spTree>
+    <p:extLst>
+      <p:ext uri="{BB962C8B-B14F-4D97-AF65-F5344CB8AC3E}">
+        <p14:creationId xmlns:p14="http://schemas.microsoft.com/office/powerpoint/2010/main" val="2240514061"/>
+      </p:ext>
+    </p:extLst>
+  </p:cSld>
+  <p:clrMapOvr>
+    <a:masterClrMapping/>
+  </p:clrMapOvr>
+</p:sld>
+</file>
+
 <file path=ppt/slides/slide2.xml><?xml version="1.0" encoding="utf-8"?>
 <p:sld xmlns:a="http://schemas.openxmlformats.org/drawingml/2006/main" xmlns:r="http://schemas.openxmlformats.org/officeDocument/2006/relationships" xmlns:p="http://schemas.openxmlformats.org/presentationml/2006/main">
   <p:cSld>
@@ -7218,6 +7309,111 @@
           </p:spPr>
         </p:pic>
       </p:grpSp>
+      <p:sp>
+        <p:nvSpPr>
+          <p:cNvPr id="2" name="TextBox 1">
+            <a:extLst>
+              <a:ext uri="{FF2B5EF4-FFF2-40B4-BE49-F238E27FC236}">
+                <a16:creationId xmlns:a16="http://schemas.microsoft.com/office/drawing/2014/main" id="{9E23891B-9F92-BAD5-B5CF-2377B244255A}"/>
+              </a:ext>
+            </a:extLst>
+          </p:cNvPr>
+          <p:cNvSpPr txBox="1"/>
+          <p:nvPr/>
+        </p:nvSpPr>
+        <p:spPr>
+          <a:xfrm>
+            <a:off x="3366498" y="3968911"/>
+            <a:ext cx="327334" cy="369332"/>
+          </a:xfrm>
+          <a:prstGeom prst="rect">
+            <a:avLst/>
+          </a:prstGeom>
+          <a:noFill/>
+        </p:spPr>
+        <p:txBody>
+          <a:bodyPr wrap="none" rtlCol="0">
+            <a:spAutoFit/>
+          </a:bodyPr>
+          <a:lstStyle/>
+          <a:p>
+            <a:r>
+              <a:rPr lang="en-AU" b="1" dirty="0"/>
+              <a:t>A</a:t>
+            </a:r>
+          </a:p>
+        </p:txBody>
+      </p:sp>
+      <p:sp>
+        <p:nvSpPr>
+          <p:cNvPr id="3" name="TextBox 2">
+            <a:extLst>
+              <a:ext uri="{FF2B5EF4-FFF2-40B4-BE49-F238E27FC236}">
+                <a16:creationId xmlns:a16="http://schemas.microsoft.com/office/drawing/2014/main" id="{65FA4661-2243-C37B-DB2C-6DAB7D7306EA}"/>
+              </a:ext>
+            </a:extLst>
+          </p:cNvPr>
+          <p:cNvSpPr txBox="1"/>
+          <p:nvPr/>
+        </p:nvSpPr>
+        <p:spPr>
+          <a:xfrm>
+            <a:off x="5640707" y="2447134"/>
+            <a:ext cx="542777" cy="369332"/>
+          </a:xfrm>
+          <a:prstGeom prst="rect">
+            <a:avLst/>
+          </a:prstGeom>
+          <a:noFill/>
+        </p:spPr>
+        <p:txBody>
+          <a:bodyPr wrap="none" rtlCol="0">
+            <a:spAutoFit/>
+          </a:bodyPr>
+          <a:lstStyle/>
+          <a:p>
+            <a:r>
+              <a:rPr lang="en-AU" b="1" dirty="0"/>
+              <a:t>A,B</a:t>
+            </a:r>
+          </a:p>
+        </p:txBody>
+      </p:sp>
+      <p:sp>
+        <p:nvSpPr>
+          <p:cNvPr id="4" name="TextBox 3">
+            <a:extLst>
+              <a:ext uri="{FF2B5EF4-FFF2-40B4-BE49-F238E27FC236}">
+                <a16:creationId xmlns:a16="http://schemas.microsoft.com/office/drawing/2014/main" id="{6F26CB51-C685-368E-861E-E89300FED8D9}"/>
+              </a:ext>
+            </a:extLst>
+          </p:cNvPr>
+          <p:cNvSpPr txBox="1"/>
+          <p:nvPr/>
+        </p:nvSpPr>
+        <p:spPr>
+          <a:xfrm>
+            <a:off x="8093896" y="782955"/>
+            <a:ext cx="327334" cy="369332"/>
+          </a:xfrm>
+          <a:prstGeom prst="rect">
+            <a:avLst/>
+          </a:prstGeom>
+          <a:noFill/>
+        </p:spPr>
+        <p:txBody>
+          <a:bodyPr wrap="none" rtlCol="0">
+            <a:spAutoFit/>
+          </a:bodyPr>
+          <a:lstStyle/>
+          <a:p>
+            <a:r>
+              <a:rPr lang="en-AU" b="1" dirty="0"/>
+              <a:t>B</a:t>
+            </a:r>
+          </a:p>
+        </p:txBody>
+      </p:sp>
     </p:spTree>
     <p:extLst>
       <p:ext uri="{BB962C8B-B14F-4D97-AF65-F5344CB8AC3E}">
@@ -8230,7 +8426,7 @@
         </p:blipFill>
         <p:spPr>
           <a:xfrm>
-            <a:off x="6617560" y="-89940"/>
+            <a:off x="6632551" y="749509"/>
             <a:ext cx="1548468" cy="795739"/>
           </a:xfrm>
           <a:prstGeom prst="rect">
@@ -8298,6 +8494,36 @@
           </a:prstGeom>
         </p:spPr>
       </p:pic>
+      <p:pic>
+        <p:nvPicPr>
+          <p:cNvPr id="2" name="Picture 1" descr="A black background with a black square&#10;&#10;Description automatically generated with medium confidence">
+            <a:extLst>
+              <a:ext uri="{FF2B5EF4-FFF2-40B4-BE49-F238E27FC236}">
+                <a16:creationId xmlns:a16="http://schemas.microsoft.com/office/drawing/2014/main" id="{0DEAB0A9-42A2-01E6-D8EF-4A5314F3A82A}"/>
+              </a:ext>
+            </a:extLst>
+          </p:cNvPr>
+          <p:cNvPicPr>
+            <a:picLocks noChangeAspect="1"/>
+          </p:cNvPicPr>
+          <p:nvPr/>
+        </p:nvPicPr>
+        <p:blipFill>
+          <a:blip r:embed="rId4"/>
+          <a:stretch>
+            <a:fillRect/>
+          </a:stretch>
+        </p:blipFill>
+        <p:spPr>
+          <a:xfrm>
+            <a:off x="7702766" y="576016"/>
+            <a:ext cx="1873647" cy="962844"/>
+          </a:xfrm>
+          <a:prstGeom prst="rect">
+            <a:avLst/>
+          </a:prstGeom>
+        </p:spPr>
+      </p:pic>
     </p:spTree>
     <p:extLst>
       <p:ext uri="{BB962C8B-B14F-4D97-AF65-F5344CB8AC3E}">
@@ -8330,10 +8556,10 @@
       </p:grpSpPr>
       <p:pic>
         <p:nvPicPr>
-          <p:cNvPr id="3" name="Picture 2" descr="A graph of a person and person&#10;&#10;Description automatically generated">
-            <a:extLst>
-              <a:ext uri="{FF2B5EF4-FFF2-40B4-BE49-F238E27FC236}">
-                <a16:creationId xmlns:a16="http://schemas.microsoft.com/office/drawing/2014/main" id="{955812F9-16EC-E357-6460-8DF0C65FC33F}"/>
+          <p:cNvPr id="19" name="Picture 18" descr="A diagram of a number of menstrual cycle&#10;&#10;Description automatically generated">
+            <a:extLst>
+              <a:ext uri="{FF2B5EF4-FFF2-40B4-BE49-F238E27FC236}">
+                <a16:creationId xmlns:a16="http://schemas.microsoft.com/office/drawing/2014/main" id="{D7D8ABFA-A700-3994-3B36-60CC9F49BCC7}"/>
               </a:ext>
             </a:extLst>
           </p:cNvPr>
@@ -8350,20 +8576,125 @@
         </p:blipFill>
         <p:spPr>
           <a:xfrm>
-            <a:off x="1674091" y="0"/>
-            <a:ext cx="8431810" cy="6745448"/>
+            <a:off x="1157404" y="-1"/>
+            <a:ext cx="8571211" cy="6856969"/>
           </a:xfrm>
           <a:prstGeom prst="rect">
             <a:avLst/>
           </a:prstGeom>
         </p:spPr>
       </p:pic>
+      <p:sp>
+        <p:nvSpPr>
+          <p:cNvPr id="20" name="TextBox 19">
+            <a:extLst>
+              <a:ext uri="{FF2B5EF4-FFF2-40B4-BE49-F238E27FC236}">
+                <a16:creationId xmlns:a16="http://schemas.microsoft.com/office/drawing/2014/main" id="{C06EE021-DC48-A0A0-AF81-D9A9D0BF584A}"/>
+              </a:ext>
+            </a:extLst>
+          </p:cNvPr>
+          <p:cNvSpPr txBox="1"/>
+          <p:nvPr/>
+        </p:nvSpPr>
+        <p:spPr>
+          <a:xfrm>
+            <a:off x="3141647" y="3950071"/>
+            <a:ext cx="295274" cy="307777"/>
+          </a:xfrm>
+          <a:prstGeom prst="rect">
+            <a:avLst/>
+          </a:prstGeom>
+          <a:noFill/>
+        </p:spPr>
+        <p:txBody>
+          <a:bodyPr wrap="none" rtlCol="0">
+            <a:spAutoFit/>
+          </a:bodyPr>
+          <a:lstStyle/>
+          <a:p>
+            <a:r>
+              <a:rPr lang="en-AU" sz="1400" b="1" dirty="0"/>
+              <a:t>A</a:t>
+            </a:r>
+          </a:p>
+        </p:txBody>
+      </p:sp>
+      <p:sp>
+        <p:nvSpPr>
+          <p:cNvPr id="21" name="TextBox 20">
+            <a:extLst>
+              <a:ext uri="{FF2B5EF4-FFF2-40B4-BE49-F238E27FC236}">
+                <a16:creationId xmlns:a16="http://schemas.microsoft.com/office/drawing/2014/main" id="{F5CE6147-01CE-488A-2852-92F5BBEC82C9}"/>
+              </a:ext>
+            </a:extLst>
+          </p:cNvPr>
+          <p:cNvSpPr txBox="1"/>
+          <p:nvPr/>
+        </p:nvSpPr>
+        <p:spPr>
+          <a:xfrm>
+            <a:off x="5527737" y="2343798"/>
+            <a:ext cx="463332" cy="307777"/>
+          </a:xfrm>
+          <a:prstGeom prst="rect">
+            <a:avLst/>
+          </a:prstGeom>
+          <a:noFill/>
+        </p:spPr>
+        <p:txBody>
+          <a:bodyPr wrap="none" rtlCol="0">
+            <a:spAutoFit/>
+          </a:bodyPr>
+          <a:lstStyle/>
+          <a:p>
+            <a:r>
+              <a:rPr lang="en-AU" sz="1400" b="1" dirty="0"/>
+              <a:t>A,B</a:t>
+            </a:r>
+          </a:p>
+        </p:txBody>
+      </p:sp>
+      <p:sp>
+        <p:nvSpPr>
+          <p:cNvPr id="22" name="TextBox 21">
+            <a:extLst>
+              <a:ext uri="{FF2B5EF4-FFF2-40B4-BE49-F238E27FC236}">
+                <a16:creationId xmlns:a16="http://schemas.microsoft.com/office/drawing/2014/main" id="{F00B4E72-B120-7CAC-9993-5A0E12DCB6E9}"/>
+              </a:ext>
+            </a:extLst>
+          </p:cNvPr>
+          <p:cNvSpPr txBox="1"/>
+          <p:nvPr/>
+        </p:nvSpPr>
+        <p:spPr>
+          <a:xfrm>
+            <a:off x="8004995" y="709336"/>
+            <a:ext cx="295274" cy="307777"/>
+          </a:xfrm>
+          <a:prstGeom prst="rect">
+            <a:avLst/>
+          </a:prstGeom>
+          <a:noFill/>
+        </p:spPr>
+        <p:txBody>
+          <a:bodyPr wrap="none" rtlCol="0">
+            <a:spAutoFit/>
+          </a:bodyPr>
+          <a:lstStyle/>
+          <a:p>
+            <a:r>
+              <a:rPr lang="en-AU" sz="1400" b="1" dirty="0"/>
+              <a:t>B</a:t>
+            </a:r>
+          </a:p>
+        </p:txBody>
+      </p:sp>
       <p:pic>
         <p:nvPicPr>
-          <p:cNvPr id="4" name="Picture 3" descr="A black background with a black square&#10;&#10;Description automatically generated with medium confidence">
-            <a:extLst>
-              <a:ext uri="{FF2B5EF4-FFF2-40B4-BE49-F238E27FC236}">
-                <a16:creationId xmlns:a16="http://schemas.microsoft.com/office/drawing/2014/main" id="{9F6571B2-C380-79ED-78F2-EA8CD71D9C4E}"/>
+          <p:cNvPr id="23" name="Picture 22" descr="A group of eggs in a pile&#10;&#10;Description automatically generated">
+            <a:extLst>
+              <a:ext uri="{FF2B5EF4-FFF2-40B4-BE49-F238E27FC236}">
+                <a16:creationId xmlns:a16="http://schemas.microsoft.com/office/drawing/2014/main" id="{A322F514-6653-1FDB-7E16-7DFAD9F3A712}"/>
               </a:ext>
             </a:extLst>
           </p:cNvPr>
@@ -8380,8 +8711,8 @@
         </p:blipFill>
         <p:spPr>
           <a:xfrm>
-            <a:off x="2624141" y="812033"/>
-            <a:ext cx="1548468" cy="795739"/>
+            <a:off x="2167582" y="212178"/>
+            <a:ext cx="1293255" cy="1206513"/>
           </a:xfrm>
           <a:prstGeom prst="rect">
             <a:avLst/>
@@ -8391,7 +8722,7 @@
     </p:spTree>
     <p:extLst>
       <p:ext uri="{BB962C8B-B14F-4D97-AF65-F5344CB8AC3E}">
-        <p14:creationId xmlns:p14="http://schemas.microsoft.com/office/powerpoint/2010/main" val="2240514061"/>
+        <p14:creationId xmlns:p14="http://schemas.microsoft.com/office/powerpoint/2010/main" val="1132515170"/>
       </p:ext>
     </p:extLst>
   </p:cSld>
@@ -8420,10 +8751,10 @@
       </p:grpSpPr>
       <p:pic>
         <p:nvPicPr>
-          <p:cNvPr id="19" name="Picture 18" descr="A diagram of a number of menstrual cycle&#10;&#10;Description automatically generated">
-            <a:extLst>
-              <a:ext uri="{FF2B5EF4-FFF2-40B4-BE49-F238E27FC236}">
-                <a16:creationId xmlns:a16="http://schemas.microsoft.com/office/drawing/2014/main" id="{D7D8ABFA-A700-3994-3B36-60CC9F49BCC7}"/>
+          <p:cNvPr id="4" name="Picture 3">
+            <a:extLst>
+              <a:ext uri="{FF2B5EF4-FFF2-40B4-BE49-F238E27FC236}">
+                <a16:creationId xmlns:a16="http://schemas.microsoft.com/office/drawing/2014/main" id="{FF623783-550B-C4FD-A32C-DACB71687C47}"/>
               </a:ext>
             </a:extLst>
           </p:cNvPr>
@@ -8433,150 +8764,15 @@
           <p:nvPr/>
         </p:nvPicPr>
         <p:blipFill>
-          <a:blip r:embed="rId3"/>
+          <a:blip r:embed="rId2"/>
           <a:stretch>
             <a:fillRect/>
           </a:stretch>
         </p:blipFill>
         <p:spPr>
           <a:xfrm>
-            <a:off x="1157404" y="-1"/>
-            <a:ext cx="8571211" cy="6856969"/>
-          </a:xfrm>
-          <a:prstGeom prst="rect">
-            <a:avLst/>
-          </a:prstGeom>
-        </p:spPr>
-      </p:pic>
-      <p:sp>
-        <p:nvSpPr>
-          <p:cNvPr id="20" name="TextBox 19">
-            <a:extLst>
-              <a:ext uri="{FF2B5EF4-FFF2-40B4-BE49-F238E27FC236}">
-                <a16:creationId xmlns:a16="http://schemas.microsoft.com/office/drawing/2014/main" id="{C06EE021-DC48-A0A0-AF81-D9A9D0BF584A}"/>
-              </a:ext>
-            </a:extLst>
-          </p:cNvPr>
-          <p:cNvSpPr txBox="1"/>
-          <p:nvPr/>
-        </p:nvSpPr>
-        <p:spPr>
-          <a:xfrm>
-            <a:off x="3141647" y="3950071"/>
-            <a:ext cx="295274" cy="307777"/>
-          </a:xfrm>
-          <a:prstGeom prst="rect">
-            <a:avLst/>
-          </a:prstGeom>
-          <a:noFill/>
-        </p:spPr>
-        <p:txBody>
-          <a:bodyPr wrap="none" rtlCol="0">
-            <a:spAutoFit/>
-          </a:bodyPr>
-          <a:lstStyle/>
-          <a:p>
-            <a:r>
-              <a:rPr lang="en-AU" sz="1400" b="1" dirty="0"/>
-              <a:t>A</a:t>
-            </a:r>
-          </a:p>
-        </p:txBody>
-      </p:sp>
-      <p:sp>
-        <p:nvSpPr>
-          <p:cNvPr id="21" name="TextBox 20">
-            <a:extLst>
-              <a:ext uri="{FF2B5EF4-FFF2-40B4-BE49-F238E27FC236}">
-                <a16:creationId xmlns:a16="http://schemas.microsoft.com/office/drawing/2014/main" id="{F5CE6147-01CE-488A-2852-92F5BBEC82C9}"/>
-              </a:ext>
-            </a:extLst>
-          </p:cNvPr>
-          <p:cNvSpPr txBox="1"/>
-          <p:nvPr/>
-        </p:nvSpPr>
-        <p:spPr>
-          <a:xfrm>
-            <a:off x="5527737" y="2343798"/>
-            <a:ext cx="463332" cy="307777"/>
-          </a:xfrm>
-          <a:prstGeom prst="rect">
-            <a:avLst/>
-          </a:prstGeom>
-          <a:noFill/>
-        </p:spPr>
-        <p:txBody>
-          <a:bodyPr wrap="none" rtlCol="0">
-            <a:spAutoFit/>
-          </a:bodyPr>
-          <a:lstStyle/>
-          <a:p>
-            <a:r>
-              <a:rPr lang="en-AU" sz="1400" b="1" dirty="0"/>
-              <a:t>A,B</a:t>
-            </a:r>
-          </a:p>
-        </p:txBody>
-      </p:sp>
-      <p:sp>
-        <p:nvSpPr>
-          <p:cNvPr id="22" name="TextBox 21">
-            <a:extLst>
-              <a:ext uri="{FF2B5EF4-FFF2-40B4-BE49-F238E27FC236}">
-                <a16:creationId xmlns:a16="http://schemas.microsoft.com/office/drawing/2014/main" id="{F00B4E72-B120-7CAC-9993-5A0E12DCB6E9}"/>
-              </a:ext>
-            </a:extLst>
-          </p:cNvPr>
-          <p:cNvSpPr txBox="1"/>
-          <p:nvPr/>
-        </p:nvSpPr>
-        <p:spPr>
-          <a:xfrm>
-            <a:off x="8004995" y="709336"/>
-            <a:ext cx="295274" cy="307777"/>
-          </a:xfrm>
-          <a:prstGeom prst="rect">
-            <a:avLst/>
-          </a:prstGeom>
-          <a:noFill/>
-        </p:spPr>
-        <p:txBody>
-          <a:bodyPr wrap="none" rtlCol="0">
-            <a:spAutoFit/>
-          </a:bodyPr>
-          <a:lstStyle/>
-          <a:p>
-            <a:r>
-              <a:rPr lang="en-AU" sz="1400" b="1" dirty="0"/>
-              <a:t>B</a:t>
-            </a:r>
-          </a:p>
-        </p:txBody>
-      </p:sp>
-      <p:pic>
-        <p:nvPicPr>
-          <p:cNvPr id="23" name="Picture 22" descr="A group of eggs in a pile&#10;&#10;Description automatically generated">
-            <a:extLst>
-              <a:ext uri="{FF2B5EF4-FFF2-40B4-BE49-F238E27FC236}">
-                <a16:creationId xmlns:a16="http://schemas.microsoft.com/office/drawing/2014/main" id="{A322F514-6653-1FDB-7E16-7DFAD9F3A712}"/>
-              </a:ext>
-            </a:extLst>
-          </p:cNvPr>
-          <p:cNvPicPr>
-            <a:picLocks noChangeAspect="1"/>
-          </p:cNvPicPr>
-          <p:nvPr/>
-        </p:nvPicPr>
-        <p:blipFill>
-          <a:blip r:embed="rId4"/>
-          <a:stretch>
-            <a:fillRect/>
-          </a:stretch>
-        </p:blipFill>
-        <p:spPr>
-          <a:xfrm>
-            <a:off x="2167582" y="212178"/>
-            <a:ext cx="1293255" cy="1206513"/>
+            <a:off x="1955140" y="-1"/>
+            <a:ext cx="7925130" cy="6627653"/>
           </a:xfrm>
           <a:prstGeom prst="rect">
             <a:avLst/>
@@ -8586,7 +8782,7 @@
     </p:spTree>
     <p:extLst>
       <p:ext uri="{BB962C8B-B14F-4D97-AF65-F5344CB8AC3E}">
-        <p14:creationId xmlns:p14="http://schemas.microsoft.com/office/powerpoint/2010/main" val="1132515170"/>
+        <p14:creationId xmlns:p14="http://schemas.microsoft.com/office/powerpoint/2010/main" val="634380228"/>
       </p:ext>
     </p:extLst>
   </p:cSld>
